--- a/slides/slides_session-5.pptx
+++ b/slides/slides_session-5.pptx
@@ -85,121 +85,7 @@
               <a:rPr b="0" lang="en-US" sz="4400" spc="-1" strike="noStrike">
                 <a:latin typeface="Arial"/>
               </a:rPr>
-              <a:t>C</a:t>
-            </a:r>
-            <a:r>
-              <a:rPr b="0" lang="en-US" sz="4400" spc="-1" strike="noStrike">
-                <a:latin typeface="Arial"/>
-              </a:rPr>
-              <a:t>li</a:t>
-            </a:r>
-            <a:r>
-              <a:rPr b="0" lang="en-US" sz="4400" spc="-1" strike="noStrike">
-                <a:latin typeface="Arial"/>
-              </a:rPr>
-              <a:t>c</a:t>
-            </a:r>
-            <a:r>
-              <a:rPr b="0" lang="en-US" sz="4400" spc="-1" strike="noStrike">
-                <a:latin typeface="Arial"/>
-              </a:rPr>
-              <a:t>k </a:t>
-            </a:r>
-            <a:r>
-              <a:rPr b="0" lang="en-US" sz="4400" spc="-1" strike="noStrike">
-                <a:latin typeface="Arial"/>
-              </a:rPr>
-              <a:t>t</a:t>
-            </a:r>
-            <a:r>
-              <a:rPr b="0" lang="en-US" sz="4400" spc="-1" strike="noStrike">
-                <a:latin typeface="Arial"/>
-              </a:rPr>
-              <a:t>o</a:t>
-            </a:r>
-            <a:r>
-              <a:rPr b="0" lang="en-US" sz="4400" spc="-1" strike="noStrike">
-                <a:latin typeface="Arial"/>
-              </a:rPr>
-              <a:t> </a:t>
-            </a:r>
-            <a:r>
-              <a:rPr b="0" lang="en-US" sz="4400" spc="-1" strike="noStrike">
-                <a:latin typeface="Arial"/>
-              </a:rPr>
-              <a:t>m</a:t>
-            </a:r>
-            <a:r>
-              <a:rPr b="0" lang="en-US" sz="4400" spc="-1" strike="noStrike">
-                <a:latin typeface="Arial"/>
-              </a:rPr>
-              <a:t>o</a:t>
-            </a:r>
-            <a:r>
-              <a:rPr b="0" lang="en-US" sz="4400" spc="-1" strike="noStrike">
-                <a:latin typeface="Arial"/>
-              </a:rPr>
-              <a:t>v</a:t>
-            </a:r>
-            <a:r>
-              <a:rPr b="0" lang="en-US" sz="4400" spc="-1" strike="noStrike">
-                <a:latin typeface="Arial"/>
-              </a:rPr>
-              <a:t>e</a:t>
-            </a:r>
-            <a:r>
-              <a:rPr b="0" lang="en-US" sz="4400" spc="-1" strike="noStrike">
-                <a:latin typeface="Arial"/>
-              </a:rPr>
-              <a:t> </a:t>
-            </a:r>
-            <a:r>
-              <a:rPr b="0" lang="en-US" sz="4400" spc="-1" strike="noStrike">
-                <a:latin typeface="Arial"/>
-              </a:rPr>
-              <a:t>t</a:t>
-            </a:r>
-            <a:r>
-              <a:rPr b="0" lang="en-US" sz="4400" spc="-1" strike="noStrike">
-                <a:latin typeface="Arial"/>
-              </a:rPr>
-              <a:t>h</a:t>
-            </a:r>
-            <a:r>
-              <a:rPr b="0" lang="en-US" sz="4400" spc="-1" strike="noStrike">
-                <a:latin typeface="Arial"/>
-              </a:rPr>
-              <a:t>e</a:t>
-            </a:r>
-            <a:r>
-              <a:rPr b="0" lang="en-US" sz="4400" spc="-1" strike="noStrike">
-                <a:latin typeface="Arial"/>
-              </a:rPr>
-              <a:t> </a:t>
-            </a:r>
-            <a:r>
-              <a:rPr b="0" lang="en-US" sz="4400" spc="-1" strike="noStrike">
-                <a:latin typeface="Arial"/>
-              </a:rPr>
-              <a:t>s</a:t>
-            </a:r>
-            <a:r>
-              <a:rPr b="0" lang="en-US" sz="4400" spc="-1" strike="noStrike">
-                <a:latin typeface="Arial"/>
-              </a:rPr>
-              <a:t>li</a:t>
-            </a:r>
-            <a:r>
-              <a:rPr b="0" lang="en-US" sz="4400" spc="-1" strike="noStrike">
-                <a:latin typeface="Arial"/>
-              </a:rPr>
-              <a:t>d</a:t>
-            </a:r>
-            <a:r>
-              <a:rPr b="0" lang="en-US" sz="4400" spc="-1" strike="noStrike">
-                <a:latin typeface="Arial"/>
-              </a:rPr>
-              <a:t>e</a:t>
+              <a:t>Click to move the slide</a:t>
             </a:r>
             <a:endParaRPr b="0" lang="en-US" sz="4400" spc="-1" strike="noStrike">
               <a:latin typeface="Arial"/>
@@ -233,175 +119,7 @@
               <a:rPr b="0" lang="en-US" sz="2000" spc="-1" strike="noStrike">
                 <a:latin typeface="Arial"/>
               </a:rPr>
-              <a:t>Cl</a:t>
-            </a:r>
-            <a:r>
-              <a:rPr b="0" lang="en-US" sz="2000" spc="-1" strike="noStrike">
-                <a:latin typeface="Arial"/>
-              </a:rPr>
-              <a:t>i</a:t>
-            </a:r>
-            <a:r>
-              <a:rPr b="0" lang="en-US" sz="2000" spc="-1" strike="noStrike">
-                <a:latin typeface="Arial"/>
-              </a:rPr>
-              <a:t>c</a:t>
-            </a:r>
-            <a:r>
-              <a:rPr b="0" lang="en-US" sz="2000" spc="-1" strike="noStrike">
-                <a:latin typeface="Arial"/>
-              </a:rPr>
-              <a:t>k</a:t>
-            </a:r>
-            <a:r>
-              <a:rPr b="0" lang="en-US" sz="2000" spc="-1" strike="noStrike">
-                <a:latin typeface="Arial"/>
-              </a:rPr>
-              <a:t> </a:t>
-            </a:r>
-            <a:r>
-              <a:rPr b="0" lang="en-US" sz="2000" spc="-1" strike="noStrike">
-                <a:latin typeface="Arial"/>
-              </a:rPr>
-              <a:t>t</a:t>
-            </a:r>
-            <a:r>
-              <a:rPr b="0" lang="en-US" sz="2000" spc="-1" strike="noStrike">
-                <a:latin typeface="Arial"/>
-              </a:rPr>
-              <a:t>o</a:t>
-            </a:r>
-            <a:r>
-              <a:rPr b="0" lang="en-US" sz="2000" spc="-1" strike="noStrike">
-                <a:latin typeface="Arial"/>
-              </a:rPr>
-              <a:t> </a:t>
-            </a:r>
-            <a:r>
-              <a:rPr b="0" lang="en-US" sz="2000" spc="-1" strike="noStrike">
-                <a:latin typeface="Arial"/>
-              </a:rPr>
-              <a:t>e</a:t>
-            </a:r>
-            <a:r>
-              <a:rPr b="0" lang="en-US" sz="2000" spc="-1" strike="noStrike">
-                <a:latin typeface="Arial"/>
-              </a:rPr>
-              <a:t>d</a:t>
-            </a:r>
-            <a:r>
-              <a:rPr b="0" lang="en-US" sz="2000" spc="-1" strike="noStrike">
-                <a:latin typeface="Arial"/>
-              </a:rPr>
-              <a:t>i</a:t>
-            </a:r>
-            <a:r>
-              <a:rPr b="0" lang="en-US" sz="2000" spc="-1" strike="noStrike">
-                <a:latin typeface="Arial"/>
-              </a:rPr>
-              <a:t>t</a:t>
-            </a:r>
-            <a:r>
-              <a:rPr b="0" lang="en-US" sz="2000" spc="-1" strike="noStrike">
-                <a:latin typeface="Arial"/>
-              </a:rPr>
-              <a:t> </a:t>
-            </a:r>
-            <a:r>
-              <a:rPr b="0" lang="en-US" sz="2000" spc="-1" strike="noStrike">
-                <a:latin typeface="Arial"/>
-              </a:rPr>
-              <a:t>t</a:t>
-            </a:r>
-            <a:r>
-              <a:rPr b="0" lang="en-US" sz="2000" spc="-1" strike="noStrike">
-                <a:latin typeface="Arial"/>
-              </a:rPr>
-              <a:t>h</a:t>
-            </a:r>
-            <a:r>
-              <a:rPr b="0" lang="en-US" sz="2000" spc="-1" strike="noStrike">
-                <a:latin typeface="Arial"/>
-              </a:rPr>
-              <a:t>e</a:t>
-            </a:r>
-            <a:r>
-              <a:rPr b="0" lang="en-US" sz="2000" spc="-1" strike="noStrike">
-                <a:latin typeface="Arial"/>
-              </a:rPr>
-              <a:t> </a:t>
-            </a:r>
-            <a:r>
-              <a:rPr b="0" lang="en-US" sz="2000" spc="-1" strike="noStrike">
-                <a:latin typeface="Arial"/>
-              </a:rPr>
-              <a:t>n</a:t>
-            </a:r>
-            <a:r>
-              <a:rPr b="0" lang="en-US" sz="2000" spc="-1" strike="noStrike">
-                <a:latin typeface="Arial"/>
-              </a:rPr>
-              <a:t>o</a:t>
-            </a:r>
-            <a:r>
-              <a:rPr b="0" lang="en-US" sz="2000" spc="-1" strike="noStrike">
-                <a:latin typeface="Arial"/>
-              </a:rPr>
-              <a:t>t</a:t>
-            </a:r>
-            <a:r>
-              <a:rPr b="0" lang="en-US" sz="2000" spc="-1" strike="noStrike">
-                <a:latin typeface="Arial"/>
-              </a:rPr>
-              <a:t>e</a:t>
-            </a:r>
-            <a:r>
-              <a:rPr b="0" lang="en-US" sz="2000" spc="-1" strike="noStrike">
-                <a:latin typeface="Arial"/>
-              </a:rPr>
-              <a:t>s</a:t>
-            </a:r>
-            <a:r>
-              <a:rPr b="0" lang="en-US" sz="2000" spc="-1" strike="noStrike">
-                <a:latin typeface="Arial"/>
-              </a:rPr>
-              <a:t> </a:t>
-            </a:r>
-            <a:r>
-              <a:rPr b="0" lang="en-US" sz="2000" spc="-1" strike="noStrike">
-                <a:latin typeface="Arial"/>
-              </a:rPr>
-              <a:t>f</a:t>
-            </a:r>
-            <a:r>
-              <a:rPr b="0" lang="en-US" sz="2000" spc="-1" strike="noStrike">
-                <a:latin typeface="Arial"/>
-              </a:rPr>
-              <a:t>o</a:t>
-            </a:r>
-            <a:r>
-              <a:rPr b="0" lang="en-US" sz="2000" spc="-1" strike="noStrike">
-                <a:latin typeface="Arial"/>
-              </a:rPr>
-              <a:t>r</a:t>
-            </a:r>
-            <a:r>
-              <a:rPr b="0" lang="en-US" sz="2000" spc="-1" strike="noStrike">
-                <a:latin typeface="Arial"/>
-              </a:rPr>
-              <a:t>m</a:t>
-            </a:r>
-            <a:r>
-              <a:rPr b="0" lang="en-US" sz="2000" spc="-1" strike="noStrike">
-                <a:latin typeface="Arial"/>
-              </a:rPr>
-              <a:t>a</a:t>
-            </a:r>
-            <a:r>
-              <a:rPr b="0" lang="en-US" sz="2000" spc="-1" strike="noStrike">
-                <a:latin typeface="Arial"/>
-              </a:rPr>
-              <a:t>t</a:t>
+              <a:t>Click to edit the notes format</a:t>
             </a:r>
             <a:endParaRPr b="0" lang="en-US" sz="2000" spc="-1" strike="noStrike">
               <a:latin typeface="Arial"/>
@@ -435,7 +153,7 @@
               <a:rPr b="0" lang="en-US" sz="1400" spc="-1" strike="noStrike">
                 <a:latin typeface="Times New Roman"/>
               </a:rPr>
-              <a:t> </a:t>
+              <a:t>&lt;header&gt;</a:t>
             </a:r>
             <a:endParaRPr b="0" lang="en-US" sz="1400" spc="-1" strike="noStrike">
               <a:latin typeface="Times New Roman"/>
@@ -470,7 +188,7 @@
               <a:rPr b="0" lang="en-US" sz="1400" spc="-1" strike="noStrike">
                 <a:latin typeface="Times New Roman"/>
               </a:rPr>
-              <a:t> </a:t>
+              <a:t>&lt;date/time&gt;</a:t>
             </a:r>
             <a:endParaRPr b="0" lang="en-US" sz="1400" spc="-1" strike="noStrike">
               <a:latin typeface="Times New Roman"/>
@@ -504,7 +222,7 @@
               <a:rPr b="0" lang="en-US" sz="1400" spc="-1" strike="noStrike">
                 <a:latin typeface="Times New Roman"/>
               </a:rPr>
-              <a:t> </a:t>
+              <a:t>&lt;footer&gt;</a:t>
             </a:r>
             <a:endParaRPr b="0" lang="en-US" sz="1400" spc="-1" strike="noStrike">
               <a:latin typeface="Times New Roman"/>
@@ -535,11 +253,11 @@
           <a:bodyPr lIns="0" rIns="0" tIns="0" bIns="0" anchor="b"/>
           <a:p>
             <a:pPr algn="r"/>
-            <a:fld id="{AA917400-F4CA-4ED9-AFB1-9E7F108E8104}" type="slidenum">
+            <a:fld id="{89407AEE-1756-448C-903A-06EF8E87A0A6}" type="slidenum">
               <a:rPr b="0" lang="en-US" sz="1400" spc="-1" strike="noStrike">
                 <a:latin typeface="Times New Roman"/>
               </a:rPr>
-              <a:t>1</a:t>
+              <a:t>&lt;number&gt;</a:t>
             </a:fld>
             <a:endParaRPr b="0" lang="en-US" sz="1400" spc="-1" strike="noStrike">
               <a:latin typeface="Times New Roman"/>
@@ -583,7 +301,7 @@
         <p:spPr>
           <a:xfrm>
             <a:off x="950760" y="684360"/>
-            <a:ext cx="4947840" cy="3423600"/>
+            <a:ext cx="4947480" cy="3423240"/>
           </a:xfrm>
           <a:prstGeom prst="rect">
             <a:avLst/>
@@ -603,7 +321,7 @@
         <p:spPr>
           <a:xfrm>
             <a:off x="913320" y="4343400"/>
-            <a:ext cx="5024880" cy="4109040"/>
+            <a:ext cx="5024520" cy="4108680"/>
           </a:xfrm>
           <a:prstGeom prst="rect">
             <a:avLst/>
@@ -612,7 +330,7 @@
         <p:txBody>
           <a:bodyPr lIns="0" rIns="0" tIns="0" bIns="0"/>
           <a:p>
-            <a:pPr marL="216000" indent="-209880">
+            <a:pPr marL="216000" indent="-209520">
               <a:lnSpc>
                 <a:spcPct val="100000"/>
               </a:lnSpc>
@@ -638,7 +356,7 @@
         <p:spPr>
           <a:xfrm>
             <a:off x="3885120" y="8687160"/>
-            <a:ext cx="2966760" cy="450360"/>
+            <a:ext cx="2966400" cy="450000"/>
           </a:xfrm>
           <a:prstGeom prst="rect">
             <a:avLst/>
@@ -662,7 +380,7 @@
                 <a:spcPct val="100000"/>
               </a:lnSpc>
             </a:pPr>
-            <a:fld id="{922F6C9B-CF12-4E94-9E6F-6C5BE1E78AEA}" type="slidenum">
+            <a:fld id="{AC5F4A6F-5E87-4AAA-9403-09C91A6C421C}" type="slidenum">
               <a:rPr b="0" lang="en-US" sz="1800" spc="-1" strike="noStrike">
                 <a:solidFill>
                   <a:srgbClr val="000000"/>
@@ -670,7 +388,7 @@
                 <a:latin typeface="Arial"/>
                 <a:ea typeface="+mn-ea"/>
               </a:rPr>
-              <a:t>1</a:t>
+              <a:t>&lt;number&gt;</a:t>
             </a:fld>
             <a:endParaRPr b="0" lang="en-US" sz="1800" spc="-1" strike="noStrike">
               <a:latin typeface="Arial"/>
@@ -713,7 +431,7 @@
         <p:spPr>
           <a:xfrm>
             <a:off x="950760" y="684360"/>
-            <a:ext cx="4947840" cy="3423600"/>
+            <a:ext cx="4947480" cy="3423240"/>
           </a:xfrm>
           <a:prstGeom prst="rect">
             <a:avLst/>
@@ -733,7 +451,7 @@
         <p:spPr>
           <a:xfrm>
             <a:off x="913320" y="4343400"/>
-            <a:ext cx="5024880" cy="4109040"/>
+            <a:ext cx="5024520" cy="4108680"/>
           </a:xfrm>
           <a:prstGeom prst="rect">
             <a:avLst/>
@@ -742,7 +460,7 @@
         <p:txBody>
           <a:bodyPr lIns="0" rIns="0" tIns="0" bIns="0"/>
           <a:p>
-            <a:pPr marL="216000" indent="-209880">
+            <a:pPr marL="216000" indent="-209520">
               <a:lnSpc>
                 <a:spcPct val="100000"/>
               </a:lnSpc>
@@ -768,7 +486,7 @@
         <p:spPr>
           <a:xfrm>
             <a:off x="3885120" y="8687160"/>
-            <a:ext cx="2966760" cy="450360"/>
+            <a:ext cx="2966400" cy="450000"/>
           </a:xfrm>
           <a:prstGeom prst="rect">
             <a:avLst/>
@@ -792,7 +510,7 @@
                 <a:spcPct val="100000"/>
               </a:lnSpc>
             </a:pPr>
-            <a:fld id="{E538CF64-97C1-46CE-8EFB-9FDC32C839A0}" type="slidenum">
+            <a:fld id="{C9831F2A-A37D-4BB2-90DA-1F4DF2209070}" type="slidenum">
               <a:rPr b="0" lang="en-US" sz="1800" spc="-1" strike="noStrike">
                 <a:solidFill>
                   <a:srgbClr val="000000"/>
@@ -800,7 +518,7 @@
                 <a:latin typeface="Arial"/>
                 <a:ea typeface="+mn-ea"/>
               </a:rPr>
-              <a:t>1</a:t>
+              <a:t>&lt;number&gt;</a:t>
             </a:fld>
             <a:endParaRPr b="0" lang="en-US" sz="1800" spc="-1" strike="noStrike">
               <a:latin typeface="Arial"/>
@@ -843,7 +561,7 @@
         <p:spPr>
           <a:xfrm>
             <a:off x="950760" y="684360"/>
-            <a:ext cx="4947840" cy="3423600"/>
+            <a:ext cx="4947480" cy="3423240"/>
           </a:xfrm>
           <a:prstGeom prst="rect">
             <a:avLst/>
@@ -863,7 +581,7 @@
         <p:spPr>
           <a:xfrm>
             <a:off x="913320" y="4343400"/>
-            <a:ext cx="5024880" cy="4109040"/>
+            <a:ext cx="5024520" cy="4108680"/>
           </a:xfrm>
           <a:prstGeom prst="rect">
             <a:avLst/>
@@ -872,7 +590,7 @@
         <p:txBody>
           <a:bodyPr lIns="0" rIns="0" tIns="0" bIns="0"/>
           <a:p>
-            <a:pPr marL="216000" indent="-209880">
+            <a:pPr marL="216000" indent="-209520">
               <a:lnSpc>
                 <a:spcPct val="100000"/>
               </a:lnSpc>
@@ -898,7 +616,7 @@
         <p:spPr>
           <a:xfrm>
             <a:off x="3885120" y="8687160"/>
-            <a:ext cx="2966760" cy="450360"/>
+            <a:ext cx="2966400" cy="450000"/>
           </a:xfrm>
           <a:prstGeom prst="rect">
             <a:avLst/>
@@ -922,7 +640,7 @@
                 <a:spcPct val="100000"/>
               </a:lnSpc>
             </a:pPr>
-            <a:fld id="{9EBFD9FF-87AC-4EF2-A968-35112AD737B0}" type="slidenum">
+            <a:fld id="{72B5E28B-5A63-4644-8C95-7EF2ADB965EA}" type="slidenum">
               <a:rPr b="0" lang="en-US" sz="1800" spc="-1" strike="noStrike">
                 <a:solidFill>
                   <a:srgbClr val="000000"/>
@@ -930,7 +648,7 @@
                 <a:latin typeface="Arial"/>
                 <a:ea typeface="+mn-ea"/>
               </a:rPr>
-              <a:t>1</a:t>
+              <a:t>&lt;number&gt;</a:t>
             </a:fld>
             <a:endParaRPr b="0" lang="en-US" sz="1800" spc="-1" strike="noStrike">
               <a:latin typeface="Arial"/>
@@ -973,7 +691,7 @@
         <p:spPr>
           <a:xfrm>
             <a:off x="950760" y="684360"/>
-            <a:ext cx="4947840" cy="3423600"/>
+            <a:ext cx="4947480" cy="3423240"/>
           </a:xfrm>
           <a:prstGeom prst="rect">
             <a:avLst/>
@@ -993,7 +711,7 @@
         <p:spPr>
           <a:xfrm>
             <a:off x="913320" y="4343400"/>
-            <a:ext cx="5024880" cy="4109040"/>
+            <a:ext cx="5024520" cy="4108680"/>
           </a:xfrm>
           <a:prstGeom prst="rect">
             <a:avLst/>
@@ -1002,7 +720,7 @@
         <p:txBody>
           <a:bodyPr lIns="0" rIns="0" tIns="0" bIns="0"/>
           <a:p>
-            <a:pPr marL="216000" indent="-209880">
+            <a:pPr marL="216000" indent="-209520">
               <a:lnSpc>
                 <a:spcPct val="100000"/>
               </a:lnSpc>
@@ -1028,7 +746,7 @@
         <p:spPr>
           <a:xfrm>
             <a:off x="3885120" y="8687160"/>
-            <a:ext cx="2966760" cy="450360"/>
+            <a:ext cx="2966400" cy="450000"/>
           </a:xfrm>
           <a:prstGeom prst="rect">
             <a:avLst/>
@@ -1052,7 +770,7 @@
                 <a:spcPct val="100000"/>
               </a:lnSpc>
             </a:pPr>
-            <a:fld id="{E741E358-FBDB-42B9-9749-0107501CA581}" type="slidenum">
+            <a:fld id="{B91BCAB6-DE69-4CB8-AA4A-59B48554E9C1}" type="slidenum">
               <a:rPr b="0" lang="en-US" sz="1800" spc="-1" strike="noStrike">
                 <a:solidFill>
                   <a:srgbClr val="000000"/>
@@ -1060,7 +778,7 @@
                 <a:latin typeface="Arial"/>
                 <a:ea typeface="+mn-ea"/>
               </a:rPr>
-              <a:t>1</a:t>
+              <a:t>&lt;number&gt;</a:t>
             </a:fld>
             <a:endParaRPr b="0" lang="en-US" sz="1800" spc="-1" strike="noStrike">
               <a:latin typeface="Arial"/>
@@ -1103,7 +821,7 @@
         <p:spPr>
           <a:xfrm>
             <a:off x="950760" y="684360"/>
-            <a:ext cx="4947840" cy="3423600"/>
+            <a:ext cx="4947480" cy="3423240"/>
           </a:xfrm>
           <a:prstGeom prst="rect">
             <a:avLst/>
@@ -1123,7 +841,7 @@
         <p:spPr>
           <a:xfrm>
             <a:off x="913320" y="4343400"/>
-            <a:ext cx="5024880" cy="4109040"/>
+            <a:ext cx="5024520" cy="4108680"/>
           </a:xfrm>
           <a:prstGeom prst="rect">
             <a:avLst/>
@@ -1132,7 +850,7 @@
         <p:txBody>
           <a:bodyPr lIns="0" rIns="0" tIns="0" bIns="0"/>
           <a:p>
-            <a:pPr marL="216000" indent="-209880">
+            <a:pPr marL="216000" indent="-209520">
               <a:lnSpc>
                 <a:spcPct val="100000"/>
               </a:lnSpc>
@@ -1158,7 +876,7 @@
         <p:spPr>
           <a:xfrm>
             <a:off x="3885120" y="8687160"/>
-            <a:ext cx="2966760" cy="450360"/>
+            <a:ext cx="2966400" cy="450000"/>
           </a:xfrm>
           <a:prstGeom prst="rect">
             <a:avLst/>
@@ -1182,7 +900,7 @@
                 <a:spcPct val="100000"/>
               </a:lnSpc>
             </a:pPr>
-            <a:fld id="{3E9F2224-4ECB-4EE4-B57A-2A133A3ABF65}" type="slidenum">
+            <a:fld id="{D8037FA0-3D57-4C07-9130-EE6D2ED1490D}" type="slidenum">
               <a:rPr b="0" lang="en-US" sz="1800" spc="-1" strike="noStrike">
                 <a:solidFill>
                   <a:srgbClr val="000000"/>
@@ -1190,7 +908,7 @@
                 <a:latin typeface="Arial"/>
                 <a:ea typeface="+mn-ea"/>
               </a:rPr>
-              <a:t>1</a:t>
+              <a:t>&lt;number&gt;</a:t>
             </a:fld>
             <a:endParaRPr b="0" lang="en-US" sz="1800" spc="-1" strike="noStrike">
               <a:latin typeface="Arial"/>
@@ -1233,7 +951,7 @@
         <p:spPr>
           <a:xfrm>
             <a:off x="950760" y="684360"/>
-            <a:ext cx="4947840" cy="3423600"/>
+            <a:ext cx="4947480" cy="3423240"/>
           </a:xfrm>
           <a:prstGeom prst="rect">
             <a:avLst/>
@@ -1253,7 +971,7 @@
         <p:spPr>
           <a:xfrm>
             <a:off x="913320" y="4343400"/>
-            <a:ext cx="5024880" cy="4109040"/>
+            <a:ext cx="5024520" cy="4108680"/>
           </a:xfrm>
           <a:prstGeom prst="rect">
             <a:avLst/>
@@ -1262,7 +980,7 @@
         <p:txBody>
           <a:bodyPr lIns="0" rIns="0" tIns="0" bIns="0"/>
           <a:p>
-            <a:pPr marL="216000" indent="-209880">
+            <a:pPr marL="216000" indent="-209520">
               <a:lnSpc>
                 <a:spcPct val="100000"/>
               </a:lnSpc>
@@ -1288,7 +1006,7 @@
         <p:spPr>
           <a:xfrm>
             <a:off x="3885120" y="8687160"/>
-            <a:ext cx="2966760" cy="450360"/>
+            <a:ext cx="2966400" cy="450000"/>
           </a:xfrm>
           <a:prstGeom prst="rect">
             <a:avLst/>
@@ -1312,7 +1030,7 @@
                 <a:spcPct val="100000"/>
               </a:lnSpc>
             </a:pPr>
-            <a:fld id="{6DCF8DB1-210E-485F-A9D4-19953D66980A}" type="slidenum">
+            <a:fld id="{24937B0D-2FB4-43C8-938B-F01920050DAD}" type="slidenum">
               <a:rPr b="0" lang="en-US" sz="1800" spc="-1" strike="noStrike">
                 <a:solidFill>
                   <a:srgbClr val="000000"/>
@@ -1320,7 +1038,7 @@
                 <a:latin typeface="Arial"/>
                 <a:ea typeface="+mn-ea"/>
               </a:rPr>
-              <a:t>1</a:t>
+              <a:t>&lt;number&gt;</a:t>
             </a:fld>
             <a:endParaRPr b="0" lang="en-US" sz="1800" spc="-1" strike="noStrike">
               <a:latin typeface="Arial"/>
@@ -1363,7 +1081,7 @@
         <p:spPr>
           <a:xfrm>
             <a:off x="950760" y="684360"/>
-            <a:ext cx="4947840" cy="3423600"/>
+            <a:ext cx="4947480" cy="3423240"/>
           </a:xfrm>
           <a:prstGeom prst="rect">
             <a:avLst/>
@@ -1383,7 +1101,7 @@
         <p:spPr>
           <a:xfrm>
             <a:off x="913320" y="4343400"/>
-            <a:ext cx="5024880" cy="4109040"/>
+            <a:ext cx="5024520" cy="4108680"/>
           </a:xfrm>
           <a:prstGeom prst="rect">
             <a:avLst/>
@@ -1392,7 +1110,7 @@
         <p:txBody>
           <a:bodyPr lIns="0" rIns="0" tIns="0" bIns="0"/>
           <a:p>
-            <a:pPr marL="216000" indent="-209880">
+            <a:pPr marL="216000" indent="-209520">
               <a:lnSpc>
                 <a:spcPct val="100000"/>
               </a:lnSpc>
@@ -1418,7 +1136,7 @@
         <p:spPr>
           <a:xfrm>
             <a:off x="3885120" y="8687160"/>
-            <a:ext cx="2966760" cy="450360"/>
+            <a:ext cx="2966400" cy="450000"/>
           </a:xfrm>
           <a:prstGeom prst="rect">
             <a:avLst/>
@@ -1442,7 +1160,7 @@
                 <a:spcPct val="100000"/>
               </a:lnSpc>
             </a:pPr>
-            <a:fld id="{27E06BD9-DD84-4080-9459-4C2690EF036E}" type="slidenum">
+            <a:fld id="{652AFB6B-1493-4F0A-A6D0-9A87DCB60074}" type="slidenum">
               <a:rPr b="0" lang="en-US" sz="1800" spc="-1" strike="noStrike">
                 <a:solidFill>
                   <a:srgbClr val="000000"/>
@@ -1450,7 +1168,7 @@
                 <a:latin typeface="Arial"/>
                 <a:ea typeface="+mn-ea"/>
               </a:rPr>
-              <a:t>1</a:t>
+              <a:t>&lt;number&gt;</a:t>
             </a:fld>
             <a:endParaRPr b="0" lang="en-US" sz="1800" spc="-1" strike="noStrike">
               <a:latin typeface="Arial"/>
@@ -1493,7 +1211,7 @@
         <p:spPr>
           <a:xfrm>
             <a:off x="950760" y="684360"/>
-            <a:ext cx="4947840" cy="3423600"/>
+            <a:ext cx="4947480" cy="3423240"/>
           </a:xfrm>
           <a:prstGeom prst="rect">
             <a:avLst/>
@@ -1513,7 +1231,7 @@
         <p:spPr>
           <a:xfrm>
             <a:off x="913320" y="4343400"/>
-            <a:ext cx="5024880" cy="4109040"/>
+            <a:ext cx="5024520" cy="4108680"/>
           </a:xfrm>
           <a:prstGeom prst="rect">
             <a:avLst/>
@@ -1522,7 +1240,7 @@
         <p:txBody>
           <a:bodyPr lIns="0" rIns="0" tIns="0" bIns="0"/>
           <a:p>
-            <a:pPr marL="216000" indent="-209880">
+            <a:pPr marL="216000" indent="-209520">
               <a:lnSpc>
                 <a:spcPct val="100000"/>
               </a:lnSpc>
@@ -1548,7 +1266,7 @@
         <p:spPr>
           <a:xfrm>
             <a:off x="3885120" y="8687160"/>
-            <a:ext cx="2966760" cy="450360"/>
+            <a:ext cx="2966400" cy="450000"/>
           </a:xfrm>
           <a:prstGeom prst="rect">
             <a:avLst/>
@@ -1572,7 +1290,7 @@
                 <a:spcPct val="100000"/>
               </a:lnSpc>
             </a:pPr>
-            <a:fld id="{98D82C27-E64E-46F4-986D-ED4198D9AF26}" type="slidenum">
+            <a:fld id="{063A5178-6E77-44B1-8169-81918337B27C}" type="slidenum">
               <a:rPr b="0" lang="en-US" sz="1800" spc="-1" strike="noStrike">
                 <a:solidFill>
                   <a:srgbClr val="000000"/>
@@ -1580,7 +1298,7 @@
                 <a:latin typeface="Arial"/>
                 <a:ea typeface="+mn-ea"/>
               </a:rPr>
-              <a:t>1</a:t>
+              <a:t>&lt;number&gt;</a:t>
             </a:fld>
             <a:endParaRPr b="0" lang="en-US" sz="1800" spc="-1" strike="noStrike">
               <a:latin typeface="Arial"/>
@@ -1623,7 +1341,7 @@
         <p:spPr>
           <a:xfrm>
             <a:off x="950760" y="684360"/>
-            <a:ext cx="4947840" cy="3423600"/>
+            <a:ext cx="4947480" cy="3423240"/>
           </a:xfrm>
           <a:prstGeom prst="rect">
             <a:avLst/>
@@ -1643,7 +1361,7 @@
         <p:spPr>
           <a:xfrm>
             <a:off x="913320" y="4343400"/>
-            <a:ext cx="5024880" cy="4109040"/>
+            <a:ext cx="5024520" cy="4108680"/>
           </a:xfrm>
           <a:prstGeom prst="rect">
             <a:avLst/>
@@ -1652,7 +1370,7 @@
         <p:txBody>
           <a:bodyPr lIns="0" rIns="0" tIns="0" bIns="0"/>
           <a:p>
-            <a:pPr marL="216000" indent="-209880">
+            <a:pPr marL="216000" indent="-209520">
               <a:lnSpc>
                 <a:spcPct val="100000"/>
               </a:lnSpc>
@@ -1661,169 +1379,7 @@
               <a:rPr b="0" lang="en-US" sz="2000" spc="-1" strike="noStrike">
                 <a:latin typeface="Arial"/>
               </a:rPr>
-              <a:t>S</a:t>
-            </a:r>
-            <a:r>
-              <a:rPr b="0" lang="en-US" sz="2000" spc="-1" strike="noStrike">
-                <a:latin typeface="Arial"/>
-              </a:rPr>
-              <a:t>i</a:t>
-            </a:r>
-            <a:r>
-              <a:rPr b="0" lang="en-US" sz="2000" spc="-1" strike="noStrike">
-                <a:latin typeface="Arial"/>
-              </a:rPr>
-              <a:t>z</a:t>
-            </a:r>
-            <a:r>
-              <a:rPr b="0" lang="en-US" sz="2000" spc="-1" strike="noStrike">
-                <a:latin typeface="Arial"/>
-              </a:rPr>
-              <a:t>e</a:t>
-            </a:r>
-            <a:r>
-              <a:rPr b="0" lang="en-US" sz="2000" spc="-1" strike="noStrike">
-                <a:latin typeface="Arial"/>
-              </a:rPr>
-              <a:t> </a:t>
-            </a:r>
-            <a:r>
-              <a:rPr b="0" lang="en-US" sz="2000" spc="-1" strike="noStrike">
-                <a:latin typeface="Arial"/>
-              </a:rPr>
-              <a:t>4</a:t>
-            </a:r>
-            <a:r>
-              <a:rPr b="0" lang="en-US" sz="2000" spc="-1" strike="noStrike">
-                <a:latin typeface="Arial"/>
-              </a:rPr>
-              <a:t>0</a:t>
-            </a:r>
-            <a:r>
-              <a:rPr b="0" lang="en-US" sz="2000" spc="-1" strike="noStrike">
-                <a:latin typeface="Arial"/>
-              </a:rPr>
-              <a:t> </a:t>
-            </a:r>
-            <a:r>
-              <a:rPr b="0" lang="en-US" sz="2000" spc="-1" strike="noStrike">
-                <a:latin typeface="Arial"/>
-              </a:rPr>
-              <a:t>h</a:t>
-            </a:r>
-            <a:r>
-              <a:rPr b="0" lang="en-US" sz="2000" spc="-1" strike="noStrike">
-                <a:latin typeface="Arial"/>
-              </a:rPr>
-              <a:t>e</a:t>
-            </a:r>
-            <a:r>
-              <a:rPr b="0" lang="en-US" sz="2000" spc="-1" strike="noStrike">
-                <a:latin typeface="Arial"/>
-              </a:rPr>
-              <a:t>a</a:t>
-            </a:r>
-            <a:r>
-              <a:rPr b="0" lang="en-US" sz="2000" spc="-1" strike="noStrike">
-                <a:latin typeface="Arial"/>
-              </a:rPr>
-              <a:t>d</a:t>
-            </a:r>
-            <a:r>
-              <a:rPr b="0" lang="en-US" sz="2000" spc="-1" strike="noStrike">
-                <a:latin typeface="Arial"/>
-              </a:rPr>
-              <a:t>e</a:t>
-            </a:r>
-            <a:r>
-              <a:rPr b="0" lang="en-US" sz="2000" spc="-1" strike="noStrike">
-                <a:latin typeface="Arial"/>
-              </a:rPr>
-              <a:t>r</a:t>
-            </a:r>
-            <a:r>
-              <a:rPr b="0" lang="en-US" sz="2000" spc="-1" strike="noStrike">
-                <a:latin typeface="Arial"/>
-              </a:rPr>
-              <a:t>;</a:t>
-            </a:r>
-            <a:r>
-              <a:rPr b="0" lang="en-US" sz="2000" spc="-1" strike="noStrike">
-                <a:latin typeface="Arial"/>
-              </a:rPr>
-              <a:t> </a:t>
-            </a:r>
-            <a:r>
-              <a:rPr b="0" lang="en-US" sz="2000" spc="-1" strike="noStrike">
-                <a:latin typeface="Arial"/>
-              </a:rPr>
-              <a:t>s</a:t>
-            </a:r>
-            <a:r>
-              <a:rPr b="0" lang="en-US" sz="2000" spc="-1" strike="noStrike">
-                <a:latin typeface="Arial"/>
-              </a:rPr>
-              <a:t>i</a:t>
-            </a:r>
-            <a:r>
-              <a:rPr b="0" lang="en-US" sz="2000" spc="-1" strike="noStrike">
-                <a:latin typeface="Arial"/>
-              </a:rPr>
-              <a:t>z</a:t>
-            </a:r>
-            <a:r>
-              <a:rPr b="0" lang="en-US" sz="2000" spc="-1" strike="noStrike">
-                <a:latin typeface="Arial"/>
-              </a:rPr>
-              <a:t>e</a:t>
-            </a:r>
-            <a:r>
-              <a:rPr b="0" lang="en-US" sz="2000" spc="-1" strike="noStrike">
-                <a:latin typeface="Arial"/>
-              </a:rPr>
-              <a:t> </a:t>
-            </a:r>
-            <a:r>
-              <a:rPr b="0" lang="en-US" sz="2000" spc="-1" strike="noStrike">
-                <a:latin typeface="Arial"/>
-              </a:rPr>
-              <a:t>2</a:t>
-            </a:r>
-            <a:r>
-              <a:rPr b="0" lang="en-US" sz="2000" spc="-1" strike="noStrike">
-                <a:latin typeface="Arial"/>
-              </a:rPr>
-              <a:t>0</a:t>
-            </a:r>
-            <a:r>
-              <a:rPr b="0" lang="en-US" sz="2000" spc="-1" strike="noStrike">
-                <a:latin typeface="Arial"/>
-              </a:rPr>
-              <a:t> </a:t>
-            </a:r>
-            <a:r>
-              <a:rPr b="0" lang="en-US" sz="2000" spc="-1" strike="noStrike">
-                <a:latin typeface="Arial"/>
-              </a:rPr>
-              <a:t>b</a:t>
-            </a:r>
-            <a:r>
-              <a:rPr b="0" lang="en-US" sz="2000" spc="-1" strike="noStrike">
-                <a:latin typeface="Arial"/>
-              </a:rPr>
-              <a:t>o</a:t>
-            </a:r>
-            <a:r>
-              <a:rPr b="0" lang="en-US" sz="2000" spc="-1" strike="noStrike">
-                <a:latin typeface="Arial"/>
-              </a:rPr>
-              <a:t>d</a:t>
-            </a:r>
-            <a:r>
-              <a:rPr b="0" lang="en-US" sz="2000" spc="-1" strike="noStrike">
-                <a:latin typeface="Arial"/>
-              </a:rPr>
-              <a:t>y</a:t>
+              <a:t>Size 40 header; size 20 body</a:t>
             </a:r>
             <a:endParaRPr b="0" lang="en-US" sz="2000" spc="-1" strike="noStrike">
               <a:latin typeface="Arial"/>
@@ -1840,7 +1396,7 @@
         <p:spPr>
           <a:xfrm>
             <a:off x="3885120" y="8687160"/>
-            <a:ext cx="2966760" cy="450360"/>
+            <a:ext cx="2966400" cy="450000"/>
           </a:xfrm>
           <a:prstGeom prst="rect">
             <a:avLst/>
@@ -1864,7 +1420,7 @@
                 <a:spcPct val="100000"/>
               </a:lnSpc>
             </a:pPr>
-            <a:fld id="{B61EE829-0C6F-4E4C-9CF5-EC0433851F06}" type="slidenum">
+            <a:fld id="{E360F392-C5FE-4E23-9653-BCB22A77A0BF}" type="slidenum">
               <a:rPr b="0" lang="en-US" sz="1800" spc="-1" strike="noStrike">
                 <a:solidFill>
                   <a:srgbClr val="000000"/>
@@ -1872,7 +1428,7 @@
                 <a:latin typeface="Arial"/>
                 <a:ea typeface="+mn-ea"/>
               </a:rPr>
-              <a:t>1</a:t>
+              <a:t>&lt;number&gt;</a:t>
             </a:fld>
             <a:endParaRPr b="0" lang="en-US" sz="1800" spc="-1" strike="noStrike">
               <a:latin typeface="Arial"/>
@@ -1915,7 +1471,7 @@
         <p:spPr>
           <a:xfrm>
             <a:off x="950760" y="684360"/>
-            <a:ext cx="4947840" cy="3423600"/>
+            <a:ext cx="4947480" cy="3423240"/>
           </a:xfrm>
           <a:prstGeom prst="rect">
             <a:avLst/>
@@ -1935,7 +1491,7 @@
         <p:spPr>
           <a:xfrm>
             <a:off x="913320" y="4343400"/>
-            <a:ext cx="5024880" cy="4109040"/>
+            <a:ext cx="5024520" cy="4108680"/>
           </a:xfrm>
           <a:prstGeom prst="rect">
             <a:avLst/>
@@ -1944,7 +1500,7 @@
         <p:txBody>
           <a:bodyPr lIns="0" rIns="0" tIns="0" bIns="0"/>
           <a:p>
-            <a:pPr marL="216000" indent="-209880">
+            <a:pPr marL="216000" indent="-209520">
               <a:lnSpc>
                 <a:spcPct val="100000"/>
               </a:lnSpc>
@@ -1970,7 +1526,7 @@
         <p:spPr>
           <a:xfrm>
             <a:off x="3885120" y="8687160"/>
-            <a:ext cx="2966760" cy="450360"/>
+            <a:ext cx="2966400" cy="450000"/>
           </a:xfrm>
           <a:prstGeom prst="rect">
             <a:avLst/>
@@ -1994,7 +1550,7 @@
                 <a:spcPct val="100000"/>
               </a:lnSpc>
             </a:pPr>
-            <a:fld id="{CE0805F3-D1EE-4241-812B-3E0A59AD9322}" type="slidenum">
+            <a:fld id="{C9F27A92-9AD5-45C9-AB20-26D21102AD30}" type="slidenum">
               <a:rPr b="0" lang="en-US" sz="1800" spc="-1" strike="noStrike">
                 <a:solidFill>
                   <a:srgbClr val="000000"/>
@@ -2002,7 +1558,7 @@
                 <a:latin typeface="Arial"/>
                 <a:ea typeface="+mn-ea"/>
               </a:rPr>
-              <a:t>1</a:t>
+              <a:t>&lt;number&gt;</a:t>
             </a:fld>
             <a:endParaRPr b="0" lang="en-US" sz="1800" spc="-1" strike="noStrike">
               <a:latin typeface="Arial"/>
@@ -2045,7 +1601,7 @@
         <p:spPr>
           <a:xfrm>
             <a:off x="950760" y="684360"/>
-            <a:ext cx="4947840" cy="3423600"/>
+            <a:ext cx="4947480" cy="3423240"/>
           </a:xfrm>
           <a:prstGeom prst="rect">
             <a:avLst/>
@@ -2065,7 +1621,7 @@
         <p:spPr>
           <a:xfrm>
             <a:off x="913320" y="4343400"/>
-            <a:ext cx="5024880" cy="4109040"/>
+            <a:ext cx="5024520" cy="4108680"/>
           </a:xfrm>
           <a:prstGeom prst="rect">
             <a:avLst/>
@@ -2074,7 +1630,7 @@
         <p:txBody>
           <a:bodyPr lIns="0" rIns="0" tIns="0" bIns="0"/>
           <a:p>
-            <a:pPr marL="216000" indent="-209880">
+            <a:pPr marL="216000" indent="-209520">
               <a:lnSpc>
                 <a:spcPct val="100000"/>
               </a:lnSpc>
@@ -2100,7 +1656,7 @@
         <p:spPr>
           <a:xfrm>
             <a:off x="3885120" y="8687160"/>
-            <a:ext cx="2966760" cy="450360"/>
+            <a:ext cx="2966400" cy="450000"/>
           </a:xfrm>
           <a:prstGeom prst="rect">
             <a:avLst/>
@@ -2124,7 +1680,7 @@
                 <a:spcPct val="100000"/>
               </a:lnSpc>
             </a:pPr>
-            <a:fld id="{2ED514A3-3557-45CC-9F96-F8EFDCCE453C}" type="slidenum">
+            <a:fld id="{A5732C07-0961-4D13-B244-F38EA65F5F20}" type="slidenum">
               <a:rPr b="0" lang="en-US" sz="1800" spc="-1" strike="noStrike">
                 <a:solidFill>
                   <a:srgbClr val="000000"/>
@@ -2132,7 +1688,7 @@
                 <a:latin typeface="Arial"/>
                 <a:ea typeface="+mn-ea"/>
               </a:rPr>
-              <a:t>1</a:t>
+              <a:t>&lt;number&gt;</a:t>
             </a:fld>
             <a:endParaRPr b="0" lang="en-US" sz="1800" spc="-1" strike="noStrike">
               <a:latin typeface="Arial"/>
@@ -2175,7 +1731,7 @@
         <p:spPr>
           <a:xfrm>
             <a:off x="950760" y="684360"/>
-            <a:ext cx="4947840" cy="3423600"/>
+            <a:ext cx="4947480" cy="3423240"/>
           </a:xfrm>
           <a:prstGeom prst="rect">
             <a:avLst/>
@@ -2195,7 +1751,7 @@
         <p:spPr>
           <a:xfrm>
             <a:off x="913320" y="4343400"/>
-            <a:ext cx="5024880" cy="4109040"/>
+            <a:ext cx="5024520" cy="4108680"/>
           </a:xfrm>
           <a:prstGeom prst="rect">
             <a:avLst/>
@@ -2204,7 +1760,7 @@
         <p:txBody>
           <a:bodyPr lIns="0" rIns="0" tIns="0" bIns="0"/>
           <a:p>
-            <a:pPr marL="216000" indent="-209880">
+            <a:pPr marL="216000" indent="-209520">
               <a:lnSpc>
                 <a:spcPct val="100000"/>
               </a:lnSpc>
@@ -2230,7 +1786,7 @@
         <p:spPr>
           <a:xfrm>
             <a:off x="3885120" y="8687160"/>
-            <a:ext cx="2966760" cy="450360"/>
+            <a:ext cx="2966400" cy="450000"/>
           </a:xfrm>
           <a:prstGeom prst="rect">
             <a:avLst/>
@@ -2254,7 +1810,7 @@
                 <a:spcPct val="100000"/>
               </a:lnSpc>
             </a:pPr>
-            <a:fld id="{EF1D022F-0FD8-40D8-9ADC-127EA675B558}" type="slidenum">
+            <a:fld id="{FBAF1FB9-AF94-40F9-9136-8A0F0C152EB4}" type="slidenum">
               <a:rPr b="0" lang="en-US" sz="1800" spc="-1" strike="noStrike">
                 <a:solidFill>
                   <a:srgbClr val="000000"/>
@@ -2262,7 +1818,7 @@
                 <a:latin typeface="Arial"/>
                 <a:ea typeface="+mn-ea"/>
               </a:rPr>
-              <a:t>1</a:t>
+              <a:t>&lt;number&gt;</a:t>
             </a:fld>
             <a:endParaRPr b="0" lang="en-US" sz="1800" spc="-1" strike="noStrike">
               <a:latin typeface="Arial"/>
@@ -2305,7 +1861,7 @@
         <p:spPr>
           <a:xfrm>
             <a:off x="950760" y="684360"/>
-            <a:ext cx="4947840" cy="3423600"/>
+            <a:ext cx="4947480" cy="3423240"/>
           </a:xfrm>
           <a:prstGeom prst="rect">
             <a:avLst/>
@@ -2325,7 +1881,7 @@
         <p:spPr>
           <a:xfrm>
             <a:off x="913320" y="4343400"/>
-            <a:ext cx="5024880" cy="4109040"/>
+            <a:ext cx="5024520" cy="4108680"/>
           </a:xfrm>
           <a:prstGeom prst="rect">
             <a:avLst/>
@@ -2334,7 +1890,7 @@
         <p:txBody>
           <a:bodyPr lIns="0" rIns="0" tIns="0" bIns="0"/>
           <a:p>
-            <a:pPr marL="216000" indent="-209880">
+            <a:pPr marL="216000" indent="-209520">
               <a:lnSpc>
                 <a:spcPct val="100000"/>
               </a:lnSpc>
@@ -2360,7 +1916,7 @@
         <p:spPr>
           <a:xfrm>
             <a:off x="3885120" y="8687160"/>
-            <a:ext cx="2966760" cy="450360"/>
+            <a:ext cx="2966400" cy="450000"/>
           </a:xfrm>
           <a:prstGeom prst="rect">
             <a:avLst/>
@@ -2384,7 +1940,7 @@
                 <a:spcPct val="100000"/>
               </a:lnSpc>
             </a:pPr>
-            <a:fld id="{20CC8F08-339B-4EC2-B6CE-2B24D64FF974}" type="slidenum">
+            <a:fld id="{28C05C7C-121F-4DAD-A499-279627049565}" type="slidenum">
               <a:rPr b="0" lang="en-US" sz="1800" spc="-1" strike="noStrike">
                 <a:solidFill>
                   <a:srgbClr val="000000"/>
@@ -2392,7 +1948,7 @@
                 <a:latin typeface="Arial"/>
                 <a:ea typeface="+mn-ea"/>
               </a:rPr>
-              <a:t>1</a:t>
+              <a:t>&lt;number&gt;</a:t>
             </a:fld>
             <a:endParaRPr b="0" lang="en-US" sz="1800" spc="-1" strike="noStrike">
               <a:latin typeface="Arial"/>
@@ -2435,7 +1991,7 @@
         <p:spPr>
           <a:xfrm>
             <a:off x="950760" y="684360"/>
-            <a:ext cx="4947840" cy="3423600"/>
+            <a:ext cx="4947480" cy="3423240"/>
           </a:xfrm>
           <a:prstGeom prst="rect">
             <a:avLst/>
@@ -2455,7 +2011,7 @@
         <p:spPr>
           <a:xfrm>
             <a:off x="913320" y="4343400"/>
-            <a:ext cx="5024880" cy="4109040"/>
+            <a:ext cx="5024520" cy="4108680"/>
           </a:xfrm>
           <a:prstGeom prst="rect">
             <a:avLst/>
@@ -2464,7 +2020,7 @@
         <p:txBody>
           <a:bodyPr lIns="0" rIns="0" tIns="0" bIns="0"/>
           <a:p>
-            <a:pPr marL="216000" indent="-209880">
+            <a:pPr marL="216000" indent="-209520">
               <a:lnSpc>
                 <a:spcPct val="100000"/>
               </a:lnSpc>
@@ -2490,7 +2046,7 @@
         <p:spPr>
           <a:xfrm>
             <a:off x="3885120" y="8687160"/>
-            <a:ext cx="2966760" cy="450360"/>
+            <a:ext cx="2966400" cy="450000"/>
           </a:xfrm>
           <a:prstGeom prst="rect">
             <a:avLst/>
@@ -2514,7 +2070,7 @@
                 <a:spcPct val="100000"/>
               </a:lnSpc>
             </a:pPr>
-            <a:fld id="{CF707EB2-E9D4-40BA-9E44-BAB428B529A3}" type="slidenum">
+            <a:fld id="{E52A86D1-A30C-4C7E-A24D-AD371B5FEE39}" type="slidenum">
               <a:rPr b="0" lang="en-US" sz="1800" spc="-1" strike="noStrike">
                 <a:solidFill>
                   <a:srgbClr val="000000"/>
@@ -2522,7 +2078,7 @@
                 <a:latin typeface="Arial"/>
                 <a:ea typeface="+mn-ea"/>
               </a:rPr>
-              <a:t>1</a:t>
+              <a:t>&lt;number&gt;</a:t>
             </a:fld>
             <a:endParaRPr b="0" lang="en-US" sz="1800" spc="-1" strike="noStrike">
               <a:latin typeface="Arial"/>
@@ -2565,7 +2121,7 @@
         <p:spPr>
           <a:xfrm>
             <a:off x="950760" y="684360"/>
-            <a:ext cx="4947840" cy="3423600"/>
+            <a:ext cx="4947480" cy="3423240"/>
           </a:xfrm>
           <a:prstGeom prst="rect">
             <a:avLst/>
@@ -2585,7 +2141,7 @@
         <p:spPr>
           <a:xfrm>
             <a:off x="913320" y="4343400"/>
-            <a:ext cx="5024880" cy="4109040"/>
+            <a:ext cx="5024520" cy="4108680"/>
           </a:xfrm>
           <a:prstGeom prst="rect">
             <a:avLst/>
@@ -2594,7 +2150,7 @@
         <p:txBody>
           <a:bodyPr lIns="0" rIns="0" tIns="0" bIns="0"/>
           <a:p>
-            <a:pPr marL="216000" indent="-209880">
+            <a:pPr marL="216000" indent="-209520">
               <a:lnSpc>
                 <a:spcPct val="100000"/>
               </a:lnSpc>
@@ -2620,7 +2176,7 @@
         <p:spPr>
           <a:xfrm>
             <a:off x="3885120" y="8687160"/>
-            <a:ext cx="2966760" cy="450360"/>
+            <a:ext cx="2966400" cy="450000"/>
           </a:xfrm>
           <a:prstGeom prst="rect">
             <a:avLst/>
@@ -2644,7 +2200,7 @@
                 <a:spcPct val="100000"/>
               </a:lnSpc>
             </a:pPr>
-            <a:fld id="{E4F92216-BB56-4BA8-B935-3B16C34B91A6}" type="slidenum">
+            <a:fld id="{ABF4F367-60C3-4DD7-BD83-F5AFEABEAC79}" type="slidenum">
               <a:rPr b="0" lang="en-US" sz="1800" spc="-1" strike="noStrike">
                 <a:solidFill>
                   <a:srgbClr val="000000"/>
@@ -2652,7 +2208,7 @@
                 <a:latin typeface="Arial"/>
                 <a:ea typeface="+mn-ea"/>
               </a:rPr>
-              <a:t>1</a:t>
+              <a:t>&lt;number&gt;</a:t>
             </a:fld>
             <a:endParaRPr b="0" lang="en-US" sz="1800" spc="-1" strike="noStrike">
               <a:latin typeface="Arial"/>
@@ -2695,7 +2251,7 @@
         <p:spPr>
           <a:xfrm>
             <a:off x="950760" y="684360"/>
-            <a:ext cx="4947840" cy="3423600"/>
+            <a:ext cx="4947480" cy="3423240"/>
           </a:xfrm>
           <a:prstGeom prst="rect">
             <a:avLst/>
@@ -2715,7 +2271,7 @@
         <p:spPr>
           <a:xfrm>
             <a:off x="913320" y="4343400"/>
-            <a:ext cx="5024880" cy="4109040"/>
+            <a:ext cx="5024520" cy="4108680"/>
           </a:xfrm>
           <a:prstGeom prst="rect">
             <a:avLst/>
@@ -2724,7 +2280,7 @@
         <p:txBody>
           <a:bodyPr lIns="0" rIns="0" tIns="0" bIns="0"/>
           <a:p>
-            <a:pPr marL="216000" indent="-209880">
+            <a:pPr marL="216000" indent="-209520">
               <a:lnSpc>
                 <a:spcPct val="100000"/>
               </a:lnSpc>
@@ -2750,7 +2306,7 @@
         <p:spPr>
           <a:xfrm>
             <a:off x="3885120" y="8687160"/>
-            <a:ext cx="2966760" cy="450360"/>
+            <a:ext cx="2966400" cy="450000"/>
           </a:xfrm>
           <a:prstGeom prst="rect">
             <a:avLst/>
@@ -2774,7 +2330,7 @@
                 <a:spcPct val="100000"/>
               </a:lnSpc>
             </a:pPr>
-            <a:fld id="{4F87FB02-2EFE-493E-A897-583B44EB2299}" type="slidenum">
+            <a:fld id="{7515BC86-6BD9-4BD5-AD33-2139D6767C5B}" type="slidenum">
               <a:rPr b="0" lang="en-US" sz="1800" spc="-1" strike="noStrike">
                 <a:solidFill>
                   <a:srgbClr val="000000"/>
@@ -2782,7 +2338,7 @@
                 <a:latin typeface="Arial"/>
                 <a:ea typeface="+mn-ea"/>
               </a:rPr>
-              <a:t>1</a:t>
+              <a:t>&lt;number&gt;</a:t>
             </a:fld>
             <a:endParaRPr b="0" lang="en-US" sz="1800" spc="-1" strike="noStrike">
               <a:latin typeface="Arial"/>
@@ -2825,7 +2381,7 @@
         <p:spPr>
           <a:xfrm>
             <a:off x="950760" y="684360"/>
-            <a:ext cx="4947840" cy="3423600"/>
+            <a:ext cx="4947480" cy="3423240"/>
           </a:xfrm>
           <a:prstGeom prst="rect">
             <a:avLst/>
@@ -2845,7 +2401,7 @@
         <p:spPr>
           <a:xfrm>
             <a:off x="913320" y="4343400"/>
-            <a:ext cx="5024880" cy="4109040"/>
+            <a:ext cx="5024520" cy="4108680"/>
           </a:xfrm>
           <a:prstGeom prst="rect">
             <a:avLst/>
@@ -2854,7 +2410,7 @@
         <p:txBody>
           <a:bodyPr lIns="0" rIns="0" tIns="0" bIns="0"/>
           <a:p>
-            <a:pPr marL="216000" indent="-209880">
+            <a:pPr marL="216000" indent="-209520">
               <a:lnSpc>
                 <a:spcPct val="100000"/>
               </a:lnSpc>
@@ -2863,13 +2419,7 @@
               <a:rPr b="0" lang="en-US" sz="2000" spc="-1" strike="noStrike">
                 <a:latin typeface="Arial"/>
               </a:rPr>
-              <a:t>Size 40 header; </a:t>
-            </a:r>
-            <a:r>
-              <a:rPr b="0" lang="en-US" sz="2000" spc="-1" strike="noStrike">
-                <a:latin typeface="Arial"/>
-              </a:rPr>
-              <a:t>size 20 body</a:t>
+              <a:t>Size 40 header; size 20 body</a:t>
             </a:r>
             <a:endParaRPr b="0" lang="en-US" sz="2000" spc="-1" strike="noStrike">
               <a:latin typeface="Arial"/>
@@ -2886,7 +2436,7 @@
         <p:spPr>
           <a:xfrm>
             <a:off x="3885120" y="8687160"/>
-            <a:ext cx="2966760" cy="450360"/>
+            <a:ext cx="2966400" cy="450000"/>
           </a:xfrm>
           <a:prstGeom prst="rect">
             <a:avLst/>
@@ -2910,7 +2460,7 @@
                 <a:spcPct val="100000"/>
               </a:lnSpc>
             </a:pPr>
-            <a:fld id="{2AC52339-C3D4-4FC3-BA99-B760C652E364}" type="slidenum">
+            <a:fld id="{FBB0B389-CD57-461C-B43D-A529547449C4}" type="slidenum">
               <a:rPr b="0" lang="en-US" sz="1800" spc="-1" strike="noStrike">
                 <a:solidFill>
                   <a:srgbClr val="000000"/>
@@ -2918,7 +2468,7 @@
                 <a:latin typeface="Arial"/>
                 <a:ea typeface="+mn-ea"/>
               </a:rPr>
-              <a:t>1</a:t>
+              <a:t>&lt;number&gt;</a:t>
             </a:fld>
             <a:endParaRPr b="0" lang="en-US" sz="1800" spc="-1" strike="noStrike">
               <a:latin typeface="Arial"/>
@@ -2961,7 +2511,7 @@
         <p:spPr>
           <a:xfrm>
             <a:off x="950760" y="684360"/>
-            <a:ext cx="4947840" cy="3423600"/>
+            <a:ext cx="4947480" cy="3423240"/>
           </a:xfrm>
           <a:prstGeom prst="rect">
             <a:avLst/>
@@ -2981,7 +2531,7 @@
         <p:spPr>
           <a:xfrm>
             <a:off x="913320" y="4343400"/>
-            <a:ext cx="5024880" cy="4109040"/>
+            <a:ext cx="5024520" cy="4108680"/>
           </a:xfrm>
           <a:prstGeom prst="rect">
             <a:avLst/>
@@ -2990,7 +2540,7 @@
         <p:txBody>
           <a:bodyPr lIns="0" rIns="0" tIns="0" bIns="0"/>
           <a:p>
-            <a:pPr marL="216000" indent="-209880">
+            <a:pPr marL="216000" indent="-209520">
               <a:lnSpc>
                 <a:spcPct val="100000"/>
               </a:lnSpc>
@@ -3016,7 +2566,7 @@
         <p:spPr>
           <a:xfrm>
             <a:off x="3885120" y="8687160"/>
-            <a:ext cx="2966760" cy="450360"/>
+            <a:ext cx="2966400" cy="450000"/>
           </a:xfrm>
           <a:prstGeom prst="rect">
             <a:avLst/>
@@ -3040,7 +2590,7 @@
                 <a:spcPct val="100000"/>
               </a:lnSpc>
             </a:pPr>
-            <a:fld id="{59C54F03-D66A-44B2-889D-D31C9F5F383F}" type="slidenum">
+            <a:fld id="{2DC318E4-0BC6-49B7-8378-AF0A354B89CE}" type="slidenum">
               <a:rPr b="0" lang="en-US" sz="1800" spc="-1" strike="noStrike">
                 <a:solidFill>
                   <a:srgbClr val="000000"/>
@@ -3048,7 +2598,7 @@
                 <a:latin typeface="Arial"/>
                 <a:ea typeface="+mn-ea"/>
               </a:rPr>
-              <a:t>1</a:t>
+              <a:t>&lt;number&gt;</a:t>
             </a:fld>
             <a:endParaRPr b="0" lang="en-US" sz="1800" spc="-1" strike="noStrike">
               <a:latin typeface="Arial"/>
@@ -3091,7 +2641,7 @@
         <p:spPr>
           <a:xfrm>
             <a:off x="950760" y="684360"/>
-            <a:ext cx="4947840" cy="3423600"/>
+            <a:ext cx="4947480" cy="3423240"/>
           </a:xfrm>
           <a:prstGeom prst="rect">
             <a:avLst/>
@@ -3111,7 +2661,7 @@
         <p:spPr>
           <a:xfrm>
             <a:off x="913320" y="4343400"/>
-            <a:ext cx="5024880" cy="4109040"/>
+            <a:ext cx="5024520" cy="4108680"/>
           </a:xfrm>
           <a:prstGeom prst="rect">
             <a:avLst/>
@@ -3120,7 +2670,7 @@
         <p:txBody>
           <a:bodyPr lIns="0" rIns="0" tIns="0" bIns="0"/>
           <a:p>
-            <a:pPr marL="216000" indent="-209880">
+            <a:pPr marL="216000" indent="-209520">
               <a:lnSpc>
                 <a:spcPct val="100000"/>
               </a:lnSpc>
@@ -3146,7 +2696,7 @@
         <p:spPr>
           <a:xfrm>
             <a:off x="3885120" y="8687160"/>
-            <a:ext cx="2966760" cy="450360"/>
+            <a:ext cx="2966400" cy="450000"/>
           </a:xfrm>
           <a:prstGeom prst="rect">
             <a:avLst/>
@@ -3170,7 +2720,7 @@
                 <a:spcPct val="100000"/>
               </a:lnSpc>
             </a:pPr>
-            <a:fld id="{5F310B82-2B17-454A-B799-9B5E08DFAF69}" type="slidenum">
+            <a:fld id="{0AC12BD4-13D8-48EE-A826-F3E71092B6EC}" type="slidenum">
               <a:rPr b="0" lang="en-US" sz="1800" spc="-1" strike="noStrike">
                 <a:solidFill>
                   <a:srgbClr val="000000"/>
@@ -3178,7 +2728,7 @@
                 <a:latin typeface="Arial"/>
                 <a:ea typeface="+mn-ea"/>
               </a:rPr>
-              <a:t>1</a:t>
+              <a:t>&lt;number&gt;</a:t>
             </a:fld>
             <a:endParaRPr b="0" lang="en-US" sz="1800" spc="-1" strike="noStrike">
               <a:latin typeface="Arial"/>
@@ -3221,7 +2771,7 @@
         <p:spPr>
           <a:xfrm>
             <a:off x="950760" y="684360"/>
-            <a:ext cx="4947840" cy="3423600"/>
+            <a:ext cx="4947480" cy="3423240"/>
           </a:xfrm>
           <a:prstGeom prst="rect">
             <a:avLst/>
@@ -3241,7 +2791,7 @@
         <p:spPr>
           <a:xfrm>
             <a:off x="913320" y="4343400"/>
-            <a:ext cx="5024880" cy="4109040"/>
+            <a:ext cx="5024520" cy="4108680"/>
           </a:xfrm>
           <a:prstGeom prst="rect">
             <a:avLst/>
@@ -3250,7 +2800,7 @@
         <p:txBody>
           <a:bodyPr lIns="0" rIns="0" tIns="0" bIns="0"/>
           <a:p>
-            <a:pPr marL="216000" indent="-209880">
+            <a:pPr marL="216000" indent="-209520">
               <a:lnSpc>
                 <a:spcPct val="100000"/>
               </a:lnSpc>
@@ -3276,7 +2826,7 @@
         <p:spPr>
           <a:xfrm>
             <a:off x="3885120" y="8687160"/>
-            <a:ext cx="2966760" cy="450360"/>
+            <a:ext cx="2966400" cy="450000"/>
           </a:xfrm>
           <a:prstGeom prst="rect">
             <a:avLst/>
@@ -3300,7 +2850,7 @@
                 <a:spcPct val="100000"/>
               </a:lnSpc>
             </a:pPr>
-            <a:fld id="{111FE846-4633-45BF-8D18-98ECBCACC664}" type="slidenum">
+            <a:fld id="{6E6A4604-393F-4801-BB27-7584C4949659}" type="slidenum">
               <a:rPr b="0" lang="en-US" sz="1800" spc="-1" strike="noStrike">
                 <a:solidFill>
                   <a:srgbClr val="000000"/>
@@ -3308,7 +2858,7 @@
                 <a:latin typeface="Arial"/>
                 <a:ea typeface="+mn-ea"/>
               </a:rPr>
-              <a:t>1</a:t>
+              <a:t>&lt;number&gt;</a:t>
             </a:fld>
             <a:endParaRPr b="0" lang="en-US" sz="1800" spc="-1" strike="noStrike">
               <a:latin typeface="Arial"/>
@@ -3351,7 +2901,7 @@
         <p:spPr>
           <a:xfrm>
             <a:off x="950760" y="684360"/>
-            <a:ext cx="4947840" cy="3423600"/>
+            <a:ext cx="4947480" cy="3423240"/>
           </a:xfrm>
           <a:prstGeom prst="rect">
             <a:avLst/>
@@ -3371,7 +2921,7 @@
         <p:spPr>
           <a:xfrm>
             <a:off x="913320" y="4343400"/>
-            <a:ext cx="5024880" cy="4109040"/>
+            <a:ext cx="5024520" cy="4108680"/>
           </a:xfrm>
           <a:prstGeom prst="rect">
             <a:avLst/>
@@ -3380,7 +2930,7 @@
         <p:txBody>
           <a:bodyPr lIns="0" rIns="0" tIns="0" bIns="0"/>
           <a:p>
-            <a:pPr marL="216000" indent="-209880">
+            <a:pPr marL="216000" indent="-209520">
               <a:lnSpc>
                 <a:spcPct val="100000"/>
               </a:lnSpc>
@@ -3406,7 +2956,7 @@
         <p:spPr>
           <a:xfrm>
             <a:off x="3885120" y="8687160"/>
-            <a:ext cx="2966760" cy="450360"/>
+            <a:ext cx="2966400" cy="450000"/>
           </a:xfrm>
           <a:prstGeom prst="rect">
             <a:avLst/>
@@ -3430,7 +2980,7 @@
                 <a:spcPct val="100000"/>
               </a:lnSpc>
             </a:pPr>
-            <a:fld id="{A0469676-59B7-49C9-A869-2293AC927490}" type="slidenum">
+            <a:fld id="{20E5DD3E-385B-4275-B9E1-5848BA7D9FB4}" type="slidenum">
               <a:rPr b="0" lang="en-US" sz="1800" spc="-1" strike="noStrike">
                 <a:solidFill>
                   <a:srgbClr val="000000"/>
@@ -3438,7 +2988,7 @@
                 <a:latin typeface="Arial"/>
                 <a:ea typeface="+mn-ea"/>
               </a:rPr>
-              <a:t>1</a:t>
+              <a:t>&lt;number&gt;</a:t>
             </a:fld>
             <a:endParaRPr b="0" lang="en-US" sz="1800" spc="-1" strike="noStrike">
               <a:latin typeface="Arial"/>
@@ -3481,7 +3031,7 @@
         <p:spPr>
           <a:xfrm>
             <a:off x="950760" y="684360"/>
-            <a:ext cx="4947840" cy="3423600"/>
+            <a:ext cx="4947480" cy="3423240"/>
           </a:xfrm>
           <a:prstGeom prst="rect">
             <a:avLst/>
@@ -3501,7 +3051,7 @@
         <p:spPr>
           <a:xfrm>
             <a:off x="913320" y="4343400"/>
-            <a:ext cx="5024880" cy="4109040"/>
+            <a:ext cx="5024520" cy="4108680"/>
           </a:xfrm>
           <a:prstGeom prst="rect">
             <a:avLst/>
@@ -3510,7 +3060,7 @@
         <p:txBody>
           <a:bodyPr lIns="0" rIns="0" tIns="0" bIns="0"/>
           <a:p>
-            <a:pPr marL="216000" indent="-209880">
+            <a:pPr marL="216000" indent="-209520">
               <a:lnSpc>
                 <a:spcPct val="100000"/>
               </a:lnSpc>
@@ -3519,169 +3069,7 @@
               <a:rPr b="0" lang="en-US" sz="2000" spc="-1" strike="noStrike">
                 <a:latin typeface="Arial"/>
               </a:rPr>
-              <a:t>S</a:t>
-            </a:r>
-            <a:r>
-              <a:rPr b="0" lang="en-US" sz="2000" spc="-1" strike="noStrike">
-                <a:latin typeface="Arial"/>
-              </a:rPr>
-              <a:t>i</a:t>
-            </a:r>
-            <a:r>
-              <a:rPr b="0" lang="en-US" sz="2000" spc="-1" strike="noStrike">
-                <a:latin typeface="Arial"/>
-              </a:rPr>
-              <a:t>z</a:t>
-            </a:r>
-            <a:r>
-              <a:rPr b="0" lang="en-US" sz="2000" spc="-1" strike="noStrike">
-                <a:latin typeface="Arial"/>
-              </a:rPr>
-              <a:t>e</a:t>
-            </a:r>
-            <a:r>
-              <a:rPr b="0" lang="en-US" sz="2000" spc="-1" strike="noStrike">
-                <a:latin typeface="Arial"/>
-              </a:rPr>
-              <a:t> </a:t>
-            </a:r>
-            <a:r>
-              <a:rPr b="0" lang="en-US" sz="2000" spc="-1" strike="noStrike">
-                <a:latin typeface="Arial"/>
-              </a:rPr>
-              <a:t>4</a:t>
-            </a:r>
-            <a:r>
-              <a:rPr b="0" lang="en-US" sz="2000" spc="-1" strike="noStrike">
-                <a:latin typeface="Arial"/>
-              </a:rPr>
-              <a:t>0</a:t>
-            </a:r>
-            <a:r>
-              <a:rPr b="0" lang="en-US" sz="2000" spc="-1" strike="noStrike">
-                <a:latin typeface="Arial"/>
-              </a:rPr>
-              <a:t> </a:t>
-            </a:r>
-            <a:r>
-              <a:rPr b="0" lang="en-US" sz="2000" spc="-1" strike="noStrike">
-                <a:latin typeface="Arial"/>
-              </a:rPr>
-              <a:t>h</a:t>
-            </a:r>
-            <a:r>
-              <a:rPr b="0" lang="en-US" sz="2000" spc="-1" strike="noStrike">
-                <a:latin typeface="Arial"/>
-              </a:rPr>
-              <a:t>e</a:t>
-            </a:r>
-            <a:r>
-              <a:rPr b="0" lang="en-US" sz="2000" spc="-1" strike="noStrike">
-                <a:latin typeface="Arial"/>
-              </a:rPr>
-              <a:t>a</a:t>
-            </a:r>
-            <a:r>
-              <a:rPr b="0" lang="en-US" sz="2000" spc="-1" strike="noStrike">
-                <a:latin typeface="Arial"/>
-              </a:rPr>
-              <a:t>d</a:t>
-            </a:r>
-            <a:r>
-              <a:rPr b="0" lang="en-US" sz="2000" spc="-1" strike="noStrike">
-                <a:latin typeface="Arial"/>
-              </a:rPr>
-              <a:t>e</a:t>
-            </a:r>
-            <a:r>
-              <a:rPr b="0" lang="en-US" sz="2000" spc="-1" strike="noStrike">
-                <a:latin typeface="Arial"/>
-              </a:rPr>
-              <a:t>r</a:t>
-            </a:r>
-            <a:r>
-              <a:rPr b="0" lang="en-US" sz="2000" spc="-1" strike="noStrike">
-                <a:latin typeface="Arial"/>
-              </a:rPr>
-              <a:t>;</a:t>
-            </a:r>
-            <a:r>
-              <a:rPr b="0" lang="en-US" sz="2000" spc="-1" strike="noStrike">
-                <a:latin typeface="Arial"/>
-              </a:rPr>
-              <a:t> </a:t>
-            </a:r>
-            <a:r>
-              <a:rPr b="0" lang="en-US" sz="2000" spc="-1" strike="noStrike">
-                <a:latin typeface="Arial"/>
-              </a:rPr>
-              <a:t>s</a:t>
-            </a:r>
-            <a:r>
-              <a:rPr b="0" lang="en-US" sz="2000" spc="-1" strike="noStrike">
-                <a:latin typeface="Arial"/>
-              </a:rPr>
-              <a:t>i</a:t>
-            </a:r>
-            <a:r>
-              <a:rPr b="0" lang="en-US" sz="2000" spc="-1" strike="noStrike">
-                <a:latin typeface="Arial"/>
-              </a:rPr>
-              <a:t>z</a:t>
-            </a:r>
-            <a:r>
-              <a:rPr b="0" lang="en-US" sz="2000" spc="-1" strike="noStrike">
-                <a:latin typeface="Arial"/>
-              </a:rPr>
-              <a:t>e</a:t>
-            </a:r>
-            <a:r>
-              <a:rPr b="0" lang="en-US" sz="2000" spc="-1" strike="noStrike">
-                <a:latin typeface="Arial"/>
-              </a:rPr>
-              <a:t> </a:t>
-            </a:r>
-            <a:r>
-              <a:rPr b="0" lang="en-US" sz="2000" spc="-1" strike="noStrike">
-                <a:latin typeface="Arial"/>
-              </a:rPr>
-              <a:t>2</a:t>
-            </a:r>
-            <a:r>
-              <a:rPr b="0" lang="en-US" sz="2000" spc="-1" strike="noStrike">
-                <a:latin typeface="Arial"/>
-              </a:rPr>
-              <a:t>0</a:t>
-            </a:r>
-            <a:r>
-              <a:rPr b="0" lang="en-US" sz="2000" spc="-1" strike="noStrike">
-                <a:latin typeface="Arial"/>
-              </a:rPr>
-              <a:t> </a:t>
-            </a:r>
-            <a:r>
-              <a:rPr b="0" lang="en-US" sz="2000" spc="-1" strike="noStrike">
-                <a:latin typeface="Arial"/>
-              </a:rPr>
-              <a:t>b</a:t>
-            </a:r>
-            <a:r>
-              <a:rPr b="0" lang="en-US" sz="2000" spc="-1" strike="noStrike">
-                <a:latin typeface="Arial"/>
-              </a:rPr>
-              <a:t>o</a:t>
-            </a:r>
-            <a:r>
-              <a:rPr b="0" lang="en-US" sz="2000" spc="-1" strike="noStrike">
-                <a:latin typeface="Arial"/>
-              </a:rPr>
-              <a:t>d</a:t>
-            </a:r>
-            <a:r>
-              <a:rPr b="0" lang="en-US" sz="2000" spc="-1" strike="noStrike">
-                <a:latin typeface="Arial"/>
-              </a:rPr>
-              <a:t>y</a:t>
+              <a:t>Size 40 header; size 20 body</a:t>
             </a:r>
             <a:endParaRPr b="0" lang="en-US" sz="2000" spc="-1" strike="noStrike">
               <a:latin typeface="Arial"/>
@@ -3698,7 +3086,7 @@
         <p:spPr>
           <a:xfrm>
             <a:off x="3885120" y="8687160"/>
-            <a:ext cx="2966760" cy="450360"/>
+            <a:ext cx="2966400" cy="450000"/>
           </a:xfrm>
           <a:prstGeom prst="rect">
             <a:avLst/>
@@ -3722,7 +3110,7 @@
                 <a:spcPct val="100000"/>
               </a:lnSpc>
             </a:pPr>
-            <a:fld id="{0B015111-5147-4636-9802-DAF97526EBFB}" type="slidenum">
+            <a:fld id="{8A4477A3-893E-4046-982C-CF77D68678FB}" type="slidenum">
               <a:rPr b="0" lang="en-US" sz="1800" spc="-1" strike="noStrike">
                 <a:solidFill>
                   <a:srgbClr val="000000"/>
@@ -3730,7 +3118,7 @@
                 <a:latin typeface="Arial"/>
                 <a:ea typeface="+mn-ea"/>
               </a:rPr>
-              <a:t>1</a:t>
+              <a:t>&lt;number&gt;</a:t>
             </a:fld>
             <a:endParaRPr b="0" lang="en-US" sz="1800" spc="-1" strike="noStrike">
               <a:latin typeface="Arial"/>
@@ -3773,7 +3161,7 @@
         <p:spPr>
           <a:xfrm>
             <a:off x="950760" y="684360"/>
-            <a:ext cx="4947840" cy="3423600"/>
+            <a:ext cx="4947480" cy="3423240"/>
           </a:xfrm>
           <a:prstGeom prst="rect">
             <a:avLst/>
@@ -3793,7 +3181,7 @@
         <p:spPr>
           <a:xfrm>
             <a:off x="913320" y="4343400"/>
-            <a:ext cx="5024880" cy="4109040"/>
+            <a:ext cx="5024520" cy="4108680"/>
           </a:xfrm>
           <a:prstGeom prst="rect">
             <a:avLst/>
@@ -3802,7 +3190,7 @@
         <p:txBody>
           <a:bodyPr lIns="0" rIns="0" tIns="0" bIns="0"/>
           <a:p>
-            <a:pPr marL="216000" indent="-209880">
+            <a:pPr marL="216000" indent="-209520">
               <a:lnSpc>
                 <a:spcPct val="100000"/>
               </a:lnSpc>
@@ -3811,169 +3199,7 @@
               <a:rPr b="0" lang="en-US" sz="2000" spc="-1" strike="noStrike">
                 <a:latin typeface="Arial"/>
               </a:rPr>
-              <a:t>S</a:t>
-            </a:r>
-            <a:r>
-              <a:rPr b="0" lang="en-US" sz="2000" spc="-1" strike="noStrike">
-                <a:latin typeface="Arial"/>
-              </a:rPr>
-              <a:t>i</a:t>
-            </a:r>
-            <a:r>
-              <a:rPr b="0" lang="en-US" sz="2000" spc="-1" strike="noStrike">
-                <a:latin typeface="Arial"/>
-              </a:rPr>
-              <a:t>z</a:t>
-            </a:r>
-            <a:r>
-              <a:rPr b="0" lang="en-US" sz="2000" spc="-1" strike="noStrike">
-                <a:latin typeface="Arial"/>
-              </a:rPr>
-              <a:t>e</a:t>
-            </a:r>
-            <a:r>
-              <a:rPr b="0" lang="en-US" sz="2000" spc="-1" strike="noStrike">
-                <a:latin typeface="Arial"/>
-              </a:rPr>
-              <a:t> </a:t>
-            </a:r>
-            <a:r>
-              <a:rPr b="0" lang="en-US" sz="2000" spc="-1" strike="noStrike">
-                <a:latin typeface="Arial"/>
-              </a:rPr>
-              <a:t>4</a:t>
-            </a:r>
-            <a:r>
-              <a:rPr b="0" lang="en-US" sz="2000" spc="-1" strike="noStrike">
-                <a:latin typeface="Arial"/>
-              </a:rPr>
-              <a:t>0</a:t>
-            </a:r>
-            <a:r>
-              <a:rPr b="0" lang="en-US" sz="2000" spc="-1" strike="noStrike">
-                <a:latin typeface="Arial"/>
-              </a:rPr>
-              <a:t> </a:t>
-            </a:r>
-            <a:r>
-              <a:rPr b="0" lang="en-US" sz="2000" spc="-1" strike="noStrike">
-                <a:latin typeface="Arial"/>
-              </a:rPr>
-              <a:t>h</a:t>
-            </a:r>
-            <a:r>
-              <a:rPr b="0" lang="en-US" sz="2000" spc="-1" strike="noStrike">
-                <a:latin typeface="Arial"/>
-              </a:rPr>
-              <a:t>e</a:t>
-            </a:r>
-            <a:r>
-              <a:rPr b="0" lang="en-US" sz="2000" spc="-1" strike="noStrike">
-                <a:latin typeface="Arial"/>
-              </a:rPr>
-              <a:t>a</a:t>
-            </a:r>
-            <a:r>
-              <a:rPr b="0" lang="en-US" sz="2000" spc="-1" strike="noStrike">
-                <a:latin typeface="Arial"/>
-              </a:rPr>
-              <a:t>d</a:t>
-            </a:r>
-            <a:r>
-              <a:rPr b="0" lang="en-US" sz="2000" spc="-1" strike="noStrike">
-                <a:latin typeface="Arial"/>
-              </a:rPr>
-              <a:t>e</a:t>
-            </a:r>
-            <a:r>
-              <a:rPr b="0" lang="en-US" sz="2000" spc="-1" strike="noStrike">
-                <a:latin typeface="Arial"/>
-              </a:rPr>
-              <a:t>r</a:t>
-            </a:r>
-            <a:r>
-              <a:rPr b="0" lang="en-US" sz="2000" spc="-1" strike="noStrike">
-                <a:latin typeface="Arial"/>
-              </a:rPr>
-              <a:t>;</a:t>
-            </a:r>
-            <a:r>
-              <a:rPr b="0" lang="en-US" sz="2000" spc="-1" strike="noStrike">
-                <a:latin typeface="Arial"/>
-              </a:rPr>
-              <a:t> </a:t>
-            </a:r>
-            <a:r>
-              <a:rPr b="0" lang="en-US" sz="2000" spc="-1" strike="noStrike">
-                <a:latin typeface="Arial"/>
-              </a:rPr>
-              <a:t>s</a:t>
-            </a:r>
-            <a:r>
-              <a:rPr b="0" lang="en-US" sz="2000" spc="-1" strike="noStrike">
-                <a:latin typeface="Arial"/>
-              </a:rPr>
-              <a:t>i</a:t>
-            </a:r>
-            <a:r>
-              <a:rPr b="0" lang="en-US" sz="2000" spc="-1" strike="noStrike">
-                <a:latin typeface="Arial"/>
-              </a:rPr>
-              <a:t>z</a:t>
-            </a:r>
-            <a:r>
-              <a:rPr b="0" lang="en-US" sz="2000" spc="-1" strike="noStrike">
-                <a:latin typeface="Arial"/>
-              </a:rPr>
-              <a:t>e</a:t>
-            </a:r>
-            <a:r>
-              <a:rPr b="0" lang="en-US" sz="2000" spc="-1" strike="noStrike">
-                <a:latin typeface="Arial"/>
-              </a:rPr>
-              <a:t> </a:t>
-            </a:r>
-            <a:r>
-              <a:rPr b="0" lang="en-US" sz="2000" spc="-1" strike="noStrike">
-                <a:latin typeface="Arial"/>
-              </a:rPr>
-              <a:t>2</a:t>
-            </a:r>
-            <a:r>
-              <a:rPr b="0" lang="en-US" sz="2000" spc="-1" strike="noStrike">
-                <a:latin typeface="Arial"/>
-              </a:rPr>
-              <a:t>0</a:t>
-            </a:r>
-            <a:r>
-              <a:rPr b="0" lang="en-US" sz="2000" spc="-1" strike="noStrike">
-                <a:latin typeface="Arial"/>
-              </a:rPr>
-              <a:t> </a:t>
-            </a:r>
-            <a:r>
-              <a:rPr b="0" lang="en-US" sz="2000" spc="-1" strike="noStrike">
-                <a:latin typeface="Arial"/>
-              </a:rPr>
-              <a:t>b</a:t>
-            </a:r>
-            <a:r>
-              <a:rPr b="0" lang="en-US" sz="2000" spc="-1" strike="noStrike">
-                <a:latin typeface="Arial"/>
-              </a:rPr>
-              <a:t>o</a:t>
-            </a:r>
-            <a:r>
-              <a:rPr b="0" lang="en-US" sz="2000" spc="-1" strike="noStrike">
-                <a:latin typeface="Arial"/>
-              </a:rPr>
-              <a:t>d</a:t>
-            </a:r>
-            <a:r>
-              <a:rPr b="0" lang="en-US" sz="2000" spc="-1" strike="noStrike">
-                <a:latin typeface="Arial"/>
-              </a:rPr>
-              <a:t>y</a:t>
+              <a:t>Size 40 header; size 20 body</a:t>
             </a:r>
             <a:endParaRPr b="0" lang="en-US" sz="2000" spc="-1" strike="noStrike">
               <a:latin typeface="Arial"/>
@@ -3990,7 +3216,7 @@
         <p:spPr>
           <a:xfrm>
             <a:off x="3885120" y="8687160"/>
-            <a:ext cx="2966760" cy="450360"/>
+            <a:ext cx="2966400" cy="450000"/>
           </a:xfrm>
           <a:prstGeom prst="rect">
             <a:avLst/>
@@ -4014,7 +3240,7 @@
                 <a:spcPct val="100000"/>
               </a:lnSpc>
             </a:pPr>
-            <a:fld id="{6D2D5856-D42F-48D5-8FCF-543F59637C31}" type="slidenum">
+            <a:fld id="{B094EA66-B8E3-4C36-9CF3-E5F9C304E5CB}" type="slidenum">
               <a:rPr b="0" lang="en-US" sz="1800" spc="-1" strike="noStrike">
                 <a:solidFill>
                   <a:srgbClr val="000000"/>
@@ -4022,7 +3248,7 @@
                 <a:latin typeface="Arial"/>
                 <a:ea typeface="+mn-ea"/>
               </a:rPr>
-              <a:t>1</a:t>
+              <a:t>&lt;number&gt;</a:t>
             </a:fld>
             <a:endParaRPr b="0" lang="en-US" sz="1800" spc="-1" strike="noStrike">
               <a:latin typeface="Arial"/>
@@ -4065,7 +3291,7 @@
         <p:spPr>
           <a:xfrm>
             <a:off x="950760" y="684360"/>
-            <a:ext cx="4947840" cy="3423600"/>
+            <a:ext cx="4947480" cy="3423240"/>
           </a:xfrm>
           <a:prstGeom prst="rect">
             <a:avLst/>
@@ -4085,7 +3311,7 @@
         <p:spPr>
           <a:xfrm>
             <a:off x="913320" y="4343400"/>
-            <a:ext cx="5024880" cy="4109040"/>
+            <a:ext cx="5024520" cy="4108680"/>
           </a:xfrm>
           <a:prstGeom prst="rect">
             <a:avLst/>
@@ -4094,7 +3320,7 @@
         <p:txBody>
           <a:bodyPr lIns="0" rIns="0" tIns="0" bIns="0"/>
           <a:p>
-            <a:pPr marL="216000" indent="-209880">
+            <a:pPr marL="216000" indent="-209520">
               <a:lnSpc>
                 <a:spcPct val="100000"/>
               </a:lnSpc>
@@ -4103,169 +3329,7 @@
               <a:rPr b="0" lang="en-US" sz="2000" spc="-1" strike="noStrike">
                 <a:latin typeface="Arial"/>
               </a:rPr>
-              <a:t>S</a:t>
-            </a:r>
-            <a:r>
-              <a:rPr b="0" lang="en-US" sz="2000" spc="-1" strike="noStrike">
-                <a:latin typeface="Arial"/>
-              </a:rPr>
-              <a:t>i</a:t>
-            </a:r>
-            <a:r>
-              <a:rPr b="0" lang="en-US" sz="2000" spc="-1" strike="noStrike">
-                <a:latin typeface="Arial"/>
-              </a:rPr>
-              <a:t>z</a:t>
-            </a:r>
-            <a:r>
-              <a:rPr b="0" lang="en-US" sz="2000" spc="-1" strike="noStrike">
-                <a:latin typeface="Arial"/>
-              </a:rPr>
-              <a:t>e</a:t>
-            </a:r>
-            <a:r>
-              <a:rPr b="0" lang="en-US" sz="2000" spc="-1" strike="noStrike">
-                <a:latin typeface="Arial"/>
-              </a:rPr>
-              <a:t> </a:t>
-            </a:r>
-            <a:r>
-              <a:rPr b="0" lang="en-US" sz="2000" spc="-1" strike="noStrike">
-                <a:latin typeface="Arial"/>
-              </a:rPr>
-              <a:t>4</a:t>
-            </a:r>
-            <a:r>
-              <a:rPr b="0" lang="en-US" sz="2000" spc="-1" strike="noStrike">
-                <a:latin typeface="Arial"/>
-              </a:rPr>
-              <a:t>0</a:t>
-            </a:r>
-            <a:r>
-              <a:rPr b="0" lang="en-US" sz="2000" spc="-1" strike="noStrike">
-                <a:latin typeface="Arial"/>
-              </a:rPr>
-              <a:t> </a:t>
-            </a:r>
-            <a:r>
-              <a:rPr b="0" lang="en-US" sz="2000" spc="-1" strike="noStrike">
-                <a:latin typeface="Arial"/>
-              </a:rPr>
-              <a:t>h</a:t>
-            </a:r>
-            <a:r>
-              <a:rPr b="0" lang="en-US" sz="2000" spc="-1" strike="noStrike">
-                <a:latin typeface="Arial"/>
-              </a:rPr>
-              <a:t>e</a:t>
-            </a:r>
-            <a:r>
-              <a:rPr b="0" lang="en-US" sz="2000" spc="-1" strike="noStrike">
-                <a:latin typeface="Arial"/>
-              </a:rPr>
-              <a:t>a</a:t>
-            </a:r>
-            <a:r>
-              <a:rPr b="0" lang="en-US" sz="2000" spc="-1" strike="noStrike">
-                <a:latin typeface="Arial"/>
-              </a:rPr>
-              <a:t>d</a:t>
-            </a:r>
-            <a:r>
-              <a:rPr b="0" lang="en-US" sz="2000" spc="-1" strike="noStrike">
-                <a:latin typeface="Arial"/>
-              </a:rPr>
-              <a:t>e</a:t>
-            </a:r>
-            <a:r>
-              <a:rPr b="0" lang="en-US" sz="2000" spc="-1" strike="noStrike">
-                <a:latin typeface="Arial"/>
-              </a:rPr>
-              <a:t>r</a:t>
-            </a:r>
-            <a:r>
-              <a:rPr b="0" lang="en-US" sz="2000" spc="-1" strike="noStrike">
-                <a:latin typeface="Arial"/>
-              </a:rPr>
-              <a:t>;</a:t>
-            </a:r>
-            <a:r>
-              <a:rPr b="0" lang="en-US" sz="2000" spc="-1" strike="noStrike">
-                <a:latin typeface="Arial"/>
-              </a:rPr>
-              <a:t> </a:t>
-            </a:r>
-            <a:r>
-              <a:rPr b="0" lang="en-US" sz="2000" spc="-1" strike="noStrike">
-                <a:latin typeface="Arial"/>
-              </a:rPr>
-              <a:t>s</a:t>
-            </a:r>
-            <a:r>
-              <a:rPr b="0" lang="en-US" sz="2000" spc="-1" strike="noStrike">
-                <a:latin typeface="Arial"/>
-              </a:rPr>
-              <a:t>i</a:t>
-            </a:r>
-            <a:r>
-              <a:rPr b="0" lang="en-US" sz="2000" spc="-1" strike="noStrike">
-                <a:latin typeface="Arial"/>
-              </a:rPr>
-              <a:t>z</a:t>
-            </a:r>
-            <a:r>
-              <a:rPr b="0" lang="en-US" sz="2000" spc="-1" strike="noStrike">
-                <a:latin typeface="Arial"/>
-              </a:rPr>
-              <a:t>e</a:t>
-            </a:r>
-            <a:r>
-              <a:rPr b="0" lang="en-US" sz="2000" spc="-1" strike="noStrike">
-                <a:latin typeface="Arial"/>
-              </a:rPr>
-              <a:t> </a:t>
-            </a:r>
-            <a:r>
-              <a:rPr b="0" lang="en-US" sz="2000" spc="-1" strike="noStrike">
-                <a:latin typeface="Arial"/>
-              </a:rPr>
-              <a:t>2</a:t>
-            </a:r>
-            <a:r>
-              <a:rPr b="0" lang="en-US" sz="2000" spc="-1" strike="noStrike">
-                <a:latin typeface="Arial"/>
-              </a:rPr>
-              <a:t>0</a:t>
-            </a:r>
-            <a:r>
-              <a:rPr b="0" lang="en-US" sz="2000" spc="-1" strike="noStrike">
-                <a:latin typeface="Arial"/>
-              </a:rPr>
-              <a:t> </a:t>
-            </a:r>
-            <a:r>
-              <a:rPr b="0" lang="en-US" sz="2000" spc="-1" strike="noStrike">
-                <a:latin typeface="Arial"/>
-              </a:rPr>
-              <a:t>b</a:t>
-            </a:r>
-            <a:r>
-              <a:rPr b="0" lang="en-US" sz="2000" spc="-1" strike="noStrike">
-                <a:latin typeface="Arial"/>
-              </a:rPr>
-              <a:t>o</a:t>
-            </a:r>
-            <a:r>
-              <a:rPr b="0" lang="en-US" sz="2000" spc="-1" strike="noStrike">
-                <a:latin typeface="Arial"/>
-              </a:rPr>
-              <a:t>d</a:t>
-            </a:r>
-            <a:r>
-              <a:rPr b="0" lang="en-US" sz="2000" spc="-1" strike="noStrike">
-                <a:latin typeface="Arial"/>
-              </a:rPr>
-              <a:t>y</a:t>
+              <a:t>Size 40 header; size 20 body</a:t>
             </a:r>
             <a:endParaRPr b="0" lang="en-US" sz="2000" spc="-1" strike="noStrike">
               <a:latin typeface="Arial"/>
@@ -4282,7 +3346,7 @@
         <p:spPr>
           <a:xfrm>
             <a:off x="3885120" y="8687160"/>
-            <a:ext cx="2966760" cy="450360"/>
+            <a:ext cx="2966400" cy="450000"/>
           </a:xfrm>
           <a:prstGeom prst="rect">
             <a:avLst/>
@@ -4306,7 +3370,7 @@
                 <a:spcPct val="100000"/>
               </a:lnSpc>
             </a:pPr>
-            <a:fld id="{2CBDBD2F-DCF8-488F-9173-E1A3A035267E}" type="slidenum">
+            <a:fld id="{B8CD6409-B947-41A8-A9F9-CE4D89AD436F}" type="slidenum">
               <a:rPr b="0" lang="en-US" sz="1800" spc="-1" strike="noStrike">
                 <a:solidFill>
                   <a:srgbClr val="000000"/>
@@ -4314,7 +3378,7 @@
                 <a:latin typeface="Arial"/>
                 <a:ea typeface="+mn-ea"/>
               </a:rPr>
-              <a:t>1</a:t>
+              <a:t>&lt;number&gt;</a:t>
             </a:fld>
             <a:endParaRPr b="0" lang="en-US" sz="1800" spc="-1" strike="noStrike">
               <a:latin typeface="Arial"/>
@@ -4357,7 +3421,7 @@
         <p:spPr>
           <a:xfrm>
             <a:off x="950760" y="684360"/>
-            <a:ext cx="4947840" cy="3423600"/>
+            <a:ext cx="4947480" cy="3423240"/>
           </a:xfrm>
           <a:prstGeom prst="rect">
             <a:avLst/>
@@ -4377,7 +3441,7 @@
         <p:spPr>
           <a:xfrm>
             <a:off x="913320" y="4343400"/>
-            <a:ext cx="5024880" cy="4109040"/>
+            <a:ext cx="5024520" cy="4108680"/>
           </a:xfrm>
           <a:prstGeom prst="rect">
             <a:avLst/>
@@ -4386,7 +3450,7 @@
         <p:txBody>
           <a:bodyPr lIns="0" rIns="0" tIns="0" bIns="0"/>
           <a:p>
-            <a:pPr marL="216000" indent="-209880">
+            <a:pPr marL="216000" indent="-209520">
               <a:lnSpc>
                 <a:spcPct val="100000"/>
               </a:lnSpc>
@@ -4395,169 +3459,7 @@
               <a:rPr b="0" lang="en-US" sz="2000" spc="-1" strike="noStrike">
                 <a:latin typeface="Arial"/>
               </a:rPr>
-              <a:t>S</a:t>
-            </a:r>
-            <a:r>
-              <a:rPr b="0" lang="en-US" sz="2000" spc="-1" strike="noStrike">
-                <a:latin typeface="Arial"/>
-              </a:rPr>
-              <a:t>i</a:t>
-            </a:r>
-            <a:r>
-              <a:rPr b="0" lang="en-US" sz="2000" spc="-1" strike="noStrike">
-                <a:latin typeface="Arial"/>
-              </a:rPr>
-              <a:t>z</a:t>
-            </a:r>
-            <a:r>
-              <a:rPr b="0" lang="en-US" sz="2000" spc="-1" strike="noStrike">
-                <a:latin typeface="Arial"/>
-              </a:rPr>
-              <a:t>e</a:t>
-            </a:r>
-            <a:r>
-              <a:rPr b="0" lang="en-US" sz="2000" spc="-1" strike="noStrike">
-                <a:latin typeface="Arial"/>
-              </a:rPr>
-              <a:t> </a:t>
-            </a:r>
-            <a:r>
-              <a:rPr b="0" lang="en-US" sz="2000" spc="-1" strike="noStrike">
-                <a:latin typeface="Arial"/>
-              </a:rPr>
-              <a:t>4</a:t>
-            </a:r>
-            <a:r>
-              <a:rPr b="0" lang="en-US" sz="2000" spc="-1" strike="noStrike">
-                <a:latin typeface="Arial"/>
-              </a:rPr>
-              <a:t>0</a:t>
-            </a:r>
-            <a:r>
-              <a:rPr b="0" lang="en-US" sz="2000" spc="-1" strike="noStrike">
-                <a:latin typeface="Arial"/>
-              </a:rPr>
-              <a:t> </a:t>
-            </a:r>
-            <a:r>
-              <a:rPr b="0" lang="en-US" sz="2000" spc="-1" strike="noStrike">
-                <a:latin typeface="Arial"/>
-              </a:rPr>
-              <a:t>h</a:t>
-            </a:r>
-            <a:r>
-              <a:rPr b="0" lang="en-US" sz="2000" spc="-1" strike="noStrike">
-                <a:latin typeface="Arial"/>
-              </a:rPr>
-              <a:t>e</a:t>
-            </a:r>
-            <a:r>
-              <a:rPr b="0" lang="en-US" sz="2000" spc="-1" strike="noStrike">
-                <a:latin typeface="Arial"/>
-              </a:rPr>
-              <a:t>a</a:t>
-            </a:r>
-            <a:r>
-              <a:rPr b="0" lang="en-US" sz="2000" spc="-1" strike="noStrike">
-                <a:latin typeface="Arial"/>
-              </a:rPr>
-              <a:t>d</a:t>
-            </a:r>
-            <a:r>
-              <a:rPr b="0" lang="en-US" sz="2000" spc="-1" strike="noStrike">
-                <a:latin typeface="Arial"/>
-              </a:rPr>
-              <a:t>e</a:t>
-            </a:r>
-            <a:r>
-              <a:rPr b="0" lang="en-US" sz="2000" spc="-1" strike="noStrike">
-                <a:latin typeface="Arial"/>
-              </a:rPr>
-              <a:t>r</a:t>
-            </a:r>
-            <a:r>
-              <a:rPr b="0" lang="en-US" sz="2000" spc="-1" strike="noStrike">
-                <a:latin typeface="Arial"/>
-              </a:rPr>
-              <a:t>;</a:t>
-            </a:r>
-            <a:r>
-              <a:rPr b="0" lang="en-US" sz="2000" spc="-1" strike="noStrike">
-                <a:latin typeface="Arial"/>
-              </a:rPr>
-              <a:t> </a:t>
-            </a:r>
-            <a:r>
-              <a:rPr b="0" lang="en-US" sz="2000" spc="-1" strike="noStrike">
-                <a:latin typeface="Arial"/>
-              </a:rPr>
-              <a:t>s</a:t>
-            </a:r>
-            <a:r>
-              <a:rPr b="0" lang="en-US" sz="2000" spc="-1" strike="noStrike">
-                <a:latin typeface="Arial"/>
-              </a:rPr>
-              <a:t>i</a:t>
-            </a:r>
-            <a:r>
-              <a:rPr b="0" lang="en-US" sz="2000" spc="-1" strike="noStrike">
-                <a:latin typeface="Arial"/>
-              </a:rPr>
-              <a:t>z</a:t>
-            </a:r>
-            <a:r>
-              <a:rPr b="0" lang="en-US" sz="2000" spc="-1" strike="noStrike">
-                <a:latin typeface="Arial"/>
-              </a:rPr>
-              <a:t>e</a:t>
-            </a:r>
-            <a:r>
-              <a:rPr b="0" lang="en-US" sz="2000" spc="-1" strike="noStrike">
-                <a:latin typeface="Arial"/>
-              </a:rPr>
-              <a:t> </a:t>
-            </a:r>
-            <a:r>
-              <a:rPr b="0" lang="en-US" sz="2000" spc="-1" strike="noStrike">
-                <a:latin typeface="Arial"/>
-              </a:rPr>
-              <a:t>2</a:t>
-            </a:r>
-            <a:r>
-              <a:rPr b="0" lang="en-US" sz="2000" spc="-1" strike="noStrike">
-                <a:latin typeface="Arial"/>
-              </a:rPr>
-              <a:t>0</a:t>
-            </a:r>
-            <a:r>
-              <a:rPr b="0" lang="en-US" sz="2000" spc="-1" strike="noStrike">
-                <a:latin typeface="Arial"/>
-              </a:rPr>
-              <a:t> </a:t>
-            </a:r>
-            <a:r>
-              <a:rPr b="0" lang="en-US" sz="2000" spc="-1" strike="noStrike">
-                <a:latin typeface="Arial"/>
-              </a:rPr>
-              <a:t>b</a:t>
-            </a:r>
-            <a:r>
-              <a:rPr b="0" lang="en-US" sz="2000" spc="-1" strike="noStrike">
-                <a:latin typeface="Arial"/>
-              </a:rPr>
-              <a:t>o</a:t>
-            </a:r>
-            <a:r>
-              <a:rPr b="0" lang="en-US" sz="2000" spc="-1" strike="noStrike">
-                <a:latin typeface="Arial"/>
-              </a:rPr>
-              <a:t>d</a:t>
-            </a:r>
-            <a:r>
-              <a:rPr b="0" lang="en-US" sz="2000" spc="-1" strike="noStrike">
-                <a:latin typeface="Arial"/>
-              </a:rPr>
-              <a:t>y</a:t>
+              <a:t>Size 40 header; size 20 body</a:t>
             </a:r>
             <a:endParaRPr b="0" lang="en-US" sz="2000" spc="-1" strike="noStrike">
               <a:latin typeface="Arial"/>
@@ -4574,7 +3476,7 @@
         <p:spPr>
           <a:xfrm>
             <a:off x="3885120" y="8687160"/>
-            <a:ext cx="2966760" cy="450360"/>
+            <a:ext cx="2966400" cy="450000"/>
           </a:xfrm>
           <a:prstGeom prst="rect">
             <a:avLst/>
@@ -4598,7 +3500,7 @@
                 <a:spcPct val="100000"/>
               </a:lnSpc>
             </a:pPr>
-            <a:fld id="{C430A43B-0BD7-4B06-A68C-0DDB2FEBAAA8}" type="slidenum">
+            <a:fld id="{135D1BE0-E460-4CAA-B439-0687B3DE1FD3}" type="slidenum">
               <a:rPr b="0" lang="en-US" sz="1800" spc="-1" strike="noStrike">
                 <a:solidFill>
                   <a:srgbClr val="000000"/>
@@ -4606,7 +3508,7 @@
                 <a:latin typeface="Arial"/>
                 <a:ea typeface="+mn-ea"/>
               </a:rPr>
-              <a:t>1</a:t>
+              <a:t>&lt;number&gt;</a:t>
             </a:fld>
             <a:endParaRPr b="0" lang="en-US" sz="1800" spc="-1" strike="noStrike">
               <a:latin typeface="Arial"/>
@@ -4649,7 +3551,7 @@
         <p:spPr>
           <a:xfrm>
             <a:off x="950760" y="684360"/>
-            <a:ext cx="4947840" cy="3423600"/>
+            <a:ext cx="4947480" cy="3423240"/>
           </a:xfrm>
           <a:prstGeom prst="rect">
             <a:avLst/>
@@ -4669,7 +3571,7 @@
         <p:spPr>
           <a:xfrm>
             <a:off x="913320" y="4343400"/>
-            <a:ext cx="5024880" cy="4109040"/>
+            <a:ext cx="5024520" cy="4108680"/>
           </a:xfrm>
           <a:prstGeom prst="rect">
             <a:avLst/>
@@ -4678,7 +3580,7 @@
         <p:txBody>
           <a:bodyPr lIns="0" rIns="0" tIns="0" bIns="0"/>
           <a:p>
-            <a:pPr marL="216000" indent="-209880">
+            <a:pPr marL="216000" indent="-209520">
               <a:lnSpc>
                 <a:spcPct val="100000"/>
               </a:lnSpc>
@@ -4687,169 +3589,7 @@
               <a:rPr b="0" lang="en-US" sz="2000" spc="-1" strike="noStrike">
                 <a:latin typeface="Arial"/>
               </a:rPr>
-              <a:t>S</a:t>
-            </a:r>
-            <a:r>
-              <a:rPr b="0" lang="en-US" sz="2000" spc="-1" strike="noStrike">
-                <a:latin typeface="Arial"/>
-              </a:rPr>
-              <a:t>i</a:t>
-            </a:r>
-            <a:r>
-              <a:rPr b="0" lang="en-US" sz="2000" spc="-1" strike="noStrike">
-                <a:latin typeface="Arial"/>
-              </a:rPr>
-              <a:t>z</a:t>
-            </a:r>
-            <a:r>
-              <a:rPr b="0" lang="en-US" sz="2000" spc="-1" strike="noStrike">
-                <a:latin typeface="Arial"/>
-              </a:rPr>
-              <a:t>e</a:t>
-            </a:r>
-            <a:r>
-              <a:rPr b="0" lang="en-US" sz="2000" spc="-1" strike="noStrike">
-                <a:latin typeface="Arial"/>
-              </a:rPr>
-              <a:t> </a:t>
-            </a:r>
-            <a:r>
-              <a:rPr b="0" lang="en-US" sz="2000" spc="-1" strike="noStrike">
-                <a:latin typeface="Arial"/>
-              </a:rPr>
-              <a:t>4</a:t>
-            </a:r>
-            <a:r>
-              <a:rPr b="0" lang="en-US" sz="2000" spc="-1" strike="noStrike">
-                <a:latin typeface="Arial"/>
-              </a:rPr>
-              <a:t>0</a:t>
-            </a:r>
-            <a:r>
-              <a:rPr b="0" lang="en-US" sz="2000" spc="-1" strike="noStrike">
-                <a:latin typeface="Arial"/>
-              </a:rPr>
-              <a:t> </a:t>
-            </a:r>
-            <a:r>
-              <a:rPr b="0" lang="en-US" sz="2000" spc="-1" strike="noStrike">
-                <a:latin typeface="Arial"/>
-              </a:rPr>
-              <a:t>h</a:t>
-            </a:r>
-            <a:r>
-              <a:rPr b="0" lang="en-US" sz="2000" spc="-1" strike="noStrike">
-                <a:latin typeface="Arial"/>
-              </a:rPr>
-              <a:t>e</a:t>
-            </a:r>
-            <a:r>
-              <a:rPr b="0" lang="en-US" sz="2000" spc="-1" strike="noStrike">
-                <a:latin typeface="Arial"/>
-              </a:rPr>
-              <a:t>a</a:t>
-            </a:r>
-            <a:r>
-              <a:rPr b="0" lang="en-US" sz="2000" spc="-1" strike="noStrike">
-                <a:latin typeface="Arial"/>
-              </a:rPr>
-              <a:t>d</a:t>
-            </a:r>
-            <a:r>
-              <a:rPr b="0" lang="en-US" sz="2000" spc="-1" strike="noStrike">
-                <a:latin typeface="Arial"/>
-              </a:rPr>
-              <a:t>e</a:t>
-            </a:r>
-            <a:r>
-              <a:rPr b="0" lang="en-US" sz="2000" spc="-1" strike="noStrike">
-                <a:latin typeface="Arial"/>
-              </a:rPr>
-              <a:t>r</a:t>
-            </a:r>
-            <a:r>
-              <a:rPr b="0" lang="en-US" sz="2000" spc="-1" strike="noStrike">
-                <a:latin typeface="Arial"/>
-              </a:rPr>
-              <a:t>;</a:t>
-            </a:r>
-            <a:r>
-              <a:rPr b="0" lang="en-US" sz="2000" spc="-1" strike="noStrike">
-                <a:latin typeface="Arial"/>
-              </a:rPr>
-              <a:t> </a:t>
-            </a:r>
-            <a:r>
-              <a:rPr b="0" lang="en-US" sz="2000" spc="-1" strike="noStrike">
-                <a:latin typeface="Arial"/>
-              </a:rPr>
-              <a:t>s</a:t>
-            </a:r>
-            <a:r>
-              <a:rPr b="0" lang="en-US" sz="2000" spc="-1" strike="noStrike">
-                <a:latin typeface="Arial"/>
-              </a:rPr>
-              <a:t>i</a:t>
-            </a:r>
-            <a:r>
-              <a:rPr b="0" lang="en-US" sz="2000" spc="-1" strike="noStrike">
-                <a:latin typeface="Arial"/>
-              </a:rPr>
-              <a:t>z</a:t>
-            </a:r>
-            <a:r>
-              <a:rPr b="0" lang="en-US" sz="2000" spc="-1" strike="noStrike">
-                <a:latin typeface="Arial"/>
-              </a:rPr>
-              <a:t>e</a:t>
-            </a:r>
-            <a:r>
-              <a:rPr b="0" lang="en-US" sz="2000" spc="-1" strike="noStrike">
-                <a:latin typeface="Arial"/>
-              </a:rPr>
-              <a:t> </a:t>
-            </a:r>
-            <a:r>
-              <a:rPr b="0" lang="en-US" sz="2000" spc="-1" strike="noStrike">
-                <a:latin typeface="Arial"/>
-              </a:rPr>
-              <a:t>2</a:t>
-            </a:r>
-            <a:r>
-              <a:rPr b="0" lang="en-US" sz="2000" spc="-1" strike="noStrike">
-                <a:latin typeface="Arial"/>
-              </a:rPr>
-              <a:t>0</a:t>
-            </a:r>
-            <a:r>
-              <a:rPr b="0" lang="en-US" sz="2000" spc="-1" strike="noStrike">
-                <a:latin typeface="Arial"/>
-              </a:rPr>
-              <a:t> </a:t>
-            </a:r>
-            <a:r>
-              <a:rPr b="0" lang="en-US" sz="2000" spc="-1" strike="noStrike">
-                <a:latin typeface="Arial"/>
-              </a:rPr>
-              <a:t>b</a:t>
-            </a:r>
-            <a:r>
-              <a:rPr b="0" lang="en-US" sz="2000" spc="-1" strike="noStrike">
-                <a:latin typeface="Arial"/>
-              </a:rPr>
-              <a:t>o</a:t>
-            </a:r>
-            <a:r>
-              <a:rPr b="0" lang="en-US" sz="2000" spc="-1" strike="noStrike">
-                <a:latin typeface="Arial"/>
-              </a:rPr>
-              <a:t>d</a:t>
-            </a:r>
-            <a:r>
-              <a:rPr b="0" lang="en-US" sz="2000" spc="-1" strike="noStrike">
-                <a:latin typeface="Arial"/>
-              </a:rPr>
-              <a:t>y</a:t>
+              <a:t>Size 40 header; size 20 body</a:t>
             </a:r>
             <a:endParaRPr b="0" lang="en-US" sz="2000" spc="-1" strike="noStrike">
               <a:latin typeface="Arial"/>
@@ -4866,7 +3606,7 @@
         <p:spPr>
           <a:xfrm>
             <a:off x="3885120" y="8687160"/>
-            <a:ext cx="2966760" cy="450360"/>
+            <a:ext cx="2966400" cy="450000"/>
           </a:xfrm>
           <a:prstGeom prst="rect">
             <a:avLst/>
@@ -4890,7 +3630,7 @@
                 <a:spcPct val="100000"/>
               </a:lnSpc>
             </a:pPr>
-            <a:fld id="{D2A27ACA-4887-466F-A175-364D4440CC73}" type="slidenum">
+            <a:fld id="{9C95905A-AA1D-40FC-8093-FA227D2CB51D}" type="slidenum">
               <a:rPr b="0" lang="en-US" sz="1800" spc="-1" strike="noStrike">
                 <a:solidFill>
                   <a:srgbClr val="000000"/>
@@ -4898,7 +3638,7 @@
                 <a:latin typeface="Arial"/>
                 <a:ea typeface="+mn-ea"/>
               </a:rPr>
-              <a:t>1</a:t>
+              <a:t>&lt;number&gt;</a:t>
             </a:fld>
             <a:endParaRPr b="0" lang="en-US" sz="1800" spc="-1" strike="noStrike">
               <a:latin typeface="Arial"/>
@@ -4941,7 +3681,7 @@
         <p:spPr>
           <a:xfrm>
             <a:off x="950760" y="684360"/>
-            <a:ext cx="4947840" cy="3423600"/>
+            <a:ext cx="4947480" cy="3423240"/>
           </a:xfrm>
           <a:prstGeom prst="rect">
             <a:avLst/>
@@ -4961,7 +3701,7 @@
         <p:spPr>
           <a:xfrm>
             <a:off x="913320" y="4343400"/>
-            <a:ext cx="5024880" cy="4109040"/>
+            <a:ext cx="5024520" cy="4108680"/>
           </a:xfrm>
           <a:prstGeom prst="rect">
             <a:avLst/>
@@ -4970,7 +3710,7 @@
         <p:txBody>
           <a:bodyPr lIns="0" rIns="0" tIns="0" bIns="0"/>
           <a:p>
-            <a:pPr marL="216000" indent="-209880">
+            <a:pPr marL="216000" indent="-209520">
               <a:lnSpc>
                 <a:spcPct val="100000"/>
               </a:lnSpc>
@@ -4996,7 +3736,7 @@
         <p:spPr>
           <a:xfrm>
             <a:off x="3885120" y="8687160"/>
-            <a:ext cx="2966760" cy="450360"/>
+            <a:ext cx="2966400" cy="450000"/>
           </a:xfrm>
           <a:prstGeom prst="rect">
             <a:avLst/>
@@ -5020,7 +3760,7 @@
                 <a:spcPct val="100000"/>
               </a:lnSpc>
             </a:pPr>
-            <a:fld id="{C453E500-04CA-4E73-983D-2212A78E55F5}" type="slidenum">
+            <a:fld id="{C6F3BA55-803A-406E-B9CB-D4213904D205}" type="slidenum">
               <a:rPr b="0" lang="en-US" sz="1800" spc="-1" strike="noStrike">
                 <a:solidFill>
                   <a:srgbClr val="000000"/>
@@ -5028,7 +3768,7 @@
                 <a:latin typeface="Arial"/>
                 <a:ea typeface="+mn-ea"/>
               </a:rPr>
-              <a:t>1</a:t>
+              <a:t>&lt;number&gt;</a:t>
             </a:fld>
             <a:endParaRPr b="0" lang="en-US" sz="1800" spc="-1" strike="noStrike">
               <a:latin typeface="Arial"/>
@@ -6424,211 +5164,25 @@
               <a:rPr b="0" lang="en-US" sz="4400" spc="-1" strike="noStrike">
                 <a:latin typeface="Arial"/>
               </a:rPr>
-              <a:t>C</a:t>
+              <a:t>Click to </a:t>
             </a:r>
             <a:r>
               <a:rPr b="0" lang="en-US" sz="4400" spc="-1" strike="noStrike">
                 <a:latin typeface="Arial"/>
               </a:rPr>
-              <a:t>l</a:t>
+              <a:t>edit the </a:t>
             </a:r>
             <a:r>
               <a:rPr b="0" lang="en-US" sz="4400" spc="-1" strike="noStrike">
                 <a:latin typeface="Arial"/>
               </a:rPr>
-              <a:t>i</a:t>
+              <a:t>title text </a:t>
             </a:r>
             <a:r>
               <a:rPr b="0" lang="en-US" sz="4400" spc="-1" strike="noStrike">
                 <a:latin typeface="Arial"/>
               </a:rPr>
-              <a:t>c</a:t>
-            </a:r>
-            <a:r>
-              <a:rPr b="0" lang="en-US" sz="4400" spc="-1" strike="noStrike">
-                <a:latin typeface="Arial"/>
-              </a:rPr>
-              <a:t>k</a:t>
-            </a:r>
-            <a:r>
-              <a:rPr b="0" lang="en-US" sz="4400" spc="-1" strike="noStrike">
-                <a:latin typeface="Arial"/>
-              </a:rPr>
-              <a:t> </a:t>
-            </a:r>
-            <a:r>
-              <a:rPr b="0" lang="en-US" sz="4400" spc="-1" strike="noStrike">
-                <a:latin typeface="Arial"/>
-              </a:rPr>
-              <a:t>t</a:t>
-            </a:r>
-            <a:r>
-              <a:rPr b="0" lang="en-US" sz="4400" spc="-1" strike="noStrike">
-                <a:latin typeface="Arial"/>
-              </a:rPr>
-              <a:t>o</a:t>
-            </a:r>
-            <a:r>
-              <a:rPr b="0" lang="en-US" sz="4400" spc="-1" strike="noStrike">
-                <a:latin typeface="Arial"/>
-              </a:rPr>
-              <a:t> </a:t>
-            </a:r>
-            <a:r>
-              <a:rPr b="0" lang="en-US" sz="4400" spc="-1" strike="noStrike">
-                <a:latin typeface="Arial"/>
-              </a:rPr>
-              <a:t>e</a:t>
-            </a:r>
-            <a:r>
-              <a:rPr b="0" lang="en-US" sz="4400" spc="-1" strike="noStrike">
-                <a:latin typeface="Arial"/>
-              </a:rPr>
-              <a:t>d</a:t>
-            </a:r>
-            <a:r>
-              <a:rPr b="0" lang="en-US" sz="4400" spc="-1" strike="noStrike">
-                <a:latin typeface="Arial"/>
-              </a:rPr>
-              <a:t>i</a:t>
-            </a:r>
-            <a:r>
-              <a:rPr b="0" lang="en-US" sz="4400" spc="-1" strike="noStrike">
-                <a:latin typeface="Arial"/>
-              </a:rPr>
-              <a:t>t</a:t>
-            </a:r>
-            <a:r>
-              <a:rPr b="0" lang="en-US" sz="4400" spc="-1" strike="noStrike">
-                <a:latin typeface="Arial"/>
-              </a:rPr>
-              <a:t> </a:t>
-            </a:r>
-            <a:r>
-              <a:rPr b="0" lang="en-US" sz="4400" spc="-1" strike="noStrike">
-                <a:latin typeface="Arial"/>
-              </a:rPr>
-              <a:t>t</a:t>
-            </a:r>
-            <a:r>
-              <a:rPr b="0" lang="en-US" sz="4400" spc="-1" strike="noStrike">
-                <a:latin typeface="Arial"/>
-              </a:rPr>
-              <a:t>h</a:t>
-            </a:r>
-            <a:r>
-              <a:rPr b="0" lang="en-US" sz="4400" spc="-1" strike="noStrike">
-                <a:latin typeface="Arial"/>
-              </a:rPr>
-              <a:t>e</a:t>
-            </a:r>
-            <a:r>
-              <a:rPr b="0" lang="en-US" sz="4400" spc="-1" strike="noStrike">
-                <a:latin typeface="Arial"/>
-              </a:rPr>
-              <a:t> </a:t>
-            </a:r>
-            <a:r>
-              <a:rPr b="0" lang="en-US" sz="4400" spc="-1" strike="noStrike">
-                <a:latin typeface="Arial"/>
-              </a:rPr>
-              <a:t>t</a:t>
-            </a:r>
-            <a:r>
-              <a:rPr b="0" lang="en-US" sz="4400" spc="-1" strike="noStrike">
-                <a:latin typeface="Arial"/>
-              </a:rPr>
-              <a:t>i</a:t>
-            </a:r>
-            <a:r>
-              <a:rPr b="0" lang="en-US" sz="4400" spc="-1" strike="noStrike">
-                <a:latin typeface="Arial"/>
-              </a:rPr>
-              <a:t>t</a:t>
-            </a:r>
-            <a:r>
-              <a:rPr b="0" lang="en-US" sz="4400" spc="-1" strike="noStrike">
-                <a:latin typeface="Arial"/>
-              </a:rPr>
-              <a:t>l</a:t>
-            </a:r>
-            <a:r>
-              <a:rPr b="0" lang="en-US" sz="4400" spc="-1" strike="noStrike">
-                <a:latin typeface="Arial"/>
-              </a:rPr>
-              <a:t>e</a:t>
-            </a:r>
-            <a:r>
-              <a:rPr b="0" lang="en-US" sz="4400" spc="-1" strike="noStrike">
-                <a:latin typeface="Arial"/>
-              </a:rPr>
-              <a:t> </a:t>
-            </a:r>
-            <a:r>
-              <a:rPr b="0" lang="en-US" sz="4400" spc="-1" strike="noStrike">
-                <a:latin typeface="Arial"/>
-              </a:rPr>
-              <a:t>t</a:t>
-            </a:r>
-            <a:r>
-              <a:rPr b="0" lang="en-US" sz="4400" spc="-1" strike="noStrike">
-                <a:latin typeface="Arial"/>
-              </a:rPr>
-              <a:t>e</a:t>
-            </a:r>
-            <a:r>
-              <a:rPr b="0" lang="en-US" sz="4400" spc="-1" strike="noStrike">
-                <a:latin typeface="Arial"/>
-              </a:rPr>
-              <a:t>x</a:t>
-            </a:r>
-            <a:r>
-              <a:rPr b="0" lang="en-US" sz="4400" spc="-1" strike="noStrike">
-                <a:latin typeface="Arial"/>
-              </a:rPr>
-              <a:t>t</a:t>
-            </a:r>
-            <a:r>
-              <a:rPr b="0" lang="en-US" sz="4400" spc="-1" strike="noStrike">
-                <a:latin typeface="Arial"/>
-              </a:rPr>
-              <a:t> </a:t>
-            </a:r>
-            <a:r>
-              <a:rPr b="0" lang="en-US" sz="4400" spc="-1" strike="noStrike">
-                <a:latin typeface="Arial"/>
-              </a:rPr>
-              <a:t>f</a:t>
-            </a:r>
-            <a:r>
-              <a:rPr b="0" lang="en-US" sz="4400" spc="-1" strike="noStrike">
-                <a:latin typeface="Arial"/>
-              </a:rPr>
-              <a:t>o</a:t>
-            </a:r>
-            <a:r>
-              <a:rPr b="0" lang="en-US" sz="4400" spc="-1" strike="noStrike">
-                <a:latin typeface="Arial"/>
-              </a:rPr>
-              <a:t>r</a:t>
-            </a:r>
-            <a:r>
-              <a:rPr b="0" lang="en-US" sz="4400" spc="-1" strike="noStrike">
-                <a:latin typeface="Arial"/>
-              </a:rPr>
-              <a:t>m</a:t>
-            </a:r>
-            <a:r>
-              <a:rPr b="0" lang="en-US" sz="4400" spc="-1" strike="noStrike">
-                <a:latin typeface="Arial"/>
-              </a:rPr>
-              <a:t>a</a:t>
-            </a:r>
-            <a:r>
-              <a:rPr b="0" lang="en-US" sz="4400" spc="-1" strike="noStrike">
-                <a:latin typeface="Arial"/>
-              </a:rPr>
-              <a:t>t</a:t>
+              <a:t>format</a:t>
             </a:r>
             <a:endParaRPr b="0" lang="en-US" sz="4400" spc="-1" strike="noStrike">
               <a:latin typeface="Arial"/>
@@ -6861,7 +5415,7 @@
         <p:spPr>
           <a:xfrm>
             <a:off x="7594560" y="6543720"/>
-            <a:ext cx="2305080" cy="237960"/>
+            <a:ext cx="2304720" cy="237600"/>
           </a:xfrm>
           <a:prstGeom prst="rect">
             <a:avLst/>
@@ -6885,7 +5439,7 @@
                 <a:spcPct val="100000"/>
               </a:lnSpc>
             </a:pPr>
-            <a:fld id="{DF6AAA35-A793-4B18-998C-401E2F66F8A8}" type="slidenum">
+            <a:fld id="{36BE57CD-3BAD-495C-AF34-FC4ECAEDDADD}" type="slidenum">
               <a:rPr b="0" lang="en-US" sz="1800" spc="-1" strike="noStrike">
                 <a:solidFill>
                   <a:srgbClr val="000000"/>
@@ -6893,7 +5447,7 @@
                 <a:latin typeface="Arial"/>
                 <a:ea typeface="DejaVu Sans"/>
               </a:rPr>
-              <a:t>1</a:t>
+              <a:t>&lt;number&gt;</a:t>
             </a:fld>
             <a:endParaRPr b="0" lang="en-US" sz="1800" spc="-1" strike="noStrike">
               <a:latin typeface="Arial"/>
@@ -6910,7 +5464,7 @@
         <p:spPr>
           <a:xfrm>
             <a:off x="0" y="4754160"/>
-            <a:ext cx="9342000" cy="815760"/>
+            <a:ext cx="9341640" cy="815400"/>
           </a:xfrm>
           <a:prstGeom prst="rect">
             <a:avLst/>
@@ -6959,7 +5513,7 @@
         <p:spPr>
           <a:xfrm>
             <a:off x="452520" y="1150560"/>
-            <a:ext cx="8996040" cy="1633320"/>
+            <a:ext cx="8995680" cy="1632960"/>
           </a:xfrm>
           <a:prstGeom prst="rect">
             <a:avLst/>
@@ -7032,7 +5586,7 @@
         <p:spPr>
           <a:xfrm>
             <a:off x="7381800" y="6000840"/>
-            <a:ext cx="471600" cy="590400"/>
+            <a:ext cx="471240" cy="590040"/>
           </a:xfrm>
           <a:prstGeom prst="rect">
             <a:avLst/>
@@ -7055,7 +5609,7 @@
         <p:spPr>
           <a:xfrm>
             <a:off x="8001000" y="6005160"/>
-            <a:ext cx="1447560" cy="514440"/>
+            <a:ext cx="1447200" cy="514080"/>
           </a:xfrm>
           <a:prstGeom prst="rect">
             <a:avLst/>
@@ -7074,7 +5628,7 @@
         <p:spPr>
           <a:xfrm>
             <a:off x="155520" y="-136440"/>
-            <a:ext cx="291960" cy="291960"/>
+            <a:ext cx="291600" cy="291600"/>
           </a:xfrm>
           <a:prstGeom prst="rect">
             <a:avLst/>
@@ -7100,7 +5654,7 @@
         <p:spPr>
           <a:xfrm>
             <a:off x="155520" y="-136440"/>
-            <a:ext cx="291960" cy="291960"/>
+            <a:ext cx="291600" cy="291600"/>
           </a:xfrm>
           <a:prstGeom prst="rect">
             <a:avLst/>
@@ -7126,7 +5680,7 @@
         <p:spPr>
           <a:xfrm>
             <a:off x="155520" y="-136440"/>
-            <a:ext cx="291960" cy="291960"/>
+            <a:ext cx="291600" cy="291600"/>
           </a:xfrm>
           <a:prstGeom prst="rect">
             <a:avLst/>
@@ -7152,7 +5706,7 @@
         <p:spPr>
           <a:xfrm>
             <a:off x="155520" y="-136440"/>
-            <a:ext cx="291960" cy="291960"/>
+            <a:ext cx="291600" cy="291600"/>
           </a:xfrm>
           <a:prstGeom prst="rect">
             <a:avLst/>
@@ -7182,7 +5736,7 @@
         <p:spPr>
           <a:xfrm>
             <a:off x="190440" y="5643720"/>
-            <a:ext cx="2042640" cy="1110960"/>
+            <a:ext cx="2042280" cy="1110600"/>
           </a:xfrm>
           <a:prstGeom prst="rect">
             <a:avLst/>
@@ -7250,7 +5804,7 @@
         <p:spPr>
           <a:xfrm>
             <a:off x="7594560" y="6543720"/>
-            <a:ext cx="2305080" cy="237960"/>
+            <a:ext cx="2304720" cy="237600"/>
           </a:xfrm>
           <a:prstGeom prst="rect">
             <a:avLst/>
@@ -7274,7 +5828,7 @@
                 <a:spcPct val="100000"/>
               </a:lnSpc>
             </a:pPr>
-            <a:fld id="{81AF443A-C82B-427D-9DCF-CAE1B01FFD80}" type="slidenum">
+            <a:fld id="{C52EA4C0-D11B-4542-8706-E2550D1E5A08}" type="slidenum">
               <a:rPr b="0" lang="en-US" sz="1800" spc="-1" strike="noStrike">
                 <a:solidFill>
                   <a:srgbClr val="000000"/>
@@ -7282,7 +5836,7 @@
                 <a:latin typeface="Arial"/>
                 <a:ea typeface="DejaVu Sans"/>
               </a:rPr>
-              <a:t>1</a:t>
+              <a:t>&lt;number&gt;</a:t>
             </a:fld>
             <a:endParaRPr b="0" lang="en-US" sz="1800" spc="-1" strike="noStrike">
               <a:latin typeface="Arial"/>
@@ -7299,7 +5853,7 @@
         <p:spPr>
           <a:xfrm>
             <a:off x="155520" y="-136440"/>
-            <a:ext cx="291960" cy="291960"/>
+            <a:ext cx="291600" cy="291600"/>
           </a:xfrm>
           <a:prstGeom prst="rect">
             <a:avLst/>
@@ -7325,7 +5879,7 @@
         <p:spPr>
           <a:xfrm>
             <a:off x="155520" y="-136440"/>
-            <a:ext cx="291960" cy="291960"/>
+            <a:ext cx="291600" cy="291600"/>
           </a:xfrm>
           <a:prstGeom prst="rect">
             <a:avLst/>
@@ -7351,7 +5905,7 @@
         <p:spPr>
           <a:xfrm>
             <a:off x="155520" y="-136440"/>
-            <a:ext cx="291960" cy="291960"/>
+            <a:ext cx="291600" cy="291600"/>
           </a:xfrm>
           <a:prstGeom prst="rect">
             <a:avLst/>
@@ -7377,7 +5931,7 @@
         <p:spPr>
           <a:xfrm>
             <a:off x="155520" y="-136440"/>
-            <a:ext cx="291960" cy="291960"/>
+            <a:ext cx="291600" cy="291600"/>
           </a:xfrm>
           <a:prstGeom prst="rect">
             <a:avLst/>
@@ -7403,7 +5957,7 @@
         <p:spPr>
           <a:xfrm>
             <a:off x="452520" y="500040"/>
-            <a:ext cx="9213120" cy="497880"/>
+            <a:ext cx="9212760" cy="497520"/>
           </a:xfrm>
           <a:prstGeom prst="rect">
             <a:avLst/>
@@ -7463,7 +6017,7 @@
         <p:spPr>
           <a:xfrm>
             <a:off x="523800" y="1285920"/>
-            <a:ext cx="7998840" cy="2008800"/>
+            <a:ext cx="7998480" cy="2008440"/>
           </a:xfrm>
           <a:prstGeom prst="rect">
             <a:avLst/>
@@ -7631,7 +6185,7 @@
         <p:spPr>
           <a:xfrm>
             <a:off x="7594560" y="6543720"/>
-            <a:ext cx="2305080" cy="237960"/>
+            <a:ext cx="2304720" cy="237600"/>
           </a:xfrm>
           <a:prstGeom prst="rect">
             <a:avLst/>
@@ -7655,7 +6209,7 @@
                 <a:spcPct val="100000"/>
               </a:lnSpc>
             </a:pPr>
-            <a:fld id="{21266A12-7267-417A-A058-BF770D4C5F71}" type="slidenum">
+            <a:fld id="{E5C2AF66-6321-41D9-9E5B-FE6DCFBA52F0}" type="slidenum">
               <a:rPr b="0" lang="en-US" sz="1800" spc="-1" strike="noStrike">
                 <a:solidFill>
                   <a:srgbClr val="000000"/>
@@ -7663,7 +6217,7 @@
                 <a:latin typeface="Arial"/>
                 <a:ea typeface="DejaVu Sans"/>
               </a:rPr>
-              <a:t>1</a:t>
+              <a:t>&lt;number&gt;</a:t>
             </a:fld>
             <a:endParaRPr b="0" lang="en-US" sz="1800" spc="-1" strike="noStrike">
               <a:latin typeface="Arial"/>
@@ -7680,7 +6234,7 @@
         <p:spPr>
           <a:xfrm>
             <a:off x="155520" y="-136440"/>
-            <a:ext cx="291960" cy="291960"/>
+            <a:ext cx="291600" cy="291600"/>
           </a:xfrm>
           <a:prstGeom prst="rect">
             <a:avLst/>
@@ -7706,7 +6260,7 @@
         <p:spPr>
           <a:xfrm>
             <a:off x="155520" y="-136440"/>
-            <a:ext cx="291960" cy="291960"/>
+            <a:ext cx="291600" cy="291600"/>
           </a:xfrm>
           <a:prstGeom prst="rect">
             <a:avLst/>
@@ -7732,7 +6286,7 @@
         <p:spPr>
           <a:xfrm>
             <a:off x="155520" y="-136440"/>
-            <a:ext cx="291960" cy="291960"/>
+            <a:ext cx="291600" cy="291600"/>
           </a:xfrm>
           <a:prstGeom prst="rect">
             <a:avLst/>
@@ -7758,7 +6312,7 @@
         <p:spPr>
           <a:xfrm>
             <a:off x="155520" y="-136440"/>
-            <a:ext cx="291960" cy="291960"/>
+            <a:ext cx="291600" cy="291600"/>
           </a:xfrm>
           <a:prstGeom prst="rect">
             <a:avLst/>
@@ -7784,7 +6338,7 @@
         <p:spPr>
           <a:xfrm>
             <a:off x="452520" y="500040"/>
-            <a:ext cx="9213120" cy="497880"/>
+            <a:ext cx="9212760" cy="497520"/>
           </a:xfrm>
           <a:prstGeom prst="rect">
             <a:avLst/>
@@ -7844,7 +6398,7 @@
         <p:spPr>
           <a:xfrm>
             <a:off x="0" y="2357280"/>
-            <a:ext cx="9903960" cy="497880"/>
+            <a:ext cx="9903600" cy="497520"/>
           </a:xfrm>
           <a:prstGeom prst="rect">
             <a:avLst/>
@@ -7982,7 +6536,7 @@
         <p:spPr>
           <a:xfrm>
             <a:off x="7594560" y="6543720"/>
-            <a:ext cx="2305080" cy="237960"/>
+            <a:ext cx="2304720" cy="237600"/>
           </a:xfrm>
           <a:prstGeom prst="rect">
             <a:avLst/>
@@ -8006,7 +6560,7 @@
                 <a:spcPct val="100000"/>
               </a:lnSpc>
             </a:pPr>
-            <a:fld id="{E440E563-330D-467C-8A88-2CF384B37496}" type="slidenum">
+            <a:fld id="{50F56E68-F887-4CE3-9FD6-252B131C374D}" type="slidenum">
               <a:rPr b="0" lang="en-US" sz="1800" spc="-1" strike="noStrike">
                 <a:solidFill>
                   <a:srgbClr val="000000"/>
@@ -8014,7 +6568,7 @@
                 <a:latin typeface="Arial"/>
                 <a:ea typeface="DejaVu Sans"/>
               </a:rPr>
-              <a:t>1</a:t>
+              <a:t>&lt;number&gt;</a:t>
             </a:fld>
             <a:endParaRPr b="0" lang="en-US" sz="1800" spc="-1" strike="noStrike">
               <a:latin typeface="Arial"/>
@@ -8031,7 +6585,7 @@
         <p:spPr>
           <a:xfrm>
             <a:off x="155520" y="-136440"/>
-            <a:ext cx="291960" cy="291960"/>
+            <a:ext cx="291600" cy="291600"/>
           </a:xfrm>
           <a:prstGeom prst="rect">
             <a:avLst/>
@@ -8057,7 +6611,7 @@
         <p:spPr>
           <a:xfrm>
             <a:off x="155520" y="-136440"/>
-            <a:ext cx="291960" cy="291960"/>
+            <a:ext cx="291600" cy="291600"/>
           </a:xfrm>
           <a:prstGeom prst="rect">
             <a:avLst/>
@@ -8083,7 +6637,7 @@
         <p:spPr>
           <a:xfrm>
             <a:off x="155520" y="-136440"/>
-            <a:ext cx="291960" cy="291960"/>
+            <a:ext cx="291600" cy="291600"/>
           </a:xfrm>
           <a:prstGeom prst="rect">
             <a:avLst/>
@@ -8109,7 +6663,7 @@
         <p:spPr>
           <a:xfrm>
             <a:off x="155520" y="-136440"/>
-            <a:ext cx="291960" cy="291960"/>
+            <a:ext cx="291600" cy="291600"/>
           </a:xfrm>
           <a:prstGeom prst="rect">
             <a:avLst/>
@@ -8135,7 +6689,7 @@
         <p:spPr>
           <a:xfrm>
             <a:off x="452520" y="500040"/>
-            <a:ext cx="9213120" cy="497880"/>
+            <a:ext cx="9212760" cy="497520"/>
           </a:xfrm>
           <a:prstGeom prst="rect">
             <a:avLst/>
@@ -8195,7 +6749,7 @@
         <p:spPr>
           <a:xfrm>
             <a:off x="1280160" y="1513440"/>
-            <a:ext cx="7680600" cy="497880"/>
+            <a:ext cx="7680240" cy="497520"/>
           </a:xfrm>
           <a:prstGeom prst="rect">
             <a:avLst/>
@@ -8493,7 +7047,7 @@
         <p:spPr>
           <a:xfrm>
             <a:off x="7594560" y="6543720"/>
-            <a:ext cx="2305080" cy="237960"/>
+            <a:ext cx="2304720" cy="237600"/>
           </a:xfrm>
           <a:prstGeom prst="rect">
             <a:avLst/>
@@ -8517,7 +7071,7 @@
                 <a:spcPct val="100000"/>
               </a:lnSpc>
             </a:pPr>
-            <a:fld id="{E1C00DBF-4CE7-4128-B7A0-4ACC1F049119}" type="slidenum">
+            <a:fld id="{D0629A80-25E5-4433-9DDB-BBCCE3650A08}" type="slidenum">
               <a:rPr b="0" lang="en-US" sz="1800" spc="-1" strike="noStrike">
                 <a:solidFill>
                   <a:srgbClr val="000000"/>
@@ -8525,7 +7079,7 @@
                 <a:latin typeface="Arial"/>
                 <a:ea typeface="DejaVu Sans"/>
               </a:rPr>
-              <a:t>1</a:t>
+              <a:t>&lt;number&gt;</a:t>
             </a:fld>
             <a:endParaRPr b="0" lang="en-US" sz="1800" spc="-1" strike="noStrike">
               <a:latin typeface="Arial"/>
@@ -8542,7 +7096,7 @@
         <p:spPr>
           <a:xfrm>
             <a:off x="155520" y="-136440"/>
-            <a:ext cx="291960" cy="291960"/>
+            <a:ext cx="291600" cy="291600"/>
           </a:xfrm>
           <a:prstGeom prst="rect">
             <a:avLst/>
@@ -8568,7 +7122,7 @@
         <p:spPr>
           <a:xfrm>
             <a:off x="155520" y="-136440"/>
-            <a:ext cx="291960" cy="291960"/>
+            <a:ext cx="291600" cy="291600"/>
           </a:xfrm>
           <a:prstGeom prst="rect">
             <a:avLst/>
@@ -8594,7 +7148,7 @@
         <p:spPr>
           <a:xfrm>
             <a:off x="155520" y="-136440"/>
-            <a:ext cx="291960" cy="291960"/>
+            <a:ext cx="291600" cy="291600"/>
           </a:xfrm>
           <a:prstGeom prst="rect">
             <a:avLst/>
@@ -8620,7 +7174,7 @@
         <p:spPr>
           <a:xfrm>
             <a:off x="155520" y="-136440"/>
-            <a:ext cx="291960" cy="291960"/>
+            <a:ext cx="291600" cy="291600"/>
           </a:xfrm>
           <a:prstGeom prst="rect">
             <a:avLst/>
@@ -8646,7 +7200,7 @@
         <p:spPr>
           <a:xfrm>
             <a:off x="452520" y="500040"/>
-            <a:ext cx="9213120" cy="497880"/>
+            <a:ext cx="9212760" cy="497520"/>
           </a:xfrm>
           <a:prstGeom prst="rect">
             <a:avLst/>
@@ -8710,7 +7264,7 @@
         <p:spPr>
           <a:xfrm>
             <a:off x="452520" y="2309760"/>
-            <a:ext cx="2779200" cy="2626920"/>
+            <a:ext cx="2778840" cy="2626560"/>
           </a:xfrm>
           <a:prstGeom prst="rect">
             <a:avLst/>
@@ -8729,7 +7283,7 @@
         <p:spPr>
           <a:xfrm>
             <a:off x="1095480" y="1571760"/>
-            <a:ext cx="1497960" cy="362880"/>
+            <a:ext cx="1497600" cy="362520"/>
           </a:xfrm>
           <a:prstGeom prst="rect">
             <a:avLst/>
@@ -8778,7 +7332,7 @@
         <p:spPr>
           <a:xfrm>
             <a:off x="5667480" y="1643040"/>
-            <a:ext cx="2069640" cy="362880"/>
+            <a:ext cx="2069280" cy="362520"/>
           </a:xfrm>
           <a:prstGeom prst="rect">
             <a:avLst/>
@@ -8832,7 +7386,7 @@
         <p:spPr>
           <a:xfrm>
             <a:off x="5238720" y="2428920"/>
-            <a:ext cx="1212120" cy="3646080"/>
+            <a:ext cx="1211760" cy="3645720"/>
           </a:xfrm>
           <a:prstGeom prst="rect">
             <a:avLst/>
@@ -8856,7 +7410,7 @@
         <p:spPr>
           <a:xfrm>
             <a:off x="6810480" y="2428920"/>
-            <a:ext cx="1283760" cy="3646080"/>
+            <a:ext cx="1283400" cy="3645720"/>
           </a:xfrm>
           <a:prstGeom prst="rect">
             <a:avLst/>
@@ -8924,7 +7478,7 @@
         <p:spPr>
           <a:xfrm>
             <a:off x="7594560" y="6543720"/>
-            <a:ext cx="2305080" cy="237960"/>
+            <a:ext cx="2304720" cy="237600"/>
           </a:xfrm>
           <a:prstGeom prst="rect">
             <a:avLst/>
@@ -8948,7 +7502,7 @@
                 <a:spcPct val="100000"/>
               </a:lnSpc>
             </a:pPr>
-            <a:fld id="{324577B1-3854-4859-AA5C-7B06390CA66E}" type="slidenum">
+            <a:fld id="{6A3DBBBE-6041-46B7-9098-C47E4D643934}" type="slidenum">
               <a:rPr b="0" lang="en-US" sz="1800" spc="-1" strike="noStrike">
                 <a:solidFill>
                   <a:srgbClr val="000000"/>
@@ -8956,7 +7510,7 @@
                 <a:latin typeface="Arial"/>
                 <a:ea typeface="DejaVu Sans"/>
               </a:rPr>
-              <a:t>1</a:t>
+              <a:t>&lt;number&gt;</a:t>
             </a:fld>
             <a:endParaRPr b="0" lang="en-US" sz="1800" spc="-1" strike="noStrike">
               <a:latin typeface="Arial"/>
@@ -8973,7 +7527,7 @@
         <p:spPr>
           <a:xfrm>
             <a:off x="155520" y="-136440"/>
-            <a:ext cx="291960" cy="291960"/>
+            <a:ext cx="291600" cy="291600"/>
           </a:xfrm>
           <a:prstGeom prst="rect">
             <a:avLst/>
@@ -8999,7 +7553,7 @@
         <p:spPr>
           <a:xfrm>
             <a:off x="155520" y="-136440"/>
-            <a:ext cx="291960" cy="291960"/>
+            <a:ext cx="291600" cy="291600"/>
           </a:xfrm>
           <a:prstGeom prst="rect">
             <a:avLst/>
@@ -9025,7 +7579,7 @@
         <p:spPr>
           <a:xfrm>
             <a:off x="155520" y="-136440"/>
-            <a:ext cx="291960" cy="291960"/>
+            <a:ext cx="291600" cy="291600"/>
           </a:xfrm>
           <a:prstGeom prst="rect">
             <a:avLst/>
@@ -9051,7 +7605,7 @@
         <p:spPr>
           <a:xfrm>
             <a:off x="155520" y="-136440"/>
-            <a:ext cx="291960" cy="291960"/>
+            <a:ext cx="291600" cy="291600"/>
           </a:xfrm>
           <a:prstGeom prst="rect">
             <a:avLst/>
@@ -9077,7 +7631,7 @@
         <p:spPr>
           <a:xfrm>
             <a:off x="452520" y="500040"/>
-            <a:ext cx="9213120" cy="497880"/>
+            <a:ext cx="9212760" cy="497520"/>
           </a:xfrm>
           <a:prstGeom prst="rect">
             <a:avLst/>
@@ -9137,7 +7691,7 @@
         <p:spPr>
           <a:xfrm>
             <a:off x="809640" y="1071720"/>
-            <a:ext cx="7570440" cy="2831760"/>
+            <a:ext cx="7570080" cy="2831400"/>
           </a:xfrm>
           <a:prstGeom prst="rect">
             <a:avLst/>
@@ -9340,7 +7894,7 @@
         <p:spPr>
           <a:xfrm>
             <a:off x="2238480" y="4286160"/>
-            <a:ext cx="7284600" cy="2569680"/>
+            <a:ext cx="7284240" cy="2569320"/>
           </a:xfrm>
           <a:prstGeom prst="rect">
             <a:avLst/>
@@ -9359,7 +7913,7 @@
         <p:spPr>
           <a:xfrm>
             <a:off x="952560" y="4643280"/>
-            <a:ext cx="212040" cy="212040"/>
+            <a:ext cx="211680" cy="211680"/>
           </a:xfrm>
           <a:prstGeom prst="rect">
             <a:avLst/>
@@ -9413,7 +7967,7 @@
         <p:spPr>
           <a:xfrm>
             <a:off x="952560" y="4857840"/>
-            <a:ext cx="212040" cy="212040"/>
+            <a:ext cx="211680" cy="211680"/>
           </a:xfrm>
           <a:prstGeom prst="rect">
             <a:avLst/>
@@ -9467,7 +8021,7 @@
         <p:spPr>
           <a:xfrm>
             <a:off x="952560" y="5072040"/>
-            <a:ext cx="212040" cy="212040"/>
+            <a:ext cx="211680" cy="211680"/>
           </a:xfrm>
           <a:prstGeom prst="rect">
             <a:avLst/>
@@ -9521,7 +8075,7 @@
         <p:spPr>
           <a:xfrm>
             <a:off x="952560" y="5286240"/>
-            <a:ext cx="212040" cy="212040"/>
+            <a:ext cx="211680" cy="211680"/>
           </a:xfrm>
           <a:prstGeom prst="rect">
             <a:avLst/>
@@ -9575,7 +8129,7 @@
         <p:spPr>
           <a:xfrm>
             <a:off x="952560" y="5500800"/>
-            <a:ext cx="212040" cy="212040"/>
+            <a:ext cx="211680" cy="211680"/>
           </a:xfrm>
           <a:prstGeom prst="rect">
             <a:avLst/>
@@ -9629,7 +8183,7 @@
         <p:spPr>
           <a:xfrm>
             <a:off x="952560" y="5715000"/>
-            <a:ext cx="212040" cy="212040"/>
+            <a:ext cx="211680" cy="211680"/>
           </a:xfrm>
           <a:prstGeom prst="rect">
             <a:avLst/>
@@ -9683,7 +8237,7 @@
         <p:spPr>
           <a:xfrm>
             <a:off x="952560" y="5929200"/>
-            <a:ext cx="212040" cy="212040"/>
+            <a:ext cx="211680" cy="211680"/>
           </a:xfrm>
           <a:prstGeom prst="rect">
             <a:avLst/>
@@ -9737,7 +8291,7 @@
         <p:spPr>
           <a:xfrm>
             <a:off x="952560" y="6143760"/>
-            <a:ext cx="212040" cy="212040"/>
+            <a:ext cx="211680" cy="211680"/>
           </a:xfrm>
           <a:prstGeom prst="rect">
             <a:avLst/>
@@ -9791,7 +8345,7 @@
         <p:spPr>
           <a:xfrm>
             <a:off x="1523880" y="5357880"/>
-            <a:ext cx="640800" cy="212040"/>
+            <a:ext cx="640440" cy="211680"/>
           </a:xfrm>
           <a:prstGeom prst="rightArrow">
             <a:avLst>
@@ -9826,8 +8380,8 @@
         </p:nvSpPr>
         <p:spPr>
           <a:xfrm rot="16200000">
-            <a:off x="5595840" y="1073520"/>
-            <a:ext cx="569520" cy="6427440"/>
+            <a:off x="5595840" y="1073880"/>
+            <a:ext cx="569160" cy="6427080"/>
           </a:xfrm>
           <a:prstGeom prst="rightBrace">
             <a:avLst>
@@ -9867,7 +8421,7 @@
         <p:spPr>
           <a:xfrm>
             <a:off x="4167360" y="3643200"/>
-            <a:ext cx="4212720" cy="362880"/>
+            <a:ext cx="4212360" cy="362520"/>
           </a:xfrm>
           <a:prstGeom prst="rect">
             <a:avLst/>
@@ -9916,7 +8470,7 @@
         <p:spPr>
           <a:xfrm>
             <a:off x="380880" y="3786120"/>
-            <a:ext cx="1926720" cy="637200"/>
+            <a:ext cx="1926360" cy="636840"/>
           </a:xfrm>
           <a:prstGeom prst="rect">
             <a:avLst/>
@@ -10034,7 +8588,7 @@
         <p:spPr>
           <a:xfrm>
             <a:off x="7598880" y="6500880"/>
-            <a:ext cx="2305080" cy="237960"/>
+            <a:ext cx="2304720" cy="237600"/>
           </a:xfrm>
           <a:prstGeom prst="rect">
             <a:avLst/>
@@ -10058,7 +8612,7 @@
                 <a:spcPct val="100000"/>
               </a:lnSpc>
             </a:pPr>
-            <a:fld id="{8AC731D1-489E-459D-8DC9-981A47E8B43D}" type="slidenum">
+            <a:fld id="{F8BBF6CE-1511-4E84-BE6C-5BD41F2F9E5A}" type="slidenum">
               <a:rPr b="0" lang="en-US" sz="1800" spc="-1" strike="noStrike">
                 <a:solidFill>
                   <a:srgbClr val="000000"/>
@@ -10066,7 +8620,7 @@
                 <a:latin typeface="Arial"/>
                 <a:ea typeface="DejaVu Sans"/>
               </a:rPr>
-              <a:t>1</a:t>
+              <a:t>&lt;number&gt;</a:t>
             </a:fld>
             <a:endParaRPr b="0" lang="en-US" sz="1800" spc="-1" strike="noStrike">
               <a:latin typeface="Arial"/>
@@ -10083,7 +8637,7 @@
         <p:spPr>
           <a:xfrm>
             <a:off x="155520" y="-136440"/>
-            <a:ext cx="291960" cy="291960"/>
+            <a:ext cx="291600" cy="291600"/>
           </a:xfrm>
           <a:prstGeom prst="rect">
             <a:avLst/>
@@ -10109,7 +8663,7 @@
         <p:spPr>
           <a:xfrm>
             <a:off x="155520" y="-136440"/>
-            <a:ext cx="291960" cy="291960"/>
+            <a:ext cx="291600" cy="291600"/>
           </a:xfrm>
           <a:prstGeom prst="rect">
             <a:avLst/>
@@ -10135,7 +8689,7 @@
         <p:spPr>
           <a:xfrm>
             <a:off x="155520" y="-136440"/>
-            <a:ext cx="291960" cy="291960"/>
+            <a:ext cx="291600" cy="291600"/>
           </a:xfrm>
           <a:prstGeom prst="rect">
             <a:avLst/>
@@ -10161,7 +8715,7 @@
         <p:spPr>
           <a:xfrm>
             <a:off x="155520" y="-136440"/>
-            <a:ext cx="291960" cy="291960"/>
+            <a:ext cx="291600" cy="291600"/>
           </a:xfrm>
           <a:prstGeom prst="rect">
             <a:avLst/>
@@ -10187,7 +8741,7 @@
         <p:spPr>
           <a:xfrm>
             <a:off x="452520" y="500040"/>
-            <a:ext cx="9213120" cy="497880"/>
+            <a:ext cx="9212760" cy="497520"/>
           </a:xfrm>
           <a:prstGeom prst="rect">
             <a:avLst/>
@@ -10251,7 +8805,7 @@
         <p:spPr>
           <a:xfrm>
             <a:off x="2242440" y="1857240"/>
-            <a:ext cx="7284600" cy="2569680"/>
+            <a:ext cx="7284240" cy="2569320"/>
           </a:xfrm>
           <a:prstGeom prst="rect">
             <a:avLst/>
@@ -10270,7 +8824,7 @@
         <p:spPr>
           <a:xfrm>
             <a:off x="956520" y="2214720"/>
-            <a:ext cx="212040" cy="212040"/>
+            <a:ext cx="211680" cy="211680"/>
           </a:xfrm>
           <a:prstGeom prst="rect">
             <a:avLst/>
@@ -10324,7 +8878,7 @@
         <p:spPr>
           <a:xfrm>
             <a:off x="956520" y="2428920"/>
-            <a:ext cx="212040" cy="212040"/>
+            <a:ext cx="211680" cy="211680"/>
           </a:xfrm>
           <a:prstGeom prst="rect">
             <a:avLst/>
@@ -10378,7 +8932,7 @@
         <p:spPr>
           <a:xfrm>
             <a:off x="956520" y="2643120"/>
-            <a:ext cx="212040" cy="212040"/>
+            <a:ext cx="211680" cy="211680"/>
           </a:xfrm>
           <a:prstGeom prst="rect">
             <a:avLst/>
@@ -10432,7 +8986,7 @@
         <p:spPr>
           <a:xfrm>
             <a:off x="956520" y="2857680"/>
-            <a:ext cx="212040" cy="212040"/>
+            <a:ext cx="211680" cy="211680"/>
           </a:xfrm>
           <a:prstGeom prst="rect">
             <a:avLst/>
@@ -10486,7 +9040,7 @@
         <p:spPr>
           <a:xfrm>
             <a:off x="956520" y="3071880"/>
-            <a:ext cx="212040" cy="212040"/>
+            <a:ext cx="211680" cy="211680"/>
           </a:xfrm>
           <a:prstGeom prst="rect">
             <a:avLst/>
@@ -10540,7 +9094,7 @@
         <p:spPr>
           <a:xfrm>
             <a:off x="956520" y="3286080"/>
-            <a:ext cx="212040" cy="212040"/>
+            <a:ext cx="211680" cy="211680"/>
           </a:xfrm>
           <a:prstGeom prst="rect">
             <a:avLst/>
@@ -10594,7 +9148,7 @@
         <p:spPr>
           <a:xfrm>
             <a:off x="956520" y="3500640"/>
-            <a:ext cx="212040" cy="212040"/>
+            <a:ext cx="211680" cy="211680"/>
           </a:xfrm>
           <a:prstGeom prst="rect">
             <a:avLst/>
@@ -10648,7 +9202,7 @@
         <p:spPr>
           <a:xfrm>
             <a:off x="956520" y="3714840"/>
-            <a:ext cx="212040" cy="212040"/>
+            <a:ext cx="211680" cy="211680"/>
           </a:xfrm>
           <a:prstGeom prst="rect">
             <a:avLst/>
@@ -10702,7 +9256,7 @@
         <p:spPr>
           <a:xfrm>
             <a:off x="1528200" y="2928960"/>
-            <a:ext cx="640800" cy="212040"/>
+            <a:ext cx="640440" cy="211680"/>
           </a:xfrm>
           <a:prstGeom prst="rightArrow">
             <a:avLst>
@@ -10737,8 +9291,8 @@
         </p:nvSpPr>
         <p:spPr>
           <a:xfrm rot="16200000">
-            <a:off x="5600160" y="-1353240"/>
-            <a:ext cx="569520" cy="6427440"/>
+            <a:off x="5600160" y="-1352520"/>
+            <a:ext cx="569160" cy="6427080"/>
           </a:xfrm>
           <a:prstGeom prst="rightBrace">
             <a:avLst>
@@ -10778,7 +9332,7 @@
         <p:spPr>
           <a:xfrm>
             <a:off x="385200" y="1357200"/>
-            <a:ext cx="1926720" cy="637200"/>
+            <a:ext cx="1926360" cy="636840"/>
           </a:xfrm>
           <a:prstGeom prst="rect">
             <a:avLst/>
@@ -10847,7 +9401,7 @@
         <p:spPr>
           <a:xfrm>
             <a:off x="4171320" y="1214280"/>
-            <a:ext cx="4212720" cy="362880"/>
+            <a:ext cx="4212360" cy="362520"/>
           </a:xfrm>
           <a:prstGeom prst="rect">
             <a:avLst/>
@@ -10896,7 +9450,7 @@
         <p:spPr>
           <a:xfrm>
             <a:off x="309600" y="4500720"/>
-            <a:ext cx="3498480" cy="1062000"/>
+            <a:ext cx="3498120" cy="1061640"/>
           </a:xfrm>
           <a:prstGeom prst="rect">
             <a:avLst/>
@@ -10979,7 +9533,7 @@
         <p:spPr>
           <a:xfrm>
             <a:off x="5303520" y="4663440"/>
-            <a:ext cx="3565800" cy="1978200"/>
+            <a:ext cx="3565440" cy="1977840"/>
           </a:xfrm>
           <a:prstGeom prst="rect">
             <a:avLst/>
@@ -11047,7 +9601,7 @@
         <p:spPr>
           <a:xfrm>
             <a:off x="7598880" y="6500880"/>
-            <a:ext cx="2305080" cy="237960"/>
+            <a:ext cx="2304720" cy="237600"/>
           </a:xfrm>
           <a:prstGeom prst="rect">
             <a:avLst/>
@@ -11071,7 +9625,7 @@
                 <a:spcPct val="100000"/>
               </a:lnSpc>
             </a:pPr>
-            <a:fld id="{C61A370D-BCC5-4546-81E0-7CDCB903BBDA}" type="slidenum">
+            <a:fld id="{A978B6CA-FDC8-4766-9FF7-88F937DA3B80}" type="slidenum">
               <a:rPr b="0" lang="en-US" sz="1800" spc="-1" strike="noStrike">
                 <a:solidFill>
                   <a:srgbClr val="000000"/>
@@ -11079,7 +9633,7 @@
                 <a:latin typeface="Arial"/>
                 <a:ea typeface="DejaVu Sans"/>
               </a:rPr>
-              <a:t>1</a:t>
+              <a:t>&lt;number&gt;</a:t>
             </a:fld>
             <a:endParaRPr b="0" lang="en-US" sz="1800" spc="-1" strike="noStrike">
               <a:latin typeface="Arial"/>
@@ -11096,7 +9650,7 @@
         <p:spPr>
           <a:xfrm>
             <a:off x="155520" y="-136440"/>
-            <a:ext cx="291960" cy="291960"/>
+            <a:ext cx="291600" cy="291600"/>
           </a:xfrm>
           <a:prstGeom prst="rect">
             <a:avLst/>
@@ -11122,7 +9676,7 @@
         <p:spPr>
           <a:xfrm>
             <a:off x="155520" y="-136440"/>
-            <a:ext cx="291960" cy="291960"/>
+            <a:ext cx="291600" cy="291600"/>
           </a:xfrm>
           <a:prstGeom prst="rect">
             <a:avLst/>
@@ -11148,7 +9702,7 @@
         <p:spPr>
           <a:xfrm>
             <a:off x="155520" y="-136440"/>
-            <a:ext cx="291960" cy="291960"/>
+            <a:ext cx="291600" cy="291600"/>
           </a:xfrm>
           <a:prstGeom prst="rect">
             <a:avLst/>
@@ -11174,7 +9728,7 @@
         <p:spPr>
           <a:xfrm>
             <a:off x="155520" y="-136440"/>
-            <a:ext cx="291960" cy="291960"/>
+            <a:ext cx="291600" cy="291600"/>
           </a:xfrm>
           <a:prstGeom prst="rect">
             <a:avLst/>
@@ -11200,7 +9754,7 @@
         <p:spPr>
           <a:xfrm>
             <a:off x="452520" y="500040"/>
-            <a:ext cx="9213120" cy="497880"/>
+            <a:ext cx="9212760" cy="497520"/>
           </a:xfrm>
           <a:prstGeom prst="rect">
             <a:avLst/>
@@ -11260,7 +9814,7 @@
         <p:spPr>
           <a:xfrm>
             <a:off x="452520" y="1214280"/>
-            <a:ext cx="8427600" cy="1337760"/>
+            <a:ext cx="8427240" cy="1337400"/>
           </a:xfrm>
           <a:prstGeom prst="rect">
             <a:avLst/>
@@ -11438,7 +9992,7 @@
         <p:spPr>
           <a:xfrm>
             <a:off x="155520" y="-136440"/>
-            <a:ext cx="291960" cy="291960"/>
+            <a:ext cx="291600" cy="291600"/>
           </a:xfrm>
           <a:prstGeom prst="rect">
             <a:avLst/>
@@ -11464,7 +10018,7 @@
         <p:spPr>
           <a:xfrm>
             <a:off x="155520" y="-136440"/>
-            <a:ext cx="291960" cy="291960"/>
+            <a:ext cx="291600" cy="291600"/>
           </a:xfrm>
           <a:prstGeom prst="rect">
             <a:avLst/>
@@ -11490,7 +10044,7 @@
         <p:spPr>
           <a:xfrm>
             <a:off x="155520" y="-136440"/>
-            <a:ext cx="291960" cy="291960"/>
+            <a:ext cx="291600" cy="291600"/>
           </a:xfrm>
           <a:prstGeom prst="rect">
             <a:avLst/>
@@ -11516,7 +10070,7 @@
         <p:spPr>
           <a:xfrm>
             <a:off x="155520" y="-136440"/>
-            <a:ext cx="291960" cy="291960"/>
+            <a:ext cx="291600" cy="291600"/>
           </a:xfrm>
           <a:prstGeom prst="rect">
             <a:avLst/>
@@ -11542,7 +10096,7 @@
         <p:spPr>
           <a:xfrm>
             <a:off x="2011680" y="3821040"/>
-            <a:ext cx="966240" cy="1025280"/>
+            <a:ext cx="965880" cy="1024920"/>
           </a:xfrm>
           <a:prstGeom prst="ellipse">
             <a:avLst/>
@@ -11581,7 +10135,7 @@
         <p:spPr>
           <a:xfrm>
             <a:off x="6714720" y="3474720"/>
-            <a:ext cx="966240" cy="1371600"/>
+            <a:ext cx="965880" cy="1371240"/>
           </a:xfrm>
           <a:prstGeom prst="triangle">
             <a:avLst>
@@ -11622,7 +10176,7 @@
         <p:spPr>
           <a:xfrm>
             <a:off x="5157720" y="3821040"/>
-            <a:ext cx="966240" cy="1025280"/>
+            <a:ext cx="965880" cy="1024920"/>
           </a:xfrm>
           <a:prstGeom prst="ellipse">
             <a:avLst/>
@@ -11661,7 +10215,7 @@
         <p:spPr>
           <a:xfrm>
             <a:off x="3600720" y="3474720"/>
-            <a:ext cx="965880" cy="1371600"/>
+            <a:ext cx="965520" cy="1371240"/>
           </a:xfrm>
           <a:prstGeom prst="triangle">
             <a:avLst>
@@ -11702,7 +10256,7 @@
         <p:spPr>
           <a:xfrm>
             <a:off x="452520" y="890280"/>
-            <a:ext cx="8427600" cy="1337760"/>
+            <a:ext cx="8427240" cy="1337400"/>
           </a:xfrm>
           <a:prstGeom prst="rect">
             <a:avLst/>
@@ -11860,7 +10414,7 @@
         <p:spPr>
           <a:xfrm>
             <a:off x="155520" y="-136440"/>
-            <a:ext cx="291960" cy="291960"/>
+            <a:ext cx="291600" cy="291600"/>
           </a:xfrm>
           <a:prstGeom prst="rect">
             <a:avLst/>
@@ -11886,7 +10440,7 @@
         <p:spPr>
           <a:xfrm>
             <a:off x="155520" y="-136440"/>
-            <a:ext cx="291960" cy="291960"/>
+            <a:ext cx="291600" cy="291600"/>
           </a:xfrm>
           <a:prstGeom prst="rect">
             <a:avLst/>
@@ -11912,7 +10466,7 @@
         <p:spPr>
           <a:xfrm>
             <a:off x="155520" y="-136440"/>
-            <a:ext cx="291960" cy="291960"/>
+            <a:ext cx="291600" cy="291600"/>
           </a:xfrm>
           <a:prstGeom prst="rect">
             <a:avLst/>
@@ -11938,7 +10492,7 @@
         <p:spPr>
           <a:xfrm>
             <a:off x="155520" y="-136440"/>
-            <a:ext cx="291960" cy="291960"/>
+            <a:ext cx="291600" cy="291600"/>
           </a:xfrm>
           <a:prstGeom prst="rect">
             <a:avLst/>
@@ -12032,7 +10586,7 @@
         <p:spPr>
           <a:xfrm>
             <a:off x="4412880" y="2824560"/>
-            <a:ext cx="283680" cy="212040"/>
+            <a:ext cx="283320" cy="211680"/>
           </a:xfrm>
           <a:prstGeom prst="ellipse">
             <a:avLst/>
@@ -12071,7 +10625,7 @@
         <p:spPr>
           <a:xfrm>
             <a:off x="4269960" y="3181680"/>
-            <a:ext cx="283680" cy="212040"/>
+            <a:ext cx="283320" cy="211680"/>
           </a:xfrm>
           <a:prstGeom prst="ellipse">
             <a:avLst/>
@@ -12110,7 +10664,7 @@
         <p:spPr>
           <a:xfrm>
             <a:off x="4770000" y="3538800"/>
-            <a:ext cx="283680" cy="212040"/>
+            <a:ext cx="283320" cy="211680"/>
           </a:xfrm>
           <a:prstGeom prst="ellipse">
             <a:avLst/>
@@ -12149,7 +10703,7 @@
         <p:spPr>
           <a:xfrm>
             <a:off x="4412880" y="3610440"/>
-            <a:ext cx="283680" cy="212040"/>
+            <a:ext cx="283320" cy="211680"/>
           </a:xfrm>
           <a:prstGeom prst="ellipse">
             <a:avLst/>
@@ -12188,7 +10742,7 @@
         <p:spPr>
           <a:xfrm>
             <a:off x="5198760" y="3395880"/>
-            <a:ext cx="283680" cy="212040"/>
+            <a:ext cx="283320" cy="211680"/>
           </a:xfrm>
           <a:prstGeom prst="ellipse">
             <a:avLst/>
@@ -12227,7 +10781,7 @@
         <p:spPr>
           <a:xfrm>
             <a:off x="4770000" y="4038840"/>
-            <a:ext cx="283680" cy="212040"/>
+            <a:ext cx="283320" cy="211680"/>
           </a:xfrm>
           <a:prstGeom prst="ellipse">
             <a:avLst/>
@@ -12266,7 +10820,7 @@
         <p:spPr>
           <a:xfrm>
             <a:off x="6055920" y="2967480"/>
-            <a:ext cx="283680" cy="283680"/>
+            <a:ext cx="283320" cy="283320"/>
           </a:xfrm>
           <a:prstGeom prst="triangle">
             <a:avLst>
@@ -12307,7 +10861,7 @@
         <p:spPr>
           <a:xfrm>
             <a:off x="5698800" y="3181680"/>
-            <a:ext cx="283680" cy="283680"/>
+            <a:ext cx="283320" cy="283320"/>
           </a:xfrm>
           <a:prstGeom prst="triangle">
             <a:avLst>
@@ -12348,7 +10902,7 @@
         <p:spPr>
           <a:xfrm>
             <a:off x="6341760" y="3538800"/>
-            <a:ext cx="283680" cy="283680"/>
+            <a:ext cx="283320" cy="283320"/>
           </a:xfrm>
           <a:prstGeom prst="triangle">
             <a:avLst>
@@ -12389,7 +10943,7 @@
         <p:spPr>
           <a:xfrm>
             <a:off x="5555880" y="3753000"/>
-            <a:ext cx="283680" cy="283680"/>
+            <a:ext cx="283320" cy="283320"/>
           </a:xfrm>
           <a:prstGeom prst="triangle">
             <a:avLst>
@@ -12430,7 +10984,7 @@
         <p:spPr>
           <a:xfrm>
             <a:off x="6627600" y="3181680"/>
-            <a:ext cx="283680" cy="283680"/>
+            <a:ext cx="283320" cy="283320"/>
           </a:xfrm>
           <a:prstGeom prst="triangle">
             <a:avLst>
@@ -12471,7 +11025,7 @@
         <p:spPr>
           <a:xfrm>
             <a:off x="5984640" y="3824640"/>
-            <a:ext cx="283680" cy="212040"/>
+            <a:ext cx="283320" cy="211680"/>
           </a:xfrm>
           <a:prstGeom prst="ellipse">
             <a:avLst/>
@@ -12510,7 +11064,7 @@
         <p:spPr>
           <a:xfrm>
             <a:off x="6270480" y="4181760"/>
-            <a:ext cx="283680" cy="212040"/>
+            <a:ext cx="283320" cy="211680"/>
           </a:xfrm>
           <a:prstGeom prst="ellipse">
             <a:avLst/>
@@ -12549,7 +11103,7 @@
         <p:spPr>
           <a:xfrm>
             <a:off x="5627520" y="4253400"/>
-            <a:ext cx="283680" cy="212040"/>
+            <a:ext cx="283320" cy="211680"/>
           </a:xfrm>
           <a:prstGeom prst="ellipse">
             <a:avLst/>
@@ -12588,7 +11142,7 @@
         <p:spPr>
           <a:xfrm>
             <a:off x="4770000" y="2538720"/>
-            <a:ext cx="283680" cy="283680"/>
+            <a:ext cx="283320" cy="283320"/>
           </a:xfrm>
           <a:prstGeom prst="triangle">
             <a:avLst>
@@ -12629,7 +11183,7 @@
         <p:spPr>
           <a:xfrm>
             <a:off x="5270040" y="2681640"/>
-            <a:ext cx="283680" cy="283680"/>
+            <a:ext cx="283320" cy="283320"/>
           </a:xfrm>
           <a:prstGeom prst="triangle">
             <a:avLst>
@@ -12670,7 +11224,7 @@
         <p:spPr>
           <a:xfrm>
             <a:off x="4841640" y="2967480"/>
-            <a:ext cx="283680" cy="283680"/>
+            <a:ext cx="283320" cy="283320"/>
           </a:xfrm>
           <a:prstGeom prst="triangle">
             <a:avLst>
@@ -12711,7 +11265,7 @@
         <p:spPr>
           <a:xfrm>
             <a:off x="5198760" y="2252880"/>
-            <a:ext cx="283680" cy="283680"/>
+            <a:ext cx="283320" cy="283320"/>
           </a:xfrm>
           <a:prstGeom prst="triangle">
             <a:avLst>
@@ -12801,7 +11355,7 @@
         <p:spPr>
           <a:xfrm>
             <a:off x="7598880" y="6500880"/>
-            <a:ext cx="2305080" cy="237960"/>
+            <a:ext cx="2304720" cy="237600"/>
           </a:xfrm>
           <a:prstGeom prst="rect">
             <a:avLst/>
@@ -12825,7 +11379,7 @@
                 <a:spcPct val="100000"/>
               </a:lnSpc>
             </a:pPr>
-            <a:fld id="{E9ABE25F-CE43-4B11-84EC-F67277C31FA4}" type="slidenum">
+            <a:fld id="{E39A9EC1-688E-4887-A643-2FA69E424CA8}" type="slidenum">
               <a:rPr b="0" lang="en-US" sz="1800" spc="-1" strike="noStrike">
                 <a:solidFill>
                   <a:srgbClr val="000000"/>
@@ -12833,7 +11387,7 @@
                 <a:latin typeface="Arial"/>
                 <a:ea typeface="DejaVu Sans"/>
               </a:rPr>
-              <a:t>1</a:t>
+              <a:t>&lt;number&gt;</a:t>
             </a:fld>
             <a:endParaRPr b="0" lang="en-US" sz="1800" spc="-1" strike="noStrike">
               <a:latin typeface="Arial"/>
@@ -12850,7 +11404,7 @@
         <p:spPr>
           <a:xfrm>
             <a:off x="155520" y="-136440"/>
-            <a:ext cx="291960" cy="291960"/>
+            <a:ext cx="291600" cy="291600"/>
           </a:xfrm>
           <a:prstGeom prst="rect">
             <a:avLst/>
@@ -12876,7 +11430,7 @@
         <p:spPr>
           <a:xfrm>
             <a:off x="155520" y="-136440"/>
-            <a:ext cx="291960" cy="291960"/>
+            <a:ext cx="291600" cy="291600"/>
           </a:xfrm>
           <a:prstGeom prst="rect">
             <a:avLst/>
@@ -12902,7 +11456,7 @@
         <p:spPr>
           <a:xfrm>
             <a:off x="155520" y="-136440"/>
-            <a:ext cx="291960" cy="291960"/>
+            <a:ext cx="291600" cy="291600"/>
           </a:xfrm>
           <a:prstGeom prst="rect">
             <a:avLst/>
@@ -12928,7 +11482,7 @@
         <p:spPr>
           <a:xfrm>
             <a:off x="155520" y="-136440"/>
-            <a:ext cx="291960" cy="291960"/>
+            <a:ext cx="291600" cy="291600"/>
           </a:xfrm>
           <a:prstGeom prst="rect">
             <a:avLst/>
@@ -12954,7 +11508,7 @@
         <p:spPr>
           <a:xfrm>
             <a:off x="452520" y="500040"/>
-            <a:ext cx="9213120" cy="497880"/>
+            <a:ext cx="9212760" cy="497520"/>
           </a:xfrm>
           <a:prstGeom prst="rect">
             <a:avLst/>
@@ -13014,7 +11568,7 @@
         <p:spPr>
           <a:xfrm>
             <a:off x="880920" y="1249560"/>
-            <a:ext cx="8141760" cy="1792080"/>
+            <a:ext cx="8141400" cy="1791720"/>
           </a:xfrm>
           <a:prstGeom prst="rect">
             <a:avLst/>
@@ -13201,7 +11755,7 @@
         <p:spPr>
           <a:xfrm>
             <a:off x="1310400" y="3714840"/>
-            <a:ext cx="283680" cy="212040"/>
+            <a:ext cx="283320" cy="211680"/>
           </a:xfrm>
           <a:prstGeom prst="ellipse">
             <a:avLst/>
@@ -13240,7 +11794,7 @@
         <p:spPr>
           <a:xfrm>
             <a:off x="1167480" y="4071960"/>
-            <a:ext cx="283680" cy="212040"/>
+            <a:ext cx="283320" cy="211680"/>
           </a:xfrm>
           <a:prstGeom prst="ellipse">
             <a:avLst/>
@@ -13279,7 +11833,7 @@
         <p:spPr>
           <a:xfrm>
             <a:off x="1667520" y="4429080"/>
-            <a:ext cx="283680" cy="212040"/>
+            <a:ext cx="283320" cy="211680"/>
           </a:xfrm>
           <a:prstGeom prst="ellipse">
             <a:avLst/>
@@ -13318,7 +11872,7 @@
         <p:spPr>
           <a:xfrm>
             <a:off x="1310400" y="4500720"/>
-            <a:ext cx="283680" cy="212040"/>
+            <a:ext cx="283320" cy="211680"/>
           </a:xfrm>
           <a:prstGeom prst="ellipse">
             <a:avLst/>
@@ -13357,7 +11911,7 @@
         <p:spPr>
           <a:xfrm>
             <a:off x="2096280" y="4286160"/>
-            <a:ext cx="283680" cy="212040"/>
+            <a:ext cx="283320" cy="211680"/>
           </a:xfrm>
           <a:prstGeom prst="ellipse">
             <a:avLst/>
@@ -13396,7 +11950,7 @@
         <p:spPr>
           <a:xfrm>
             <a:off x="1667520" y="4929120"/>
-            <a:ext cx="283680" cy="212040"/>
+            <a:ext cx="283320" cy="211680"/>
           </a:xfrm>
           <a:prstGeom prst="ellipse">
             <a:avLst/>
@@ -13435,7 +11989,7 @@
         <p:spPr>
           <a:xfrm>
             <a:off x="2953440" y="3857760"/>
-            <a:ext cx="283680" cy="283680"/>
+            <a:ext cx="283320" cy="283320"/>
           </a:xfrm>
           <a:prstGeom prst="triangle">
             <a:avLst>
@@ -13476,7 +12030,7 @@
         <p:spPr>
           <a:xfrm>
             <a:off x="2596320" y="4071960"/>
-            <a:ext cx="283680" cy="283680"/>
+            <a:ext cx="283320" cy="283320"/>
           </a:xfrm>
           <a:prstGeom prst="triangle">
             <a:avLst>
@@ -13517,7 +12071,7 @@
         <p:spPr>
           <a:xfrm>
             <a:off x="3239280" y="4429080"/>
-            <a:ext cx="283680" cy="283680"/>
+            <a:ext cx="283320" cy="283320"/>
           </a:xfrm>
           <a:prstGeom prst="triangle">
             <a:avLst>
@@ -13558,7 +12112,7 @@
         <p:spPr>
           <a:xfrm>
             <a:off x="2453400" y="4643280"/>
-            <a:ext cx="283680" cy="283680"/>
+            <a:ext cx="283320" cy="283320"/>
           </a:xfrm>
           <a:prstGeom prst="triangle">
             <a:avLst>
@@ -13599,7 +12153,7 @@
         <p:spPr>
           <a:xfrm>
             <a:off x="3525120" y="4071960"/>
-            <a:ext cx="283680" cy="283680"/>
+            <a:ext cx="283320" cy="283320"/>
           </a:xfrm>
           <a:prstGeom prst="triangle">
             <a:avLst>
@@ -13640,7 +12194,7 @@
         <p:spPr>
           <a:xfrm>
             <a:off x="2882160" y="4714920"/>
-            <a:ext cx="283680" cy="212040"/>
+            <a:ext cx="283320" cy="211680"/>
           </a:xfrm>
           <a:prstGeom prst="ellipse">
             <a:avLst/>
@@ -13679,7 +12233,7 @@
         <p:spPr>
           <a:xfrm>
             <a:off x="3168000" y="5072040"/>
-            <a:ext cx="283680" cy="212040"/>
+            <a:ext cx="283320" cy="211680"/>
           </a:xfrm>
           <a:prstGeom prst="ellipse">
             <a:avLst/>
@@ -13718,7 +12272,7 @@
         <p:spPr>
           <a:xfrm>
             <a:off x="2525040" y="5143680"/>
-            <a:ext cx="283680" cy="212040"/>
+            <a:ext cx="283320" cy="211680"/>
           </a:xfrm>
           <a:prstGeom prst="ellipse">
             <a:avLst/>
@@ -13757,7 +12311,7 @@
         <p:spPr>
           <a:xfrm>
             <a:off x="1667520" y="3429000"/>
-            <a:ext cx="283680" cy="283680"/>
+            <a:ext cx="283320" cy="283320"/>
           </a:xfrm>
           <a:prstGeom prst="triangle">
             <a:avLst>
@@ -13798,7 +12352,7 @@
         <p:spPr>
           <a:xfrm>
             <a:off x="2167560" y="3571920"/>
-            <a:ext cx="283680" cy="283680"/>
+            <a:ext cx="283320" cy="283320"/>
           </a:xfrm>
           <a:prstGeom prst="triangle">
             <a:avLst>
@@ -13839,7 +12393,7 @@
         <p:spPr>
           <a:xfrm>
             <a:off x="1739160" y="3857760"/>
-            <a:ext cx="283680" cy="283680"/>
+            <a:ext cx="283320" cy="283320"/>
           </a:xfrm>
           <a:prstGeom prst="triangle">
             <a:avLst>
@@ -13880,7 +12434,7 @@
         <p:spPr>
           <a:xfrm>
             <a:off x="2096280" y="3143160"/>
-            <a:ext cx="283680" cy="283680"/>
+            <a:ext cx="283320" cy="283320"/>
           </a:xfrm>
           <a:prstGeom prst="triangle">
             <a:avLst>
@@ -13921,7 +12475,7 @@
         <p:spPr>
           <a:xfrm>
             <a:off x="3738600" y="5074200"/>
-            <a:ext cx="2283840" cy="1548720"/>
+            <a:ext cx="2283480" cy="1548360"/>
           </a:xfrm>
           <a:prstGeom prst="rect">
             <a:avLst/>
@@ -14108,7 +12662,7 @@
         <p:spPr>
           <a:xfrm>
             <a:off x="6524640" y="3714840"/>
-            <a:ext cx="283680" cy="212040"/>
+            <a:ext cx="283320" cy="211680"/>
           </a:xfrm>
           <a:prstGeom prst="ellipse">
             <a:avLst/>
@@ -14147,7 +12701,7 @@
         <p:spPr>
           <a:xfrm>
             <a:off x="6381720" y="4071960"/>
-            <a:ext cx="283680" cy="212040"/>
+            <a:ext cx="283320" cy="211680"/>
           </a:xfrm>
           <a:prstGeom prst="ellipse">
             <a:avLst/>
@@ -14186,7 +12740,7 @@
         <p:spPr>
           <a:xfrm>
             <a:off x="6881760" y="4429080"/>
-            <a:ext cx="283680" cy="212040"/>
+            <a:ext cx="283320" cy="211680"/>
           </a:xfrm>
           <a:prstGeom prst="ellipse">
             <a:avLst/>
@@ -14225,7 +12779,7 @@
         <p:spPr>
           <a:xfrm>
             <a:off x="6524640" y="4500720"/>
-            <a:ext cx="283680" cy="212040"/>
+            <a:ext cx="283320" cy="211680"/>
           </a:xfrm>
           <a:prstGeom prst="ellipse">
             <a:avLst/>
@@ -14264,7 +12818,7 @@
         <p:spPr>
           <a:xfrm>
             <a:off x="7310520" y="4286160"/>
-            <a:ext cx="283680" cy="212040"/>
+            <a:ext cx="283320" cy="211680"/>
           </a:xfrm>
           <a:prstGeom prst="ellipse">
             <a:avLst/>
@@ -14303,7 +12857,7 @@
         <p:spPr>
           <a:xfrm>
             <a:off x="6881760" y="4929120"/>
-            <a:ext cx="283680" cy="212040"/>
+            <a:ext cx="283320" cy="211680"/>
           </a:xfrm>
           <a:prstGeom prst="ellipse">
             <a:avLst/>
@@ -14342,7 +12896,7 @@
         <p:spPr>
           <a:xfrm>
             <a:off x="8167680" y="3857760"/>
-            <a:ext cx="283680" cy="283680"/>
+            <a:ext cx="283320" cy="283320"/>
           </a:xfrm>
           <a:prstGeom prst="triangle">
             <a:avLst>
@@ -14383,7 +12937,7 @@
         <p:spPr>
           <a:xfrm>
             <a:off x="7810560" y="4071960"/>
-            <a:ext cx="283680" cy="283680"/>
+            <a:ext cx="283320" cy="283320"/>
           </a:xfrm>
           <a:prstGeom prst="triangle">
             <a:avLst>
@@ -14424,7 +12978,7 @@
         <p:spPr>
           <a:xfrm>
             <a:off x="8453520" y="4429080"/>
-            <a:ext cx="283680" cy="283680"/>
+            <a:ext cx="283320" cy="283320"/>
           </a:xfrm>
           <a:prstGeom prst="triangle">
             <a:avLst>
@@ -14465,7 +13019,7 @@
         <p:spPr>
           <a:xfrm>
             <a:off x="7667640" y="4643280"/>
-            <a:ext cx="283680" cy="283680"/>
+            <a:ext cx="283320" cy="283320"/>
           </a:xfrm>
           <a:prstGeom prst="triangle">
             <a:avLst>
@@ -14506,7 +13060,7 @@
         <p:spPr>
           <a:xfrm>
             <a:off x="8739360" y="4071960"/>
-            <a:ext cx="283680" cy="283680"/>
+            <a:ext cx="283320" cy="283320"/>
           </a:xfrm>
           <a:prstGeom prst="triangle">
             <a:avLst>
@@ -14547,7 +13101,7 @@
         <p:spPr>
           <a:xfrm>
             <a:off x="8096400" y="4714920"/>
-            <a:ext cx="283680" cy="212040"/>
+            <a:ext cx="283320" cy="211680"/>
           </a:xfrm>
           <a:prstGeom prst="ellipse">
             <a:avLst/>
@@ -14586,7 +13140,7 @@
         <p:spPr>
           <a:xfrm>
             <a:off x="8381880" y="5072040"/>
-            <a:ext cx="283680" cy="212040"/>
+            <a:ext cx="283320" cy="211680"/>
           </a:xfrm>
           <a:prstGeom prst="ellipse">
             <a:avLst/>
@@ -14625,7 +13179,7 @@
         <p:spPr>
           <a:xfrm>
             <a:off x="7738920" y="5143680"/>
-            <a:ext cx="283680" cy="212040"/>
+            <a:ext cx="283320" cy="211680"/>
           </a:xfrm>
           <a:prstGeom prst="ellipse">
             <a:avLst/>
@@ -14664,7 +13218,7 @@
         <p:spPr>
           <a:xfrm>
             <a:off x="6881760" y="3429000"/>
-            <a:ext cx="283680" cy="283680"/>
+            <a:ext cx="283320" cy="283320"/>
           </a:xfrm>
           <a:prstGeom prst="triangle">
             <a:avLst>
@@ -14705,7 +13259,7 @@
         <p:spPr>
           <a:xfrm>
             <a:off x="7381800" y="3571920"/>
-            <a:ext cx="283680" cy="283680"/>
+            <a:ext cx="283320" cy="283320"/>
           </a:xfrm>
           <a:prstGeom prst="triangle">
             <a:avLst>
@@ -14746,7 +13300,7 @@
         <p:spPr>
           <a:xfrm>
             <a:off x="6953400" y="3857760"/>
-            <a:ext cx="283680" cy="283680"/>
+            <a:ext cx="283320" cy="283320"/>
           </a:xfrm>
           <a:prstGeom prst="triangle">
             <a:avLst>
@@ -14787,7 +13341,7 @@
         <p:spPr>
           <a:xfrm>
             <a:off x="7310520" y="3143160"/>
-            <a:ext cx="283680" cy="283680"/>
+            <a:ext cx="283320" cy="283320"/>
           </a:xfrm>
           <a:prstGeom prst="triangle">
             <a:avLst>
@@ -15008,7 +13562,7 @@
         <p:spPr>
           <a:xfrm>
             <a:off x="1126800" y="5505120"/>
-            <a:ext cx="2283840" cy="1548720"/>
+            <a:ext cx="2283480" cy="1548360"/>
           </a:xfrm>
           <a:prstGeom prst="rect">
             <a:avLst/>
@@ -15077,7 +13631,7 @@
         <p:spPr>
           <a:xfrm>
             <a:off x="6418800" y="5505120"/>
-            <a:ext cx="2283840" cy="1548720"/>
+            <a:ext cx="2283480" cy="1548360"/>
           </a:xfrm>
           <a:prstGeom prst="rect">
             <a:avLst/>
@@ -15146,7 +13700,7 @@
         <p:spPr>
           <a:xfrm>
             <a:off x="7040880" y="4136760"/>
-            <a:ext cx="180000" cy="345600"/>
+            <a:ext cx="179640" cy="345240"/>
           </a:xfrm>
           <a:prstGeom prst="rect">
             <a:avLst/>
@@ -15221,7 +13775,7 @@
         <p:spPr>
           <a:xfrm>
             <a:off x="7594560" y="6543720"/>
-            <a:ext cx="2305080" cy="237960"/>
+            <a:ext cx="2304720" cy="237600"/>
           </a:xfrm>
           <a:prstGeom prst="rect">
             <a:avLst/>
@@ -15245,7 +13799,7 @@
                 <a:spcPct val="100000"/>
               </a:lnSpc>
             </a:pPr>
-            <a:fld id="{EB072499-2DC9-4651-B826-AE285E800393}" type="slidenum">
+            <a:fld id="{3BA72461-9176-48DC-980C-305EDB681B81}" type="slidenum">
               <a:rPr b="0" lang="en-US" sz="1800" spc="-1" strike="noStrike">
                 <a:solidFill>
                   <a:srgbClr val="000000"/>
@@ -15253,7 +13807,7 @@
                 <a:latin typeface="Arial"/>
                 <a:ea typeface="DejaVu Sans"/>
               </a:rPr>
-              <a:t>1</a:t>
+              <a:t>&lt;number&gt;</a:t>
             </a:fld>
             <a:endParaRPr b="0" lang="en-US" sz="1800" spc="-1" strike="noStrike">
               <a:latin typeface="Arial"/>
@@ -15270,7 +13824,7 @@
         <p:spPr>
           <a:xfrm>
             <a:off x="155520" y="-136440"/>
-            <a:ext cx="291960" cy="291960"/>
+            <a:ext cx="291600" cy="291600"/>
           </a:xfrm>
           <a:prstGeom prst="rect">
             <a:avLst/>
@@ -15296,7 +13850,7 @@
         <p:spPr>
           <a:xfrm>
             <a:off x="155520" y="-136440"/>
-            <a:ext cx="291960" cy="291960"/>
+            <a:ext cx="291600" cy="291600"/>
           </a:xfrm>
           <a:prstGeom prst="rect">
             <a:avLst/>
@@ -15322,7 +13876,7 @@
         <p:spPr>
           <a:xfrm>
             <a:off x="155520" y="-136440"/>
-            <a:ext cx="291960" cy="291960"/>
+            <a:ext cx="291600" cy="291600"/>
           </a:xfrm>
           <a:prstGeom prst="rect">
             <a:avLst/>
@@ -15348,7 +13902,7 @@
         <p:spPr>
           <a:xfrm>
             <a:off x="155520" y="-136440"/>
-            <a:ext cx="291960" cy="291960"/>
+            <a:ext cx="291600" cy="291600"/>
           </a:xfrm>
           <a:prstGeom prst="rect">
             <a:avLst/>
@@ -15374,7 +13928,7 @@
         <p:spPr>
           <a:xfrm>
             <a:off x="452520" y="500040"/>
-            <a:ext cx="9213120" cy="497880"/>
+            <a:ext cx="9212760" cy="497520"/>
           </a:xfrm>
           <a:prstGeom prst="rect">
             <a:avLst/>
@@ -15434,7 +13988,7 @@
         <p:spPr>
           <a:xfrm>
             <a:off x="595440" y="1285920"/>
-            <a:ext cx="7570440" cy="4752000"/>
+            <a:ext cx="7570080" cy="4751640"/>
           </a:xfrm>
           <a:prstGeom prst="rect">
             <a:avLst/>
@@ -15853,7 +14407,7 @@
         <p:spPr>
           <a:xfrm>
             <a:off x="7598880" y="6500880"/>
-            <a:ext cx="2305080" cy="237960"/>
+            <a:ext cx="2304720" cy="237600"/>
           </a:xfrm>
           <a:prstGeom prst="rect">
             <a:avLst/>
@@ -15877,7 +14431,7 @@
                 <a:spcPct val="100000"/>
               </a:lnSpc>
             </a:pPr>
-            <a:fld id="{C4A6DCF2-3C73-4233-9665-00366CF7B28D}" type="slidenum">
+            <a:fld id="{5BAC2D5A-FC9E-4C04-B007-D2E5FC0F2D26}" type="slidenum">
               <a:rPr b="0" lang="en-US" sz="1800" spc="-1" strike="noStrike">
                 <a:solidFill>
                   <a:srgbClr val="000000"/>
@@ -15885,7 +14439,7 @@
                 <a:latin typeface="Arial"/>
                 <a:ea typeface="DejaVu Sans"/>
               </a:rPr>
-              <a:t>1</a:t>
+              <a:t>&lt;number&gt;</a:t>
             </a:fld>
             <a:endParaRPr b="0" lang="en-US" sz="1800" spc="-1" strike="noStrike">
               <a:latin typeface="Arial"/>
@@ -15902,7 +14456,7 @@
         <p:spPr>
           <a:xfrm>
             <a:off x="155520" y="-136440"/>
-            <a:ext cx="291960" cy="291960"/>
+            <a:ext cx="291600" cy="291600"/>
           </a:xfrm>
           <a:prstGeom prst="rect">
             <a:avLst/>
@@ -15928,7 +14482,7 @@
         <p:spPr>
           <a:xfrm>
             <a:off x="155520" y="-136440"/>
-            <a:ext cx="291960" cy="291960"/>
+            <a:ext cx="291600" cy="291600"/>
           </a:xfrm>
           <a:prstGeom prst="rect">
             <a:avLst/>
@@ -15954,7 +14508,7 @@
         <p:spPr>
           <a:xfrm>
             <a:off x="155520" y="-136440"/>
-            <a:ext cx="291960" cy="291960"/>
+            <a:ext cx="291600" cy="291600"/>
           </a:xfrm>
           <a:prstGeom prst="rect">
             <a:avLst/>
@@ -15980,7 +14534,7 @@
         <p:spPr>
           <a:xfrm>
             <a:off x="155520" y="-136440"/>
-            <a:ext cx="291960" cy="291960"/>
+            <a:ext cx="291600" cy="291600"/>
           </a:xfrm>
           <a:prstGeom prst="rect">
             <a:avLst/>
@@ -16006,7 +14560,7 @@
         <p:spPr>
           <a:xfrm>
             <a:off x="880920" y="1249560"/>
-            <a:ext cx="8141760" cy="2035440"/>
+            <a:ext cx="8141400" cy="2035080"/>
           </a:xfrm>
           <a:prstGeom prst="rect">
             <a:avLst/>
@@ -16129,7 +14683,7 @@
         <p:spPr>
           <a:xfrm>
             <a:off x="1881000" y="3000240"/>
-            <a:ext cx="5923800" cy="3360240"/>
+            <a:ext cx="5923440" cy="3359880"/>
           </a:xfrm>
           <a:prstGeom prst="rect">
             <a:avLst/>
@@ -16148,7 +14702,7 @@
         <p:spPr>
           <a:xfrm>
             <a:off x="452520" y="500040"/>
-            <a:ext cx="9213120" cy="497880"/>
+            <a:ext cx="9212760" cy="497520"/>
           </a:xfrm>
           <a:prstGeom prst="rect">
             <a:avLst/>
@@ -16208,7 +14762,7 @@
         <p:spPr>
           <a:xfrm rot="10817400">
             <a:off x="2068200" y="3511440"/>
-            <a:ext cx="354960" cy="547560"/>
+            <a:ext cx="354600" cy="547200"/>
           </a:xfrm>
           <a:prstGeom prst="rightBrace">
             <a:avLst>
@@ -16246,7 +14800,7 @@
         <p:spPr>
           <a:xfrm>
             <a:off x="1276920" y="3589560"/>
-            <a:ext cx="763560" cy="359640"/>
+            <a:ext cx="763200" cy="359280"/>
           </a:xfrm>
           <a:prstGeom prst="rect">
             <a:avLst/>
@@ -16295,7 +14849,7 @@
         <p:spPr>
           <a:xfrm>
             <a:off x="1276920" y="4165560"/>
-            <a:ext cx="763560" cy="359640"/>
+            <a:ext cx="763200" cy="359280"/>
           </a:xfrm>
           <a:prstGeom prst="rect">
             <a:avLst/>
@@ -16344,7 +14898,7 @@
         <p:spPr>
           <a:xfrm>
             <a:off x="1276920" y="4741560"/>
-            <a:ext cx="763560" cy="359640"/>
+            <a:ext cx="763200" cy="359280"/>
           </a:xfrm>
           <a:prstGeom prst="rect">
             <a:avLst/>
@@ -16393,7 +14947,7 @@
         <p:spPr>
           <a:xfrm>
             <a:off x="1276920" y="5245560"/>
-            <a:ext cx="763560" cy="359640"/>
+            <a:ext cx="763200" cy="359280"/>
           </a:xfrm>
           <a:prstGeom prst="rect">
             <a:avLst/>
@@ -16442,7 +14996,7 @@
         <p:spPr>
           <a:xfrm rot="10817400">
             <a:off x="2068920" y="4087440"/>
-            <a:ext cx="354960" cy="547560"/>
+            <a:ext cx="354600" cy="547200"/>
           </a:xfrm>
           <a:prstGeom prst="rightBrace">
             <a:avLst>
@@ -16480,7 +15034,7 @@
         <p:spPr>
           <a:xfrm rot="10817400">
             <a:off x="2068920" y="4627440"/>
-            <a:ext cx="354960" cy="547560"/>
+            <a:ext cx="354600" cy="547200"/>
           </a:xfrm>
           <a:prstGeom prst="rightBrace">
             <a:avLst>
@@ -16518,7 +15072,7 @@
         <p:spPr>
           <a:xfrm rot="10817400">
             <a:off x="2068920" y="5167440"/>
-            <a:ext cx="354960" cy="547560"/>
+            <a:ext cx="354600" cy="547200"/>
           </a:xfrm>
           <a:prstGeom prst="rightBrace">
             <a:avLst>
@@ -16556,7 +15110,7 @@
         <p:spPr>
           <a:xfrm>
             <a:off x="1188720" y="3491280"/>
-            <a:ext cx="1735920" cy="568800"/>
+            <a:ext cx="1735560" cy="568440"/>
           </a:xfrm>
           <a:prstGeom prst="rect">
             <a:avLst/>
@@ -16588,7 +15142,7 @@
         <p:spPr>
           <a:xfrm>
             <a:off x="1188720" y="4067280"/>
-            <a:ext cx="1735920" cy="568800"/>
+            <a:ext cx="1735560" cy="568440"/>
           </a:xfrm>
           <a:prstGeom prst="rect">
             <a:avLst/>
@@ -16620,7 +15174,7 @@
         <p:spPr>
           <a:xfrm>
             <a:off x="1188720" y="4643280"/>
-            <a:ext cx="1735920" cy="568800"/>
+            <a:ext cx="1735560" cy="568440"/>
           </a:xfrm>
           <a:prstGeom prst="rect">
             <a:avLst/>
@@ -16652,7 +15206,7 @@
         <p:spPr>
           <a:xfrm>
             <a:off x="1188720" y="5219280"/>
-            <a:ext cx="1735920" cy="568800"/>
+            <a:ext cx="1735560" cy="568440"/>
           </a:xfrm>
           <a:prstGeom prst="rect">
             <a:avLst/>
@@ -16733,7 +15287,7 @@
         <p:spPr>
           <a:xfrm>
             <a:off x="7598880" y="6500880"/>
-            <a:ext cx="2305080" cy="237960"/>
+            <a:ext cx="2304720" cy="237600"/>
           </a:xfrm>
           <a:prstGeom prst="rect">
             <a:avLst/>
@@ -16757,7 +15311,7 @@
                 <a:spcPct val="100000"/>
               </a:lnSpc>
             </a:pPr>
-            <a:fld id="{8D2C877C-88F3-455D-A9E7-50DF086BE8FC}" type="slidenum">
+            <a:fld id="{CF7D9BE2-DFD7-4C39-8199-BE53BBD8ECA5}" type="slidenum">
               <a:rPr b="0" lang="en-US" sz="1800" spc="-1" strike="noStrike">
                 <a:solidFill>
                   <a:srgbClr val="000000"/>
@@ -16765,7 +15319,7 @@
                 <a:latin typeface="Arial"/>
                 <a:ea typeface="DejaVu Sans"/>
               </a:rPr>
-              <a:t>1</a:t>
+              <a:t>&lt;number&gt;</a:t>
             </a:fld>
             <a:endParaRPr b="0" lang="en-US" sz="1800" spc="-1" strike="noStrike">
               <a:latin typeface="Arial"/>
@@ -16782,7 +15336,7 @@
         <p:spPr>
           <a:xfrm>
             <a:off x="155520" y="-136440"/>
-            <a:ext cx="291960" cy="291960"/>
+            <a:ext cx="291600" cy="291600"/>
           </a:xfrm>
           <a:prstGeom prst="rect">
             <a:avLst/>
@@ -16808,7 +15362,7 @@
         <p:spPr>
           <a:xfrm>
             <a:off x="155520" y="-136440"/>
-            <a:ext cx="291960" cy="291960"/>
+            <a:ext cx="291600" cy="291600"/>
           </a:xfrm>
           <a:prstGeom prst="rect">
             <a:avLst/>
@@ -16834,7 +15388,7 @@
         <p:spPr>
           <a:xfrm>
             <a:off x="155520" y="-136440"/>
-            <a:ext cx="291960" cy="291960"/>
+            <a:ext cx="291600" cy="291600"/>
           </a:xfrm>
           <a:prstGeom prst="rect">
             <a:avLst/>
@@ -16860,7 +15414,7 @@
         <p:spPr>
           <a:xfrm>
             <a:off x="155520" y="-136440"/>
-            <a:ext cx="291960" cy="291960"/>
+            <a:ext cx="291600" cy="291600"/>
           </a:xfrm>
           <a:prstGeom prst="rect">
             <a:avLst/>
@@ -16886,7 +15440,7 @@
         <p:spPr>
           <a:xfrm>
             <a:off x="880920" y="1249560"/>
-            <a:ext cx="8141760" cy="4225680"/>
+            <a:ext cx="8141400" cy="4225320"/>
           </a:xfrm>
           <a:prstGeom prst="rect">
             <a:avLst/>
@@ -16975,7 +15529,7 @@
             </a:endParaRPr>
           </a:p>
           <a:p>
-            <a:pPr marL="216000" indent="-214200">
+            <a:pPr marL="216000" indent="-213840">
               <a:lnSpc>
                 <a:spcPct val="100000"/>
               </a:lnSpc>
@@ -17030,7 +15584,7 @@
             </a:endParaRPr>
           </a:p>
           <a:p>
-            <a:pPr marL="216000" indent="-214200">
+            <a:pPr marL="216000" indent="-213840">
               <a:lnSpc>
                 <a:spcPct val="100000"/>
               </a:lnSpc>
@@ -17080,7 +15634,7 @@
         <p:spPr>
           <a:xfrm>
             <a:off x="6730200" y="5105880"/>
-            <a:ext cx="1497960" cy="1476360"/>
+            <a:ext cx="1497600" cy="1476000"/>
           </a:xfrm>
           <a:prstGeom prst="rect">
             <a:avLst/>
@@ -17099,7 +15653,7 @@
         <p:spPr>
           <a:xfrm>
             <a:off x="452520" y="500040"/>
-            <a:ext cx="9213120" cy="497880"/>
+            <a:ext cx="9212760" cy="497520"/>
           </a:xfrm>
           <a:prstGeom prst="rect">
             <a:avLst/>
@@ -17208,7 +15762,7 @@
         <p:spPr>
           <a:xfrm>
             <a:off x="7598880" y="6500880"/>
-            <a:ext cx="2305080" cy="237960"/>
+            <a:ext cx="2304720" cy="237600"/>
           </a:xfrm>
           <a:prstGeom prst="rect">
             <a:avLst/>
@@ -17232,7 +15786,7 @@
                 <a:spcPct val="100000"/>
               </a:lnSpc>
             </a:pPr>
-            <a:fld id="{D80CD8B6-F8D4-40E8-91D0-ACA85C4B8EA2}" type="slidenum">
+            <a:fld id="{2E707F21-BC64-469C-9E10-759E57051924}" type="slidenum">
               <a:rPr b="0" lang="en-US" sz="1800" spc="-1" strike="noStrike">
                 <a:solidFill>
                   <a:srgbClr val="000000"/>
@@ -17240,7 +15794,7 @@
                 <a:latin typeface="Arial"/>
                 <a:ea typeface="DejaVu Sans"/>
               </a:rPr>
-              <a:t>1</a:t>
+              <a:t>&lt;number&gt;</a:t>
             </a:fld>
             <a:endParaRPr b="0" lang="en-US" sz="1800" spc="-1" strike="noStrike">
               <a:latin typeface="Arial"/>
@@ -17257,7 +15811,7 @@
         <p:spPr>
           <a:xfrm>
             <a:off x="155520" y="-136440"/>
-            <a:ext cx="291960" cy="291960"/>
+            <a:ext cx="291600" cy="291600"/>
           </a:xfrm>
           <a:prstGeom prst="rect">
             <a:avLst/>
@@ -17283,7 +15837,7 @@
         <p:spPr>
           <a:xfrm>
             <a:off x="155520" y="-136440"/>
-            <a:ext cx="291960" cy="291960"/>
+            <a:ext cx="291600" cy="291600"/>
           </a:xfrm>
           <a:prstGeom prst="rect">
             <a:avLst/>
@@ -17309,7 +15863,7 @@
         <p:spPr>
           <a:xfrm>
             <a:off x="155520" y="-136440"/>
-            <a:ext cx="291960" cy="291960"/>
+            <a:ext cx="291600" cy="291600"/>
           </a:xfrm>
           <a:prstGeom prst="rect">
             <a:avLst/>
@@ -17335,7 +15889,7 @@
         <p:spPr>
           <a:xfrm>
             <a:off x="155520" y="-136440"/>
-            <a:ext cx="291960" cy="291960"/>
+            <a:ext cx="291600" cy="291600"/>
           </a:xfrm>
           <a:prstGeom prst="rect">
             <a:avLst/>
@@ -17361,7 +15915,7 @@
         <p:spPr>
           <a:xfrm>
             <a:off x="452520" y="500040"/>
-            <a:ext cx="9213120" cy="497880"/>
+            <a:ext cx="9212760" cy="497520"/>
           </a:xfrm>
           <a:prstGeom prst="rect">
             <a:avLst/>
@@ -17421,7 +15975,7 @@
         <p:spPr>
           <a:xfrm>
             <a:off x="880920" y="1643040"/>
-            <a:ext cx="8141760" cy="3681360"/>
+            <a:ext cx="8141400" cy="3681000"/>
           </a:xfrm>
           <a:prstGeom prst="rect">
             <a:avLst/>
@@ -17789,7 +16343,7 @@
         <p:spPr>
           <a:xfrm>
             <a:off x="7594560" y="6543720"/>
-            <a:ext cx="2305080" cy="237960"/>
+            <a:ext cx="2304720" cy="237600"/>
           </a:xfrm>
           <a:prstGeom prst="rect">
             <a:avLst/>
@@ -17813,7 +16367,7 @@
                 <a:spcPct val="100000"/>
               </a:lnSpc>
             </a:pPr>
-            <a:fld id="{D3C3915E-001E-4385-8E08-DADAC0814E99}" type="slidenum">
+            <a:fld id="{0E6A121E-ABA1-4C4E-98B7-867B24D5D541}" type="slidenum">
               <a:rPr b="0" lang="en-US" sz="1800" spc="-1" strike="noStrike">
                 <a:solidFill>
                   <a:srgbClr val="000000"/>
@@ -17821,7 +16375,7 @@
                 <a:latin typeface="Arial"/>
                 <a:ea typeface="DejaVu Sans"/>
               </a:rPr>
-              <a:t>1</a:t>
+              <a:t>&lt;number&gt;</a:t>
             </a:fld>
             <a:endParaRPr b="0" lang="en-US" sz="1800" spc="-1" strike="noStrike">
               <a:latin typeface="Arial"/>
@@ -17838,7 +16392,7 @@
         <p:spPr>
           <a:xfrm>
             <a:off x="155520" y="-136440"/>
-            <a:ext cx="291960" cy="291960"/>
+            <a:ext cx="291600" cy="291600"/>
           </a:xfrm>
           <a:prstGeom prst="rect">
             <a:avLst/>
@@ -17864,7 +16418,7 @@
         <p:spPr>
           <a:xfrm>
             <a:off x="155520" y="-136440"/>
-            <a:ext cx="291960" cy="291960"/>
+            <a:ext cx="291600" cy="291600"/>
           </a:xfrm>
           <a:prstGeom prst="rect">
             <a:avLst/>
@@ -17890,7 +16444,7 @@
         <p:spPr>
           <a:xfrm>
             <a:off x="155520" y="-136440"/>
-            <a:ext cx="291960" cy="291960"/>
+            <a:ext cx="291600" cy="291600"/>
           </a:xfrm>
           <a:prstGeom prst="rect">
             <a:avLst/>
@@ -17916,7 +16470,7 @@
         <p:spPr>
           <a:xfrm>
             <a:off x="155520" y="-136440"/>
-            <a:ext cx="291960" cy="291960"/>
+            <a:ext cx="291600" cy="291600"/>
           </a:xfrm>
           <a:prstGeom prst="rect">
             <a:avLst/>
@@ -17942,7 +16496,7 @@
         <p:spPr>
           <a:xfrm>
             <a:off x="452520" y="500040"/>
-            <a:ext cx="9213120" cy="497880"/>
+            <a:ext cx="9212760" cy="497520"/>
           </a:xfrm>
           <a:prstGeom prst="rect">
             <a:avLst/>
@@ -18013,7 +16567,7 @@
         <p:spPr>
           <a:xfrm>
             <a:off x="523800" y="1285920"/>
-            <a:ext cx="7998840" cy="2008800"/>
+            <a:ext cx="7998480" cy="2008440"/>
           </a:xfrm>
           <a:prstGeom prst="rect">
             <a:avLst/>
@@ -18151,7 +16705,7 @@
         <p:spPr>
           <a:xfrm>
             <a:off x="7594560" y="6543720"/>
-            <a:ext cx="2305080" cy="237960"/>
+            <a:ext cx="2304720" cy="237600"/>
           </a:xfrm>
           <a:prstGeom prst="rect">
             <a:avLst/>
@@ -18175,7 +16729,7 @@
                 <a:spcPct val="100000"/>
               </a:lnSpc>
             </a:pPr>
-            <a:fld id="{473293EC-634E-4CC6-BB02-0A3FEF420C00}" type="slidenum">
+            <a:fld id="{A097B4C9-7EC3-446A-B2CC-E819391D369E}" type="slidenum">
               <a:rPr b="0" lang="en-US" sz="1800" spc="-1" strike="noStrike">
                 <a:solidFill>
                   <a:srgbClr val="000000"/>
@@ -18183,7 +16737,7 @@
                 <a:latin typeface="Arial"/>
                 <a:ea typeface="DejaVu Sans"/>
               </a:rPr>
-              <a:t>1</a:t>
+              <a:t>&lt;number&gt;</a:t>
             </a:fld>
             <a:endParaRPr b="0" lang="en-US" sz="1800" spc="-1" strike="noStrike">
               <a:latin typeface="Arial"/>
@@ -18200,7 +16754,7 @@
         <p:spPr>
           <a:xfrm>
             <a:off x="155520" y="-136440"/>
-            <a:ext cx="291960" cy="291960"/>
+            <a:ext cx="291600" cy="291600"/>
           </a:xfrm>
           <a:prstGeom prst="rect">
             <a:avLst/>
@@ -18226,7 +16780,7 @@
         <p:spPr>
           <a:xfrm>
             <a:off x="155520" y="-136440"/>
-            <a:ext cx="291960" cy="291960"/>
+            <a:ext cx="291600" cy="291600"/>
           </a:xfrm>
           <a:prstGeom prst="rect">
             <a:avLst/>
@@ -18252,7 +16806,7 @@
         <p:spPr>
           <a:xfrm>
             <a:off x="155520" y="-136440"/>
-            <a:ext cx="291960" cy="291960"/>
+            <a:ext cx="291600" cy="291600"/>
           </a:xfrm>
           <a:prstGeom prst="rect">
             <a:avLst/>
@@ -18278,7 +16832,7 @@
         <p:spPr>
           <a:xfrm>
             <a:off x="155520" y="-136440"/>
-            <a:ext cx="291960" cy="291960"/>
+            <a:ext cx="291600" cy="291600"/>
           </a:xfrm>
           <a:prstGeom prst="rect">
             <a:avLst/>
@@ -18304,7 +16858,7 @@
         <p:spPr>
           <a:xfrm>
             <a:off x="452520" y="500040"/>
-            <a:ext cx="9213120" cy="497880"/>
+            <a:ext cx="9212760" cy="497520"/>
           </a:xfrm>
           <a:prstGeom prst="rect">
             <a:avLst/>
@@ -18337,7 +16891,7 @@
                 <a:latin typeface="Baskerville Old Face"/>
                 <a:ea typeface="DejaVu Sans"/>
               </a:rPr>
-              <a:t>     </a:t>
+              <a:t>                                                                      </a:t>
             </a:r>
             <a:r>
               <a:rPr b="0" lang="en-US" sz="2400" spc="-1" strike="noStrike" u="sng">
@@ -18348,149 +16902,6 @@
                 <a:latin typeface="Baskerville Old Face"/>
                 <a:ea typeface="DejaVu Sans"/>
               </a:rPr>
-              <a:t>     </a:t>
-            </a:r>
-            <a:r>
-              <a:rPr b="0" lang="en-US" sz="2400" spc="-1" strike="noStrike" u="sng">
-                <a:solidFill>
-                  <a:srgbClr val="000000"/>
-                </a:solidFill>
-                <a:uFillTx/>
-                <a:latin typeface="Baskerville Old Face"/>
-                <a:ea typeface="DejaVu Sans"/>
-              </a:rPr>
-              <a:t>     </a:t>
-            </a:r>
-            <a:r>
-              <a:rPr b="0" lang="en-US" sz="2400" spc="-1" strike="noStrike" u="sng">
-                <a:solidFill>
-                  <a:srgbClr val="000000"/>
-                </a:solidFill>
-                <a:uFillTx/>
-                <a:latin typeface="Baskerville Old Face"/>
-                <a:ea typeface="DejaVu Sans"/>
-              </a:rPr>
-              <a:t>     </a:t>
-            </a:r>
-            <a:r>
-              <a:rPr b="0" lang="en-US" sz="2400" spc="-1" strike="noStrike" u="sng">
-                <a:solidFill>
-                  <a:srgbClr val="000000"/>
-                </a:solidFill>
-                <a:uFillTx/>
-                <a:latin typeface="Baskerville Old Face"/>
-                <a:ea typeface="DejaVu Sans"/>
-              </a:rPr>
-              <a:t>     </a:t>
-            </a:r>
-            <a:r>
-              <a:rPr b="0" lang="en-US" sz="2400" spc="-1" strike="noStrike" u="sng">
-                <a:solidFill>
-                  <a:srgbClr val="000000"/>
-                </a:solidFill>
-                <a:uFillTx/>
-                <a:latin typeface="Baskerville Old Face"/>
-                <a:ea typeface="DejaVu Sans"/>
-              </a:rPr>
-              <a:t>     </a:t>
-            </a:r>
-            <a:r>
-              <a:rPr b="0" lang="en-US" sz="2400" spc="-1" strike="noStrike" u="sng">
-                <a:solidFill>
-                  <a:srgbClr val="000000"/>
-                </a:solidFill>
-                <a:uFillTx/>
-                <a:latin typeface="Baskerville Old Face"/>
-                <a:ea typeface="DejaVu Sans"/>
-              </a:rPr>
-              <a:t>     </a:t>
-            </a:r>
-            <a:r>
-              <a:rPr b="0" lang="en-US" sz="2400" spc="-1" strike="noStrike" u="sng">
-                <a:solidFill>
-                  <a:srgbClr val="000000"/>
-                </a:solidFill>
-                <a:uFillTx/>
-                <a:latin typeface="Baskerville Old Face"/>
-                <a:ea typeface="DejaVu Sans"/>
-              </a:rPr>
-              <a:t>     </a:t>
-            </a:r>
-            <a:r>
-              <a:rPr b="0" lang="en-US" sz="2400" spc="-1" strike="noStrike" u="sng">
-                <a:solidFill>
-                  <a:srgbClr val="000000"/>
-                </a:solidFill>
-                <a:uFillTx/>
-                <a:latin typeface="Baskerville Old Face"/>
-                <a:ea typeface="DejaVu Sans"/>
-              </a:rPr>
-              <a:t>     </a:t>
-            </a:r>
-            <a:r>
-              <a:rPr b="0" lang="en-US" sz="2400" spc="-1" strike="noStrike" u="sng">
-                <a:solidFill>
-                  <a:srgbClr val="000000"/>
-                </a:solidFill>
-                <a:uFillTx/>
-                <a:latin typeface="Baskerville Old Face"/>
-                <a:ea typeface="DejaVu Sans"/>
-              </a:rPr>
-              <a:t>     </a:t>
-            </a:r>
-            <a:r>
-              <a:rPr b="0" lang="en-US" sz="2400" spc="-1" strike="noStrike" u="sng">
-                <a:solidFill>
-                  <a:srgbClr val="000000"/>
-                </a:solidFill>
-                <a:uFillTx/>
-                <a:latin typeface="Baskerville Old Face"/>
-                <a:ea typeface="DejaVu Sans"/>
-              </a:rPr>
-              <a:t>     </a:t>
-            </a:r>
-            <a:r>
-              <a:rPr b="0" lang="en-US" sz="2400" spc="-1" strike="noStrike" u="sng">
-                <a:solidFill>
-                  <a:srgbClr val="000000"/>
-                </a:solidFill>
-                <a:uFillTx/>
-                <a:latin typeface="Baskerville Old Face"/>
-                <a:ea typeface="DejaVu Sans"/>
-              </a:rPr>
-              <a:t>     </a:t>
-            </a:r>
-            <a:r>
-              <a:rPr b="0" lang="en-US" sz="2400" spc="-1" strike="noStrike" u="sng">
-                <a:solidFill>
-                  <a:srgbClr val="000000"/>
-                </a:solidFill>
-                <a:uFillTx/>
-                <a:latin typeface="Baskerville Old Face"/>
-                <a:ea typeface="DejaVu Sans"/>
-              </a:rPr>
-              <a:t>     </a:t>
-            </a:r>
-            <a:r>
-              <a:rPr b="0" lang="en-US" sz="2400" spc="-1" strike="noStrike" u="sng">
-                <a:solidFill>
-                  <a:srgbClr val="000000"/>
-                </a:solidFill>
-                <a:uFillTx/>
-                <a:latin typeface="Baskerville Old Face"/>
-                <a:ea typeface="DejaVu Sans"/>
-              </a:rPr>
-              <a:t>     </a:t>
-            </a:r>
-            <a:r>
-              <a:rPr b="0" lang="en-US" sz="2400" spc="-1" strike="noStrike" u="sng">
-                <a:solidFill>
-                  <a:srgbClr val="000000"/>
-                </a:solidFill>
-                <a:uFillTx/>
-                <a:latin typeface="Baskerville Old Face"/>
-                <a:ea typeface="DejaVu Sans"/>
-              </a:rPr>
               <a:t>.</a:t>
             </a:r>
             <a:endParaRPr b="0" lang="en-US" sz="2400" spc="-1" strike="noStrike">
@@ -18518,7 +16929,7 @@
         <p:spPr>
           <a:xfrm>
             <a:off x="457200" y="371520"/>
-            <a:ext cx="8961120" cy="542880"/>
+            <a:ext cx="8960760" cy="542520"/>
           </a:xfrm>
           <a:prstGeom prst="rect">
             <a:avLst/>
@@ -18550,7 +16961,17 @@
                 <a:latin typeface="Arial"/>
                 <a:ea typeface="DejaVu Sans"/>
               </a:rPr>
-              <a:t>Re</a:t>
+              <a:t>Representational Similarity Analysis (RSA; </a:t>
+            </a:r>
+            <a:r>
+              <a:rPr b="0" lang="en-US" sz="1800" spc="-1" strike="noStrike">
+                <a:solidFill>
+                  <a:srgbClr val="000000"/>
+                </a:solidFill>
+                <a:latin typeface="Arial"/>
+                <a:ea typeface="DejaVu Sans"/>
+              </a:rPr>
+              <a:t>Kriegeskorte, Mur and Bandettini, 2008</a:t>
             </a:r>
             <a:r>
               <a:rPr b="1" lang="en-US" sz="1800" spc="-1" strike="noStrike">
@@ -18560,266 +16981,6 @@
                 <a:latin typeface="Arial"/>
                 <a:ea typeface="DejaVu Sans"/>
               </a:rPr>
-              <a:t>pre</a:t>
-            </a:r>
-            <a:r>
-              <a:rPr b="1" lang="en-US" sz="1800" spc="-1" strike="noStrike">
-                <a:solidFill>
-                  <a:srgbClr val="000000"/>
-                </a:solidFill>
-                <a:latin typeface="Arial"/>
-                <a:ea typeface="DejaVu Sans"/>
-              </a:rPr>
-              <a:t>sen</a:t>
-            </a:r>
-            <a:r>
-              <a:rPr b="1" lang="en-US" sz="1800" spc="-1" strike="noStrike">
-                <a:solidFill>
-                  <a:srgbClr val="000000"/>
-                </a:solidFill>
-                <a:latin typeface="Arial"/>
-                <a:ea typeface="DejaVu Sans"/>
-              </a:rPr>
-              <a:t>tati</a:t>
-            </a:r>
-            <a:r>
-              <a:rPr b="1" lang="en-US" sz="1800" spc="-1" strike="noStrike">
-                <a:solidFill>
-                  <a:srgbClr val="000000"/>
-                </a:solidFill>
-                <a:latin typeface="Arial"/>
-                <a:ea typeface="DejaVu Sans"/>
-              </a:rPr>
-              <a:t>on</a:t>
-            </a:r>
-            <a:r>
-              <a:rPr b="1" lang="en-US" sz="1800" spc="-1" strike="noStrike">
-                <a:solidFill>
-                  <a:srgbClr val="000000"/>
-                </a:solidFill>
-                <a:latin typeface="Arial"/>
-                <a:ea typeface="DejaVu Sans"/>
-              </a:rPr>
-              <a:t>al </a:t>
-            </a:r>
-            <a:r>
-              <a:rPr b="1" lang="en-US" sz="1800" spc="-1" strike="noStrike">
-                <a:solidFill>
-                  <a:srgbClr val="000000"/>
-                </a:solidFill>
-                <a:latin typeface="Arial"/>
-                <a:ea typeface="DejaVu Sans"/>
-              </a:rPr>
-              <a:t>Si</a:t>
-            </a:r>
-            <a:r>
-              <a:rPr b="1" lang="en-US" sz="1800" spc="-1" strike="noStrike">
-                <a:solidFill>
-                  <a:srgbClr val="000000"/>
-                </a:solidFill>
-                <a:latin typeface="Arial"/>
-                <a:ea typeface="DejaVu Sans"/>
-              </a:rPr>
-              <a:t>mil</a:t>
-            </a:r>
-            <a:r>
-              <a:rPr b="1" lang="en-US" sz="1800" spc="-1" strike="noStrike">
-                <a:solidFill>
-                  <a:srgbClr val="000000"/>
-                </a:solidFill>
-                <a:latin typeface="Arial"/>
-                <a:ea typeface="DejaVu Sans"/>
-              </a:rPr>
-              <a:t>arit</a:t>
-            </a:r>
-            <a:r>
-              <a:rPr b="1" lang="en-US" sz="1800" spc="-1" strike="noStrike">
-                <a:solidFill>
-                  <a:srgbClr val="000000"/>
-                </a:solidFill>
-                <a:latin typeface="Arial"/>
-                <a:ea typeface="DejaVu Sans"/>
-              </a:rPr>
-              <a:t>y </a:t>
-            </a:r>
-            <a:r>
-              <a:rPr b="1" lang="en-US" sz="1800" spc="-1" strike="noStrike">
-                <a:solidFill>
-                  <a:srgbClr val="000000"/>
-                </a:solidFill>
-                <a:latin typeface="Arial"/>
-                <a:ea typeface="DejaVu Sans"/>
-              </a:rPr>
-              <a:t>An</a:t>
-            </a:r>
-            <a:r>
-              <a:rPr b="1" lang="en-US" sz="1800" spc="-1" strike="noStrike">
-                <a:solidFill>
-                  <a:srgbClr val="000000"/>
-                </a:solidFill>
-                <a:latin typeface="Arial"/>
-                <a:ea typeface="DejaVu Sans"/>
-              </a:rPr>
-              <a:t>aly</a:t>
-            </a:r>
-            <a:r>
-              <a:rPr b="1" lang="en-US" sz="1800" spc="-1" strike="noStrike">
-                <a:solidFill>
-                  <a:srgbClr val="000000"/>
-                </a:solidFill>
-                <a:latin typeface="Arial"/>
-                <a:ea typeface="DejaVu Sans"/>
-              </a:rPr>
-              <a:t>sis </a:t>
-            </a:r>
-            <a:r>
-              <a:rPr b="1" lang="en-US" sz="1800" spc="-1" strike="noStrike">
-                <a:solidFill>
-                  <a:srgbClr val="000000"/>
-                </a:solidFill>
-                <a:latin typeface="Arial"/>
-                <a:ea typeface="DejaVu Sans"/>
-              </a:rPr>
-              <a:t>(RS</a:t>
-            </a:r>
-            <a:r>
-              <a:rPr b="1" lang="en-US" sz="1800" spc="-1" strike="noStrike">
-                <a:solidFill>
-                  <a:srgbClr val="000000"/>
-                </a:solidFill>
-                <a:latin typeface="Arial"/>
-                <a:ea typeface="DejaVu Sans"/>
-              </a:rPr>
-              <a:t>A; </a:t>
-            </a:r>
-            <a:r>
-              <a:rPr b="0" lang="en-US" sz="1800" spc="-1" strike="noStrike">
-                <a:solidFill>
-                  <a:srgbClr val="000000"/>
-                </a:solidFill>
-                <a:latin typeface="Arial"/>
-                <a:ea typeface="DejaVu Sans"/>
-              </a:rPr>
-              <a:t>Kri</a:t>
-            </a:r>
-            <a:r>
-              <a:rPr b="0" lang="en-US" sz="1800" spc="-1" strike="noStrike">
-                <a:solidFill>
-                  <a:srgbClr val="000000"/>
-                </a:solidFill>
-                <a:latin typeface="Arial"/>
-                <a:ea typeface="DejaVu Sans"/>
-              </a:rPr>
-              <a:t>ege</a:t>
-            </a:r>
-            <a:r>
-              <a:rPr b="0" lang="en-US" sz="1800" spc="-1" strike="noStrike">
-                <a:solidFill>
-                  <a:srgbClr val="000000"/>
-                </a:solidFill>
-                <a:latin typeface="Arial"/>
-                <a:ea typeface="DejaVu Sans"/>
-              </a:rPr>
-              <a:t>sko</a:t>
-            </a:r>
-            <a:r>
-              <a:rPr b="0" lang="en-US" sz="1800" spc="-1" strike="noStrike">
-                <a:solidFill>
-                  <a:srgbClr val="000000"/>
-                </a:solidFill>
-                <a:latin typeface="Arial"/>
-                <a:ea typeface="DejaVu Sans"/>
-              </a:rPr>
-              <a:t>rte, </a:t>
-            </a:r>
-            <a:r>
-              <a:rPr b="0" lang="en-US" sz="1800" spc="-1" strike="noStrike">
-                <a:solidFill>
-                  <a:srgbClr val="000000"/>
-                </a:solidFill>
-                <a:latin typeface="Arial"/>
-                <a:ea typeface="DejaVu Sans"/>
-              </a:rPr>
-              <a:t>Mur </a:t>
-            </a:r>
-            <a:r>
-              <a:rPr b="0" lang="en-US" sz="1800" spc="-1" strike="noStrike">
-                <a:solidFill>
-                  <a:srgbClr val="000000"/>
-                </a:solidFill>
-                <a:latin typeface="Arial"/>
-                <a:ea typeface="DejaVu Sans"/>
-              </a:rPr>
-              <a:t>and </a:t>
-            </a:r>
-            <a:r>
-              <a:rPr b="0" lang="en-US" sz="1800" spc="-1" strike="noStrike">
-                <a:solidFill>
-                  <a:srgbClr val="000000"/>
-                </a:solidFill>
-                <a:latin typeface="Arial"/>
-                <a:ea typeface="DejaVu Sans"/>
-              </a:rPr>
-              <a:t>Ba</a:t>
-            </a:r>
-            <a:r>
-              <a:rPr b="0" lang="en-US" sz="1800" spc="-1" strike="noStrike">
-                <a:solidFill>
-                  <a:srgbClr val="000000"/>
-                </a:solidFill>
-                <a:latin typeface="Arial"/>
-                <a:ea typeface="DejaVu Sans"/>
-              </a:rPr>
-              <a:t>nde</a:t>
-            </a:r>
-            <a:r>
-              <a:rPr b="0" lang="en-US" sz="1800" spc="-1" strike="noStrike">
-                <a:solidFill>
-                  <a:srgbClr val="000000"/>
-                </a:solidFill>
-                <a:latin typeface="Arial"/>
-                <a:ea typeface="DejaVu Sans"/>
-              </a:rPr>
-              <a:t>ttini</a:t>
-            </a:r>
-            <a:r>
-              <a:rPr b="0" lang="en-US" sz="1800" spc="-1" strike="noStrike">
-                <a:solidFill>
-                  <a:srgbClr val="000000"/>
-                </a:solidFill>
-                <a:latin typeface="Arial"/>
-                <a:ea typeface="DejaVu Sans"/>
-              </a:rPr>
-              <a:t>, </a:t>
-            </a:r>
-            <a:r>
-              <a:rPr b="0" lang="en-US" sz="1800" spc="-1" strike="noStrike">
-                <a:solidFill>
-                  <a:srgbClr val="000000"/>
-                </a:solidFill>
-                <a:latin typeface="Arial"/>
-                <a:ea typeface="DejaVu Sans"/>
-              </a:rPr>
-              <a:t>200</a:t>
-            </a:r>
-            <a:r>
-              <a:rPr b="0" lang="en-US" sz="1800" spc="-1" strike="noStrike">
-                <a:solidFill>
-                  <a:srgbClr val="000000"/>
-                </a:solidFill>
-                <a:latin typeface="Arial"/>
-                <a:ea typeface="DejaVu Sans"/>
-              </a:rPr>
-              <a:t>8</a:t>
-            </a:r>
-            <a:r>
-              <a:rPr b="1" lang="en-US" sz="1800" spc="-1" strike="noStrike">
-                <a:solidFill>
-                  <a:srgbClr val="000000"/>
-                </a:solidFill>
-                <a:latin typeface="Arial"/>
-                <a:ea typeface="DejaVu Sans"/>
-              </a:rPr>
               <a:t>)</a:t>
             </a:r>
             <a:endParaRPr b="0" lang="en-US" sz="1800" spc="-1" strike="noStrike">
@@ -18877,7 +17038,7 @@
         <p:spPr>
           <a:xfrm>
             <a:off x="457200" y="1285920"/>
-            <a:ext cx="7998840" cy="542880"/>
+            <a:ext cx="7998480" cy="542520"/>
           </a:xfrm>
           <a:prstGeom prst="rect">
             <a:avLst/>
@@ -18931,7 +17092,7 @@
         <p:spPr>
           <a:xfrm>
             <a:off x="1786320" y="2377440"/>
-            <a:ext cx="1639080" cy="1463040"/>
+            <a:ext cx="1638720" cy="1462680"/>
           </a:xfrm>
           <a:prstGeom prst="rect">
             <a:avLst/>
@@ -18955,7 +17116,7 @@
         <p:spPr>
           <a:xfrm>
             <a:off x="3911760" y="2377440"/>
-            <a:ext cx="1735920" cy="1463040"/>
+            <a:ext cx="1735560" cy="1462680"/>
           </a:xfrm>
           <a:prstGeom prst="rect">
             <a:avLst/>
@@ -18979,7 +17140,7 @@
         <p:spPr>
           <a:xfrm>
             <a:off x="4003200" y="2377440"/>
-            <a:ext cx="1735920" cy="1463040"/>
+            <a:ext cx="1735560" cy="1462680"/>
           </a:xfrm>
           <a:prstGeom prst="rect">
             <a:avLst/>
@@ -19270,13 +17431,13 @@
         <p:spPr>
           <a:xfrm>
             <a:off x="3474720" y="3108960"/>
-            <a:ext cx="528480" cy="182880"/>
+            <a:ext cx="528120" cy="182520"/>
           </a:xfrm>
           <a:custGeom>
             <a:avLst/>
             <a:gdLst/>
             <a:ahLst/>
-            <a:rect l="0" t="0" r="r" b="b"/>
+            <a:rect l="l" t="t" r="r" b="b"/>
             <a:pathLst>
               <a:path w="1470" h="510">
                 <a:moveTo>
@@ -19340,13 +17501,13 @@
         <p:spPr>
           <a:xfrm>
             <a:off x="5577840" y="3108960"/>
-            <a:ext cx="528480" cy="182880"/>
+            <a:ext cx="528120" cy="182520"/>
           </a:xfrm>
           <a:custGeom>
             <a:avLst/>
             <a:gdLst/>
             <a:ahLst/>
-            <a:rect l="0" t="0" r="r" b="b"/>
+            <a:rect l="l" t="t" r="r" b="b"/>
             <a:pathLst>
               <a:path w="1470" h="510">
                 <a:moveTo>
@@ -19410,7 +17571,7 @@
         <p:spPr>
           <a:xfrm>
             <a:off x="1968120" y="1926000"/>
-            <a:ext cx="1415160" cy="542880"/>
+            <a:ext cx="1414800" cy="542520"/>
           </a:xfrm>
           <a:prstGeom prst="rect">
             <a:avLst/>
@@ -19459,7 +17620,7 @@
         <p:spPr>
           <a:xfrm>
             <a:off x="4162680" y="1920240"/>
-            <a:ext cx="1415160" cy="542880"/>
+            <a:ext cx="1414800" cy="542520"/>
           </a:xfrm>
           <a:prstGeom prst="rect">
             <a:avLst/>
@@ -19508,7 +17669,7 @@
         <p:spPr>
           <a:xfrm>
             <a:off x="1968120" y="1926000"/>
-            <a:ext cx="1415160" cy="542880"/>
+            <a:ext cx="1414800" cy="542520"/>
           </a:xfrm>
           <a:prstGeom prst="rect">
             <a:avLst/>
@@ -19557,7 +17718,7 @@
         <p:spPr>
           <a:xfrm>
             <a:off x="6265800" y="1920240"/>
-            <a:ext cx="1415160" cy="542880"/>
+            <a:ext cx="1414800" cy="542520"/>
           </a:xfrm>
           <a:prstGeom prst="rect">
             <a:avLst/>
@@ -19606,7 +17767,7 @@
         <p:spPr>
           <a:xfrm>
             <a:off x="3017520" y="4114800"/>
-            <a:ext cx="1554480" cy="542880"/>
+            <a:ext cx="1554120" cy="542520"/>
           </a:xfrm>
           <a:prstGeom prst="rect">
             <a:avLst/>
@@ -19640,7 +17801,7 @@
               </a:rPr>
               <a:t>More similar</a:t>
             </a:r>
-            <a:endParaRPr b="0" i="1" lang="en-US" sz="1800" spc="-1" strike="noStrike">
+            <a:endParaRPr b="0" lang="en-US" sz="1800" spc="-1" strike="noStrike">
               <a:latin typeface="Arial"/>
             </a:endParaRPr>
           </a:p>
@@ -19655,7 +17816,7 @@
         <p:spPr>
           <a:xfrm>
             <a:off x="5212080" y="4120560"/>
-            <a:ext cx="1554480" cy="542880"/>
+            <a:ext cx="1554120" cy="542520"/>
           </a:xfrm>
           <a:prstGeom prst="rect">
             <a:avLst/>
@@ -19689,7 +17850,7 @@
               </a:rPr>
               <a:t>Less similar</a:t>
             </a:r>
-            <a:endParaRPr b="0" i="1" lang="en-US" sz="1800" spc="-1" strike="noStrike">
+            <a:endParaRPr b="0" lang="en-US" sz="1800" spc="-1" strike="noStrike">
               <a:latin typeface="Arial"/>
             </a:endParaRPr>
           </a:p>
@@ -19753,7 +17914,7 @@
         <p:spPr>
           <a:xfrm>
             <a:off x="7594560" y="6543720"/>
-            <a:ext cx="2305080" cy="237960"/>
+            <a:ext cx="2304720" cy="237600"/>
           </a:xfrm>
           <a:prstGeom prst="rect">
             <a:avLst/>
@@ -19777,7 +17938,7 @@
                 <a:spcPct val="100000"/>
               </a:lnSpc>
             </a:pPr>
-            <a:fld id="{07A9FEB0-3494-4C99-A9D3-8ECD6B081C71}" type="slidenum">
+            <a:fld id="{CFAD31FD-1A30-4EC3-8C98-8DF7EC28D7BE}" type="slidenum">
               <a:rPr b="0" lang="en-US" sz="1800" spc="-1" strike="noStrike">
                 <a:solidFill>
                   <a:srgbClr val="000000"/>
@@ -19785,7 +17946,7 @@
                 <a:latin typeface="Arial"/>
                 <a:ea typeface="DejaVu Sans"/>
               </a:rPr>
-              <a:t>1</a:t>
+              <a:t>&lt;number&gt;</a:t>
             </a:fld>
             <a:endParaRPr b="0" lang="en-US" sz="1800" spc="-1" strike="noStrike">
               <a:latin typeface="Arial"/>
@@ -19802,7 +17963,7 @@
         <p:spPr>
           <a:xfrm>
             <a:off x="155520" y="-136440"/>
-            <a:ext cx="291960" cy="291960"/>
+            <a:ext cx="291600" cy="291600"/>
           </a:xfrm>
           <a:prstGeom prst="rect">
             <a:avLst/>
@@ -19828,7 +17989,7 @@
         <p:spPr>
           <a:xfrm>
             <a:off x="155520" y="-136440"/>
-            <a:ext cx="291960" cy="291960"/>
+            <a:ext cx="291600" cy="291600"/>
           </a:xfrm>
           <a:prstGeom prst="rect">
             <a:avLst/>
@@ -19854,7 +18015,7 @@
         <p:spPr>
           <a:xfrm>
             <a:off x="155520" y="-136440"/>
-            <a:ext cx="291960" cy="291960"/>
+            <a:ext cx="291600" cy="291600"/>
           </a:xfrm>
           <a:prstGeom prst="rect">
             <a:avLst/>
@@ -19880,7 +18041,7 @@
         <p:spPr>
           <a:xfrm>
             <a:off x="155520" y="-136440"/>
-            <a:ext cx="291960" cy="291960"/>
+            <a:ext cx="291600" cy="291600"/>
           </a:xfrm>
           <a:prstGeom prst="rect">
             <a:avLst/>
@@ -19906,7 +18067,7 @@
         <p:spPr>
           <a:xfrm>
             <a:off x="452520" y="500040"/>
-            <a:ext cx="9213120" cy="497880"/>
+            <a:ext cx="9212760" cy="497520"/>
           </a:xfrm>
           <a:prstGeom prst="rect">
             <a:avLst/>
@@ -19977,7 +18138,7 @@
         <p:spPr>
           <a:xfrm>
             <a:off x="457200" y="371520"/>
-            <a:ext cx="7998840" cy="542880"/>
+            <a:ext cx="7998480" cy="542520"/>
           </a:xfrm>
           <a:prstGeom prst="rect">
             <a:avLst/>
@@ -20066,7 +18227,7 @@
         <p:spPr>
           <a:xfrm>
             <a:off x="457200" y="1285920"/>
-            <a:ext cx="7998840" cy="542880"/>
+            <a:ext cx="7998480" cy="542520"/>
           </a:xfrm>
           <a:prstGeom prst="rect">
             <a:avLst/>
@@ -20120,7 +18281,7 @@
         <p:spPr>
           <a:xfrm>
             <a:off x="1786320" y="2377440"/>
-            <a:ext cx="1639080" cy="1463040"/>
+            <a:ext cx="1638720" cy="1462680"/>
           </a:xfrm>
           <a:prstGeom prst="rect">
             <a:avLst/>
@@ -20144,7 +18305,7 @@
         <p:spPr>
           <a:xfrm>
             <a:off x="3911760" y="2377440"/>
-            <a:ext cx="1735920" cy="1463040"/>
+            <a:ext cx="1735560" cy="1462680"/>
           </a:xfrm>
           <a:prstGeom prst="rect">
             <a:avLst/>
@@ -20168,7 +18329,7 @@
         <p:spPr>
           <a:xfrm>
             <a:off x="4003200" y="2377440"/>
-            <a:ext cx="1735920" cy="1463040"/>
+            <a:ext cx="1735560" cy="1462680"/>
           </a:xfrm>
           <a:prstGeom prst="rect">
             <a:avLst/>
@@ -20459,13 +18620,13 @@
         <p:spPr>
           <a:xfrm>
             <a:off x="3474720" y="3108960"/>
-            <a:ext cx="528480" cy="182880"/>
+            <a:ext cx="528120" cy="182520"/>
           </a:xfrm>
           <a:custGeom>
             <a:avLst/>
             <a:gdLst/>
             <a:ahLst/>
-            <a:rect l="0" t="0" r="r" b="b"/>
+            <a:rect l="l" t="t" r="r" b="b"/>
             <a:pathLst>
               <a:path w="1470" h="510">
                 <a:moveTo>
@@ -20529,13 +18690,13 @@
         <p:spPr>
           <a:xfrm>
             <a:off x="5577840" y="3108960"/>
-            <a:ext cx="528480" cy="182880"/>
+            <a:ext cx="528120" cy="182520"/>
           </a:xfrm>
           <a:custGeom>
             <a:avLst/>
             <a:gdLst/>
             <a:ahLst/>
-            <a:rect l="0" t="0" r="r" b="b"/>
+            <a:rect l="l" t="t" r="r" b="b"/>
             <a:pathLst>
               <a:path w="1470" h="510">
                 <a:moveTo>
@@ -20599,7 +18760,7 @@
         <p:spPr>
           <a:xfrm>
             <a:off x="3017520" y="4114800"/>
-            <a:ext cx="1554480" cy="542880"/>
+            <a:ext cx="1554120" cy="542520"/>
           </a:xfrm>
           <a:prstGeom prst="rect">
             <a:avLst/>
@@ -20633,7 +18794,7 @@
               </a:rPr>
               <a:t>More similar</a:t>
             </a:r>
-            <a:endParaRPr b="0" i="1" lang="en-US" sz="1800" spc="-1" strike="noStrike">
+            <a:endParaRPr b="0" lang="en-US" sz="1800" spc="-1" strike="noStrike">
               <a:latin typeface="Arial"/>
             </a:endParaRPr>
           </a:p>
@@ -20648,7 +18809,7 @@
         <p:spPr>
           <a:xfrm>
             <a:off x="5212080" y="4120560"/>
-            <a:ext cx="1554480" cy="542880"/>
+            <a:ext cx="1554120" cy="542520"/>
           </a:xfrm>
           <a:prstGeom prst="rect">
             <a:avLst/>
@@ -20682,7 +18843,7 @@
               </a:rPr>
               <a:t>Less similar</a:t>
             </a:r>
-            <a:endParaRPr b="0" i="1" lang="en-US" sz="1800" spc="-1" strike="noStrike">
+            <a:endParaRPr b="0" lang="en-US" sz="1800" spc="-1" strike="noStrike">
               <a:latin typeface="Arial"/>
             </a:endParaRPr>
           </a:p>
@@ -20697,7 +18858,7 @@
         <p:spPr>
           <a:xfrm>
             <a:off x="1968120" y="1926000"/>
-            <a:ext cx="1415160" cy="542880"/>
+            <a:ext cx="1414800" cy="542520"/>
           </a:xfrm>
           <a:prstGeom prst="rect">
             <a:avLst/>
@@ -20746,7 +18907,7 @@
         <p:spPr>
           <a:xfrm>
             <a:off x="4162680" y="1920240"/>
-            <a:ext cx="1415160" cy="542880"/>
+            <a:ext cx="1414800" cy="542520"/>
           </a:xfrm>
           <a:prstGeom prst="rect">
             <a:avLst/>
@@ -20795,7 +18956,7 @@
         <p:spPr>
           <a:xfrm>
             <a:off x="1968120" y="1926000"/>
-            <a:ext cx="1415160" cy="542880"/>
+            <a:ext cx="1414800" cy="542520"/>
           </a:xfrm>
           <a:prstGeom prst="rect">
             <a:avLst/>
@@ -20844,7 +19005,7 @@
         <p:spPr>
           <a:xfrm>
             <a:off x="6265800" y="1920240"/>
-            <a:ext cx="1415160" cy="542880"/>
+            <a:ext cx="1414800" cy="542520"/>
           </a:xfrm>
           <a:prstGeom prst="rect">
             <a:avLst/>
@@ -20893,7 +19054,7 @@
         <p:spPr>
           <a:xfrm>
             <a:off x="1920240" y="4943520"/>
-            <a:ext cx="6858000" cy="542880"/>
+            <a:ext cx="6857640" cy="542520"/>
           </a:xfrm>
           <a:prstGeom prst="rect">
             <a:avLst/>
@@ -21031,7 +19192,7 @@
         <p:spPr>
           <a:xfrm>
             <a:off x="7594560" y="6543720"/>
-            <a:ext cx="2305080" cy="237960"/>
+            <a:ext cx="2304720" cy="237600"/>
           </a:xfrm>
           <a:prstGeom prst="rect">
             <a:avLst/>
@@ -21055,7 +19216,7 @@
                 <a:spcPct val="100000"/>
               </a:lnSpc>
             </a:pPr>
-            <a:fld id="{8C2434F0-1A88-4F92-90E9-62DC95F50639}" type="slidenum">
+            <a:fld id="{26AC10F3-DF7B-421B-A8A4-1B3704830F5B}" type="slidenum">
               <a:rPr b="0" lang="en-US" sz="1800" spc="-1" strike="noStrike">
                 <a:solidFill>
                   <a:srgbClr val="000000"/>
@@ -21063,7 +19224,7 @@
                 <a:latin typeface="Arial"/>
                 <a:ea typeface="DejaVu Sans"/>
               </a:rPr>
-              <a:t>1</a:t>
+              <a:t>&lt;number&gt;</a:t>
             </a:fld>
             <a:endParaRPr b="0" lang="en-US" sz="1800" spc="-1" strike="noStrike">
               <a:latin typeface="Arial"/>
@@ -21080,7 +19241,7 @@
         <p:spPr>
           <a:xfrm>
             <a:off x="155520" y="-136440"/>
-            <a:ext cx="291960" cy="291960"/>
+            <a:ext cx="291600" cy="291600"/>
           </a:xfrm>
           <a:prstGeom prst="rect">
             <a:avLst/>
@@ -21106,7 +19267,7 @@
         <p:spPr>
           <a:xfrm>
             <a:off x="155520" y="-136440"/>
-            <a:ext cx="291960" cy="291960"/>
+            <a:ext cx="291600" cy="291600"/>
           </a:xfrm>
           <a:prstGeom prst="rect">
             <a:avLst/>
@@ -21132,7 +19293,7 @@
         <p:spPr>
           <a:xfrm>
             <a:off x="155520" y="-136440"/>
-            <a:ext cx="291960" cy="291960"/>
+            <a:ext cx="291600" cy="291600"/>
           </a:xfrm>
           <a:prstGeom prst="rect">
             <a:avLst/>
@@ -21158,7 +19319,7 @@
         <p:spPr>
           <a:xfrm>
             <a:off x="155520" y="-136440"/>
-            <a:ext cx="291960" cy="291960"/>
+            <a:ext cx="291600" cy="291600"/>
           </a:xfrm>
           <a:prstGeom prst="rect">
             <a:avLst/>
@@ -21184,7 +19345,7 @@
         <p:spPr>
           <a:xfrm>
             <a:off x="452520" y="500040"/>
-            <a:ext cx="9213120" cy="497880"/>
+            <a:ext cx="9212760" cy="497520"/>
           </a:xfrm>
           <a:prstGeom prst="rect">
             <a:avLst/>
@@ -21255,7 +19416,7 @@
         <p:spPr>
           <a:xfrm>
             <a:off x="457200" y="371520"/>
-            <a:ext cx="7998840" cy="542880"/>
+            <a:ext cx="7998480" cy="542520"/>
           </a:xfrm>
           <a:prstGeom prst="rect">
             <a:avLst/>
@@ -21344,7 +19505,7 @@
         <p:spPr>
           <a:xfrm>
             <a:off x="457200" y="1285920"/>
-            <a:ext cx="7998840" cy="542880"/>
+            <a:ext cx="7998480" cy="542520"/>
           </a:xfrm>
           <a:prstGeom prst="rect">
             <a:avLst/>
@@ -21548,7 +19709,7 @@
         <p:spPr>
           <a:xfrm>
             <a:off x="3889440" y="4297680"/>
-            <a:ext cx="1639080" cy="1463040"/>
+            <a:ext cx="1638720" cy="1462680"/>
           </a:xfrm>
           <a:prstGeom prst="rect">
             <a:avLst/>
@@ -21572,7 +19733,7 @@
         <p:spPr>
           <a:xfrm>
             <a:off x="6014880" y="4297680"/>
-            <a:ext cx="1735920" cy="1463040"/>
+            <a:ext cx="1735560" cy="1462680"/>
           </a:xfrm>
           <a:prstGeom prst="rect">
             <a:avLst/>
@@ -21596,7 +19757,7 @@
         <p:spPr>
           <a:xfrm>
             <a:off x="6106320" y="4297680"/>
-            <a:ext cx="1735920" cy="1463040"/>
+            <a:ext cx="1735560" cy="1462680"/>
           </a:xfrm>
           <a:prstGeom prst="rect">
             <a:avLst/>
@@ -21887,13 +20048,13 @@
         <p:spPr>
           <a:xfrm>
             <a:off x="5577840" y="5029200"/>
-            <a:ext cx="528480" cy="182880"/>
+            <a:ext cx="528120" cy="182520"/>
           </a:xfrm>
           <a:custGeom>
             <a:avLst/>
             <a:gdLst/>
             <a:ahLst/>
-            <a:rect l="0" t="0" r="r" b="b"/>
+            <a:rect l="l" t="t" r="r" b="b"/>
             <a:pathLst>
               <a:path w="1470" h="510">
                 <a:moveTo>
@@ -21957,13 +20118,13 @@
         <p:spPr>
           <a:xfrm>
             <a:off x="7680960" y="5029200"/>
-            <a:ext cx="528480" cy="182880"/>
+            <a:ext cx="528120" cy="182520"/>
           </a:xfrm>
           <a:custGeom>
             <a:avLst/>
             <a:gdLst/>
             <a:ahLst/>
-            <a:rect l="0" t="0" r="r" b="b"/>
+            <a:rect l="l" t="t" r="r" b="b"/>
             <a:pathLst>
               <a:path w="1470" h="510">
                 <a:moveTo>
@@ -22027,7 +20188,7 @@
         <p:spPr>
           <a:xfrm>
             <a:off x="5120640" y="6035040"/>
-            <a:ext cx="1554480" cy="542880"/>
+            <a:ext cx="1554120" cy="542520"/>
           </a:xfrm>
           <a:prstGeom prst="rect">
             <a:avLst/>
@@ -22061,7 +20222,7 @@
               </a:rPr>
               <a:t>More similar</a:t>
             </a:r>
-            <a:endParaRPr b="0" i="1" lang="en-US" sz="1800" spc="-1" strike="noStrike">
+            <a:endParaRPr b="0" lang="en-US" sz="1800" spc="-1" strike="noStrike">
               <a:latin typeface="Arial"/>
             </a:endParaRPr>
           </a:p>
@@ -22076,7 +20237,7 @@
         <p:spPr>
           <a:xfrm>
             <a:off x="7315200" y="6040800"/>
-            <a:ext cx="1554480" cy="542880"/>
+            <a:ext cx="1554120" cy="542520"/>
           </a:xfrm>
           <a:prstGeom prst="rect">
             <a:avLst/>
@@ -22110,7 +20271,7 @@
               </a:rPr>
               <a:t>Less similar</a:t>
             </a:r>
-            <a:endParaRPr b="0" i="1" lang="en-US" sz="1800" spc="-1" strike="noStrike">
+            <a:endParaRPr b="0" lang="en-US" sz="1800" spc="-1" strike="noStrike">
               <a:latin typeface="Arial"/>
             </a:endParaRPr>
           </a:p>
@@ -22125,7 +20286,7 @@
         <p:spPr>
           <a:xfrm>
             <a:off x="4071240" y="3846240"/>
-            <a:ext cx="1415160" cy="542880"/>
+            <a:ext cx="1414800" cy="542520"/>
           </a:xfrm>
           <a:prstGeom prst="rect">
             <a:avLst/>
@@ -22174,7 +20335,7 @@
         <p:spPr>
           <a:xfrm>
             <a:off x="6265800" y="3840480"/>
-            <a:ext cx="1415160" cy="542880"/>
+            <a:ext cx="1414800" cy="542520"/>
           </a:xfrm>
           <a:prstGeom prst="rect">
             <a:avLst/>
@@ -22223,7 +20384,7 @@
         <p:spPr>
           <a:xfrm>
             <a:off x="4071240" y="3846240"/>
-            <a:ext cx="1415160" cy="542880"/>
+            <a:ext cx="1414800" cy="542520"/>
           </a:xfrm>
           <a:prstGeom prst="rect">
             <a:avLst/>
@@ -22272,7 +20433,7 @@
         <p:spPr>
           <a:xfrm>
             <a:off x="8368920" y="3840480"/>
-            <a:ext cx="1415160" cy="542880"/>
+            <a:ext cx="1414800" cy="542520"/>
           </a:xfrm>
           <a:prstGeom prst="rect">
             <a:avLst/>
@@ -22370,7 +20531,7 @@
         <p:spPr>
           <a:xfrm>
             <a:off x="7594560" y="6543720"/>
-            <a:ext cx="2305080" cy="237960"/>
+            <a:ext cx="2304720" cy="237600"/>
           </a:xfrm>
           <a:prstGeom prst="rect">
             <a:avLst/>
@@ -22394,7 +20555,7 @@
                 <a:spcPct val="100000"/>
               </a:lnSpc>
             </a:pPr>
-            <a:fld id="{5BA70C8E-F9A8-4DF6-BF7A-BEDBBF45BE4A}" type="slidenum">
+            <a:fld id="{B255FDF8-62F2-432C-9E84-E9A174647C1C}" type="slidenum">
               <a:rPr b="0" lang="en-US" sz="1800" spc="-1" strike="noStrike">
                 <a:solidFill>
                   <a:srgbClr val="000000"/>
@@ -22402,7 +20563,7 @@
                 <a:latin typeface="Arial"/>
                 <a:ea typeface="DejaVu Sans"/>
               </a:rPr>
-              <a:t>1</a:t>
+              <a:t>&lt;number&gt;</a:t>
             </a:fld>
             <a:endParaRPr b="0" lang="en-US" sz="1800" spc="-1" strike="noStrike">
               <a:latin typeface="Arial"/>
@@ -22419,7 +20580,7 @@
         <p:spPr>
           <a:xfrm>
             <a:off x="155520" y="-136440"/>
-            <a:ext cx="291960" cy="291960"/>
+            <a:ext cx="291600" cy="291600"/>
           </a:xfrm>
           <a:prstGeom prst="rect">
             <a:avLst/>
@@ -22445,7 +20606,7 @@
         <p:spPr>
           <a:xfrm>
             <a:off x="155520" y="-136440"/>
-            <a:ext cx="291960" cy="291960"/>
+            <a:ext cx="291600" cy="291600"/>
           </a:xfrm>
           <a:prstGeom prst="rect">
             <a:avLst/>
@@ -22471,7 +20632,7 @@
         <p:spPr>
           <a:xfrm>
             <a:off x="155520" y="-136440"/>
-            <a:ext cx="291960" cy="291960"/>
+            <a:ext cx="291600" cy="291600"/>
           </a:xfrm>
           <a:prstGeom prst="rect">
             <a:avLst/>
@@ -22497,7 +20658,7 @@
         <p:spPr>
           <a:xfrm>
             <a:off x="155520" y="-136440"/>
-            <a:ext cx="291960" cy="291960"/>
+            <a:ext cx="291600" cy="291600"/>
           </a:xfrm>
           <a:prstGeom prst="rect">
             <a:avLst/>
@@ -22523,7 +20684,7 @@
         <p:spPr>
           <a:xfrm>
             <a:off x="452520" y="500040"/>
-            <a:ext cx="9213120" cy="497880"/>
+            <a:ext cx="9212760" cy="497520"/>
           </a:xfrm>
           <a:prstGeom prst="rect">
             <a:avLst/>
@@ -22556,7 +20717,7 @@
                 <a:latin typeface="Baskerville Old Face"/>
                 <a:ea typeface="DejaVu Sans"/>
               </a:rPr>
-              <a:t> </a:t>
+              <a:t>                                                                      </a:t>
             </a:r>
             <a:r>
               <a:rPr b="0" lang="en-US" sz="2400" spc="-1" strike="noStrike" u="sng">
@@ -22567,765 +20728,6 @@
                 <a:latin typeface="Baskerville Old Face"/>
                 <a:ea typeface="DejaVu Sans"/>
               </a:rPr>
-              <a:t> </a:t>
-            </a:r>
-            <a:r>
-              <a:rPr b="0" lang="en-US" sz="2400" spc="-1" strike="noStrike" u="sng">
-                <a:solidFill>
-                  <a:srgbClr val="000000"/>
-                </a:solidFill>
-                <a:uFillTx/>
-                <a:latin typeface="Baskerville Old Face"/>
-                <a:ea typeface="DejaVu Sans"/>
-              </a:rPr>
-              <a:t> </a:t>
-            </a:r>
-            <a:r>
-              <a:rPr b="0" lang="en-US" sz="2400" spc="-1" strike="noStrike" u="sng">
-                <a:solidFill>
-                  <a:srgbClr val="000000"/>
-                </a:solidFill>
-                <a:uFillTx/>
-                <a:latin typeface="Baskerville Old Face"/>
-                <a:ea typeface="DejaVu Sans"/>
-              </a:rPr>
-              <a:t> </a:t>
-            </a:r>
-            <a:r>
-              <a:rPr b="0" lang="en-US" sz="2400" spc="-1" strike="noStrike" u="sng">
-                <a:solidFill>
-                  <a:srgbClr val="000000"/>
-                </a:solidFill>
-                <a:uFillTx/>
-                <a:latin typeface="Baskerville Old Face"/>
-                <a:ea typeface="DejaVu Sans"/>
-              </a:rPr>
-              <a:t> </a:t>
-            </a:r>
-            <a:r>
-              <a:rPr b="0" lang="en-US" sz="2400" spc="-1" strike="noStrike" u="sng">
-                <a:solidFill>
-                  <a:srgbClr val="000000"/>
-                </a:solidFill>
-                <a:uFillTx/>
-                <a:latin typeface="Baskerville Old Face"/>
-                <a:ea typeface="DejaVu Sans"/>
-              </a:rPr>
-              <a:t> </a:t>
-            </a:r>
-            <a:r>
-              <a:rPr b="0" lang="en-US" sz="2400" spc="-1" strike="noStrike" u="sng">
-                <a:solidFill>
-                  <a:srgbClr val="000000"/>
-                </a:solidFill>
-                <a:uFillTx/>
-                <a:latin typeface="Baskerville Old Face"/>
-                <a:ea typeface="DejaVu Sans"/>
-              </a:rPr>
-              <a:t> </a:t>
-            </a:r>
-            <a:r>
-              <a:rPr b="0" lang="en-US" sz="2400" spc="-1" strike="noStrike" u="sng">
-                <a:solidFill>
-                  <a:srgbClr val="000000"/>
-                </a:solidFill>
-                <a:uFillTx/>
-                <a:latin typeface="Baskerville Old Face"/>
-                <a:ea typeface="DejaVu Sans"/>
-              </a:rPr>
-              <a:t> </a:t>
-            </a:r>
-            <a:r>
-              <a:rPr b="0" lang="en-US" sz="2400" spc="-1" strike="noStrike" u="sng">
-                <a:solidFill>
-                  <a:srgbClr val="000000"/>
-                </a:solidFill>
-                <a:uFillTx/>
-                <a:latin typeface="Baskerville Old Face"/>
-                <a:ea typeface="DejaVu Sans"/>
-              </a:rPr>
-              <a:t> </a:t>
-            </a:r>
-            <a:r>
-              <a:rPr b="0" lang="en-US" sz="2400" spc="-1" strike="noStrike" u="sng">
-                <a:solidFill>
-                  <a:srgbClr val="000000"/>
-                </a:solidFill>
-                <a:uFillTx/>
-                <a:latin typeface="Baskerville Old Face"/>
-                <a:ea typeface="DejaVu Sans"/>
-              </a:rPr>
-              <a:t> </a:t>
-            </a:r>
-            <a:r>
-              <a:rPr b="0" lang="en-US" sz="2400" spc="-1" strike="noStrike" u="sng">
-                <a:solidFill>
-                  <a:srgbClr val="000000"/>
-                </a:solidFill>
-                <a:uFillTx/>
-                <a:latin typeface="Baskerville Old Face"/>
-                <a:ea typeface="DejaVu Sans"/>
-              </a:rPr>
-              <a:t> </a:t>
-            </a:r>
-            <a:r>
-              <a:rPr b="0" lang="en-US" sz="2400" spc="-1" strike="noStrike" u="sng">
-                <a:solidFill>
-                  <a:srgbClr val="000000"/>
-                </a:solidFill>
-                <a:uFillTx/>
-                <a:latin typeface="Baskerville Old Face"/>
-                <a:ea typeface="DejaVu Sans"/>
-              </a:rPr>
-              <a:t> </a:t>
-            </a:r>
-            <a:r>
-              <a:rPr b="0" lang="en-US" sz="2400" spc="-1" strike="noStrike" u="sng">
-                <a:solidFill>
-                  <a:srgbClr val="000000"/>
-                </a:solidFill>
-                <a:uFillTx/>
-                <a:latin typeface="Baskerville Old Face"/>
-                <a:ea typeface="DejaVu Sans"/>
-              </a:rPr>
-              <a:t> </a:t>
-            </a:r>
-            <a:r>
-              <a:rPr b="0" lang="en-US" sz="2400" spc="-1" strike="noStrike" u="sng">
-                <a:solidFill>
-                  <a:srgbClr val="000000"/>
-                </a:solidFill>
-                <a:uFillTx/>
-                <a:latin typeface="Baskerville Old Face"/>
-                <a:ea typeface="DejaVu Sans"/>
-              </a:rPr>
-              <a:t> </a:t>
-            </a:r>
-            <a:r>
-              <a:rPr b="0" lang="en-US" sz="2400" spc="-1" strike="noStrike" u="sng">
-                <a:solidFill>
-                  <a:srgbClr val="000000"/>
-                </a:solidFill>
-                <a:uFillTx/>
-                <a:latin typeface="Baskerville Old Face"/>
-                <a:ea typeface="DejaVu Sans"/>
-              </a:rPr>
-              <a:t> </a:t>
-            </a:r>
-            <a:r>
-              <a:rPr b="0" lang="en-US" sz="2400" spc="-1" strike="noStrike" u="sng">
-                <a:solidFill>
-                  <a:srgbClr val="000000"/>
-                </a:solidFill>
-                <a:uFillTx/>
-                <a:latin typeface="Baskerville Old Face"/>
-                <a:ea typeface="DejaVu Sans"/>
-              </a:rPr>
-              <a:t> </a:t>
-            </a:r>
-            <a:r>
-              <a:rPr b="0" lang="en-US" sz="2400" spc="-1" strike="noStrike" u="sng">
-                <a:solidFill>
-                  <a:srgbClr val="000000"/>
-                </a:solidFill>
-                <a:uFillTx/>
-                <a:latin typeface="Baskerville Old Face"/>
-                <a:ea typeface="DejaVu Sans"/>
-              </a:rPr>
-              <a:t> </a:t>
-            </a:r>
-            <a:r>
-              <a:rPr b="0" lang="en-US" sz="2400" spc="-1" strike="noStrike" u="sng">
-                <a:solidFill>
-                  <a:srgbClr val="000000"/>
-                </a:solidFill>
-                <a:uFillTx/>
-                <a:latin typeface="Baskerville Old Face"/>
-                <a:ea typeface="DejaVu Sans"/>
-              </a:rPr>
-              <a:t> </a:t>
-            </a:r>
-            <a:r>
-              <a:rPr b="0" lang="en-US" sz="2400" spc="-1" strike="noStrike" u="sng">
-                <a:solidFill>
-                  <a:srgbClr val="000000"/>
-                </a:solidFill>
-                <a:uFillTx/>
-                <a:latin typeface="Baskerville Old Face"/>
-                <a:ea typeface="DejaVu Sans"/>
-              </a:rPr>
-              <a:t> </a:t>
-            </a:r>
-            <a:r>
-              <a:rPr b="0" lang="en-US" sz="2400" spc="-1" strike="noStrike" u="sng">
-                <a:solidFill>
-                  <a:srgbClr val="000000"/>
-                </a:solidFill>
-                <a:uFillTx/>
-                <a:latin typeface="Baskerville Old Face"/>
-                <a:ea typeface="DejaVu Sans"/>
-              </a:rPr>
-              <a:t> </a:t>
-            </a:r>
-            <a:r>
-              <a:rPr b="0" lang="en-US" sz="2400" spc="-1" strike="noStrike" u="sng">
-                <a:solidFill>
-                  <a:srgbClr val="000000"/>
-                </a:solidFill>
-                <a:uFillTx/>
-                <a:latin typeface="Baskerville Old Face"/>
-                <a:ea typeface="DejaVu Sans"/>
-              </a:rPr>
-              <a:t> </a:t>
-            </a:r>
-            <a:r>
-              <a:rPr b="0" lang="en-US" sz="2400" spc="-1" strike="noStrike" u="sng">
-                <a:solidFill>
-                  <a:srgbClr val="000000"/>
-                </a:solidFill>
-                <a:uFillTx/>
-                <a:latin typeface="Baskerville Old Face"/>
-                <a:ea typeface="DejaVu Sans"/>
-              </a:rPr>
-              <a:t> </a:t>
-            </a:r>
-            <a:r>
-              <a:rPr b="0" lang="en-US" sz="2400" spc="-1" strike="noStrike" u="sng">
-                <a:solidFill>
-                  <a:srgbClr val="000000"/>
-                </a:solidFill>
-                <a:uFillTx/>
-                <a:latin typeface="Baskerville Old Face"/>
-                <a:ea typeface="DejaVu Sans"/>
-              </a:rPr>
-              <a:t> </a:t>
-            </a:r>
-            <a:r>
-              <a:rPr b="0" lang="en-US" sz="2400" spc="-1" strike="noStrike" u="sng">
-                <a:solidFill>
-                  <a:srgbClr val="000000"/>
-                </a:solidFill>
-                <a:uFillTx/>
-                <a:latin typeface="Baskerville Old Face"/>
-                <a:ea typeface="DejaVu Sans"/>
-              </a:rPr>
-              <a:t> </a:t>
-            </a:r>
-            <a:r>
-              <a:rPr b="0" lang="en-US" sz="2400" spc="-1" strike="noStrike" u="sng">
-                <a:solidFill>
-                  <a:srgbClr val="000000"/>
-                </a:solidFill>
-                <a:uFillTx/>
-                <a:latin typeface="Baskerville Old Face"/>
-                <a:ea typeface="DejaVu Sans"/>
-              </a:rPr>
-              <a:t> </a:t>
-            </a:r>
-            <a:r>
-              <a:rPr b="0" lang="en-US" sz="2400" spc="-1" strike="noStrike" u="sng">
-                <a:solidFill>
-                  <a:srgbClr val="000000"/>
-                </a:solidFill>
-                <a:uFillTx/>
-                <a:latin typeface="Baskerville Old Face"/>
-                <a:ea typeface="DejaVu Sans"/>
-              </a:rPr>
-              <a:t> </a:t>
-            </a:r>
-            <a:r>
-              <a:rPr b="0" lang="en-US" sz="2400" spc="-1" strike="noStrike" u="sng">
-                <a:solidFill>
-                  <a:srgbClr val="000000"/>
-                </a:solidFill>
-                <a:uFillTx/>
-                <a:latin typeface="Baskerville Old Face"/>
-                <a:ea typeface="DejaVu Sans"/>
-              </a:rPr>
-              <a:t> </a:t>
-            </a:r>
-            <a:r>
-              <a:rPr b="0" lang="en-US" sz="2400" spc="-1" strike="noStrike" u="sng">
-                <a:solidFill>
-                  <a:srgbClr val="000000"/>
-                </a:solidFill>
-                <a:uFillTx/>
-                <a:latin typeface="Baskerville Old Face"/>
-                <a:ea typeface="DejaVu Sans"/>
-              </a:rPr>
-              <a:t> </a:t>
-            </a:r>
-            <a:r>
-              <a:rPr b="0" lang="en-US" sz="2400" spc="-1" strike="noStrike" u="sng">
-                <a:solidFill>
-                  <a:srgbClr val="000000"/>
-                </a:solidFill>
-                <a:uFillTx/>
-                <a:latin typeface="Baskerville Old Face"/>
-                <a:ea typeface="DejaVu Sans"/>
-              </a:rPr>
-              <a:t> </a:t>
-            </a:r>
-            <a:r>
-              <a:rPr b="0" lang="en-US" sz="2400" spc="-1" strike="noStrike" u="sng">
-                <a:solidFill>
-                  <a:srgbClr val="000000"/>
-                </a:solidFill>
-                <a:uFillTx/>
-                <a:latin typeface="Baskerville Old Face"/>
-                <a:ea typeface="DejaVu Sans"/>
-              </a:rPr>
-              <a:t> </a:t>
-            </a:r>
-            <a:r>
-              <a:rPr b="0" lang="en-US" sz="2400" spc="-1" strike="noStrike" u="sng">
-                <a:solidFill>
-                  <a:srgbClr val="000000"/>
-                </a:solidFill>
-                <a:uFillTx/>
-                <a:latin typeface="Baskerville Old Face"/>
-                <a:ea typeface="DejaVu Sans"/>
-              </a:rPr>
-              <a:t> </a:t>
-            </a:r>
-            <a:r>
-              <a:rPr b="0" lang="en-US" sz="2400" spc="-1" strike="noStrike" u="sng">
-                <a:solidFill>
-                  <a:srgbClr val="000000"/>
-                </a:solidFill>
-                <a:uFillTx/>
-                <a:latin typeface="Baskerville Old Face"/>
-                <a:ea typeface="DejaVu Sans"/>
-              </a:rPr>
-              <a:t> </a:t>
-            </a:r>
-            <a:r>
-              <a:rPr b="0" lang="en-US" sz="2400" spc="-1" strike="noStrike" u="sng">
-                <a:solidFill>
-                  <a:srgbClr val="000000"/>
-                </a:solidFill>
-                <a:uFillTx/>
-                <a:latin typeface="Baskerville Old Face"/>
-                <a:ea typeface="DejaVu Sans"/>
-              </a:rPr>
-              <a:t> </a:t>
-            </a:r>
-            <a:r>
-              <a:rPr b="0" lang="en-US" sz="2400" spc="-1" strike="noStrike" u="sng">
-                <a:solidFill>
-                  <a:srgbClr val="000000"/>
-                </a:solidFill>
-                <a:uFillTx/>
-                <a:latin typeface="Baskerville Old Face"/>
-                <a:ea typeface="DejaVu Sans"/>
-              </a:rPr>
-              <a:t> </a:t>
-            </a:r>
-            <a:r>
-              <a:rPr b="0" lang="en-US" sz="2400" spc="-1" strike="noStrike" u="sng">
-                <a:solidFill>
-                  <a:srgbClr val="000000"/>
-                </a:solidFill>
-                <a:uFillTx/>
-                <a:latin typeface="Baskerville Old Face"/>
-                <a:ea typeface="DejaVu Sans"/>
-              </a:rPr>
-              <a:t> </a:t>
-            </a:r>
-            <a:r>
-              <a:rPr b="0" lang="en-US" sz="2400" spc="-1" strike="noStrike" u="sng">
-                <a:solidFill>
-                  <a:srgbClr val="000000"/>
-                </a:solidFill>
-                <a:uFillTx/>
-                <a:latin typeface="Baskerville Old Face"/>
-                <a:ea typeface="DejaVu Sans"/>
-              </a:rPr>
-              <a:t> </a:t>
-            </a:r>
-            <a:r>
-              <a:rPr b="0" lang="en-US" sz="2400" spc="-1" strike="noStrike" u="sng">
-                <a:solidFill>
-                  <a:srgbClr val="000000"/>
-                </a:solidFill>
-                <a:uFillTx/>
-                <a:latin typeface="Baskerville Old Face"/>
-                <a:ea typeface="DejaVu Sans"/>
-              </a:rPr>
-              <a:t> </a:t>
-            </a:r>
-            <a:r>
-              <a:rPr b="0" lang="en-US" sz="2400" spc="-1" strike="noStrike" u="sng">
-                <a:solidFill>
-                  <a:srgbClr val="000000"/>
-                </a:solidFill>
-                <a:uFillTx/>
-                <a:latin typeface="Baskerville Old Face"/>
-                <a:ea typeface="DejaVu Sans"/>
-              </a:rPr>
-              <a:t> </a:t>
-            </a:r>
-            <a:r>
-              <a:rPr b="0" lang="en-US" sz="2400" spc="-1" strike="noStrike" u="sng">
-                <a:solidFill>
-                  <a:srgbClr val="000000"/>
-                </a:solidFill>
-                <a:uFillTx/>
-                <a:latin typeface="Baskerville Old Face"/>
-                <a:ea typeface="DejaVu Sans"/>
-              </a:rPr>
-              <a:t> </a:t>
-            </a:r>
-            <a:r>
-              <a:rPr b="0" lang="en-US" sz="2400" spc="-1" strike="noStrike" u="sng">
-                <a:solidFill>
-                  <a:srgbClr val="000000"/>
-                </a:solidFill>
-                <a:uFillTx/>
-                <a:latin typeface="Baskerville Old Face"/>
-                <a:ea typeface="DejaVu Sans"/>
-              </a:rPr>
-              <a:t> </a:t>
-            </a:r>
-            <a:r>
-              <a:rPr b="0" lang="en-US" sz="2400" spc="-1" strike="noStrike" u="sng">
-                <a:solidFill>
-                  <a:srgbClr val="000000"/>
-                </a:solidFill>
-                <a:uFillTx/>
-                <a:latin typeface="Baskerville Old Face"/>
-                <a:ea typeface="DejaVu Sans"/>
-              </a:rPr>
-              <a:t> </a:t>
-            </a:r>
-            <a:r>
-              <a:rPr b="0" lang="en-US" sz="2400" spc="-1" strike="noStrike" u="sng">
-                <a:solidFill>
-                  <a:srgbClr val="000000"/>
-                </a:solidFill>
-                <a:uFillTx/>
-                <a:latin typeface="Baskerville Old Face"/>
-                <a:ea typeface="DejaVu Sans"/>
-              </a:rPr>
-              <a:t> </a:t>
-            </a:r>
-            <a:r>
-              <a:rPr b="0" lang="en-US" sz="2400" spc="-1" strike="noStrike" u="sng">
-                <a:solidFill>
-                  <a:srgbClr val="000000"/>
-                </a:solidFill>
-                <a:uFillTx/>
-                <a:latin typeface="Baskerville Old Face"/>
-                <a:ea typeface="DejaVu Sans"/>
-              </a:rPr>
-              <a:t> </a:t>
-            </a:r>
-            <a:r>
-              <a:rPr b="0" lang="en-US" sz="2400" spc="-1" strike="noStrike" u="sng">
-                <a:solidFill>
-                  <a:srgbClr val="000000"/>
-                </a:solidFill>
-                <a:uFillTx/>
-                <a:latin typeface="Baskerville Old Face"/>
-                <a:ea typeface="DejaVu Sans"/>
-              </a:rPr>
-              <a:t> </a:t>
-            </a:r>
-            <a:r>
-              <a:rPr b="0" lang="en-US" sz="2400" spc="-1" strike="noStrike" u="sng">
-                <a:solidFill>
-                  <a:srgbClr val="000000"/>
-                </a:solidFill>
-                <a:uFillTx/>
-                <a:latin typeface="Baskerville Old Face"/>
-                <a:ea typeface="DejaVu Sans"/>
-              </a:rPr>
-              <a:t> </a:t>
-            </a:r>
-            <a:r>
-              <a:rPr b="0" lang="en-US" sz="2400" spc="-1" strike="noStrike" u="sng">
-                <a:solidFill>
-                  <a:srgbClr val="000000"/>
-                </a:solidFill>
-                <a:uFillTx/>
-                <a:latin typeface="Baskerville Old Face"/>
-                <a:ea typeface="DejaVu Sans"/>
-              </a:rPr>
-              <a:t> </a:t>
-            </a:r>
-            <a:r>
-              <a:rPr b="0" lang="en-US" sz="2400" spc="-1" strike="noStrike" u="sng">
-                <a:solidFill>
-                  <a:srgbClr val="000000"/>
-                </a:solidFill>
-                <a:uFillTx/>
-                <a:latin typeface="Baskerville Old Face"/>
-                <a:ea typeface="DejaVu Sans"/>
-              </a:rPr>
-              <a:t> </a:t>
-            </a:r>
-            <a:r>
-              <a:rPr b="0" lang="en-US" sz="2400" spc="-1" strike="noStrike" u="sng">
-                <a:solidFill>
-                  <a:srgbClr val="000000"/>
-                </a:solidFill>
-                <a:uFillTx/>
-                <a:latin typeface="Baskerville Old Face"/>
-                <a:ea typeface="DejaVu Sans"/>
-              </a:rPr>
-              <a:t> </a:t>
-            </a:r>
-            <a:r>
-              <a:rPr b="0" lang="en-US" sz="2400" spc="-1" strike="noStrike" u="sng">
-                <a:solidFill>
-                  <a:srgbClr val="000000"/>
-                </a:solidFill>
-                <a:uFillTx/>
-                <a:latin typeface="Baskerville Old Face"/>
-                <a:ea typeface="DejaVu Sans"/>
-              </a:rPr>
-              <a:t> </a:t>
-            </a:r>
-            <a:r>
-              <a:rPr b="0" lang="en-US" sz="2400" spc="-1" strike="noStrike" u="sng">
-                <a:solidFill>
-                  <a:srgbClr val="000000"/>
-                </a:solidFill>
-                <a:uFillTx/>
-                <a:latin typeface="Baskerville Old Face"/>
-                <a:ea typeface="DejaVu Sans"/>
-              </a:rPr>
-              <a:t> </a:t>
-            </a:r>
-            <a:r>
-              <a:rPr b="0" lang="en-US" sz="2400" spc="-1" strike="noStrike" u="sng">
-                <a:solidFill>
-                  <a:srgbClr val="000000"/>
-                </a:solidFill>
-                <a:uFillTx/>
-                <a:latin typeface="Baskerville Old Face"/>
-                <a:ea typeface="DejaVu Sans"/>
-              </a:rPr>
-              <a:t> </a:t>
-            </a:r>
-            <a:r>
-              <a:rPr b="0" lang="en-US" sz="2400" spc="-1" strike="noStrike" u="sng">
-                <a:solidFill>
-                  <a:srgbClr val="000000"/>
-                </a:solidFill>
-                <a:uFillTx/>
-                <a:latin typeface="Baskerville Old Face"/>
-                <a:ea typeface="DejaVu Sans"/>
-              </a:rPr>
-              <a:t> </a:t>
-            </a:r>
-            <a:r>
-              <a:rPr b="0" lang="en-US" sz="2400" spc="-1" strike="noStrike" u="sng">
-                <a:solidFill>
-                  <a:srgbClr val="000000"/>
-                </a:solidFill>
-                <a:uFillTx/>
-                <a:latin typeface="Baskerville Old Face"/>
-                <a:ea typeface="DejaVu Sans"/>
-              </a:rPr>
-              <a:t> </a:t>
-            </a:r>
-            <a:r>
-              <a:rPr b="0" lang="en-US" sz="2400" spc="-1" strike="noStrike" u="sng">
-                <a:solidFill>
-                  <a:srgbClr val="000000"/>
-                </a:solidFill>
-                <a:uFillTx/>
-                <a:latin typeface="Baskerville Old Face"/>
-                <a:ea typeface="DejaVu Sans"/>
-              </a:rPr>
-              <a:t> </a:t>
-            </a:r>
-            <a:r>
-              <a:rPr b="0" lang="en-US" sz="2400" spc="-1" strike="noStrike" u="sng">
-                <a:solidFill>
-                  <a:srgbClr val="000000"/>
-                </a:solidFill>
-                <a:uFillTx/>
-                <a:latin typeface="Baskerville Old Face"/>
-                <a:ea typeface="DejaVu Sans"/>
-              </a:rPr>
-              <a:t> </a:t>
-            </a:r>
-            <a:r>
-              <a:rPr b="0" lang="en-US" sz="2400" spc="-1" strike="noStrike" u="sng">
-                <a:solidFill>
-                  <a:srgbClr val="000000"/>
-                </a:solidFill>
-                <a:uFillTx/>
-                <a:latin typeface="Baskerville Old Face"/>
-                <a:ea typeface="DejaVu Sans"/>
-              </a:rPr>
-              <a:t> </a:t>
-            </a:r>
-            <a:r>
-              <a:rPr b="0" lang="en-US" sz="2400" spc="-1" strike="noStrike" u="sng">
-                <a:solidFill>
-                  <a:srgbClr val="000000"/>
-                </a:solidFill>
-                <a:uFillTx/>
-                <a:latin typeface="Baskerville Old Face"/>
-                <a:ea typeface="DejaVu Sans"/>
-              </a:rPr>
-              <a:t> </a:t>
-            </a:r>
-            <a:r>
-              <a:rPr b="0" lang="en-US" sz="2400" spc="-1" strike="noStrike" u="sng">
-                <a:solidFill>
-                  <a:srgbClr val="000000"/>
-                </a:solidFill>
-                <a:uFillTx/>
-                <a:latin typeface="Baskerville Old Face"/>
-                <a:ea typeface="DejaVu Sans"/>
-              </a:rPr>
-              <a:t> </a:t>
-            </a:r>
-            <a:r>
-              <a:rPr b="0" lang="en-US" sz="2400" spc="-1" strike="noStrike" u="sng">
-                <a:solidFill>
-                  <a:srgbClr val="000000"/>
-                </a:solidFill>
-                <a:uFillTx/>
-                <a:latin typeface="Baskerville Old Face"/>
-                <a:ea typeface="DejaVu Sans"/>
-              </a:rPr>
-              <a:t> </a:t>
-            </a:r>
-            <a:r>
-              <a:rPr b="0" lang="en-US" sz="2400" spc="-1" strike="noStrike" u="sng">
-                <a:solidFill>
-                  <a:srgbClr val="000000"/>
-                </a:solidFill>
-                <a:uFillTx/>
-                <a:latin typeface="Baskerville Old Face"/>
-                <a:ea typeface="DejaVu Sans"/>
-              </a:rPr>
-              <a:t> </a:t>
-            </a:r>
-            <a:r>
-              <a:rPr b="0" lang="en-US" sz="2400" spc="-1" strike="noStrike" u="sng">
-                <a:solidFill>
-                  <a:srgbClr val="000000"/>
-                </a:solidFill>
-                <a:uFillTx/>
-                <a:latin typeface="Baskerville Old Face"/>
-                <a:ea typeface="DejaVu Sans"/>
-              </a:rPr>
-              <a:t> </a:t>
-            </a:r>
-            <a:r>
-              <a:rPr b="0" lang="en-US" sz="2400" spc="-1" strike="noStrike" u="sng">
-                <a:solidFill>
-                  <a:srgbClr val="000000"/>
-                </a:solidFill>
-                <a:uFillTx/>
-                <a:latin typeface="Baskerville Old Face"/>
-                <a:ea typeface="DejaVu Sans"/>
-              </a:rPr>
-              <a:t> </a:t>
-            </a:r>
-            <a:r>
-              <a:rPr b="0" lang="en-US" sz="2400" spc="-1" strike="noStrike" u="sng">
-                <a:solidFill>
-                  <a:srgbClr val="000000"/>
-                </a:solidFill>
-                <a:uFillTx/>
-                <a:latin typeface="Baskerville Old Face"/>
-                <a:ea typeface="DejaVu Sans"/>
-              </a:rPr>
-              <a:t> </a:t>
-            </a:r>
-            <a:r>
-              <a:rPr b="0" lang="en-US" sz="2400" spc="-1" strike="noStrike" u="sng">
-                <a:solidFill>
-                  <a:srgbClr val="000000"/>
-                </a:solidFill>
-                <a:uFillTx/>
-                <a:latin typeface="Baskerville Old Face"/>
-                <a:ea typeface="DejaVu Sans"/>
-              </a:rPr>
-              <a:t> </a:t>
-            </a:r>
-            <a:r>
-              <a:rPr b="0" lang="en-US" sz="2400" spc="-1" strike="noStrike" u="sng">
-                <a:solidFill>
-                  <a:srgbClr val="000000"/>
-                </a:solidFill>
-                <a:uFillTx/>
-                <a:latin typeface="Baskerville Old Face"/>
-                <a:ea typeface="DejaVu Sans"/>
-              </a:rPr>
-              <a:t> </a:t>
-            </a:r>
-            <a:r>
-              <a:rPr b="0" lang="en-US" sz="2400" spc="-1" strike="noStrike" u="sng">
-                <a:solidFill>
-                  <a:srgbClr val="000000"/>
-                </a:solidFill>
-                <a:uFillTx/>
-                <a:latin typeface="Baskerville Old Face"/>
-                <a:ea typeface="DejaVu Sans"/>
-              </a:rPr>
-              <a:t> </a:t>
-            </a:r>
-            <a:r>
-              <a:rPr b="0" lang="en-US" sz="2400" spc="-1" strike="noStrike" u="sng">
-                <a:solidFill>
-                  <a:srgbClr val="000000"/>
-                </a:solidFill>
-                <a:uFillTx/>
-                <a:latin typeface="Baskerville Old Face"/>
-                <a:ea typeface="DejaVu Sans"/>
-              </a:rPr>
-              <a:t> </a:t>
-            </a:r>
-            <a:r>
-              <a:rPr b="0" lang="en-US" sz="2400" spc="-1" strike="noStrike" u="sng">
-                <a:solidFill>
-                  <a:srgbClr val="000000"/>
-                </a:solidFill>
-                <a:uFillTx/>
-                <a:latin typeface="Baskerville Old Face"/>
-                <a:ea typeface="DejaVu Sans"/>
-              </a:rPr>
-              <a:t> </a:t>
-            </a:r>
-            <a:r>
-              <a:rPr b="0" lang="en-US" sz="2400" spc="-1" strike="noStrike" u="sng">
-                <a:solidFill>
-                  <a:srgbClr val="000000"/>
-                </a:solidFill>
-                <a:uFillTx/>
-                <a:latin typeface="Baskerville Old Face"/>
-                <a:ea typeface="DejaVu Sans"/>
-              </a:rPr>
-              <a:t> </a:t>
-            </a:r>
-            <a:r>
-              <a:rPr b="0" lang="en-US" sz="2400" spc="-1" strike="noStrike" u="sng">
-                <a:solidFill>
-                  <a:srgbClr val="000000"/>
-                </a:solidFill>
-                <a:uFillTx/>
-                <a:latin typeface="Baskerville Old Face"/>
-                <a:ea typeface="DejaVu Sans"/>
-              </a:rPr>
-              <a:t> </a:t>
-            </a:r>
-            <a:r>
-              <a:rPr b="0" lang="en-US" sz="2400" spc="-1" strike="noStrike" u="sng">
-                <a:solidFill>
-                  <a:srgbClr val="000000"/>
-                </a:solidFill>
-                <a:uFillTx/>
-                <a:latin typeface="Baskerville Old Face"/>
-                <a:ea typeface="DejaVu Sans"/>
-              </a:rPr>
               <a:t>.</a:t>
             </a:r>
             <a:endParaRPr b="0" lang="en-US" sz="2400" spc="-1" strike="noStrike">
@@ -23353,7 +20755,7 @@
         <p:spPr>
           <a:xfrm>
             <a:off x="523800" y="1285920"/>
-            <a:ext cx="7998840" cy="2008800"/>
+            <a:ext cx="7998480" cy="2008440"/>
           </a:xfrm>
           <a:prstGeom prst="rect">
             <a:avLst/>
@@ -23385,17 +20787,7 @@
                 <a:latin typeface="Arial"/>
                 <a:ea typeface="DejaVu Sans"/>
               </a:rPr>
-              <a:t>Quick practical </a:t>
-            </a:r>
-            <a:r>
-              <a:rPr b="1" lang="en-US" sz="1800" spc="-1" strike="noStrike">
-                <a:solidFill>
-                  <a:srgbClr val="000000"/>
-                </a:solidFill>
-                <a:latin typeface="Arial"/>
-                <a:ea typeface="DejaVu Sans"/>
-              </a:rPr>
-              <a:t>exercise.</a:t>
+              <a:t>Quick practical exercise.</a:t>
             </a:r>
             <a:endParaRPr b="0" lang="en-US" sz="1800" spc="-1" strike="noStrike">
               <a:latin typeface="Arial"/>
@@ -23501,7 +20893,7 @@
         <p:spPr>
           <a:xfrm>
             <a:off x="7594560" y="6543720"/>
-            <a:ext cx="2305080" cy="237960"/>
+            <a:ext cx="2304720" cy="237600"/>
           </a:xfrm>
           <a:prstGeom prst="rect">
             <a:avLst/>
@@ -23525,7 +20917,7 @@
                 <a:spcPct val="100000"/>
               </a:lnSpc>
             </a:pPr>
-            <a:fld id="{CB21F435-E9F2-4A8F-9356-557C98BD2C18}" type="slidenum">
+            <a:fld id="{D82B0A62-7526-4351-AD4C-3698D72FADA4}" type="slidenum">
               <a:rPr b="0" lang="en-US" sz="1800" spc="-1" strike="noStrike">
                 <a:solidFill>
                   <a:srgbClr val="000000"/>
@@ -23533,7 +20925,7 @@
                 <a:latin typeface="Arial"/>
                 <a:ea typeface="DejaVu Sans"/>
               </a:rPr>
-              <a:t>1</a:t>
+              <a:t>&lt;number&gt;</a:t>
             </a:fld>
             <a:endParaRPr b="0" lang="en-US" sz="1800" spc="-1" strike="noStrike">
               <a:latin typeface="Arial"/>
@@ -23550,7 +20942,7 @@
         <p:spPr>
           <a:xfrm>
             <a:off x="155520" y="-136440"/>
-            <a:ext cx="291960" cy="291960"/>
+            <a:ext cx="291600" cy="291600"/>
           </a:xfrm>
           <a:prstGeom prst="rect">
             <a:avLst/>
@@ -23576,7 +20968,7 @@
         <p:spPr>
           <a:xfrm>
             <a:off x="155520" y="-136440"/>
-            <a:ext cx="291960" cy="291960"/>
+            <a:ext cx="291600" cy="291600"/>
           </a:xfrm>
           <a:prstGeom prst="rect">
             <a:avLst/>
@@ -23602,7 +20994,7 @@
         <p:spPr>
           <a:xfrm>
             <a:off x="155520" y="-136440"/>
-            <a:ext cx="291960" cy="291960"/>
+            <a:ext cx="291600" cy="291600"/>
           </a:xfrm>
           <a:prstGeom prst="rect">
             <a:avLst/>
@@ -23628,7 +21020,7 @@
         <p:spPr>
           <a:xfrm>
             <a:off x="155520" y="-136440"/>
-            <a:ext cx="291960" cy="291960"/>
+            <a:ext cx="291600" cy="291600"/>
           </a:xfrm>
           <a:prstGeom prst="rect">
             <a:avLst/>
@@ -23654,7 +21046,7 @@
         <p:spPr>
           <a:xfrm>
             <a:off x="452520" y="500040"/>
-            <a:ext cx="9213120" cy="497880"/>
+            <a:ext cx="9212760" cy="497520"/>
           </a:xfrm>
           <a:prstGeom prst="rect">
             <a:avLst/>
@@ -23718,7 +21110,7 @@
         <p:spPr>
           <a:xfrm>
             <a:off x="430200" y="1427400"/>
-            <a:ext cx="8713080" cy="3783960"/>
+            <a:ext cx="8712720" cy="3783600"/>
           </a:xfrm>
           <a:prstGeom prst="rect">
             <a:avLst/>
@@ -23737,7 +21129,7 @@
         <p:spPr>
           <a:xfrm>
             <a:off x="1712160" y="2194560"/>
-            <a:ext cx="365040" cy="365040"/>
+            <a:ext cx="364680" cy="364680"/>
           </a:xfrm>
           <a:prstGeom prst="ellipse">
             <a:avLst/>
@@ -23765,7 +21157,7 @@
         <p:spPr>
           <a:xfrm>
             <a:off x="2504520" y="2194920"/>
-            <a:ext cx="365040" cy="365040"/>
+            <a:ext cx="364680" cy="364680"/>
           </a:xfrm>
           <a:prstGeom prst="ellipse">
             <a:avLst/>
@@ -23793,7 +21185,7 @@
         <p:spPr>
           <a:xfrm>
             <a:off x="3188520" y="2194920"/>
-            <a:ext cx="365040" cy="365040"/>
+            <a:ext cx="364680" cy="364680"/>
           </a:xfrm>
           <a:prstGeom prst="ellipse">
             <a:avLst/>
@@ -23821,7 +21213,7 @@
         <p:spPr>
           <a:xfrm>
             <a:off x="3980520" y="2194920"/>
-            <a:ext cx="365040" cy="365040"/>
+            <a:ext cx="364680" cy="364680"/>
           </a:xfrm>
           <a:prstGeom prst="ellipse">
             <a:avLst/>
@@ -23849,7 +21241,7 @@
         <p:spPr>
           <a:xfrm>
             <a:off x="4052520" y="2377440"/>
-            <a:ext cx="365040" cy="365040"/>
+            <a:ext cx="364680" cy="364680"/>
           </a:xfrm>
           <a:prstGeom prst="ellipse">
             <a:avLst/>
@@ -23877,7 +21269,7 @@
         <p:spPr>
           <a:xfrm>
             <a:off x="3214080" y="2468880"/>
-            <a:ext cx="365040" cy="365040"/>
+            <a:ext cx="364680" cy="364680"/>
           </a:xfrm>
           <a:prstGeom prst="ellipse">
             <a:avLst/>
@@ -23905,7 +21297,7 @@
         <p:spPr>
           <a:xfrm>
             <a:off x="2463120" y="2468880"/>
-            <a:ext cx="365040" cy="365040"/>
+            <a:ext cx="364680" cy="364680"/>
           </a:xfrm>
           <a:prstGeom prst="ellipse">
             <a:avLst/>
@@ -23933,7 +21325,7 @@
         <p:spPr>
           <a:xfrm>
             <a:off x="1712160" y="2468880"/>
-            <a:ext cx="365040" cy="365040"/>
+            <a:ext cx="364680" cy="364680"/>
           </a:xfrm>
           <a:prstGeom prst="ellipse">
             <a:avLst/>
@@ -24014,7 +21406,7 @@
         <p:spPr>
           <a:xfrm>
             <a:off x="880920" y="1071720"/>
-            <a:ext cx="7784640" cy="3069720"/>
+            <a:ext cx="7784280" cy="3069360"/>
           </a:xfrm>
           <a:prstGeom prst="rect">
             <a:avLst/>
@@ -24033,7 +21425,7 @@
         <p:spPr>
           <a:xfrm>
             <a:off x="7594560" y="6543720"/>
-            <a:ext cx="2305080" cy="237960"/>
+            <a:ext cx="2304720" cy="237600"/>
           </a:xfrm>
           <a:prstGeom prst="rect">
             <a:avLst/>
@@ -24057,7 +21449,7 @@
                 <a:spcPct val="100000"/>
               </a:lnSpc>
             </a:pPr>
-            <a:fld id="{3B1354D0-E4A9-485F-8F71-1DDDDB7FFA3E}" type="slidenum">
+            <a:fld id="{7A319CFE-2077-4E91-BEB9-A995D371675D}" type="slidenum">
               <a:rPr b="0" lang="en-US" sz="1800" spc="-1" strike="noStrike">
                 <a:solidFill>
                   <a:srgbClr val="000000"/>
@@ -24065,7 +21457,7 @@
                 <a:latin typeface="Arial"/>
                 <a:ea typeface="DejaVu Sans"/>
               </a:rPr>
-              <a:t>1</a:t>
+              <a:t>&lt;number&gt;</a:t>
             </a:fld>
             <a:endParaRPr b="0" lang="en-US" sz="1800" spc="-1" strike="noStrike">
               <a:latin typeface="Arial"/>
@@ -24082,7 +21474,7 @@
         <p:spPr>
           <a:xfrm>
             <a:off x="155520" y="-136440"/>
-            <a:ext cx="291960" cy="291960"/>
+            <a:ext cx="291600" cy="291600"/>
           </a:xfrm>
           <a:prstGeom prst="rect">
             <a:avLst/>
@@ -24108,7 +21500,7 @@
         <p:spPr>
           <a:xfrm>
             <a:off x="155520" y="-136440"/>
-            <a:ext cx="291960" cy="291960"/>
+            <a:ext cx="291600" cy="291600"/>
           </a:xfrm>
           <a:prstGeom prst="rect">
             <a:avLst/>
@@ -24134,7 +21526,7 @@
         <p:spPr>
           <a:xfrm>
             <a:off x="155520" y="-136440"/>
-            <a:ext cx="291960" cy="291960"/>
+            <a:ext cx="291600" cy="291600"/>
           </a:xfrm>
           <a:prstGeom prst="rect">
             <a:avLst/>
@@ -24160,7 +21552,7 @@
         <p:spPr>
           <a:xfrm>
             <a:off x="155520" y="-136440"/>
-            <a:ext cx="291960" cy="291960"/>
+            <a:ext cx="291600" cy="291600"/>
           </a:xfrm>
           <a:prstGeom prst="rect">
             <a:avLst/>
@@ -24186,7 +21578,7 @@
         <p:spPr>
           <a:xfrm>
             <a:off x="452520" y="500040"/>
-            <a:ext cx="9213120" cy="497880"/>
+            <a:ext cx="9212760" cy="497520"/>
           </a:xfrm>
           <a:prstGeom prst="rect">
             <a:avLst/>
@@ -24295,7 +21687,7 @@
         <p:spPr>
           <a:xfrm>
             <a:off x="7594560" y="6543720"/>
-            <a:ext cx="2305080" cy="237960"/>
+            <a:ext cx="2304720" cy="237600"/>
           </a:xfrm>
           <a:prstGeom prst="rect">
             <a:avLst/>
@@ -24319,7 +21711,7 @@
                 <a:spcPct val="100000"/>
               </a:lnSpc>
             </a:pPr>
-            <a:fld id="{9842A871-5464-4C35-95E2-9286429B7BDC}" type="slidenum">
+            <a:fld id="{94671A99-2421-4FBE-8B2A-D6EBAF3DD878}" type="slidenum">
               <a:rPr b="0" lang="en-US" sz="1800" spc="-1" strike="noStrike">
                 <a:solidFill>
                   <a:srgbClr val="000000"/>
@@ -24327,7 +21719,7 @@
                 <a:latin typeface="Arial"/>
                 <a:ea typeface="DejaVu Sans"/>
               </a:rPr>
-              <a:t>1</a:t>
+              <a:t>&lt;number&gt;</a:t>
             </a:fld>
             <a:endParaRPr b="0" lang="en-US" sz="1800" spc="-1" strike="noStrike">
               <a:latin typeface="Arial"/>
@@ -24344,7 +21736,7 @@
         <p:spPr>
           <a:xfrm>
             <a:off x="155520" y="-136440"/>
-            <a:ext cx="291960" cy="291960"/>
+            <a:ext cx="291600" cy="291600"/>
           </a:xfrm>
           <a:prstGeom prst="rect">
             <a:avLst/>
@@ -24370,7 +21762,7 @@
         <p:spPr>
           <a:xfrm>
             <a:off x="155520" y="-136440"/>
-            <a:ext cx="291960" cy="291960"/>
+            <a:ext cx="291600" cy="291600"/>
           </a:xfrm>
           <a:prstGeom prst="rect">
             <a:avLst/>
@@ -24396,7 +21788,7 @@
         <p:spPr>
           <a:xfrm>
             <a:off x="155520" y="-136440"/>
-            <a:ext cx="291960" cy="291960"/>
+            <a:ext cx="291600" cy="291600"/>
           </a:xfrm>
           <a:prstGeom prst="rect">
             <a:avLst/>
@@ -24422,7 +21814,7 @@
         <p:spPr>
           <a:xfrm>
             <a:off x="155520" y="-136440"/>
-            <a:ext cx="291960" cy="291960"/>
+            <a:ext cx="291600" cy="291600"/>
           </a:xfrm>
           <a:prstGeom prst="rect">
             <a:avLst/>
@@ -24448,7 +21840,7 @@
         <p:spPr>
           <a:xfrm>
             <a:off x="452520" y="500040"/>
-            <a:ext cx="9213120" cy="497880"/>
+            <a:ext cx="9212760" cy="497520"/>
           </a:xfrm>
           <a:prstGeom prst="rect">
             <a:avLst/>
@@ -24512,7 +21904,7 @@
         <p:spPr>
           <a:xfrm>
             <a:off x="738000" y="1214280"/>
-            <a:ext cx="7661520" cy="2355120"/>
+            <a:ext cx="7661160" cy="2354760"/>
           </a:xfrm>
           <a:prstGeom prst="rect">
             <a:avLst/>
@@ -24584,7 +21976,7 @@
         <p:spPr>
           <a:xfrm>
             <a:off x="3682800" y="1097280"/>
-            <a:ext cx="4820760" cy="3712680"/>
+            <a:ext cx="4820400" cy="3712320"/>
           </a:xfrm>
           <a:prstGeom prst="rect">
             <a:avLst/>
@@ -24603,7 +21995,7 @@
         <p:spPr>
           <a:xfrm>
             <a:off x="7594560" y="6543720"/>
-            <a:ext cx="2305080" cy="237960"/>
+            <a:ext cx="2304720" cy="237600"/>
           </a:xfrm>
           <a:prstGeom prst="rect">
             <a:avLst/>
@@ -24627,7 +22019,7 @@
                 <a:spcPct val="100000"/>
               </a:lnSpc>
             </a:pPr>
-            <a:fld id="{7103F443-62BA-424B-907C-B77F64EB0317}" type="slidenum">
+            <a:fld id="{3AE47126-C504-40C3-9B9A-794832FD7B16}" type="slidenum">
               <a:rPr b="0" lang="en-US" sz="1800" spc="-1" strike="noStrike">
                 <a:solidFill>
                   <a:srgbClr val="000000"/>
@@ -24635,7 +22027,7 @@
                 <a:latin typeface="Arial"/>
                 <a:ea typeface="DejaVu Sans"/>
               </a:rPr>
-              <a:t>1</a:t>
+              <a:t>&lt;number&gt;</a:t>
             </a:fld>
             <a:endParaRPr b="0" lang="en-US" sz="1800" spc="-1" strike="noStrike">
               <a:latin typeface="Arial"/>
@@ -24652,7 +22044,7 @@
         <p:spPr>
           <a:xfrm>
             <a:off x="155520" y="-136440"/>
-            <a:ext cx="291960" cy="291960"/>
+            <a:ext cx="291600" cy="291600"/>
           </a:xfrm>
           <a:prstGeom prst="rect">
             <a:avLst/>
@@ -24678,7 +22070,7 @@
         <p:spPr>
           <a:xfrm>
             <a:off x="155520" y="-136440"/>
-            <a:ext cx="291960" cy="291960"/>
+            <a:ext cx="291600" cy="291600"/>
           </a:xfrm>
           <a:prstGeom prst="rect">
             <a:avLst/>
@@ -24704,7 +22096,7 @@
         <p:spPr>
           <a:xfrm>
             <a:off x="155520" y="-136440"/>
-            <a:ext cx="291960" cy="291960"/>
+            <a:ext cx="291600" cy="291600"/>
           </a:xfrm>
           <a:prstGeom prst="rect">
             <a:avLst/>
@@ -24730,7 +22122,7 @@
         <p:spPr>
           <a:xfrm>
             <a:off x="155520" y="-136440"/>
-            <a:ext cx="291960" cy="291960"/>
+            <a:ext cx="291600" cy="291600"/>
           </a:xfrm>
           <a:prstGeom prst="rect">
             <a:avLst/>
@@ -24790,7 +22182,7 @@
         <p:spPr>
           <a:xfrm>
             <a:off x="767520" y="3075480"/>
-            <a:ext cx="2066040" cy="362880"/>
+            <a:ext cx="2065680" cy="362520"/>
           </a:xfrm>
           <a:prstGeom prst="rect">
             <a:avLst/>
@@ -24838,8 +22230,8 @@
         </p:nvSpPr>
         <p:spPr>
           <a:xfrm flipV="1">
-            <a:off x="2849400" y="2644560"/>
-            <a:ext cx="3045960" cy="611280"/>
+            <a:off x="2849400" y="2643840"/>
+            <a:ext cx="3045600" cy="610920"/>
           </a:xfrm>
           <a:custGeom>
             <a:avLst/>
@@ -24944,7 +22336,7 @@
         <p:spPr>
           <a:xfrm>
             <a:off x="452520" y="500040"/>
-            <a:ext cx="9213120" cy="497880"/>
+            <a:ext cx="9212760" cy="497520"/>
           </a:xfrm>
           <a:prstGeom prst="rect">
             <a:avLst/>
@@ -25057,7 +22449,7 @@
         <p:spPr>
           <a:xfrm>
             <a:off x="3682800" y="1097280"/>
-            <a:ext cx="4820760" cy="3712680"/>
+            <a:ext cx="4820400" cy="3712320"/>
           </a:xfrm>
           <a:prstGeom prst="rect">
             <a:avLst/>
@@ -25076,7 +22468,7 @@
         <p:spPr>
           <a:xfrm>
             <a:off x="7594560" y="6543720"/>
-            <a:ext cx="2305080" cy="237960"/>
+            <a:ext cx="2304720" cy="237600"/>
           </a:xfrm>
           <a:prstGeom prst="rect">
             <a:avLst/>
@@ -25100,7 +22492,7 @@
                 <a:spcPct val="100000"/>
               </a:lnSpc>
             </a:pPr>
-            <a:fld id="{938A085B-C3A9-412F-A59D-688F60A8ECB6}" type="slidenum">
+            <a:fld id="{551A07A0-4D85-4BFB-A56E-5F7E6403DFBF}" type="slidenum">
               <a:rPr b="0" lang="en-US" sz="1800" spc="-1" strike="noStrike">
                 <a:solidFill>
                   <a:srgbClr val="000000"/>
@@ -25108,7 +22500,7 @@
                 <a:latin typeface="Arial"/>
                 <a:ea typeface="DejaVu Sans"/>
               </a:rPr>
-              <a:t>1</a:t>
+              <a:t>&lt;number&gt;</a:t>
             </a:fld>
             <a:endParaRPr b="0" lang="en-US" sz="1800" spc="-1" strike="noStrike">
               <a:latin typeface="Arial"/>
@@ -25125,7 +22517,7 @@
         <p:spPr>
           <a:xfrm>
             <a:off x="155520" y="-136440"/>
-            <a:ext cx="291960" cy="291960"/>
+            <a:ext cx="291600" cy="291600"/>
           </a:xfrm>
           <a:prstGeom prst="rect">
             <a:avLst/>
@@ -25151,7 +22543,7 @@
         <p:spPr>
           <a:xfrm>
             <a:off x="155520" y="-136440"/>
-            <a:ext cx="291960" cy="291960"/>
+            <a:ext cx="291600" cy="291600"/>
           </a:xfrm>
           <a:prstGeom prst="rect">
             <a:avLst/>
@@ -25177,7 +22569,7 @@
         <p:spPr>
           <a:xfrm>
             <a:off x="155520" y="-136440"/>
-            <a:ext cx="291960" cy="291960"/>
+            <a:ext cx="291600" cy="291600"/>
           </a:xfrm>
           <a:prstGeom prst="rect">
             <a:avLst/>
@@ -25203,7 +22595,7 @@
         <p:spPr>
           <a:xfrm>
             <a:off x="155520" y="-136440"/>
-            <a:ext cx="291960" cy="291960"/>
+            <a:ext cx="291600" cy="291600"/>
           </a:xfrm>
           <a:prstGeom prst="rect">
             <a:avLst/>
@@ -25263,7 +22655,7 @@
         <p:spPr>
           <a:xfrm>
             <a:off x="767520" y="3075480"/>
-            <a:ext cx="2066040" cy="362880"/>
+            <a:ext cx="2065680" cy="362520"/>
           </a:xfrm>
           <a:prstGeom prst="rect">
             <a:avLst/>
@@ -25311,8 +22703,8 @@
         </p:nvSpPr>
         <p:spPr>
           <a:xfrm flipV="1">
-            <a:off x="2849400" y="2644560"/>
-            <a:ext cx="3045960" cy="611280"/>
+            <a:off x="2849400" y="2643840"/>
+            <a:ext cx="3045600" cy="610920"/>
           </a:xfrm>
           <a:custGeom>
             <a:avLst/>
@@ -25417,7 +22809,7 @@
         <p:spPr>
           <a:xfrm>
             <a:off x="952560" y="4886640"/>
-            <a:ext cx="4624920" cy="1460160"/>
+            <a:ext cx="4624560" cy="1459800"/>
           </a:xfrm>
           <a:prstGeom prst="rect">
             <a:avLst/>
@@ -25466,7 +22858,7 @@
             </a:endParaRPr>
           </a:p>
           <a:p>
-            <a:pPr marL="216000" indent="-214200">
+            <a:pPr marL="216000" indent="-213840">
               <a:lnSpc>
                 <a:spcPct val="100000"/>
               </a:lnSpc>
@@ -25501,7 +22893,7 @@
             </a:endParaRPr>
           </a:p>
           <a:p>
-            <a:pPr marL="216000" indent="-214200">
+            <a:pPr marL="216000" indent="-213840">
               <a:lnSpc>
                 <a:spcPct val="100000"/>
               </a:lnSpc>
@@ -25556,7 +22948,7 @@
         <p:spPr>
           <a:xfrm>
             <a:off x="452520" y="500040"/>
-            <a:ext cx="9213120" cy="497880"/>
+            <a:ext cx="9212760" cy="497520"/>
           </a:xfrm>
           <a:prstGeom prst="rect">
             <a:avLst/>
@@ -25665,7 +23057,7 @@
         <p:spPr>
           <a:xfrm>
             <a:off x="7594560" y="6543720"/>
-            <a:ext cx="2305080" cy="237960"/>
+            <a:ext cx="2304720" cy="237600"/>
           </a:xfrm>
           <a:prstGeom prst="rect">
             <a:avLst/>
@@ -25689,7 +23081,7 @@
                 <a:spcPct val="100000"/>
               </a:lnSpc>
             </a:pPr>
-            <a:fld id="{4819E747-630B-4BC1-8BCF-D3FD2233B339}" type="slidenum">
+            <a:fld id="{01EA8837-63FB-4555-9650-731606440A52}" type="slidenum">
               <a:rPr b="0" lang="en-US" sz="1800" spc="-1" strike="noStrike">
                 <a:solidFill>
                   <a:srgbClr val="000000"/>
@@ -25697,7 +23089,7 @@
                 <a:latin typeface="Arial"/>
                 <a:ea typeface="DejaVu Sans"/>
               </a:rPr>
-              <a:t>1</a:t>
+              <a:t>&lt;number&gt;</a:t>
             </a:fld>
             <a:endParaRPr b="0" lang="en-US" sz="1800" spc="-1" strike="noStrike">
               <a:latin typeface="Arial"/>
@@ -25714,7 +23106,7 @@
         <p:spPr>
           <a:xfrm>
             <a:off x="155520" y="-136440"/>
-            <a:ext cx="291960" cy="291960"/>
+            <a:ext cx="291600" cy="291600"/>
           </a:xfrm>
           <a:prstGeom prst="rect">
             <a:avLst/>
@@ -25740,7 +23132,7 @@
         <p:spPr>
           <a:xfrm>
             <a:off x="155520" y="-136440"/>
-            <a:ext cx="291960" cy="291960"/>
+            <a:ext cx="291600" cy="291600"/>
           </a:xfrm>
           <a:prstGeom prst="rect">
             <a:avLst/>
@@ -25766,7 +23158,7 @@
         <p:spPr>
           <a:xfrm>
             <a:off x="155520" y="-136440"/>
-            <a:ext cx="291960" cy="291960"/>
+            <a:ext cx="291600" cy="291600"/>
           </a:xfrm>
           <a:prstGeom prst="rect">
             <a:avLst/>
@@ -25792,7 +23184,7 @@
         <p:spPr>
           <a:xfrm>
             <a:off x="155520" y="-136440"/>
-            <a:ext cx="291960" cy="291960"/>
+            <a:ext cx="291600" cy="291600"/>
           </a:xfrm>
           <a:prstGeom prst="rect">
             <a:avLst/>
@@ -25818,7 +23210,7 @@
         <p:spPr>
           <a:xfrm>
             <a:off x="809640" y="1138320"/>
-            <a:ext cx="7570440" cy="2831760"/>
+            <a:ext cx="7570080" cy="2831400"/>
           </a:xfrm>
           <a:prstGeom prst="rect">
             <a:avLst/>
@@ -25907,7 +23299,7 @@
             </a:endParaRPr>
           </a:p>
           <a:p>
-            <a:pPr marL="216000" indent="-214200">
+            <a:pPr marL="216000" indent="-213840">
               <a:lnSpc>
                 <a:spcPct val="100000"/>
               </a:lnSpc>
@@ -25942,7 +23334,7 @@
             </a:endParaRPr>
           </a:p>
           <a:p>
-            <a:pPr marL="216000" indent="-214200">
+            <a:pPr marL="216000" indent="-213840">
               <a:lnSpc>
                 <a:spcPct val="100000"/>
               </a:lnSpc>
@@ -26007,7 +23399,7 @@
         <p:spPr>
           <a:xfrm>
             <a:off x="452520" y="500040"/>
-            <a:ext cx="9213120" cy="497880"/>
+            <a:ext cx="9212760" cy="497520"/>
           </a:xfrm>
           <a:prstGeom prst="rect">
             <a:avLst/>
@@ -26116,7 +23508,7 @@
         <p:spPr>
           <a:xfrm>
             <a:off x="7132320" y="6305040"/>
-            <a:ext cx="2305080" cy="237960"/>
+            <a:ext cx="2304720" cy="237600"/>
           </a:xfrm>
           <a:prstGeom prst="rect">
             <a:avLst/>
@@ -26140,7 +23532,7 @@
                 <a:spcPct val="100000"/>
               </a:lnSpc>
             </a:pPr>
-            <a:fld id="{8BB4E025-EDB5-4579-BF20-1723CD1C5568}" type="slidenum">
+            <a:fld id="{0E72AC36-BA94-430E-8136-79528644AA01}" type="slidenum">
               <a:rPr b="0" lang="en-US" sz="1800" spc="-1" strike="noStrike">
                 <a:solidFill>
                   <a:srgbClr val="000000"/>
@@ -26148,7 +23540,7 @@
                 <a:latin typeface="Arial"/>
                 <a:ea typeface="DejaVu Sans"/>
               </a:rPr>
-              <a:t>1</a:t>
+              <a:t>&lt;number&gt;</a:t>
             </a:fld>
             <a:endParaRPr b="0" lang="en-US" sz="1800" spc="-1" strike="noStrike">
               <a:latin typeface="Arial"/>
@@ -26165,7 +23557,7 @@
         <p:spPr>
           <a:xfrm>
             <a:off x="155520" y="-136440"/>
-            <a:ext cx="291960" cy="291960"/>
+            <a:ext cx="291600" cy="291600"/>
           </a:xfrm>
           <a:prstGeom prst="rect">
             <a:avLst/>
@@ -26191,7 +23583,7 @@
         <p:spPr>
           <a:xfrm>
             <a:off x="155520" y="-136440"/>
-            <a:ext cx="291960" cy="291960"/>
+            <a:ext cx="291600" cy="291600"/>
           </a:xfrm>
           <a:prstGeom prst="rect">
             <a:avLst/>
@@ -26217,7 +23609,7 @@
         <p:spPr>
           <a:xfrm>
             <a:off x="155520" y="-136440"/>
-            <a:ext cx="291960" cy="291960"/>
+            <a:ext cx="291600" cy="291600"/>
           </a:xfrm>
           <a:prstGeom prst="rect">
             <a:avLst/>
@@ -26243,7 +23635,7 @@
         <p:spPr>
           <a:xfrm>
             <a:off x="155520" y="-136440"/>
-            <a:ext cx="291960" cy="291960"/>
+            <a:ext cx="291600" cy="291600"/>
           </a:xfrm>
           <a:prstGeom prst="rect">
             <a:avLst/>
@@ -26269,7 +23661,7 @@
         <p:spPr>
           <a:xfrm>
             <a:off x="452520" y="500040"/>
-            <a:ext cx="9213120" cy="497880"/>
+            <a:ext cx="9212760" cy="497520"/>
           </a:xfrm>
           <a:prstGeom prst="rect">
             <a:avLst/>
@@ -26329,7 +23721,7 @@
         <p:spPr>
           <a:xfrm>
             <a:off x="523800" y="1071720"/>
-            <a:ext cx="1855080" cy="362880"/>
+            <a:ext cx="1854720" cy="362520"/>
           </a:xfrm>
           <a:prstGeom prst="rect">
             <a:avLst/>
@@ -26378,7 +23770,7 @@
         <p:spPr>
           <a:xfrm>
             <a:off x="1309680" y="1785960"/>
-            <a:ext cx="212040" cy="212040"/>
+            <a:ext cx="211680" cy="211680"/>
           </a:xfrm>
           <a:prstGeom prst="rect">
             <a:avLst/>
@@ -26432,7 +23824,7 @@
         <p:spPr>
           <a:xfrm>
             <a:off x="1309680" y="2000160"/>
-            <a:ext cx="212040" cy="212040"/>
+            <a:ext cx="211680" cy="211680"/>
           </a:xfrm>
           <a:prstGeom prst="rect">
             <a:avLst/>
@@ -26486,7 +23878,7 @@
         <p:spPr>
           <a:xfrm>
             <a:off x="1309680" y="2214720"/>
-            <a:ext cx="212040" cy="212040"/>
+            <a:ext cx="211680" cy="211680"/>
           </a:xfrm>
           <a:prstGeom prst="rect">
             <a:avLst/>
@@ -26540,7 +23932,7 @@
         <p:spPr>
           <a:xfrm>
             <a:off x="1309680" y="2428920"/>
-            <a:ext cx="212040" cy="212040"/>
+            <a:ext cx="211680" cy="211680"/>
           </a:xfrm>
           <a:prstGeom prst="rect">
             <a:avLst/>
@@ -26594,7 +23986,7 @@
         <p:spPr>
           <a:xfrm>
             <a:off x="1309680" y="2643120"/>
-            <a:ext cx="212040" cy="212040"/>
+            <a:ext cx="211680" cy="211680"/>
           </a:xfrm>
           <a:prstGeom prst="rect">
             <a:avLst/>
@@ -26648,7 +24040,7 @@
         <p:spPr>
           <a:xfrm>
             <a:off x="1309680" y="2857320"/>
-            <a:ext cx="212040" cy="212040"/>
+            <a:ext cx="211680" cy="211680"/>
           </a:xfrm>
           <a:prstGeom prst="rect">
             <a:avLst/>
@@ -26702,7 +24094,7 @@
         <p:spPr>
           <a:xfrm>
             <a:off x="1309680" y="3071880"/>
-            <a:ext cx="212040" cy="212040"/>
+            <a:ext cx="211680" cy="211680"/>
           </a:xfrm>
           <a:prstGeom prst="rect">
             <a:avLst/>
@@ -26756,7 +24148,7 @@
         <p:spPr>
           <a:xfrm>
             <a:off x="1309680" y="3286080"/>
-            <a:ext cx="212040" cy="212040"/>
+            <a:ext cx="211680" cy="211680"/>
           </a:xfrm>
           <a:prstGeom prst="rect">
             <a:avLst/>
@@ -26810,7 +24202,7 @@
         <p:spPr>
           <a:xfrm>
             <a:off x="1309680" y="3500280"/>
-            <a:ext cx="212040" cy="212040"/>
+            <a:ext cx="211680" cy="211680"/>
           </a:xfrm>
           <a:prstGeom prst="rect">
             <a:avLst/>
@@ -26864,7 +24256,7 @@
         <p:spPr>
           <a:xfrm>
             <a:off x="1309680" y="3714840"/>
-            <a:ext cx="212040" cy="212040"/>
+            <a:ext cx="211680" cy="211680"/>
           </a:xfrm>
           <a:prstGeom prst="rect">
             <a:avLst/>
@@ -26918,7 +24310,7 @@
         <p:spPr>
           <a:xfrm>
             <a:off x="1309680" y="3929040"/>
-            <a:ext cx="212040" cy="212040"/>
+            <a:ext cx="211680" cy="211680"/>
           </a:xfrm>
           <a:prstGeom prst="rect">
             <a:avLst/>
@@ -26972,7 +24364,7 @@
         <p:spPr>
           <a:xfrm>
             <a:off x="1309680" y="4143240"/>
-            <a:ext cx="212040" cy="212040"/>
+            <a:ext cx="211680" cy="211680"/>
           </a:xfrm>
           <a:prstGeom prst="rect">
             <a:avLst/>
@@ -27026,7 +24418,7 @@
         <p:spPr>
           <a:xfrm>
             <a:off x="1309680" y="4357800"/>
-            <a:ext cx="212040" cy="212040"/>
+            <a:ext cx="211680" cy="211680"/>
           </a:xfrm>
           <a:prstGeom prst="rect">
             <a:avLst/>
@@ -27080,7 +24472,7 @@
         <p:spPr>
           <a:xfrm>
             <a:off x="1309680" y="4572000"/>
-            <a:ext cx="212040" cy="212040"/>
+            <a:ext cx="211680" cy="211680"/>
           </a:xfrm>
           <a:prstGeom prst="rect">
             <a:avLst/>
@@ -27134,7 +24526,7 @@
         <p:spPr>
           <a:xfrm>
             <a:off x="1309680" y="4786200"/>
-            <a:ext cx="212040" cy="212040"/>
+            <a:ext cx="211680" cy="211680"/>
           </a:xfrm>
           <a:prstGeom prst="rect">
             <a:avLst/>
@@ -27188,7 +24580,7 @@
         <p:spPr>
           <a:xfrm>
             <a:off x="1309680" y="5000760"/>
-            <a:ext cx="212040" cy="212040"/>
+            <a:ext cx="211680" cy="211680"/>
           </a:xfrm>
           <a:prstGeom prst="rect">
             <a:avLst/>
@@ -27242,7 +24634,7 @@
         <p:spPr>
           <a:xfrm>
             <a:off x="2166840" y="1500120"/>
-            <a:ext cx="1855080" cy="362880"/>
+            <a:ext cx="1854720" cy="362520"/>
           </a:xfrm>
           <a:prstGeom prst="rect">
             <a:avLst/>
@@ -27291,7 +24683,7 @@
         <p:spPr>
           <a:xfrm>
             <a:off x="2381400" y="1928880"/>
-            <a:ext cx="774000" cy="362880"/>
+            <a:ext cx="773640" cy="362520"/>
           </a:xfrm>
           <a:prstGeom prst="rect">
             <a:avLst/>
@@ -27340,7 +24732,7 @@
         <p:spPr>
           <a:xfrm>
             <a:off x="3105000" y="1928880"/>
-            <a:ext cx="774000" cy="362880"/>
+            <a:ext cx="773640" cy="362520"/>
           </a:xfrm>
           <a:prstGeom prst="rect">
             <a:avLst/>
@@ -27389,7 +24781,7 @@
         <p:spPr>
           <a:xfrm>
             <a:off x="1666800" y="1785960"/>
-            <a:ext cx="354960" cy="855000"/>
+            <a:ext cx="354600" cy="854640"/>
           </a:xfrm>
           <a:prstGeom prst="rightBrace">
             <a:avLst>
@@ -27427,7 +24819,7 @@
         <p:spPr>
           <a:xfrm>
             <a:off x="7238880" y="2428920"/>
-            <a:ext cx="212040" cy="212040"/>
+            <a:ext cx="211680" cy="211680"/>
           </a:xfrm>
           <a:prstGeom prst="rect">
             <a:avLst/>
@@ -27481,7 +24873,7 @@
         <p:spPr>
           <a:xfrm>
             <a:off x="7238880" y="2643120"/>
-            <a:ext cx="212040" cy="212040"/>
+            <a:ext cx="211680" cy="211680"/>
           </a:xfrm>
           <a:prstGeom prst="rect">
             <a:avLst/>
@@ -27535,7 +24927,7 @@
         <p:spPr>
           <a:xfrm>
             <a:off x="7238880" y="2857320"/>
-            <a:ext cx="212040" cy="212040"/>
+            <a:ext cx="211680" cy="211680"/>
           </a:xfrm>
           <a:prstGeom prst="rect">
             <a:avLst/>
@@ -27589,7 +24981,7 @@
         <p:spPr>
           <a:xfrm>
             <a:off x="7238880" y="3071880"/>
-            <a:ext cx="212040" cy="212040"/>
+            <a:ext cx="211680" cy="211680"/>
           </a:xfrm>
           <a:prstGeom prst="rect">
             <a:avLst/>
@@ -27643,7 +25035,7 @@
         <p:spPr>
           <a:xfrm>
             <a:off x="7238880" y="3286080"/>
-            <a:ext cx="212040" cy="212040"/>
+            <a:ext cx="211680" cy="211680"/>
           </a:xfrm>
           <a:prstGeom prst="rect">
             <a:avLst/>
@@ -27697,7 +25089,7 @@
         <p:spPr>
           <a:xfrm>
             <a:off x="7238880" y="3500280"/>
-            <a:ext cx="212040" cy="212040"/>
+            <a:ext cx="211680" cy="211680"/>
           </a:xfrm>
           <a:prstGeom prst="rect">
             <a:avLst/>
@@ -27751,7 +25143,7 @@
         <p:spPr>
           <a:xfrm>
             <a:off x="7238880" y="3714840"/>
-            <a:ext cx="212040" cy="212040"/>
+            <a:ext cx="211680" cy="211680"/>
           </a:xfrm>
           <a:prstGeom prst="rect">
             <a:avLst/>
@@ -27805,7 +25197,7 @@
         <p:spPr>
           <a:xfrm>
             <a:off x="7238880" y="3929040"/>
-            <a:ext cx="212040" cy="212040"/>
+            <a:ext cx="211680" cy="211680"/>
           </a:xfrm>
           <a:prstGeom prst="rect">
             <a:avLst/>
@@ -27859,7 +25251,7 @@
         <p:spPr>
           <a:xfrm>
             <a:off x="7238880" y="4143240"/>
-            <a:ext cx="212040" cy="212040"/>
+            <a:ext cx="211680" cy="211680"/>
           </a:xfrm>
           <a:prstGeom prst="rect">
             <a:avLst/>
@@ -27913,7 +25305,7 @@
         <p:spPr>
           <a:xfrm>
             <a:off x="7238880" y="4357800"/>
-            <a:ext cx="212040" cy="212040"/>
+            <a:ext cx="211680" cy="211680"/>
           </a:xfrm>
           <a:prstGeom prst="rect">
             <a:avLst/>
@@ -27967,7 +25359,7 @@
         <p:spPr>
           <a:xfrm>
             <a:off x="7238880" y="4572000"/>
-            <a:ext cx="212040" cy="212040"/>
+            <a:ext cx="211680" cy="211680"/>
           </a:xfrm>
           <a:prstGeom prst="rect">
             <a:avLst/>
@@ -28021,7 +25413,7 @@
         <p:spPr>
           <a:xfrm>
             <a:off x="7238880" y="4786200"/>
-            <a:ext cx="212040" cy="212040"/>
+            <a:ext cx="211680" cy="211680"/>
           </a:xfrm>
           <a:prstGeom prst="rect">
             <a:avLst/>
@@ -28075,7 +25467,7 @@
         <p:spPr>
           <a:xfrm>
             <a:off x="7953480" y="2428920"/>
-            <a:ext cx="212040" cy="212040"/>
+            <a:ext cx="211680" cy="211680"/>
           </a:xfrm>
           <a:prstGeom prst="rect">
             <a:avLst/>
@@ -28129,7 +25521,7 @@
         <p:spPr>
           <a:xfrm>
             <a:off x="7953480" y="2643120"/>
-            <a:ext cx="212040" cy="212040"/>
+            <a:ext cx="211680" cy="211680"/>
           </a:xfrm>
           <a:prstGeom prst="rect">
             <a:avLst/>
@@ -28183,7 +25575,7 @@
         <p:spPr>
           <a:xfrm>
             <a:off x="7953480" y="2857320"/>
-            <a:ext cx="212040" cy="212040"/>
+            <a:ext cx="211680" cy="211680"/>
           </a:xfrm>
           <a:prstGeom prst="rect">
             <a:avLst/>
@@ -28237,7 +25629,7 @@
         <p:spPr>
           <a:xfrm>
             <a:off x="7953480" y="3071880"/>
-            <a:ext cx="212040" cy="212040"/>
+            <a:ext cx="211680" cy="211680"/>
           </a:xfrm>
           <a:prstGeom prst="rect">
             <a:avLst/>
@@ -28291,7 +25683,7 @@
         <p:spPr>
           <a:xfrm>
             <a:off x="1666800" y="2643120"/>
-            <a:ext cx="354960" cy="855000"/>
+            <a:ext cx="354600" cy="854640"/>
           </a:xfrm>
           <a:prstGeom prst="rightBrace">
             <a:avLst>
@@ -28329,7 +25721,7 @@
         <p:spPr>
           <a:xfrm>
             <a:off x="1666800" y="3500280"/>
-            <a:ext cx="354960" cy="855000"/>
+            <a:ext cx="354600" cy="854640"/>
           </a:xfrm>
           <a:prstGeom prst="rightBrace">
             <a:avLst>
@@ -28367,7 +25759,7 @@
         <p:spPr>
           <a:xfrm>
             <a:off x="1666800" y="4357800"/>
-            <a:ext cx="354960" cy="855000"/>
+            <a:ext cx="354600" cy="854640"/>
           </a:xfrm>
           <a:prstGeom prst="rightBrace">
             <a:avLst>
@@ -28405,7 +25797,7 @@
         <p:spPr>
           <a:xfrm>
             <a:off x="3595680" y="1500120"/>
-            <a:ext cx="1855080" cy="362880"/>
+            <a:ext cx="1854720" cy="362520"/>
           </a:xfrm>
           <a:prstGeom prst="rect">
             <a:avLst/>
@@ -28454,7 +25846,7 @@
         <p:spPr>
           <a:xfrm>
             <a:off x="3809880" y="1928880"/>
-            <a:ext cx="774000" cy="362880"/>
+            <a:ext cx="773640" cy="362520"/>
           </a:xfrm>
           <a:prstGeom prst="rect">
             <a:avLst/>
@@ -28503,7 +25895,7 @@
         <p:spPr>
           <a:xfrm>
             <a:off x="4533840" y="1928880"/>
-            <a:ext cx="774000" cy="362880"/>
+            <a:ext cx="773640" cy="362520"/>
           </a:xfrm>
           <a:prstGeom prst="rect">
             <a:avLst/>
@@ -28552,7 +25944,7 @@
         <p:spPr>
           <a:xfrm>
             <a:off x="5238720" y="1500120"/>
-            <a:ext cx="1855080" cy="362880"/>
+            <a:ext cx="1854720" cy="362520"/>
           </a:xfrm>
           <a:prstGeom prst="rect">
             <a:avLst/>
@@ -28601,7 +25993,7 @@
         <p:spPr>
           <a:xfrm>
             <a:off x="5452920" y="1928880"/>
-            <a:ext cx="774000" cy="362880"/>
+            <a:ext cx="773640" cy="362520"/>
           </a:xfrm>
           <a:prstGeom prst="rect">
             <a:avLst/>
@@ -28650,7 +26042,7 @@
         <p:spPr>
           <a:xfrm>
             <a:off x="6176880" y="1928880"/>
-            <a:ext cx="774000" cy="362880"/>
+            <a:ext cx="773640" cy="362520"/>
           </a:xfrm>
           <a:prstGeom prst="rect">
             <a:avLst/>
@@ -28699,7 +26091,7 @@
         <p:spPr>
           <a:xfrm>
             <a:off x="6738840" y="1500120"/>
-            <a:ext cx="1855080" cy="362880"/>
+            <a:ext cx="1854720" cy="362520"/>
           </a:xfrm>
           <a:prstGeom prst="rect">
             <a:avLst/>
@@ -28748,7 +26140,7 @@
         <p:spPr>
           <a:xfrm>
             <a:off x="6953400" y="1928880"/>
-            <a:ext cx="774000" cy="362880"/>
+            <a:ext cx="773640" cy="362520"/>
           </a:xfrm>
           <a:prstGeom prst="rect">
             <a:avLst/>
@@ -28797,7 +26189,7 @@
         <p:spPr>
           <a:xfrm>
             <a:off x="7677000" y="1928880"/>
-            <a:ext cx="774000" cy="362880"/>
+            <a:ext cx="773640" cy="362520"/>
           </a:xfrm>
           <a:prstGeom prst="rect">
             <a:avLst/>
@@ -28846,7 +26238,7 @@
         <p:spPr>
           <a:xfrm>
             <a:off x="4809960" y="2428920"/>
-            <a:ext cx="212040" cy="212040"/>
+            <a:ext cx="211680" cy="211680"/>
           </a:xfrm>
           <a:prstGeom prst="rect">
             <a:avLst/>
@@ -28900,7 +26292,7 @@
         <p:spPr>
           <a:xfrm>
             <a:off x="4809960" y="2643120"/>
-            <a:ext cx="212040" cy="212040"/>
+            <a:ext cx="211680" cy="211680"/>
           </a:xfrm>
           <a:prstGeom prst="rect">
             <a:avLst/>
@@ -28954,7 +26346,7 @@
         <p:spPr>
           <a:xfrm>
             <a:off x="4809960" y="2857320"/>
-            <a:ext cx="212040" cy="212040"/>
+            <a:ext cx="211680" cy="211680"/>
           </a:xfrm>
           <a:prstGeom prst="rect">
             <a:avLst/>
@@ -29008,7 +26400,7 @@
         <p:spPr>
           <a:xfrm>
             <a:off x="4809960" y="3071880"/>
-            <a:ext cx="212040" cy="212040"/>
+            <a:ext cx="211680" cy="211680"/>
           </a:xfrm>
           <a:prstGeom prst="rect">
             <a:avLst/>
@@ -29062,7 +26454,7 @@
         <p:spPr>
           <a:xfrm>
             <a:off x="6453360" y="2428920"/>
-            <a:ext cx="212040" cy="212040"/>
+            <a:ext cx="211680" cy="211680"/>
           </a:xfrm>
           <a:prstGeom prst="rect">
             <a:avLst/>
@@ -29116,7 +26508,7 @@
         <p:spPr>
           <a:xfrm>
             <a:off x="6453360" y="2643120"/>
-            <a:ext cx="212040" cy="212040"/>
+            <a:ext cx="211680" cy="211680"/>
           </a:xfrm>
           <a:prstGeom prst="rect">
             <a:avLst/>
@@ -29170,7 +26562,7 @@
         <p:spPr>
           <a:xfrm>
             <a:off x="6453360" y="2857320"/>
-            <a:ext cx="212040" cy="212040"/>
+            <a:ext cx="211680" cy="211680"/>
           </a:xfrm>
           <a:prstGeom prst="rect">
             <a:avLst/>
@@ -29224,7 +26616,7 @@
         <p:spPr>
           <a:xfrm>
             <a:off x="6453360" y="3071880"/>
-            <a:ext cx="212040" cy="212040"/>
+            <a:ext cx="211680" cy="211680"/>
           </a:xfrm>
           <a:prstGeom prst="rect">
             <a:avLst/>
@@ -29278,7 +26670,7 @@
         <p:spPr>
           <a:xfrm>
             <a:off x="5738760" y="2428920"/>
-            <a:ext cx="212040" cy="212040"/>
+            <a:ext cx="211680" cy="211680"/>
           </a:xfrm>
           <a:prstGeom prst="rect">
             <a:avLst/>
@@ -29332,7 +26724,7 @@
         <p:spPr>
           <a:xfrm>
             <a:off x="5738760" y="2643120"/>
-            <a:ext cx="212040" cy="212040"/>
+            <a:ext cx="211680" cy="211680"/>
           </a:xfrm>
           <a:prstGeom prst="rect">
             <a:avLst/>
@@ -29386,7 +26778,7 @@
         <p:spPr>
           <a:xfrm>
             <a:off x="5738760" y="2857320"/>
-            <a:ext cx="212040" cy="212040"/>
+            <a:ext cx="211680" cy="211680"/>
           </a:xfrm>
           <a:prstGeom prst="rect">
             <a:avLst/>
@@ -29440,7 +26832,7 @@
         <p:spPr>
           <a:xfrm>
             <a:off x="5738760" y="3071880"/>
-            <a:ext cx="212040" cy="212040"/>
+            <a:ext cx="211680" cy="211680"/>
           </a:xfrm>
           <a:prstGeom prst="rect">
             <a:avLst/>
@@ -29494,7 +26886,7 @@
         <p:spPr>
           <a:xfrm>
             <a:off x="5738760" y="3286080"/>
-            <a:ext cx="212040" cy="212040"/>
+            <a:ext cx="211680" cy="211680"/>
           </a:xfrm>
           <a:prstGeom prst="rect">
             <a:avLst/>
@@ -29548,7 +26940,7 @@
         <p:spPr>
           <a:xfrm>
             <a:off x="5738760" y="3500280"/>
-            <a:ext cx="212040" cy="212040"/>
+            <a:ext cx="211680" cy="211680"/>
           </a:xfrm>
           <a:prstGeom prst="rect">
             <a:avLst/>
@@ -29602,7 +26994,7 @@
         <p:spPr>
           <a:xfrm>
             <a:off x="5738760" y="3714840"/>
-            <a:ext cx="212040" cy="212040"/>
+            <a:ext cx="211680" cy="211680"/>
           </a:xfrm>
           <a:prstGeom prst="rect">
             <a:avLst/>
@@ -29656,7 +27048,7 @@
         <p:spPr>
           <a:xfrm>
             <a:off x="5738760" y="3929040"/>
-            <a:ext cx="212040" cy="212040"/>
+            <a:ext cx="211680" cy="211680"/>
           </a:xfrm>
           <a:prstGeom prst="rect">
             <a:avLst/>
@@ -29710,7 +27102,7 @@
         <p:spPr>
           <a:xfrm>
             <a:off x="5738760" y="4143240"/>
-            <a:ext cx="212040" cy="212040"/>
+            <a:ext cx="211680" cy="211680"/>
           </a:xfrm>
           <a:prstGeom prst="rect">
             <a:avLst/>
@@ -29764,7 +27156,7 @@
         <p:spPr>
           <a:xfrm>
             <a:off x="5738760" y="4357800"/>
-            <a:ext cx="212040" cy="212040"/>
+            <a:ext cx="211680" cy="211680"/>
           </a:xfrm>
           <a:prstGeom prst="rect">
             <a:avLst/>
@@ -29818,7 +27210,7 @@
         <p:spPr>
           <a:xfrm>
             <a:off x="5738760" y="4572000"/>
-            <a:ext cx="212040" cy="212040"/>
+            <a:ext cx="211680" cy="211680"/>
           </a:xfrm>
           <a:prstGeom prst="rect">
             <a:avLst/>
@@ -29872,7 +27264,7 @@
         <p:spPr>
           <a:xfrm>
             <a:off x="5738760" y="4786200"/>
-            <a:ext cx="212040" cy="212040"/>
+            <a:ext cx="211680" cy="211680"/>
           </a:xfrm>
           <a:prstGeom prst="rect">
             <a:avLst/>
@@ -29925,8 +27317,8 @@
         </p:nvSpPr>
         <p:spPr>
           <a:xfrm flipH="1" rot="10800000">
-            <a:off x="13876560" y="6811920"/>
-            <a:ext cx="5927040" cy="2034000"/>
+            <a:off x="7947720" y="4776840"/>
+            <a:ext cx="5926680" cy="2033640"/>
           </a:xfrm>
           <a:custGeom>
             <a:avLst/>
@@ -29974,8 +27366,8 @@
         </p:nvSpPr>
         <p:spPr>
           <a:xfrm flipH="1" rot="10800000">
-            <a:off x="10879920" y="5108760"/>
-            <a:ext cx="4426920" cy="1176480"/>
+            <a:off x="6453360" y="3919320"/>
+            <a:ext cx="4426560" cy="1176120"/>
           </a:xfrm>
           <a:custGeom>
             <a:avLst/>
@@ -30023,8 +27415,8 @@
         </p:nvSpPr>
         <p:spPr>
           <a:xfrm flipH="1" rot="10800000">
-            <a:off x="7589880" y="3391560"/>
-            <a:ext cx="2783880" cy="319320"/>
+            <a:off x="4804920" y="3062160"/>
+            <a:ext cx="2783520" cy="318960"/>
           </a:xfrm>
           <a:custGeom>
             <a:avLst/>
@@ -30073,7 +27465,7 @@
         <p:spPr>
           <a:xfrm>
             <a:off x="3381480" y="2428920"/>
-            <a:ext cx="212040" cy="212040"/>
+            <a:ext cx="211680" cy="211680"/>
           </a:xfrm>
           <a:prstGeom prst="rect">
             <a:avLst/>
@@ -30127,7 +27519,7 @@
         <p:spPr>
           <a:xfrm>
             <a:off x="3381480" y="2643120"/>
-            <a:ext cx="212040" cy="212040"/>
+            <a:ext cx="211680" cy="211680"/>
           </a:xfrm>
           <a:prstGeom prst="rect">
             <a:avLst/>
@@ -30181,7 +27573,7 @@
         <p:spPr>
           <a:xfrm>
             <a:off x="3381480" y="2857320"/>
-            <a:ext cx="212040" cy="212040"/>
+            <a:ext cx="211680" cy="211680"/>
           </a:xfrm>
           <a:prstGeom prst="rect">
             <a:avLst/>
@@ -30235,7 +27627,7 @@
         <p:spPr>
           <a:xfrm>
             <a:off x="3381480" y="3071880"/>
-            <a:ext cx="212040" cy="212040"/>
+            <a:ext cx="211680" cy="211680"/>
           </a:xfrm>
           <a:prstGeom prst="rect">
             <a:avLst/>
@@ -30289,7 +27681,7 @@
         <p:spPr>
           <a:xfrm>
             <a:off x="2666880" y="2428920"/>
-            <a:ext cx="212040" cy="212040"/>
+            <a:ext cx="211680" cy="211680"/>
           </a:xfrm>
           <a:prstGeom prst="rect">
             <a:avLst/>
@@ -30343,7 +27735,7 @@
         <p:spPr>
           <a:xfrm>
             <a:off x="2666880" y="2643120"/>
-            <a:ext cx="212040" cy="212040"/>
+            <a:ext cx="211680" cy="211680"/>
           </a:xfrm>
           <a:prstGeom prst="rect">
             <a:avLst/>
@@ -30397,7 +27789,7 @@
         <p:spPr>
           <a:xfrm>
             <a:off x="2666880" y="2857320"/>
-            <a:ext cx="212040" cy="212040"/>
+            <a:ext cx="211680" cy="211680"/>
           </a:xfrm>
           <a:prstGeom prst="rect">
             <a:avLst/>
@@ -30451,7 +27843,7 @@
         <p:spPr>
           <a:xfrm>
             <a:off x="2666880" y="3071880"/>
-            <a:ext cx="212040" cy="212040"/>
+            <a:ext cx="211680" cy="211680"/>
           </a:xfrm>
           <a:prstGeom prst="rect">
             <a:avLst/>
@@ -30505,7 +27897,7 @@
         <p:spPr>
           <a:xfrm>
             <a:off x="2666880" y="3286080"/>
-            <a:ext cx="212040" cy="212040"/>
+            <a:ext cx="211680" cy="211680"/>
           </a:xfrm>
           <a:prstGeom prst="rect">
             <a:avLst/>
@@ -30559,7 +27951,7 @@
         <p:spPr>
           <a:xfrm>
             <a:off x="2666880" y="3500280"/>
-            <a:ext cx="212040" cy="212040"/>
+            <a:ext cx="211680" cy="211680"/>
           </a:xfrm>
           <a:prstGeom prst="rect">
             <a:avLst/>
@@ -30613,7 +28005,7 @@
         <p:spPr>
           <a:xfrm>
             <a:off x="2666880" y="3714840"/>
-            <a:ext cx="212040" cy="212040"/>
+            <a:ext cx="211680" cy="211680"/>
           </a:xfrm>
           <a:prstGeom prst="rect">
             <a:avLst/>
@@ -30667,7 +28059,7 @@
         <p:spPr>
           <a:xfrm>
             <a:off x="2666880" y="3929040"/>
-            <a:ext cx="212040" cy="212040"/>
+            <a:ext cx="211680" cy="211680"/>
           </a:xfrm>
           <a:prstGeom prst="rect">
             <a:avLst/>
@@ -30721,7 +28113,7 @@
         <p:spPr>
           <a:xfrm>
             <a:off x="2666880" y="4143240"/>
-            <a:ext cx="212040" cy="212040"/>
+            <a:ext cx="211680" cy="211680"/>
           </a:xfrm>
           <a:prstGeom prst="rect">
             <a:avLst/>
@@ -30775,7 +28167,7 @@
         <p:spPr>
           <a:xfrm>
             <a:off x="2666880" y="4357800"/>
-            <a:ext cx="212040" cy="212040"/>
+            <a:ext cx="211680" cy="211680"/>
           </a:xfrm>
           <a:prstGeom prst="rect">
             <a:avLst/>
@@ -30829,7 +28221,7 @@
         <p:spPr>
           <a:xfrm>
             <a:off x="2666880" y="4572000"/>
-            <a:ext cx="212040" cy="212040"/>
+            <a:ext cx="211680" cy="211680"/>
           </a:xfrm>
           <a:prstGeom prst="rect">
             <a:avLst/>
@@ -30883,7 +28275,7 @@
         <p:spPr>
           <a:xfrm>
             <a:off x="2666880" y="4786200"/>
-            <a:ext cx="212040" cy="212040"/>
+            <a:ext cx="211680" cy="211680"/>
           </a:xfrm>
           <a:prstGeom prst="rect">
             <a:avLst/>
@@ -30937,7 +28329,7 @@
         <p:spPr>
           <a:xfrm>
             <a:off x="4095720" y="2428920"/>
-            <a:ext cx="212040" cy="212040"/>
+            <a:ext cx="211680" cy="211680"/>
           </a:xfrm>
           <a:prstGeom prst="rect">
             <a:avLst/>
@@ -30991,7 +28383,7 @@
         <p:spPr>
           <a:xfrm>
             <a:off x="4095720" y="2643120"/>
-            <a:ext cx="212040" cy="212040"/>
+            <a:ext cx="211680" cy="211680"/>
           </a:xfrm>
           <a:prstGeom prst="rect">
             <a:avLst/>
@@ -31045,7 +28437,7 @@
         <p:spPr>
           <a:xfrm>
             <a:off x="4095720" y="2857320"/>
-            <a:ext cx="212040" cy="212040"/>
+            <a:ext cx="211680" cy="211680"/>
           </a:xfrm>
           <a:prstGeom prst="rect">
             <a:avLst/>
@@ -31099,7 +28491,7 @@
         <p:spPr>
           <a:xfrm>
             <a:off x="4095720" y="3071880"/>
-            <a:ext cx="212040" cy="212040"/>
+            <a:ext cx="211680" cy="211680"/>
           </a:xfrm>
           <a:prstGeom prst="rect">
             <a:avLst/>
@@ -31153,7 +28545,7 @@
         <p:spPr>
           <a:xfrm>
             <a:off x="4095720" y="3286080"/>
-            <a:ext cx="212040" cy="212040"/>
+            <a:ext cx="211680" cy="211680"/>
           </a:xfrm>
           <a:prstGeom prst="rect">
             <a:avLst/>
@@ -31207,7 +28599,7 @@
         <p:spPr>
           <a:xfrm>
             <a:off x="4095720" y="3500280"/>
-            <a:ext cx="212040" cy="212040"/>
+            <a:ext cx="211680" cy="211680"/>
           </a:xfrm>
           <a:prstGeom prst="rect">
             <a:avLst/>
@@ -31261,7 +28653,7 @@
         <p:spPr>
           <a:xfrm>
             <a:off x="4095720" y="3714840"/>
-            <a:ext cx="212040" cy="212040"/>
+            <a:ext cx="211680" cy="211680"/>
           </a:xfrm>
           <a:prstGeom prst="rect">
             <a:avLst/>
@@ -31315,7 +28707,7 @@
         <p:spPr>
           <a:xfrm>
             <a:off x="4095720" y="3929040"/>
-            <a:ext cx="212040" cy="212040"/>
+            <a:ext cx="211680" cy="211680"/>
           </a:xfrm>
           <a:prstGeom prst="rect">
             <a:avLst/>
@@ -31369,7 +28761,7 @@
         <p:spPr>
           <a:xfrm>
             <a:off x="4095720" y="4143240"/>
-            <a:ext cx="212040" cy="212040"/>
+            <a:ext cx="211680" cy="211680"/>
           </a:xfrm>
           <a:prstGeom prst="rect">
             <a:avLst/>
@@ -31423,7 +28815,7 @@
         <p:spPr>
           <a:xfrm>
             <a:off x="4095720" y="4357800"/>
-            <a:ext cx="212040" cy="212040"/>
+            <a:ext cx="211680" cy="211680"/>
           </a:xfrm>
           <a:prstGeom prst="rect">
             <a:avLst/>
@@ -31477,7 +28869,7 @@
         <p:spPr>
           <a:xfrm>
             <a:off x="4095720" y="4572000"/>
-            <a:ext cx="212040" cy="212040"/>
+            <a:ext cx="211680" cy="211680"/>
           </a:xfrm>
           <a:prstGeom prst="rect">
             <a:avLst/>
@@ -31531,7 +28923,7 @@
         <p:spPr>
           <a:xfrm>
             <a:off x="4095720" y="4786200"/>
-            <a:ext cx="212040" cy="212040"/>
+            <a:ext cx="211680" cy="211680"/>
           </a:xfrm>
           <a:prstGeom prst="rect">
             <a:avLst/>
@@ -31584,8 +28976,8 @@
         </p:nvSpPr>
         <p:spPr>
           <a:xfrm flipH="1" flipV="1" rot="10800000">
-            <a:off x="4941720" y="3518280"/>
-            <a:ext cx="1459800" cy="661320"/>
+            <a:off x="3480840" y="2854800"/>
+            <a:ext cx="1459440" cy="660960"/>
           </a:xfrm>
           <a:custGeom>
             <a:avLst/>
@@ -31633,8 +29025,8 @@
         </p:nvSpPr>
         <p:spPr>
           <a:xfrm rot="5400000">
-            <a:off x="5419440" y="2964600"/>
-            <a:ext cx="712080" cy="4784040"/>
+            <a:off x="5419800" y="2964600"/>
+            <a:ext cx="711720" cy="4783680"/>
           </a:xfrm>
           <a:prstGeom prst="rightBrace">
             <a:avLst>
@@ -31671,8 +29063,8 @@
         </p:nvSpPr>
         <p:spPr>
           <a:xfrm rot="5400000">
-            <a:off x="5419440" y="4464720"/>
-            <a:ext cx="712080" cy="1783800"/>
+            <a:off x="5419800" y="4464720"/>
+            <a:ext cx="711720" cy="1783440"/>
           </a:xfrm>
           <a:prstGeom prst="rightBrace">
             <a:avLst>
@@ -31710,7 +29102,7 @@
         <p:spPr>
           <a:xfrm>
             <a:off x="2309760" y="5643720"/>
-            <a:ext cx="6936840" cy="362880"/>
+            <a:ext cx="6936480" cy="362520"/>
           </a:xfrm>
           <a:prstGeom prst="rect">
             <a:avLst/>
@@ -31759,7 +29151,7 @@
         <p:spPr>
           <a:xfrm>
             <a:off x="166680" y="6143760"/>
-            <a:ext cx="5069880" cy="575280"/>
+            <a:ext cx="5069520" cy="574920"/>
           </a:xfrm>
           <a:prstGeom prst="rect">
             <a:avLst/>

--- a/slides/slides_session-5.pptx
+++ b/slides/slides_session-5.pptx
@@ -5,7 +5,7 @@
     <p:sldMasterId id="2147483648" r:id="rId1"/>
   </p:sldMasterIdLst>
   <p:notesMasterIdLst>
-    <p:notesMasterId r:id="rId37"/>
+    <p:notesMasterId r:id="rId39"/>
   </p:notesMasterIdLst>
   <p:sldIdLst>
     <p:sldId id="256" r:id="rId2"/>
@@ -39,10 +39,12 @@
     <p:sldId id="319" r:id="rId30"/>
     <p:sldId id="320" r:id="rId31"/>
     <p:sldId id="321" r:id="rId32"/>
-    <p:sldId id="322" r:id="rId33"/>
-    <p:sldId id="323" r:id="rId34"/>
-    <p:sldId id="324" r:id="rId35"/>
-    <p:sldId id="325" r:id="rId36"/>
+    <p:sldId id="335" r:id="rId33"/>
+    <p:sldId id="322" r:id="rId34"/>
+    <p:sldId id="336" r:id="rId35"/>
+    <p:sldId id="323" r:id="rId36"/>
+    <p:sldId id="324" r:id="rId37"/>
+    <p:sldId id="325" r:id="rId38"/>
   </p:sldIdLst>
   <p:sldSz cx="9906000" cy="6858000" type="A4"/>
   <p:notesSz cx="6858000" cy="9906000"/>
@@ -141,6 +143,11 @@
       </a:defRPr>
     </a:lvl9pPr>
   </p:defaultTextStyle>
+  <p:extLst>
+    <p:ext uri="{EFAFB233-063F-42B5-8137-9DF3F51BA10A}">
+      <p15:sldGuideLst xmlns:p15="http://schemas.microsoft.com/office/powerpoint/2012/main"/>
+    </p:ext>
+  </p:extLst>
 </p:presentation>
 </file>
 
@@ -3946,7 +3953,7 @@
       </p:grpSpPr>
       <p:sp>
         <p:nvSpPr>
-          <p:cNvPr id="582" name="PlaceHolder 1"/>
+          <p:cNvPr id="579" name="PlaceHolder 1"/>
           <p:cNvSpPr>
             <a:spLocks noGrp="1" noRot="1" noChangeAspect="1"/>
           </p:cNvSpPr>
@@ -3966,7 +3973,7 @@
       </p:sp>
       <p:sp>
         <p:nvSpPr>
-          <p:cNvPr id="583" name="PlaceHolder 2"/>
+          <p:cNvPr id="580" name="PlaceHolder 2"/>
           <p:cNvSpPr>
             <a:spLocks noGrp="1"/>
           </p:cNvSpPr>
@@ -3993,7 +4000,7 @@
               </a:lnSpc>
             </a:pPr>
             <a:r>
-              <a:rPr lang="en-US" sz="2000" b="0" strike="noStrike" spc="-1">
+              <a:rPr lang="en-US" sz="2000" b="0" strike="noStrike" spc="-1" dirty="0">
                 <a:latin typeface="Arial"/>
               </a:rPr>
               <a:t>Size 40 header; size 20 body</a:t>
@@ -4003,7 +4010,7 @@
       </p:sp>
       <p:sp>
         <p:nvSpPr>
-          <p:cNvPr id="584" name="CustomShape 3"/>
+          <p:cNvPr id="581" name="CustomShape 3"/>
           <p:cNvSpPr/>
           <p:nvPr/>
         </p:nvSpPr>
@@ -4041,7 +4048,7 @@
                 <a:spcPct val="100000"/>
               </a:lnSpc>
             </a:pPr>
-            <a:fld id="{FBB0B389-CD57-461C-B43D-A529547449C4}" type="slidenum">
+            <a:fld id="{7515BC86-6BD9-4BD5-AD33-2139D6767C5B}" type="slidenum">
               <a:rPr lang="en-US" sz="1800" b="0" strike="noStrike" spc="-1">
                 <a:solidFill>
                   <a:srgbClr val="000000"/>
@@ -4058,6 +4065,11 @@
         </p:txBody>
       </p:sp>
     </p:spTree>
+    <p:extLst>
+      <p:ext uri="{BB962C8B-B14F-4D97-AF65-F5344CB8AC3E}">
+        <p14:creationId xmlns:p14="http://schemas.microsoft.com/office/powerpoint/2010/main" val="3863634778"/>
+      </p:ext>
+    </p:extLst>
   </p:cSld>
   <p:clrMapOvr>
     <a:masterClrMapping/>
@@ -4084,7 +4096,7 @@
       </p:grpSpPr>
       <p:sp>
         <p:nvSpPr>
-          <p:cNvPr id="585" name="PlaceHolder 1"/>
+          <p:cNvPr id="582" name="PlaceHolder 1"/>
           <p:cNvSpPr>
             <a:spLocks noGrp="1" noRot="1" noChangeAspect="1"/>
           </p:cNvSpPr>
@@ -4104,7 +4116,7 @@
       </p:sp>
       <p:sp>
         <p:nvSpPr>
-          <p:cNvPr id="586" name="PlaceHolder 2"/>
+          <p:cNvPr id="583" name="PlaceHolder 2"/>
           <p:cNvSpPr>
             <a:spLocks noGrp="1"/>
           </p:cNvSpPr>
@@ -4141,7 +4153,7 @@
       </p:sp>
       <p:sp>
         <p:nvSpPr>
-          <p:cNvPr id="587" name="CustomShape 3"/>
+          <p:cNvPr id="584" name="CustomShape 3"/>
           <p:cNvSpPr/>
           <p:nvPr/>
         </p:nvSpPr>
@@ -4179,7 +4191,7 @@
                 <a:spcPct val="100000"/>
               </a:lnSpc>
             </a:pPr>
-            <a:fld id="{2DC318E4-0BC6-49B7-8378-AF0A354B89CE}" type="slidenum">
+            <a:fld id="{FBB0B389-CD57-461C-B43D-A529547449C4}" type="slidenum">
               <a:rPr lang="en-US" sz="1800" b="0" strike="noStrike" spc="-1">
                 <a:solidFill>
                   <a:srgbClr val="000000"/>
@@ -4222,7 +4234,7 @@
       </p:grpSpPr>
       <p:sp>
         <p:nvSpPr>
-          <p:cNvPr id="588" name="PlaceHolder 1"/>
+          <p:cNvPr id="582" name="PlaceHolder 1"/>
           <p:cNvSpPr>
             <a:spLocks noGrp="1" noRot="1" noChangeAspect="1"/>
           </p:cNvSpPr>
@@ -4242,7 +4254,7 @@
       </p:sp>
       <p:sp>
         <p:nvSpPr>
-          <p:cNvPr id="589" name="PlaceHolder 2"/>
+          <p:cNvPr id="583" name="PlaceHolder 2"/>
           <p:cNvSpPr>
             <a:spLocks noGrp="1"/>
           </p:cNvSpPr>
@@ -4269,7 +4281,7 @@
               </a:lnSpc>
             </a:pPr>
             <a:r>
-              <a:rPr lang="en-US" sz="2000" b="0" strike="noStrike" spc="-1">
+              <a:rPr lang="en-US" sz="2000" b="0" strike="noStrike" spc="-1" dirty="0">
                 <a:latin typeface="Arial"/>
               </a:rPr>
               <a:t>Size 40 header; size 20 body</a:t>
@@ -4279,7 +4291,7 @@
       </p:sp>
       <p:sp>
         <p:nvSpPr>
-          <p:cNvPr id="590" name="CustomShape 3"/>
+          <p:cNvPr id="584" name="CustomShape 3"/>
           <p:cNvSpPr/>
           <p:nvPr/>
         </p:nvSpPr>
@@ -4317,7 +4329,7 @@
                 <a:spcPct val="100000"/>
               </a:lnSpc>
             </a:pPr>
-            <a:fld id="{0AC12BD4-13D8-48EE-A826-F3E71092B6EC}" type="slidenum">
+            <a:fld id="{FBB0B389-CD57-461C-B43D-A529547449C4}" type="slidenum">
               <a:rPr lang="en-US" sz="1800" b="0" strike="noStrike" spc="-1">
                 <a:solidFill>
                   <a:srgbClr val="000000"/>
@@ -4334,6 +4346,11 @@
         </p:txBody>
       </p:sp>
     </p:spTree>
+    <p:extLst>
+      <p:ext uri="{BB962C8B-B14F-4D97-AF65-F5344CB8AC3E}">
+        <p14:creationId xmlns:p14="http://schemas.microsoft.com/office/powerpoint/2010/main" val="3566984981"/>
+      </p:ext>
+    </p:extLst>
   </p:cSld>
   <p:clrMapOvr>
     <a:masterClrMapping/>
@@ -4360,6 +4377,282 @@
       </p:grpSpPr>
       <p:sp>
         <p:nvSpPr>
+          <p:cNvPr id="585" name="PlaceHolder 1"/>
+          <p:cNvSpPr>
+            <a:spLocks noGrp="1" noRot="1" noChangeAspect="1"/>
+          </p:cNvSpPr>
+          <p:nvPr>
+            <p:ph type="sldImg"/>
+          </p:nvPr>
+        </p:nvSpPr>
+        <p:spPr>
+          <a:xfrm>
+            <a:off x="952500" y="684213"/>
+            <a:ext cx="4943475" cy="3422650"/>
+          </a:xfrm>
+          <a:prstGeom prst="rect">
+            <a:avLst/>
+          </a:prstGeom>
+        </p:spPr>
+      </p:sp>
+      <p:sp>
+        <p:nvSpPr>
+          <p:cNvPr id="586" name="PlaceHolder 2"/>
+          <p:cNvSpPr>
+            <a:spLocks noGrp="1"/>
+          </p:cNvSpPr>
+          <p:nvPr>
+            <p:ph type="body"/>
+          </p:nvPr>
+        </p:nvSpPr>
+        <p:spPr>
+          <a:xfrm>
+            <a:off x="913320" y="4343400"/>
+            <a:ext cx="5024520" cy="4108680"/>
+          </a:xfrm>
+          <a:prstGeom prst="rect">
+            <a:avLst/>
+          </a:prstGeom>
+        </p:spPr>
+        <p:txBody>
+          <a:bodyPr lIns="0" tIns="0" rIns="0" bIns="0"/>
+          <a:lstStyle/>
+          <a:p>
+            <a:pPr marL="216000" indent="-209520">
+              <a:lnSpc>
+                <a:spcPct val="100000"/>
+              </a:lnSpc>
+            </a:pPr>
+            <a:r>
+              <a:rPr lang="en-US" sz="2000" b="0" strike="noStrike" spc="-1">
+                <a:latin typeface="Arial"/>
+              </a:rPr>
+              <a:t>Size 40 header; size 20 body</a:t>
+            </a:r>
+          </a:p>
+        </p:txBody>
+      </p:sp>
+      <p:sp>
+        <p:nvSpPr>
+          <p:cNvPr id="587" name="CustomShape 3"/>
+          <p:cNvSpPr/>
+          <p:nvPr/>
+        </p:nvSpPr>
+        <p:spPr>
+          <a:xfrm>
+            <a:off x="3885120" y="8687160"/>
+            <a:ext cx="2966400" cy="450000"/>
+          </a:xfrm>
+          <a:prstGeom prst="rect">
+            <a:avLst/>
+          </a:prstGeom>
+          <a:noFill/>
+          <a:ln w="9360">
+            <a:noFill/>
+          </a:ln>
+        </p:spPr>
+        <p:style>
+          <a:lnRef idx="0">
+            <a:scrgbClr r="0" g="0" b="0"/>
+          </a:lnRef>
+          <a:fillRef idx="0">
+            <a:scrgbClr r="0" g="0" b="0"/>
+          </a:fillRef>
+          <a:effectRef idx="0">
+            <a:scrgbClr r="0" g="0" b="0"/>
+          </a:effectRef>
+          <a:fontRef idx="minor"/>
+        </p:style>
+        <p:txBody>
+          <a:bodyPr lIns="90000" tIns="45000" rIns="90000" bIns="45000" anchor="b"/>
+          <a:lstStyle/>
+          <a:p>
+            <a:pPr algn="r">
+              <a:lnSpc>
+                <a:spcPct val="100000"/>
+              </a:lnSpc>
+            </a:pPr>
+            <a:fld id="{2DC318E4-0BC6-49B7-8378-AF0A354B89CE}" type="slidenum">
+              <a:rPr lang="en-US" sz="1800" b="0" strike="noStrike" spc="-1">
+                <a:solidFill>
+                  <a:srgbClr val="000000"/>
+                </a:solidFill>
+                <a:latin typeface="Arial"/>
+                <a:ea typeface="+mn-ea"/>
+              </a:rPr>
+              <a:t>35</a:t>
+            </a:fld>
+            <a:endParaRPr lang="en-US" sz="1800" b="0" strike="noStrike" spc="-1">
+              <a:latin typeface="Arial"/>
+            </a:endParaRPr>
+          </a:p>
+        </p:txBody>
+      </p:sp>
+    </p:spTree>
+  </p:cSld>
+  <p:clrMapOvr>
+    <a:masterClrMapping/>
+  </p:clrMapOvr>
+</p:notes>
+</file>
+
+<file path=ppt/notesSlides/notesSlide36.xml><?xml version="1.0" encoding="utf-8"?>
+<p:notes xmlns:a="http://schemas.openxmlformats.org/drawingml/2006/main" xmlns:r="http://schemas.openxmlformats.org/officeDocument/2006/relationships" xmlns:p="http://schemas.openxmlformats.org/presentationml/2006/main">
+  <p:cSld>
+    <p:spTree>
+      <p:nvGrpSpPr>
+        <p:cNvPr id="1" name=""/>
+        <p:cNvGrpSpPr/>
+        <p:nvPr/>
+      </p:nvGrpSpPr>
+      <p:grpSpPr>
+        <a:xfrm>
+          <a:off x="0" y="0"/>
+          <a:ext cx="0" cy="0"/>
+          <a:chOff x="0" y="0"/>
+          <a:chExt cx="0" cy="0"/>
+        </a:xfrm>
+      </p:grpSpPr>
+      <p:sp>
+        <p:nvSpPr>
+          <p:cNvPr id="588" name="PlaceHolder 1"/>
+          <p:cNvSpPr>
+            <a:spLocks noGrp="1" noRot="1" noChangeAspect="1"/>
+          </p:cNvSpPr>
+          <p:nvPr>
+            <p:ph type="sldImg"/>
+          </p:nvPr>
+        </p:nvSpPr>
+        <p:spPr>
+          <a:xfrm>
+            <a:off x="952500" y="684213"/>
+            <a:ext cx="4943475" cy="3422650"/>
+          </a:xfrm>
+          <a:prstGeom prst="rect">
+            <a:avLst/>
+          </a:prstGeom>
+        </p:spPr>
+      </p:sp>
+      <p:sp>
+        <p:nvSpPr>
+          <p:cNvPr id="589" name="PlaceHolder 2"/>
+          <p:cNvSpPr>
+            <a:spLocks noGrp="1"/>
+          </p:cNvSpPr>
+          <p:nvPr>
+            <p:ph type="body"/>
+          </p:nvPr>
+        </p:nvSpPr>
+        <p:spPr>
+          <a:xfrm>
+            <a:off x="913320" y="4343400"/>
+            <a:ext cx="5024520" cy="4108680"/>
+          </a:xfrm>
+          <a:prstGeom prst="rect">
+            <a:avLst/>
+          </a:prstGeom>
+        </p:spPr>
+        <p:txBody>
+          <a:bodyPr lIns="0" tIns="0" rIns="0" bIns="0"/>
+          <a:lstStyle/>
+          <a:p>
+            <a:pPr marL="216000" indent="-209520">
+              <a:lnSpc>
+                <a:spcPct val="100000"/>
+              </a:lnSpc>
+            </a:pPr>
+            <a:r>
+              <a:rPr lang="en-US" sz="2000" b="0" strike="noStrike" spc="-1">
+                <a:latin typeface="Arial"/>
+              </a:rPr>
+              <a:t>Size 40 header; size 20 body</a:t>
+            </a:r>
+          </a:p>
+        </p:txBody>
+      </p:sp>
+      <p:sp>
+        <p:nvSpPr>
+          <p:cNvPr id="590" name="CustomShape 3"/>
+          <p:cNvSpPr/>
+          <p:nvPr/>
+        </p:nvSpPr>
+        <p:spPr>
+          <a:xfrm>
+            <a:off x="3885120" y="8687160"/>
+            <a:ext cx="2966400" cy="450000"/>
+          </a:xfrm>
+          <a:prstGeom prst="rect">
+            <a:avLst/>
+          </a:prstGeom>
+          <a:noFill/>
+          <a:ln w="9360">
+            <a:noFill/>
+          </a:ln>
+        </p:spPr>
+        <p:style>
+          <a:lnRef idx="0">
+            <a:scrgbClr r="0" g="0" b="0"/>
+          </a:lnRef>
+          <a:fillRef idx="0">
+            <a:scrgbClr r="0" g="0" b="0"/>
+          </a:fillRef>
+          <a:effectRef idx="0">
+            <a:scrgbClr r="0" g="0" b="0"/>
+          </a:effectRef>
+          <a:fontRef idx="minor"/>
+        </p:style>
+        <p:txBody>
+          <a:bodyPr lIns="90000" tIns="45000" rIns="90000" bIns="45000" anchor="b"/>
+          <a:lstStyle/>
+          <a:p>
+            <a:pPr algn="r">
+              <a:lnSpc>
+                <a:spcPct val="100000"/>
+              </a:lnSpc>
+            </a:pPr>
+            <a:fld id="{0AC12BD4-13D8-48EE-A826-F3E71092B6EC}" type="slidenum">
+              <a:rPr lang="en-US" sz="1800" b="0" strike="noStrike" spc="-1">
+                <a:solidFill>
+                  <a:srgbClr val="000000"/>
+                </a:solidFill>
+                <a:latin typeface="Arial"/>
+                <a:ea typeface="+mn-ea"/>
+              </a:rPr>
+              <a:t>36</a:t>
+            </a:fld>
+            <a:endParaRPr lang="en-US" sz="1800" b="0" strike="noStrike" spc="-1">
+              <a:latin typeface="Arial"/>
+            </a:endParaRPr>
+          </a:p>
+        </p:txBody>
+      </p:sp>
+    </p:spTree>
+  </p:cSld>
+  <p:clrMapOvr>
+    <a:masterClrMapping/>
+  </p:clrMapOvr>
+</p:notes>
+</file>
+
+<file path=ppt/notesSlides/notesSlide37.xml><?xml version="1.0" encoding="utf-8"?>
+<p:notes xmlns:a="http://schemas.openxmlformats.org/drawingml/2006/main" xmlns:r="http://schemas.openxmlformats.org/officeDocument/2006/relationships" xmlns:p="http://schemas.openxmlformats.org/presentationml/2006/main">
+  <p:cSld>
+    <p:spTree>
+      <p:nvGrpSpPr>
+        <p:cNvPr id="1" name=""/>
+        <p:cNvGrpSpPr/>
+        <p:nvPr/>
+      </p:nvGrpSpPr>
+      <p:grpSpPr>
+        <a:xfrm>
+          <a:off x="0" y="0"/>
+          <a:ext cx="0" cy="0"/>
+          <a:chOff x="0" y="0"/>
+          <a:chExt cx="0" cy="0"/>
+        </a:xfrm>
+      </p:grpSpPr>
+      <p:sp>
+        <p:nvSpPr>
           <p:cNvPr id="591" name="PlaceHolder 1"/>
           <p:cNvSpPr>
             <a:spLocks noGrp="1" noRot="1" noChangeAspect="1"/>
@@ -4463,7 +4756,7 @@
                 <a:latin typeface="Arial"/>
                 <a:ea typeface="+mn-ea"/>
               </a:rPr>
-              <a:t>35</a:t>
+              <a:t>37</a:t>
             </a:fld>
             <a:endParaRPr lang="en-US" sz="1800" b="0" strike="noStrike" spc="-1">
               <a:latin typeface="Arial"/>
@@ -6943,7 +7236,7 @@
                 </a:solidFill>
                 <a:latin typeface="Franklin Gothic Book"/>
               </a:rPr>
-              <a:t>5/16/21</a:t>
+              <a:t>5/31/21</a:t>
             </a:fld>
             <a:endParaRPr lang="en-US" sz="1000" b="0" strike="noStrike" spc="-1">
               <a:latin typeface="Times New Roman"/>
@@ -39824,7 +40117,7 @@
       </p:grpSpPr>
       <p:sp>
         <p:nvSpPr>
-          <p:cNvPr id="445" name="CustomShape 1"/>
+          <p:cNvPr id="438" name="CustomShape 1"/>
           <p:cNvSpPr/>
           <p:nvPr/>
         </p:nvSpPr>
@@ -39862,6 +40155,1434 @@
                 <a:spcPct val="100000"/>
               </a:lnSpc>
             </a:pPr>
+            <a:fld id="{0E6A121E-ABA1-4C4E-98B7-867B24D5D541}" type="slidenum">
+              <a:rPr lang="en-US" sz="1800" b="0" strike="noStrike" spc="-1">
+                <a:solidFill>
+                  <a:srgbClr val="000000"/>
+                </a:solidFill>
+                <a:latin typeface="Arial"/>
+                <a:ea typeface="DejaVu Sans"/>
+              </a:rPr>
+              <a:t>32</a:t>
+            </a:fld>
+            <a:endParaRPr lang="en-US" sz="1800" b="0" strike="noStrike" spc="-1" dirty="0">
+              <a:latin typeface="Arial"/>
+            </a:endParaRPr>
+          </a:p>
+        </p:txBody>
+      </p:sp>
+      <p:sp>
+        <p:nvSpPr>
+          <p:cNvPr id="439" name="CustomShape 2"/>
+          <p:cNvSpPr/>
+          <p:nvPr/>
+        </p:nvSpPr>
+        <p:spPr>
+          <a:xfrm>
+            <a:off x="155520" y="-136440"/>
+            <a:ext cx="291600" cy="291600"/>
+          </a:xfrm>
+          <a:prstGeom prst="rect">
+            <a:avLst/>
+          </a:prstGeom>
+          <a:noFill/>
+          <a:ln>
+            <a:noFill/>
+          </a:ln>
+        </p:spPr>
+        <p:style>
+          <a:lnRef idx="0">
+            <a:scrgbClr r="0" g="0" b="0"/>
+          </a:lnRef>
+          <a:fillRef idx="0">
+            <a:scrgbClr r="0" g="0" b="0"/>
+          </a:fillRef>
+          <a:effectRef idx="0">
+            <a:scrgbClr r="0" g="0" b="0"/>
+          </a:effectRef>
+          <a:fontRef idx="minor"/>
+        </p:style>
+      </p:sp>
+      <p:sp>
+        <p:nvSpPr>
+          <p:cNvPr id="440" name="CustomShape 3"/>
+          <p:cNvSpPr/>
+          <p:nvPr/>
+        </p:nvSpPr>
+        <p:spPr>
+          <a:xfrm>
+            <a:off x="155520" y="-136440"/>
+            <a:ext cx="291600" cy="291600"/>
+          </a:xfrm>
+          <a:prstGeom prst="rect">
+            <a:avLst/>
+          </a:prstGeom>
+          <a:noFill/>
+          <a:ln>
+            <a:noFill/>
+          </a:ln>
+        </p:spPr>
+        <p:style>
+          <a:lnRef idx="0">
+            <a:scrgbClr r="0" g="0" b="0"/>
+          </a:lnRef>
+          <a:fillRef idx="0">
+            <a:scrgbClr r="0" g="0" b="0"/>
+          </a:fillRef>
+          <a:effectRef idx="0">
+            <a:scrgbClr r="0" g="0" b="0"/>
+          </a:effectRef>
+          <a:fontRef idx="minor"/>
+        </p:style>
+      </p:sp>
+      <p:sp>
+        <p:nvSpPr>
+          <p:cNvPr id="441" name="CustomShape 4"/>
+          <p:cNvSpPr/>
+          <p:nvPr/>
+        </p:nvSpPr>
+        <p:spPr>
+          <a:xfrm>
+            <a:off x="155520" y="-136440"/>
+            <a:ext cx="291600" cy="291600"/>
+          </a:xfrm>
+          <a:prstGeom prst="rect">
+            <a:avLst/>
+          </a:prstGeom>
+          <a:noFill/>
+          <a:ln>
+            <a:noFill/>
+          </a:ln>
+        </p:spPr>
+        <p:style>
+          <a:lnRef idx="0">
+            <a:scrgbClr r="0" g="0" b="0"/>
+          </a:lnRef>
+          <a:fillRef idx="0">
+            <a:scrgbClr r="0" g="0" b="0"/>
+          </a:fillRef>
+          <a:effectRef idx="0">
+            <a:scrgbClr r="0" g="0" b="0"/>
+          </a:effectRef>
+          <a:fontRef idx="minor"/>
+        </p:style>
+      </p:sp>
+      <p:sp>
+        <p:nvSpPr>
+          <p:cNvPr id="442" name="CustomShape 5"/>
+          <p:cNvSpPr/>
+          <p:nvPr/>
+        </p:nvSpPr>
+        <p:spPr>
+          <a:xfrm>
+            <a:off x="155520" y="-136440"/>
+            <a:ext cx="291600" cy="291600"/>
+          </a:xfrm>
+          <a:prstGeom prst="rect">
+            <a:avLst/>
+          </a:prstGeom>
+          <a:noFill/>
+          <a:ln>
+            <a:noFill/>
+          </a:ln>
+        </p:spPr>
+        <p:style>
+          <a:lnRef idx="0">
+            <a:scrgbClr r="0" g="0" b="0"/>
+          </a:lnRef>
+          <a:fillRef idx="0">
+            <a:scrgbClr r="0" g="0" b="0"/>
+          </a:fillRef>
+          <a:effectRef idx="0">
+            <a:scrgbClr r="0" g="0" b="0"/>
+          </a:effectRef>
+          <a:fontRef idx="minor"/>
+        </p:style>
+      </p:sp>
+      <p:sp>
+        <p:nvSpPr>
+          <p:cNvPr id="10" name="CustomShape 3">
+            <a:extLst>
+              <a:ext uri="{FF2B5EF4-FFF2-40B4-BE49-F238E27FC236}">
+                <a16:creationId xmlns:a16="http://schemas.microsoft.com/office/drawing/2014/main" id="{983077FF-F5CD-3740-AF9A-4764F5304A2D}"/>
+              </a:ext>
+            </a:extLst>
+          </p:cNvPr>
+          <p:cNvSpPr/>
+          <p:nvPr/>
+        </p:nvSpPr>
+        <p:spPr>
+          <a:xfrm>
+            <a:off x="683952" y="42322"/>
+            <a:ext cx="7455240" cy="1303560"/>
+          </a:xfrm>
+          <a:prstGeom prst="rect">
+            <a:avLst/>
+          </a:prstGeom>
+          <a:noFill/>
+          <a:ln>
+            <a:noFill/>
+          </a:ln>
+        </p:spPr>
+        <p:style>
+          <a:lnRef idx="0">
+            <a:scrgbClr r="0" g="0" b="0"/>
+          </a:lnRef>
+          <a:fillRef idx="0">
+            <a:scrgbClr r="0" g="0" b="0"/>
+          </a:fillRef>
+          <a:effectRef idx="0">
+            <a:scrgbClr r="0" g="0" b="0"/>
+          </a:effectRef>
+          <a:fontRef idx="minor"/>
+        </p:style>
+        <p:txBody>
+          <a:bodyPr lIns="90000" tIns="45000" rIns="90000" bIns="45000"/>
+          <a:lstStyle/>
+          <a:p>
+            <a:pPr>
+              <a:lnSpc>
+                <a:spcPct val="100000"/>
+              </a:lnSpc>
+            </a:pPr>
+            <a:r>
+              <a:rPr lang="en-US" sz="2400" b="0" strike="noStrike" spc="-1" dirty="0">
+                <a:solidFill>
+                  <a:srgbClr val="000000"/>
+                </a:solidFill>
+                <a:latin typeface="Baskerville Old Face"/>
+                <a:ea typeface="DejaVu Sans"/>
+              </a:rPr>
+              <a:t>Introduction into fMRI analysis. PsyMsc4 (Goethe 2021).</a:t>
+            </a:r>
+            <a:endParaRPr lang="en-US" sz="2400" b="0" strike="noStrike" spc="-1" dirty="0">
+              <a:latin typeface="Arial"/>
+            </a:endParaRPr>
+          </a:p>
+        </p:txBody>
+      </p:sp>
+      <p:pic>
+        <p:nvPicPr>
+          <p:cNvPr id="11" name="Picture 4">
+            <a:extLst>
+              <a:ext uri="{FF2B5EF4-FFF2-40B4-BE49-F238E27FC236}">
+                <a16:creationId xmlns:a16="http://schemas.microsoft.com/office/drawing/2014/main" id="{C75EE31E-04C5-3943-98AB-888A6B08A99E}"/>
+              </a:ext>
+            </a:extLst>
+          </p:cNvPr>
+          <p:cNvPicPr/>
+          <p:nvPr/>
+        </p:nvPicPr>
+        <p:blipFill>
+          <a:blip r:embed="rId3"/>
+          <a:stretch/>
+        </p:blipFill>
+        <p:spPr>
+          <a:xfrm>
+            <a:off x="4583796" y="536614"/>
+            <a:ext cx="738408" cy="627264"/>
+          </a:xfrm>
+          <a:prstGeom prst="rect">
+            <a:avLst/>
+          </a:prstGeom>
+          <a:ln>
+            <a:noFill/>
+          </a:ln>
+        </p:spPr>
+      </p:pic>
+      <p:sp>
+        <p:nvSpPr>
+          <p:cNvPr id="12" name="CustomShape 3">
+            <a:extLst>
+              <a:ext uri="{FF2B5EF4-FFF2-40B4-BE49-F238E27FC236}">
+                <a16:creationId xmlns:a16="http://schemas.microsoft.com/office/drawing/2014/main" id="{7EE604DF-324E-E040-B13E-A44F1640EF90}"/>
+              </a:ext>
+            </a:extLst>
+          </p:cNvPr>
+          <p:cNvSpPr/>
+          <p:nvPr/>
+        </p:nvSpPr>
+        <p:spPr>
+          <a:xfrm>
+            <a:off x="2361325" y="1755370"/>
+            <a:ext cx="1966776" cy="297000"/>
+          </a:xfrm>
+          <a:prstGeom prst="rect">
+            <a:avLst/>
+          </a:prstGeom>
+          <a:noFill/>
+          <a:ln w="9360">
+            <a:solidFill>
+              <a:srgbClr val="000000"/>
+            </a:solidFill>
+            <a:miter/>
+          </a:ln>
+        </p:spPr>
+        <p:style>
+          <a:lnRef idx="0">
+            <a:scrgbClr r="0" g="0" b="0"/>
+          </a:lnRef>
+          <a:fillRef idx="0">
+            <a:scrgbClr r="0" g="0" b="0"/>
+          </a:fillRef>
+          <a:effectRef idx="0">
+            <a:scrgbClr r="0" g="0" b="0"/>
+          </a:effectRef>
+          <a:fontRef idx="minor"/>
+        </p:style>
+        <p:txBody>
+          <a:bodyPr lIns="90000" tIns="45000" rIns="90000" bIns="45000"/>
+          <a:lstStyle/>
+          <a:p>
+            <a:pPr algn="ctr">
+              <a:lnSpc>
+                <a:spcPct val="100000"/>
+              </a:lnSpc>
+            </a:pPr>
+            <a:r>
+              <a:rPr lang="en-US" b="0" strike="noStrike" spc="-1" dirty="0">
+                <a:solidFill>
+                  <a:srgbClr val="000000"/>
+                </a:solidFill>
+                <a:latin typeface="Calibri"/>
+                <a:ea typeface="DejaVu Sans"/>
+              </a:rPr>
+              <a:t>Anatomical images</a:t>
+            </a:r>
+            <a:endParaRPr lang="en-US" b="0" strike="noStrike" spc="-1" dirty="0">
+              <a:latin typeface="Arial"/>
+            </a:endParaRPr>
+          </a:p>
+        </p:txBody>
+      </p:sp>
+      <p:sp>
+        <p:nvSpPr>
+          <p:cNvPr id="13" name="CustomShape 4">
+            <a:extLst>
+              <a:ext uri="{FF2B5EF4-FFF2-40B4-BE49-F238E27FC236}">
+                <a16:creationId xmlns:a16="http://schemas.microsoft.com/office/drawing/2014/main" id="{7FB9EBB4-E9AD-B94E-84C1-553A802AC4C4}"/>
+              </a:ext>
+            </a:extLst>
+          </p:cNvPr>
+          <p:cNvSpPr/>
+          <p:nvPr/>
+        </p:nvSpPr>
+        <p:spPr>
+          <a:xfrm>
+            <a:off x="5866344" y="1755370"/>
+            <a:ext cx="1966776" cy="297000"/>
+          </a:xfrm>
+          <a:prstGeom prst="rect">
+            <a:avLst/>
+          </a:prstGeom>
+          <a:noFill/>
+          <a:ln w="9360">
+            <a:solidFill>
+              <a:srgbClr val="000000"/>
+            </a:solidFill>
+            <a:miter/>
+          </a:ln>
+        </p:spPr>
+        <p:style>
+          <a:lnRef idx="0">
+            <a:scrgbClr r="0" g="0" b="0"/>
+          </a:lnRef>
+          <a:fillRef idx="0">
+            <a:scrgbClr r="0" g="0" b="0"/>
+          </a:fillRef>
+          <a:effectRef idx="0">
+            <a:scrgbClr r="0" g="0" b="0"/>
+          </a:effectRef>
+          <a:fontRef idx="minor"/>
+        </p:style>
+        <p:txBody>
+          <a:bodyPr lIns="90000" tIns="45000" rIns="90000" bIns="45000"/>
+          <a:lstStyle/>
+          <a:p>
+            <a:pPr algn="ctr">
+              <a:lnSpc>
+                <a:spcPct val="100000"/>
+              </a:lnSpc>
+            </a:pPr>
+            <a:r>
+              <a:rPr lang="en-US" b="0" strike="noStrike" spc="-1" dirty="0">
+                <a:solidFill>
+                  <a:srgbClr val="000000"/>
+                </a:solidFill>
+                <a:latin typeface="Calibri"/>
+                <a:ea typeface="DejaVu Sans"/>
+              </a:rPr>
+              <a:t>Functional images</a:t>
+            </a:r>
+            <a:endParaRPr lang="en-US" b="0" strike="noStrike" spc="-1" dirty="0">
+              <a:latin typeface="Arial"/>
+            </a:endParaRPr>
+          </a:p>
+        </p:txBody>
+      </p:sp>
+      <p:sp>
+        <p:nvSpPr>
+          <p:cNvPr id="16" name="CustomShape 4">
+            <a:extLst>
+              <a:ext uri="{FF2B5EF4-FFF2-40B4-BE49-F238E27FC236}">
+                <a16:creationId xmlns:a16="http://schemas.microsoft.com/office/drawing/2014/main" id="{158D20B5-1805-7449-BC98-EAA62B292689}"/>
+              </a:ext>
+            </a:extLst>
+          </p:cNvPr>
+          <p:cNvSpPr/>
+          <p:nvPr/>
+        </p:nvSpPr>
+        <p:spPr>
+          <a:xfrm>
+            <a:off x="3477919" y="1231042"/>
+            <a:ext cx="2950162" cy="414600"/>
+          </a:xfrm>
+          <a:prstGeom prst="rect">
+            <a:avLst/>
+          </a:prstGeom>
+          <a:noFill/>
+          <a:ln w="9360">
+            <a:solidFill>
+              <a:srgbClr val="000000"/>
+            </a:solidFill>
+            <a:prstDash val="dash"/>
+            <a:miter/>
+          </a:ln>
+        </p:spPr>
+        <p:style>
+          <a:lnRef idx="0">
+            <a:scrgbClr r="0" g="0" b="0"/>
+          </a:lnRef>
+          <a:fillRef idx="0">
+            <a:scrgbClr r="0" g="0" b="0"/>
+          </a:fillRef>
+          <a:effectRef idx="0">
+            <a:scrgbClr r="0" g="0" b="0"/>
+          </a:effectRef>
+          <a:fontRef idx="minor"/>
+        </p:style>
+        <p:txBody>
+          <a:bodyPr lIns="90000" tIns="45000" rIns="90000" bIns="45000"/>
+          <a:lstStyle/>
+          <a:p>
+            <a:pPr algn="ctr">
+              <a:lnSpc>
+                <a:spcPct val="100000"/>
+              </a:lnSpc>
+            </a:pPr>
+            <a:r>
+              <a:rPr lang="en-US" b="0" strike="noStrike" spc="-1" dirty="0">
+                <a:solidFill>
+                  <a:srgbClr val="000000"/>
+                </a:solidFill>
+                <a:latin typeface="Calibri"/>
+                <a:ea typeface="DejaVu Sans"/>
+              </a:rPr>
+              <a:t>Magnetic properties of tissue</a:t>
+            </a:r>
+            <a:endParaRPr lang="en-US" b="0" strike="noStrike" spc="-1" dirty="0">
+              <a:latin typeface="Arial"/>
+            </a:endParaRPr>
+          </a:p>
+        </p:txBody>
+      </p:sp>
+      <p:sp>
+        <p:nvSpPr>
+          <p:cNvPr id="17" name="CustomShape 4">
+            <a:extLst>
+              <a:ext uri="{FF2B5EF4-FFF2-40B4-BE49-F238E27FC236}">
+                <a16:creationId xmlns:a16="http://schemas.microsoft.com/office/drawing/2014/main" id="{377D8A48-2E94-2E4D-B259-513D425EC6D5}"/>
+              </a:ext>
+            </a:extLst>
+          </p:cNvPr>
+          <p:cNvSpPr/>
+          <p:nvPr/>
+        </p:nvSpPr>
+        <p:spPr>
+          <a:xfrm>
+            <a:off x="3477919" y="2430934"/>
+            <a:ext cx="2950162" cy="414600"/>
+          </a:xfrm>
+          <a:prstGeom prst="rect">
+            <a:avLst/>
+          </a:prstGeom>
+          <a:noFill/>
+          <a:ln w="9360">
+            <a:solidFill>
+              <a:srgbClr val="000000"/>
+            </a:solidFill>
+            <a:prstDash val="dash"/>
+            <a:miter/>
+          </a:ln>
+        </p:spPr>
+        <p:style>
+          <a:lnRef idx="0">
+            <a:scrgbClr r="0" g="0" b="0"/>
+          </a:lnRef>
+          <a:fillRef idx="0">
+            <a:scrgbClr r="0" g="0" b="0"/>
+          </a:fillRef>
+          <a:effectRef idx="0">
+            <a:scrgbClr r="0" g="0" b="0"/>
+          </a:effectRef>
+          <a:fontRef idx="minor"/>
+        </p:style>
+        <p:txBody>
+          <a:bodyPr lIns="90000" tIns="45000" rIns="90000" bIns="45000"/>
+          <a:lstStyle/>
+          <a:p>
+            <a:pPr algn="ctr">
+              <a:lnSpc>
+                <a:spcPct val="100000"/>
+              </a:lnSpc>
+            </a:pPr>
+            <a:r>
+              <a:rPr lang="en-US" b="0" strike="noStrike" spc="-1" dirty="0">
+                <a:solidFill>
+                  <a:srgbClr val="000000"/>
+                </a:solidFill>
+                <a:latin typeface="Calibri"/>
+                <a:ea typeface="DejaVu Sans"/>
+              </a:rPr>
+              <a:t>Preprocessing</a:t>
+            </a:r>
+            <a:endParaRPr lang="en-US" b="0" strike="noStrike" spc="-1" dirty="0">
+              <a:latin typeface="Arial"/>
+            </a:endParaRPr>
+          </a:p>
+        </p:txBody>
+      </p:sp>
+      <p:sp>
+        <p:nvSpPr>
+          <p:cNvPr id="18" name="CustomShape 3">
+            <a:extLst>
+              <a:ext uri="{FF2B5EF4-FFF2-40B4-BE49-F238E27FC236}">
+                <a16:creationId xmlns:a16="http://schemas.microsoft.com/office/drawing/2014/main" id="{ED40E74E-F294-B047-9F8B-CF5B6D5990CC}"/>
+              </a:ext>
+            </a:extLst>
+          </p:cNvPr>
+          <p:cNvSpPr/>
+          <p:nvPr/>
+        </p:nvSpPr>
+        <p:spPr>
+          <a:xfrm>
+            <a:off x="3969612" y="3840898"/>
+            <a:ext cx="1966776" cy="297000"/>
+          </a:xfrm>
+          <a:prstGeom prst="rect">
+            <a:avLst/>
+          </a:prstGeom>
+          <a:noFill/>
+          <a:ln w="9360">
+            <a:solidFill>
+              <a:srgbClr val="000000"/>
+            </a:solidFill>
+            <a:prstDash val="dash"/>
+            <a:miter/>
+          </a:ln>
+        </p:spPr>
+        <p:style>
+          <a:lnRef idx="0">
+            <a:scrgbClr r="0" g="0" b="0"/>
+          </a:lnRef>
+          <a:fillRef idx="0">
+            <a:scrgbClr r="0" g="0" b="0"/>
+          </a:fillRef>
+          <a:effectRef idx="0">
+            <a:scrgbClr r="0" g="0" b="0"/>
+          </a:effectRef>
+          <a:fontRef idx="minor"/>
+        </p:style>
+        <p:txBody>
+          <a:bodyPr lIns="90000" tIns="45000" rIns="90000" bIns="45000"/>
+          <a:lstStyle/>
+          <a:p>
+            <a:pPr algn="ctr">
+              <a:lnSpc>
+                <a:spcPct val="100000"/>
+              </a:lnSpc>
+            </a:pPr>
+            <a:r>
+              <a:rPr lang="en-US" b="0" strike="noStrike" spc="-1" dirty="0">
+                <a:solidFill>
+                  <a:srgbClr val="000000"/>
+                </a:solidFill>
+                <a:latin typeface="Calibri"/>
+                <a:ea typeface="DejaVu Sans"/>
+              </a:rPr>
+              <a:t>GLM</a:t>
+            </a:r>
+            <a:endParaRPr lang="en-US" b="0" strike="noStrike" spc="-1" dirty="0">
+              <a:latin typeface="Arial"/>
+            </a:endParaRPr>
+          </a:p>
+        </p:txBody>
+      </p:sp>
+      <p:pic>
+        <p:nvPicPr>
+          <p:cNvPr id="19" name="Picture 2">
+            <a:extLst>
+              <a:ext uri="{FF2B5EF4-FFF2-40B4-BE49-F238E27FC236}">
+                <a16:creationId xmlns:a16="http://schemas.microsoft.com/office/drawing/2014/main" id="{9360750F-1008-C747-9522-702C300E6CF6}"/>
+              </a:ext>
+            </a:extLst>
+          </p:cNvPr>
+          <p:cNvPicPr/>
+          <p:nvPr/>
+        </p:nvPicPr>
+        <p:blipFill>
+          <a:blip r:embed="rId4"/>
+          <a:stretch/>
+        </p:blipFill>
+        <p:spPr>
+          <a:xfrm>
+            <a:off x="2344537" y="2072915"/>
+            <a:ext cx="1000176" cy="990323"/>
+          </a:xfrm>
+          <a:prstGeom prst="rect">
+            <a:avLst/>
+          </a:prstGeom>
+          <a:ln>
+            <a:noFill/>
+          </a:ln>
+        </p:spPr>
+      </p:pic>
+      <p:pic>
+        <p:nvPicPr>
+          <p:cNvPr id="20" name="Imagen 19">
+            <a:extLst>
+              <a:ext uri="{FF2B5EF4-FFF2-40B4-BE49-F238E27FC236}">
+                <a16:creationId xmlns:a16="http://schemas.microsoft.com/office/drawing/2014/main" id="{1F513983-B877-9D4B-A1B0-63D4CC9892E8}"/>
+              </a:ext>
+            </a:extLst>
+          </p:cNvPr>
+          <p:cNvPicPr/>
+          <p:nvPr/>
+        </p:nvPicPr>
+        <p:blipFill>
+          <a:blip r:embed="rId5"/>
+          <a:stretch/>
+        </p:blipFill>
+        <p:spPr>
+          <a:xfrm>
+            <a:off x="6858093" y="2086400"/>
+            <a:ext cx="1000176" cy="990323"/>
+          </a:xfrm>
+          <a:prstGeom prst="rect">
+            <a:avLst/>
+          </a:prstGeom>
+          <a:ln>
+            <a:solidFill>
+              <a:schemeClr val="tx1"/>
+            </a:solidFill>
+          </a:ln>
+        </p:spPr>
+      </p:pic>
+      <p:pic>
+        <p:nvPicPr>
+          <p:cNvPr id="21" name="Picture 4">
+            <a:extLst>
+              <a:ext uri="{FF2B5EF4-FFF2-40B4-BE49-F238E27FC236}">
+                <a16:creationId xmlns:a16="http://schemas.microsoft.com/office/drawing/2014/main" id="{49AD502F-A543-0A44-9EB2-5DFBA855F0F6}"/>
+              </a:ext>
+            </a:extLst>
+          </p:cNvPr>
+          <p:cNvPicPr/>
+          <p:nvPr/>
+        </p:nvPicPr>
+        <p:blipFill>
+          <a:blip r:embed="rId6"/>
+          <a:srcRect t="35545" r="89649"/>
+          <a:stretch/>
+        </p:blipFill>
+        <p:spPr>
+          <a:xfrm rot="16200000">
+            <a:off x="4682448" y="2113701"/>
+            <a:ext cx="541104" cy="2611985"/>
+          </a:xfrm>
+          <a:prstGeom prst="rect">
+            <a:avLst/>
+          </a:prstGeom>
+          <a:ln>
+            <a:noFill/>
+          </a:ln>
+        </p:spPr>
+      </p:pic>
+      <p:pic>
+        <p:nvPicPr>
+          <p:cNvPr id="22" name="Imagen 21">
+            <a:extLst>
+              <a:ext uri="{FF2B5EF4-FFF2-40B4-BE49-F238E27FC236}">
+                <a16:creationId xmlns:a16="http://schemas.microsoft.com/office/drawing/2014/main" id="{1C24FEAB-D8A8-E448-B158-9C8101083E53}"/>
+              </a:ext>
+            </a:extLst>
+          </p:cNvPr>
+          <p:cNvPicPr>
+            <a:picLocks noChangeAspect="1"/>
+          </p:cNvPicPr>
+          <p:nvPr/>
+        </p:nvPicPr>
+        <p:blipFill>
+          <a:blip r:embed="rId7"/>
+          <a:stretch>
+            <a:fillRect/>
+          </a:stretch>
+        </p:blipFill>
+        <p:spPr>
+          <a:xfrm>
+            <a:off x="6428081" y="3507809"/>
+            <a:ext cx="817052" cy="836795"/>
+          </a:xfrm>
+          <a:prstGeom prst="rect">
+            <a:avLst/>
+          </a:prstGeom>
+        </p:spPr>
+      </p:pic>
+      <p:sp>
+        <p:nvSpPr>
+          <p:cNvPr id="23" name="CustomShape 3">
+            <a:extLst>
+              <a:ext uri="{FF2B5EF4-FFF2-40B4-BE49-F238E27FC236}">
+                <a16:creationId xmlns:a16="http://schemas.microsoft.com/office/drawing/2014/main" id="{B413DE2C-8329-C147-BA40-CCF610ADF17A}"/>
+              </a:ext>
+            </a:extLst>
+          </p:cNvPr>
+          <p:cNvSpPr/>
+          <p:nvPr/>
+        </p:nvSpPr>
+        <p:spPr>
+          <a:xfrm>
+            <a:off x="3969612" y="4423996"/>
+            <a:ext cx="1966776" cy="297000"/>
+          </a:xfrm>
+          <a:prstGeom prst="rect">
+            <a:avLst/>
+          </a:prstGeom>
+          <a:noFill/>
+          <a:ln w="9360">
+            <a:solidFill>
+              <a:srgbClr val="000000"/>
+            </a:solidFill>
+            <a:miter/>
+          </a:ln>
+        </p:spPr>
+        <p:style>
+          <a:lnRef idx="0">
+            <a:scrgbClr r="0" g="0" b="0"/>
+          </a:lnRef>
+          <a:fillRef idx="0">
+            <a:scrgbClr r="0" g="0" b="0"/>
+          </a:fillRef>
+          <a:effectRef idx="0">
+            <a:scrgbClr r="0" g="0" b="0"/>
+          </a:effectRef>
+          <a:fontRef idx="minor"/>
+        </p:style>
+        <p:txBody>
+          <a:bodyPr lIns="90000" tIns="45000" rIns="90000" bIns="45000"/>
+          <a:lstStyle/>
+          <a:p>
+            <a:pPr algn="ctr">
+              <a:lnSpc>
+                <a:spcPct val="100000"/>
+              </a:lnSpc>
+            </a:pPr>
+            <a:r>
+              <a:rPr lang="en-US" b="0" strike="noStrike" spc="-1" dirty="0">
+                <a:solidFill>
+                  <a:srgbClr val="000000"/>
+                </a:solidFill>
+                <a:latin typeface="Calibri"/>
+                <a:ea typeface="DejaVu Sans"/>
+              </a:rPr>
+              <a:t>Beta maps</a:t>
+            </a:r>
+            <a:endParaRPr lang="en-US" b="0" strike="noStrike" spc="-1" dirty="0">
+              <a:latin typeface="Arial"/>
+            </a:endParaRPr>
+          </a:p>
+        </p:txBody>
+      </p:sp>
+      <p:sp>
+        <p:nvSpPr>
+          <p:cNvPr id="24" name="CustomShape 3">
+            <a:extLst>
+              <a:ext uri="{FF2B5EF4-FFF2-40B4-BE49-F238E27FC236}">
+                <a16:creationId xmlns:a16="http://schemas.microsoft.com/office/drawing/2014/main" id="{22904E3C-A346-3E4B-A1E0-57A86DBCCD54}"/>
+              </a:ext>
+            </a:extLst>
+          </p:cNvPr>
+          <p:cNvSpPr/>
+          <p:nvPr/>
+        </p:nvSpPr>
+        <p:spPr>
+          <a:xfrm>
+            <a:off x="2171292" y="4975474"/>
+            <a:ext cx="1966776" cy="297000"/>
+          </a:xfrm>
+          <a:prstGeom prst="rect">
+            <a:avLst/>
+          </a:prstGeom>
+          <a:noFill/>
+          <a:ln w="9360">
+            <a:solidFill>
+              <a:srgbClr val="000000"/>
+            </a:solidFill>
+            <a:prstDash val="dash"/>
+            <a:miter/>
+          </a:ln>
+        </p:spPr>
+        <p:style>
+          <a:lnRef idx="0">
+            <a:scrgbClr r="0" g="0" b="0"/>
+          </a:lnRef>
+          <a:fillRef idx="0">
+            <a:scrgbClr r="0" g="0" b="0"/>
+          </a:fillRef>
+          <a:effectRef idx="0">
+            <a:scrgbClr r="0" g="0" b="0"/>
+          </a:effectRef>
+          <a:fontRef idx="minor"/>
+        </p:style>
+        <p:txBody>
+          <a:bodyPr lIns="90000" tIns="45000" rIns="90000" bIns="45000"/>
+          <a:lstStyle/>
+          <a:p>
+            <a:pPr algn="ctr">
+              <a:lnSpc>
+                <a:spcPct val="100000"/>
+              </a:lnSpc>
+            </a:pPr>
+            <a:r>
+              <a:rPr lang="en-US" spc="-1" dirty="0">
+                <a:solidFill>
+                  <a:srgbClr val="000000"/>
+                </a:solidFill>
+                <a:latin typeface="Calibri"/>
+              </a:rPr>
+              <a:t>Univariate</a:t>
+            </a:r>
+            <a:endParaRPr lang="en-US" b="0" strike="noStrike" spc="-1" dirty="0">
+              <a:latin typeface="Arial"/>
+            </a:endParaRPr>
+          </a:p>
+        </p:txBody>
+      </p:sp>
+      <p:sp>
+        <p:nvSpPr>
+          <p:cNvPr id="25" name="CustomShape 3">
+            <a:extLst>
+              <a:ext uri="{FF2B5EF4-FFF2-40B4-BE49-F238E27FC236}">
+                <a16:creationId xmlns:a16="http://schemas.microsoft.com/office/drawing/2014/main" id="{523C98E4-04C8-9F45-A26F-BAA8D2F7C3E0}"/>
+              </a:ext>
+            </a:extLst>
+          </p:cNvPr>
+          <p:cNvSpPr/>
+          <p:nvPr/>
+        </p:nvSpPr>
+        <p:spPr>
+          <a:xfrm>
+            <a:off x="2171292" y="5423126"/>
+            <a:ext cx="1966776" cy="297000"/>
+          </a:xfrm>
+          <a:prstGeom prst="rect">
+            <a:avLst/>
+          </a:prstGeom>
+          <a:noFill/>
+          <a:ln w="9360">
+            <a:solidFill>
+              <a:srgbClr val="000000"/>
+            </a:solidFill>
+            <a:prstDash val="dash"/>
+            <a:miter/>
+          </a:ln>
+        </p:spPr>
+        <p:style>
+          <a:lnRef idx="0">
+            <a:scrgbClr r="0" g="0" b="0"/>
+          </a:lnRef>
+          <a:fillRef idx="0">
+            <a:scrgbClr r="0" g="0" b="0"/>
+          </a:fillRef>
+          <a:effectRef idx="0">
+            <a:scrgbClr r="0" g="0" b="0"/>
+          </a:effectRef>
+          <a:fontRef idx="minor"/>
+        </p:style>
+        <p:txBody>
+          <a:bodyPr lIns="90000" tIns="45000" rIns="90000" bIns="45000"/>
+          <a:lstStyle/>
+          <a:p>
+            <a:pPr algn="ctr">
+              <a:lnSpc>
+                <a:spcPct val="100000"/>
+              </a:lnSpc>
+            </a:pPr>
+            <a:r>
+              <a:rPr lang="en-US" spc="-1" dirty="0">
+                <a:solidFill>
+                  <a:srgbClr val="000000"/>
+                </a:solidFill>
+                <a:latin typeface="Calibri"/>
+              </a:rPr>
+              <a:t>Contrasts</a:t>
+            </a:r>
+            <a:endParaRPr lang="en-US" b="0" strike="noStrike" spc="-1" dirty="0">
+              <a:latin typeface="Arial"/>
+            </a:endParaRPr>
+          </a:p>
+        </p:txBody>
+      </p:sp>
+      <p:sp>
+        <p:nvSpPr>
+          <p:cNvPr id="26" name="CustomShape 3">
+            <a:extLst>
+              <a:ext uri="{FF2B5EF4-FFF2-40B4-BE49-F238E27FC236}">
+                <a16:creationId xmlns:a16="http://schemas.microsoft.com/office/drawing/2014/main" id="{9F155A3F-5BC8-7542-844D-B528F595FD5C}"/>
+              </a:ext>
+            </a:extLst>
+          </p:cNvPr>
+          <p:cNvSpPr/>
+          <p:nvPr/>
+        </p:nvSpPr>
+        <p:spPr>
+          <a:xfrm>
+            <a:off x="2171292" y="5870778"/>
+            <a:ext cx="1966776" cy="297000"/>
+          </a:xfrm>
+          <a:prstGeom prst="rect">
+            <a:avLst/>
+          </a:prstGeom>
+          <a:noFill/>
+          <a:ln w="9360">
+            <a:solidFill>
+              <a:srgbClr val="000000"/>
+            </a:solidFill>
+            <a:prstDash val="dash"/>
+            <a:miter/>
+          </a:ln>
+        </p:spPr>
+        <p:style>
+          <a:lnRef idx="0">
+            <a:scrgbClr r="0" g="0" b="0"/>
+          </a:lnRef>
+          <a:fillRef idx="0">
+            <a:scrgbClr r="0" g="0" b="0"/>
+          </a:fillRef>
+          <a:effectRef idx="0">
+            <a:scrgbClr r="0" g="0" b="0"/>
+          </a:effectRef>
+          <a:fontRef idx="minor"/>
+        </p:style>
+        <p:txBody>
+          <a:bodyPr lIns="90000" tIns="45000" rIns="90000" bIns="45000"/>
+          <a:lstStyle/>
+          <a:p>
+            <a:pPr algn="ctr">
+              <a:lnSpc>
+                <a:spcPct val="100000"/>
+              </a:lnSpc>
+            </a:pPr>
+            <a:r>
+              <a:rPr lang="en-US" spc="-1" dirty="0">
+                <a:solidFill>
+                  <a:srgbClr val="000000"/>
+                </a:solidFill>
+                <a:latin typeface="Calibri"/>
+              </a:rPr>
+              <a:t>Group level</a:t>
+            </a:r>
+            <a:endParaRPr lang="en-US" b="0" strike="noStrike" spc="-1" dirty="0">
+              <a:latin typeface="Arial"/>
+            </a:endParaRPr>
+          </a:p>
+        </p:txBody>
+      </p:sp>
+      <p:sp>
+        <p:nvSpPr>
+          <p:cNvPr id="27" name="CustomShape 3">
+            <a:extLst>
+              <a:ext uri="{FF2B5EF4-FFF2-40B4-BE49-F238E27FC236}">
+                <a16:creationId xmlns:a16="http://schemas.microsoft.com/office/drawing/2014/main" id="{1587B90E-EB54-3940-ABFD-55E7166C152C}"/>
+              </a:ext>
+            </a:extLst>
+          </p:cNvPr>
+          <p:cNvSpPr/>
+          <p:nvPr/>
+        </p:nvSpPr>
+        <p:spPr>
+          <a:xfrm>
+            <a:off x="5767934" y="4972270"/>
+            <a:ext cx="1966776" cy="297000"/>
+          </a:xfrm>
+          <a:prstGeom prst="rect">
+            <a:avLst/>
+          </a:prstGeom>
+          <a:noFill/>
+          <a:ln w="9360">
+            <a:solidFill>
+              <a:srgbClr val="000000"/>
+            </a:solidFill>
+            <a:prstDash val="dash"/>
+            <a:miter/>
+          </a:ln>
+        </p:spPr>
+        <p:style>
+          <a:lnRef idx="0">
+            <a:scrgbClr r="0" g="0" b="0"/>
+          </a:lnRef>
+          <a:fillRef idx="0">
+            <a:scrgbClr r="0" g="0" b="0"/>
+          </a:fillRef>
+          <a:effectRef idx="0">
+            <a:scrgbClr r="0" g="0" b="0"/>
+          </a:effectRef>
+          <a:fontRef idx="minor"/>
+        </p:style>
+        <p:txBody>
+          <a:bodyPr lIns="90000" tIns="45000" rIns="90000" bIns="45000"/>
+          <a:lstStyle/>
+          <a:p>
+            <a:pPr algn="ctr">
+              <a:lnSpc>
+                <a:spcPct val="100000"/>
+              </a:lnSpc>
+            </a:pPr>
+            <a:r>
+              <a:rPr lang="en-US" spc="-1" dirty="0">
+                <a:solidFill>
+                  <a:srgbClr val="000000"/>
+                </a:solidFill>
+                <a:latin typeface="Calibri"/>
+              </a:rPr>
+              <a:t>Multivariate</a:t>
+            </a:r>
+            <a:endParaRPr lang="en-US" b="0" strike="noStrike" spc="-1" dirty="0">
+              <a:latin typeface="Arial"/>
+            </a:endParaRPr>
+          </a:p>
+        </p:txBody>
+      </p:sp>
+      <p:sp>
+        <p:nvSpPr>
+          <p:cNvPr id="28" name="CustomShape 3">
+            <a:extLst>
+              <a:ext uri="{FF2B5EF4-FFF2-40B4-BE49-F238E27FC236}">
+                <a16:creationId xmlns:a16="http://schemas.microsoft.com/office/drawing/2014/main" id="{A88EAA47-7925-544A-A6DB-77E9287AA722}"/>
+              </a:ext>
+            </a:extLst>
+          </p:cNvPr>
+          <p:cNvSpPr/>
+          <p:nvPr/>
+        </p:nvSpPr>
+        <p:spPr>
+          <a:xfrm>
+            <a:off x="4784546" y="5600314"/>
+            <a:ext cx="1966776" cy="297000"/>
+          </a:xfrm>
+          <a:prstGeom prst="rect">
+            <a:avLst/>
+          </a:prstGeom>
+          <a:noFill/>
+          <a:ln w="9360">
+            <a:solidFill>
+              <a:srgbClr val="000000"/>
+            </a:solidFill>
+            <a:prstDash val="dash"/>
+            <a:miter/>
+          </a:ln>
+        </p:spPr>
+        <p:style>
+          <a:lnRef idx="0">
+            <a:scrgbClr r="0" g="0" b="0"/>
+          </a:lnRef>
+          <a:fillRef idx="0">
+            <a:scrgbClr r="0" g="0" b="0"/>
+          </a:fillRef>
+          <a:effectRef idx="0">
+            <a:scrgbClr r="0" g="0" b="0"/>
+          </a:effectRef>
+          <a:fontRef idx="minor"/>
+        </p:style>
+        <p:txBody>
+          <a:bodyPr lIns="90000" tIns="45000" rIns="90000" bIns="45000"/>
+          <a:lstStyle/>
+          <a:p>
+            <a:pPr algn="ctr">
+              <a:lnSpc>
+                <a:spcPct val="100000"/>
+              </a:lnSpc>
+            </a:pPr>
+            <a:r>
+              <a:rPr lang="en-US" spc="-1" dirty="0">
+                <a:solidFill>
+                  <a:srgbClr val="000000"/>
+                </a:solidFill>
+                <a:latin typeface="Calibri"/>
+              </a:rPr>
+              <a:t>Classification</a:t>
+            </a:r>
+            <a:endParaRPr lang="en-US" b="0" strike="noStrike" spc="-1" dirty="0">
+              <a:latin typeface="Arial"/>
+            </a:endParaRPr>
+          </a:p>
+        </p:txBody>
+      </p:sp>
+      <p:sp>
+        <p:nvSpPr>
+          <p:cNvPr id="29" name="CustomShape 3">
+            <a:extLst>
+              <a:ext uri="{FF2B5EF4-FFF2-40B4-BE49-F238E27FC236}">
+                <a16:creationId xmlns:a16="http://schemas.microsoft.com/office/drawing/2014/main" id="{AECFA9A6-1642-6848-A9E8-FCFCC6A093A0}"/>
+              </a:ext>
+            </a:extLst>
+          </p:cNvPr>
+          <p:cNvSpPr/>
+          <p:nvPr/>
+        </p:nvSpPr>
+        <p:spPr>
+          <a:xfrm>
+            <a:off x="7155804" y="5600314"/>
+            <a:ext cx="1966776" cy="297000"/>
+          </a:xfrm>
+          <a:prstGeom prst="rect">
+            <a:avLst/>
+          </a:prstGeom>
+          <a:noFill/>
+          <a:ln w="9360">
+            <a:solidFill>
+              <a:srgbClr val="000000"/>
+            </a:solidFill>
+            <a:prstDash val="dash"/>
+            <a:miter/>
+          </a:ln>
+        </p:spPr>
+        <p:style>
+          <a:lnRef idx="0">
+            <a:scrgbClr r="0" g="0" b="0"/>
+          </a:lnRef>
+          <a:fillRef idx="0">
+            <a:scrgbClr r="0" g="0" b="0"/>
+          </a:fillRef>
+          <a:effectRef idx="0">
+            <a:scrgbClr r="0" g="0" b="0"/>
+          </a:effectRef>
+          <a:fontRef idx="minor"/>
+        </p:style>
+        <p:txBody>
+          <a:bodyPr lIns="90000" tIns="45000" rIns="90000" bIns="45000"/>
+          <a:lstStyle/>
+          <a:p>
+            <a:pPr algn="ctr">
+              <a:lnSpc>
+                <a:spcPct val="100000"/>
+              </a:lnSpc>
+            </a:pPr>
+            <a:r>
+              <a:rPr lang="en-US" spc="-1" dirty="0">
+                <a:solidFill>
+                  <a:srgbClr val="000000"/>
+                </a:solidFill>
+                <a:latin typeface="Calibri"/>
+              </a:rPr>
+              <a:t>RSA</a:t>
+            </a:r>
+            <a:endParaRPr lang="en-US" b="0" strike="noStrike" spc="-1" dirty="0">
+              <a:latin typeface="Arial"/>
+            </a:endParaRPr>
+          </a:p>
+        </p:txBody>
+      </p:sp>
+      <p:sp>
+        <p:nvSpPr>
+          <p:cNvPr id="30" name="CustomShape 3">
+            <a:extLst>
+              <a:ext uri="{FF2B5EF4-FFF2-40B4-BE49-F238E27FC236}">
+                <a16:creationId xmlns:a16="http://schemas.microsoft.com/office/drawing/2014/main" id="{A3107596-D9FF-DF4C-BD25-F69B56CBED05}"/>
+              </a:ext>
+            </a:extLst>
+          </p:cNvPr>
+          <p:cNvSpPr/>
+          <p:nvPr/>
+        </p:nvSpPr>
+        <p:spPr>
+          <a:xfrm>
+            <a:off x="2171292" y="6313686"/>
+            <a:ext cx="1966776" cy="297000"/>
+          </a:xfrm>
+          <a:prstGeom prst="rect">
+            <a:avLst/>
+          </a:prstGeom>
+          <a:noFill/>
+          <a:ln w="9360">
+            <a:solidFill>
+              <a:srgbClr val="000000"/>
+            </a:solidFill>
+            <a:prstDash val="solid"/>
+            <a:miter/>
+          </a:ln>
+        </p:spPr>
+        <p:style>
+          <a:lnRef idx="0">
+            <a:scrgbClr r="0" g="0" b="0"/>
+          </a:lnRef>
+          <a:fillRef idx="0">
+            <a:scrgbClr r="0" g="0" b="0"/>
+          </a:fillRef>
+          <a:effectRef idx="0">
+            <a:scrgbClr r="0" g="0" b="0"/>
+          </a:effectRef>
+          <a:fontRef idx="minor"/>
+        </p:style>
+        <p:txBody>
+          <a:bodyPr lIns="90000" tIns="45000" rIns="90000" bIns="45000"/>
+          <a:lstStyle/>
+          <a:p>
+            <a:pPr algn="ctr">
+              <a:lnSpc>
+                <a:spcPct val="100000"/>
+              </a:lnSpc>
+            </a:pPr>
+            <a:r>
+              <a:rPr lang="en-US" spc="-1" dirty="0">
+                <a:solidFill>
+                  <a:srgbClr val="000000"/>
+                </a:solidFill>
+                <a:latin typeface="Calibri"/>
+              </a:rPr>
+              <a:t>Activation maps</a:t>
+            </a:r>
+            <a:endParaRPr lang="en-US" b="0" strike="noStrike" spc="-1" dirty="0">
+              <a:latin typeface="Arial"/>
+            </a:endParaRPr>
+          </a:p>
+        </p:txBody>
+      </p:sp>
+      <p:sp>
+        <p:nvSpPr>
+          <p:cNvPr id="31" name="CustomShape 3">
+            <a:extLst>
+              <a:ext uri="{FF2B5EF4-FFF2-40B4-BE49-F238E27FC236}">
+                <a16:creationId xmlns:a16="http://schemas.microsoft.com/office/drawing/2014/main" id="{999A19C5-093F-554C-A481-4F6FF831D76F}"/>
+              </a:ext>
+            </a:extLst>
+          </p:cNvPr>
+          <p:cNvSpPr/>
+          <p:nvPr/>
+        </p:nvSpPr>
+        <p:spPr>
+          <a:xfrm>
+            <a:off x="4789526" y="6264634"/>
+            <a:ext cx="1966776" cy="583098"/>
+          </a:xfrm>
+          <a:prstGeom prst="rect">
+            <a:avLst/>
+          </a:prstGeom>
+          <a:noFill/>
+          <a:ln w="9360">
+            <a:solidFill>
+              <a:srgbClr val="000000"/>
+            </a:solidFill>
+            <a:miter/>
+          </a:ln>
+        </p:spPr>
+        <p:style>
+          <a:lnRef idx="0">
+            <a:scrgbClr r="0" g="0" b="0"/>
+          </a:lnRef>
+          <a:fillRef idx="0">
+            <a:scrgbClr r="0" g="0" b="0"/>
+          </a:fillRef>
+          <a:effectRef idx="0">
+            <a:scrgbClr r="0" g="0" b="0"/>
+          </a:effectRef>
+          <a:fontRef idx="minor"/>
+        </p:style>
+        <p:txBody>
+          <a:bodyPr lIns="90000" tIns="45000" rIns="90000" bIns="45000"/>
+          <a:lstStyle/>
+          <a:p>
+            <a:pPr algn="ctr">
+              <a:lnSpc>
+                <a:spcPct val="100000"/>
+              </a:lnSpc>
+            </a:pPr>
+            <a:r>
+              <a:rPr lang="en-US" spc="-1" dirty="0">
+                <a:solidFill>
+                  <a:srgbClr val="000000"/>
+                </a:solidFill>
+                <a:latin typeface="Calibri"/>
+              </a:rPr>
+              <a:t>Classification accuracy</a:t>
+            </a:r>
+            <a:endParaRPr lang="en-US" b="0" strike="noStrike" spc="-1" dirty="0">
+              <a:latin typeface="Arial"/>
+            </a:endParaRPr>
+          </a:p>
+        </p:txBody>
+      </p:sp>
+      <p:sp>
+        <p:nvSpPr>
+          <p:cNvPr id="32" name="CustomShape 3">
+            <a:extLst>
+              <a:ext uri="{FF2B5EF4-FFF2-40B4-BE49-F238E27FC236}">
+                <a16:creationId xmlns:a16="http://schemas.microsoft.com/office/drawing/2014/main" id="{72C69357-8319-E048-AFAC-15773755FAF5}"/>
+              </a:ext>
+            </a:extLst>
+          </p:cNvPr>
+          <p:cNvSpPr/>
+          <p:nvPr/>
+        </p:nvSpPr>
+        <p:spPr>
+          <a:xfrm>
+            <a:off x="7155804" y="6261618"/>
+            <a:ext cx="1966776" cy="583098"/>
+          </a:xfrm>
+          <a:prstGeom prst="rect">
+            <a:avLst/>
+          </a:prstGeom>
+          <a:noFill/>
+          <a:ln w="9360">
+            <a:solidFill>
+              <a:srgbClr val="000000"/>
+            </a:solidFill>
+            <a:miter/>
+          </a:ln>
+        </p:spPr>
+        <p:style>
+          <a:lnRef idx="0">
+            <a:scrgbClr r="0" g="0" b="0"/>
+          </a:lnRef>
+          <a:fillRef idx="0">
+            <a:scrgbClr r="0" g="0" b="0"/>
+          </a:fillRef>
+          <a:effectRef idx="0">
+            <a:scrgbClr r="0" g="0" b="0"/>
+          </a:effectRef>
+          <a:fontRef idx="minor"/>
+        </p:style>
+        <p:txBody>
+          <a:bodyPr lIns="90000" tIns="45000" rIns="90000" bIns="45000"/>
+          <a:lstStyle/>
+          <a:p>
+            <a:pPr algn="ctr">
+              <a:lnSpc>
+                <a:spcPct val="100000"/>
+              </a:lnSpc>
+            </a:pPr>
+            <a:r>
+              <a:rPr lang="en-US" spc="-1" dirty="0">
+                <a:solidFill>
+                  <a:srgbClr val="000000"/>
+                </a:solidFill>
+                <a:latin typeface="Calibri"/>
+              </a:rPr>
+              <a:t>Similarity measures</a:t>
+            </a:r>
+            <a:endParaRPr lang="en-US" b="0" strike="noStrike" spc="-1" dirty="0">
+              <a:latin typeface="Arial"/>
+            </a:endParaRPr>
+          </a:p>
+        </p:txBody>
+      </p:sp>
+    </p:spTree>
+    <p:extLst>
+      <p:ext uri="{BB962C8B-B14F-4D97-AF65-F5344CB8AC3E}">
+        <p14:creationId xmlns:p14="http://schemas.microsoft.com/office/powerpoint/2010/main" val="1816837880"/>
+      </p:ext>
+    </p:extLst>
+  </p:cSld>
+  <p:clrMapOvr>
+    <a:masterClrMapping/>
+  </p:clrMapOvr>
+  <p:timing>
+    <p:tnLst>
+      <p:par>
+        <p:cTn id="1" dur="indefinite" restart="never" nodeType="tmRoot">
+          <p:childTnLst>
+            <p:seq>
+              <p:cTn id="2" dur="indefinite" nodeType="mainSeq"/>
+              <p:prevCondLst>
+                <p:cond evt="onPrev" delay="0">
+                  <p:tgtEl>
+                    <p:sldTgt/>
+                  </p:tgtEl>
+                </p:cond>
+              </p:prevCondLst>
+              <p:nextCondLst>
+                <p:cond evt="onNext" delay="0">
+                  <p:tgtEl>
+                    <p:sldTgt/>
+                  </p:tgtEl>
+                </p:cond>
+              </p:nextCondLst>
+            </p:seq>
+          </p:childTnLst>
+        </p:cTn>
+      </p:par>
+    </p:tnLst>
+  </p:timing>
+</p:sld>
+</file>
+
+<file path=ppt/slides/slide33.xml><?xml version="1.0" encoding="utf-8"?>
+<p:sld xmlns:a="http://schemas.openxmlformats.org/drawingml/2006/main" xmlns:r="http://schemas.openxmlformats.org/officeDocument/2006/relationships" xmlns:p="http://schemas.openxmlformats.org/presentationml/2006/main">
+  <p:cSld>
+    <p:spTree>
+      <p:nvGrpSpPr>
+        <p:cNvPr id="1" name=""/>
+        <p:cNvGrpSpPr/>
+        <p:nvPr/>
+      </p:nvGrpSpPr>
+      <p:grpSpPr>
+        <a:xfrm>
+          <a:off x="0" y="0"/>
+          <a:ext cx="0" cy="0"/>
+          <a:chOff x="0" y="0"/>
+          <a:chExt cx="0" cy="0"/>
+        </a:xfrm>
+      </p:grpSpPr>
+      <p:sp>
+        <p:nvSpPr>
+          <p:cNvPr id="445" name="CustomShape 1"/>
+          <p:cNvSpPr/>
+          <p:nvPr/>
+        </p:nvSpPr>
+        <p:spPr>
+          <a:xfrm>
+            <a:off x="7594560" y="6543720"/>
+            <a:ext cx="2304720" cy="237600"/>
+          </a:xfrm>
+          <a:prstGeom prst="rect">
+            <a:avLst/>
+          </a:prstGeom>
+          <a:noFill/>
+          <a:ln>
+            <a:noFill/>
+          </a:ln>
+        </p:spPr>
+        <p:style>
+          <a:lnRef idx="0">
+            <a:scrgbClr r="0" g="0" b="0"/>
+          </a:lnRef>
+          <a:fillRef idx="0">
+            <a:scrgbClr r="0" g="0" b="0"/>
+          </a:fillRef>
+          <a:effectRef idx="0">
+            <a:scrgbClr r="0" g="0" b="0"/>
+          </a:effectRef>
+          <a:fontRef idx="minor"/>
+        </p:style>
+        <p:txBody>
+          <a:bodyPr lIns="90000" tIns="45000" rIns="90000" bIns="45000" anchor="b"/>
+          <a:lstStyle/>
+          <a:p>
+            <a:pPr algn="r">
+              <a:lnSpc>
+                <a:spcPct val="100000"/>
+              </a:lnSpc>
+            </a:pPr>
             <a:fld id="{A097B4C9-7EC3-446A-B2CC-E819391D369E}" type="slidenum">
               <a:rPr lang="en-US" sz="1800" b="0" strike="noStrike" spc="-1">
                 <a:solidFill>
@@ -39870,7 +41591,7 @@
                 <a:latin typeface="Arial"/>
                 <a:ea typeface="DejaVu Sans"/>
               </a:rPr>
-              <a:t>32</a:t>
+              <a:t>33</a:t>
             </a:fld>
             <a:endParaRPr lang="en-US" sz="1800" b="0" strike="noStrike" spc="-1">
               <a:latin typeface="Arial"/>
@@ -41135,7 +42856,7 @@
 </p:sld>
 </file>
 
-<file path=ppt/slides/slide33.xml><?xml version="1.0" encoding="utf-8"?>
+<file path=ppt/slides/slide34.xml><?xml version="1.0" encoding="utf-8"?>
 <p:sld xmlns:a="http://schemas.openxmlformats.org/drawingml/2006/main" xmlns:r="http://schemas.openxmlformats.org/officeDocument/2006/relationships" xmlns:p="http://schemas.openxmlformats.org/presentationml/2006/main">
   <p:cSld>
     <p:spTree>
@@ -41154,7 +42875,7 @@
       </p:grpSpPr>
       <p:sp>
         <p:nvSpPr>
-          <p:cNvPr id="465" name="CustomShape 1"/>
+          <p:cNvPr id="445" name="CustomShape 1"/>
           <p:cNvSpPr/>
           <p:nvPr/>
         </p:nvSpPr>
@@ -41192,6 +42913,2155 @@
                 <a:spcPct val="100000"/>
               </a:lnSpc>
             </a:pPr>
+            <a:fld id="{A097B4C9-7EC3-446A-B2CC-E819391D369E}" type="slidenum">
+              <a:rPr lang="en-US" sz="1800" b="0" strike="noStrike" spc="-1">
+                <a:solidFill>
+                  <a:srgbClr val="000000"/>
+                </a:solidFill>
+                <a:latin typeface="Arial"/>
+                <a:ea typeface="DejaVu Sans"/>
+              </a:rPr>
+              <a:t>34</a:t>
+            </a:fld>
+            <a:endParaRPr lang="en-US" sz="1800" b="0" strike="noStrike" spc="-1">
+              <a:latin typeface="Arial"/>
+            </a:endParaRPr>
+          </a:p>
+        </p:txBody>
+      </p:sp>
+      <p:sp>
+        <p:nvSpPr>
+          <p:cNvPr id="446" name="CustomShape 2"/>
+          <p:cNvSpPr/>
+          <p:nvPr/>
+        </p:nvSpPr>
+        <p:spPr>
+          <a:xfrm>
+            <a:off x="155520" y="-136440"/>
+            <a:ext cx="291600" cy="291600"/>
+          </a:xfrm>
+          <a:prstGeom prst="rect">
+            <a:avLst/>
+          </a:prstGeom>
+          <a:noFill/>
+          <a:ln>
+            <a:noFill/>
+          </a:ln>
+        </p:spPr>
+        <p:style>
+          <a:lnRef idx="0">
+            <a:scrgbClr r="0" g="0" b="0"/>
+          </a:lnRef>
+          <a:fillRef idx="0">
+            <a:scrgbClr r="0" g="0" b="0"/>
+          </a:fillRef>
+          <a:effectRef idx="0">
+            <a:scrgbClr r="0" g="0" b="0"/>
+          </a:effectRef>
+          <a:fontRef idx="minor"/>
+        </p:style>
+      </p:sp>
+      <p:sp>
+        <p:nvSpPr>
+          <p:cNvPr id="447" name="CustomShape 3"/>
+          <p:cNvSpPr/>
+          <p:nvPr/>
+        </p:nvSpPr>
+        <p:spPr>
+          <a:xfrm>
+            <a:off x="155520" y="-136440"/>
+            <a:ext cx="291600" cy="291600"/>
+          </a:xfrm>
+          <a:prstGeom prst="rect">
+            <a:avLst/>
+          </a:prstGeom>
+          <a:noFill/>
+          <a:ln>
+            <a:noFill/>
+          </a:ln>
+        </p:spPr>
+        <p:style>
+          <a:lnRef idx="0">
+            <a:scrgbClr r="0" g="0" b="0"/>
+          </a:lnRef>
+          <a:fillRef idx="0">
+            <a:scrgbClr r="0" g="0" b="0"/>
+          </a:fillRef>
+          <a:effectRef idx="0">
+            <a:scrgbClr r="0" g="0" b="0"/>
+          </a:effectRef>
+          <a:fontRef idx="minor"/>
+        </p:style>
+      </p:sp>
+      <p:sp>
+        <p:nvSpPr>
+          <p:cNvPr id="448" name="CustomShape 4"/>
+          <p:cNvSpPr/>
+          <p:nvPr/>
+        </p:nvSpPr>
+        <p:spPr>
+          <a:xfrm>
+            <a:off x="155520" y="-136440"/>
+            <a:ext cx="291600" cy="291600"/>
+          </a:xfrm>
+          <a:prstGeom prst="rect">
+            <a:avLst/>
+          </a:prstGeom>
+          <a:noFill/>
+          <a:ln>
+            <a:noFill/>
+          </a:ln>
+        </p:spPr>
+        <p:style>
+          <a:lnRef idx="0">
+            <a:scrgbClr r="0" g="0" b="0"/>
+          </a:lnRef>
+          <a:fillRef idx="0">
+            <a:scrgbClr r="0" g="0" b="0"/>
+          </a:fillRef>
+          <a:effectRef idx="0">
+            <a:scrgbClr r="0" g="0" b="0"/>
+          </a:effectRef>
+          <a:fontRef idx="minor"/>
+        </p:style>
+      </p:sp>
+      <p:sp>
+        <p:nvSpPr>
+          <p:cNvPr id="449" name="CustomShape 5"/>
+          <p:cNvSpPr/>
+          <p:nvPr/>
+        </p:nvSpPr>
+        <p:spPr>
+          <a:xfrm>
+            <a:off x="155520" y="-136440"/>
+            <a:ext cx="291600" cy="291600"/>
+          </a:xfrm>
+          <a:prstGeom prst="rect">
+            <a:avLst/>
+          </a:prstGeom>
+          <a:noFill/>
+          <a:ln>
+            <a:noFill/>
+          </a:ln>
+        </p:spPr>
+        <p:style>
+          <a:lnRef idx="0">
+            <a:scrgbClr r="0" g="0" b="0"/>
+          </a:lnRef>
+          <a:fillRef idx="0">
+            <a:scrgbClr r="0" g="0" b="0"/>
+          </a:fillRef>
+          <a:effectRef idx="0">
+            <a:scrgbClr r="0" g="0" b="0"/>
+          </a:effectRef>
+          <a:fontRef idx="minor"/>
+        </p:style>
+      </p:sp>
+      <p:sp>
+        <p:nvSpPr>
+          <p:cNvPr id="451" name="CustomShape 7"/>
+          <p:cNvSpPr/>
+          <p:nvPr/>
+        </p:nvSpPr>
+        <p:spPr>
+          <a:xfrm>
+            <a:off x="706056" y="371479"/>
+            <a:ext cx="8709194" cy="542520"/>
+          </a:xfrm>
+          <a:prstGeom prst="rect">
+            <a:avLst/>
+          </a:prstGeom>
+          <a:noFill/>
+          <a:ln>
+            <a:noFill/>
+          </a:ln>
+        </p:spPr>
+        <p:style>
+          <a:lnRef idx="0">
+            <a:scrgbClr r="0" g="0" b="0"/>
+          </a:lnRef>
+          <a:fillRef idx="0">
+            <a:scrgbClr r="0" g="0" b="0"/>
+          </a:fillRef>
+          <a:effectRef idx="0">
+            <a:scrgbClr r="0" g="0" b="0"/>
+          </a:effectRef>
+          <a:fontRef idx="minor"/>
+        </p:style>
+        <p:txBody>
+          <a:bodyPr lIns="90000" tIns="45000" rIns="90000" bIns="45000"/>
+          <a:lstStyle/>
+          <a:p>
+            <a:pPr>
+              <a:lnSpc>
+                <a:spcPct val="100000"/>
+              </a:lnSpc>
+            </a:pPr>
+            <a:r>
+              <a:rPr lang="en-US" sz="2400" u="sng" strike="noStrike" spc="-1" dirty="0">
+                <a:solidFill>
+                  <a:srgbClr val="000000"/>
+                </a:solidFill>
+                <a:latin typeface="Baskerville Old Face" panose="02020602080505020303" pitchFamily="18" charset="77"/>
+                <a:ea typeface="DejaVu Sans"/>
+              </a:rPr>
+              <a:t>Representational Similarity Analysis (RSA; </a:t>
+            </a:r>
+            <a:r>
+              <a:rPr lang="en-US" sz="1400" strike="noStrike" spc="-1" dirty="0" err="1">
+                <a:solidFill>
+                  <a:srgbClr val="000000"/>
+                </a:solidFill>
+                <a:latin typeface="Baskerville Old Face" panose="02020602080505020303" pitchFamily="18" charset="77"/>
+                <a:ea typeface="DejaVu Sans"/>
+              </a:rPr>
+              <a:t>Kriegeskorte</a:t>
+            </a:r>
+            <a:r>
+              <a:rPr lang="en-US" sz="1400" strike="noStrike" spc="-1" dirty="0">
+                <a:solidFill>
+                  <a:srgbClr val="000000"/>
+                </a:solidFill>
+                <a:latin typeface="Baskerville Old Face" panose="02020602080505020303" pitchFamily="18" charset="77"/>
+                <a:ea typeface="DejaVu Sans"/>
+              </a:rPr>
+              <a:t>, Mur and </a:t>
+            </a:r>
+            <a:r>
+              <a:rPr lang="en-US" sz="1400" strike="noStrike" spc="-1" dirty="0" err="1">
+                <a:solidFill>
+                  <a:srgbClr val="000000"/>
+                </a:solidFill>
+                <a:latin typeface="Baskerville Old Face" panose="02020602080505020303" pitchFamily="18" charset="77"/>
+                <a:ea typeface="DejaVu Sans"/>
+              </a:rPr>
+              <a:t>Bandettini</a:t>
+            </a:r>
+            <a:r>
+              <a:rPr lang="en-US" sz="1400" strike="noStrike" spc="-1" dirty="0">
+                <a:solidFill>
+                  <a:srgbClr val="000000"/>
+                </a:solidFill>
+                <a:latin typeface="Baskerville Old Face" panose="02020602080505020303" pitchFamily="18" charset="77"/>
+                <a:ea typeface="DejaVu Sans"/>
+              </a:rPr>
+              <a:t>, 2008</a:t>
+            </a:r>
+            <a:r>
+              <a:rPr lang="en-US" sz="2400" u="sng" spc="-1" dirty="0">
+                <a:solidFill>
+                  <a:srgbClr val="000000"/>
+                </a:solidFill>
+                <a:latin typeface="Baskerville Old Face" panose="02020602080505020303" pitchFamily="18" charset="77"/>
+                <a:ea typeface="DejaVu Sans"/>
+              </a:rPr>
+              <a:t>)</a:t>
+            </a:r>
+            <a:endParaRPr lang="en-US" sz="2400" u="sng" strike="noStrike" spc="-1" dirty="0">
+              <a:latin typeface="Baskerville Old Face" panose="02020602080505020303" pitchFamily="18" charset="77"/>
+            </a:endParaRPr>
+          </a:p>
+          <a:p>
+            <a:pPr>
+              <a:lnSpc>
+                <a:spcPct val="100000"/>
+              </a:lnSpc>
+            </a:pPr>
+            <a:endParaRPr lang="en-US" sz="2400" u="sng" strike="noStrike" spc="-1" dirty="0">
+              <a:latin typeface="Baskerville Old Face" panose="02020602080505020303" pitchFamily="18" charset="77"/>
+            </a:endParaRPr>
+          </a:p>
+          <a:p>
+            <a:pPr>
+              <a:lnSpc>
+                <a:spcPct val="100000"/>
+              </a:lnSpc>
+            </a:pPr>
+            <a:endParaRPr lang="en-US" sz="2400" u="sng" strike="noStrike" spc="-1" dirty="0">
+              <a:latin typeface="Baskerville Old Face" panose="02020602080505020303" pitchFamily="18" charset="77"/>
+            </a:endParaRPr>
+          </a:p>
+        </p:txBody>
+      </p:sp>
+      <p:pic>
+        <p:nvPicPr>
+          <p:cNvPr id="453" name="Picture 4"/>
+          <p:cNvPicPr/>
+          <p:nvPr/>
+        </p:nvPicPr>
+        <p:blipFill>
+          <a:blip r:embed="rId3"/>
+          <a:srcRect r="56028" b="77738"/>
+          <a:stretch/>
+        </p:blipFill>
+        <p:spPr>
+          <a:xfrm>
+            <a:off x="1936795" y="1539789"/>
+            <a:ext cx="1638720" cy="1462680"/>
+          </a:xfrm>
+          <a:prstGeom prst="rect">
+            <a:avLst/>
+          </a:prstGeom>
+          <a:ln w="9360">
+            <a:noFill/>
+          </a:ln>
+        </p:spPr>
+      </p:pic>
+      <p:pic>
+        <p:nvPicPr>
+          <p:cNvPr id="455" name="Picture 4"/>
+          <p:cNvPicPr/>
+          <p:nvPr/>
+        </p:nvPicPr>
+        <p:blipFill>
+          <a:blip r:embed="rId3"/>
+          <a:srcRect l="56901" r="-3454" b="77738"/>
+          <a:stretch/>
+        </p:blipFill>
+        <p:spPr>
+          <a:xfrm>
+            <a:off x="4221715" y="1542683"/>
+            <a:ext cx="1735560" cy="1462680"/>
+          </a:xfrm>
+          <a:prstGeom prst="rect">
+            <a:avLst/>
+          </a:prstGeom>
+          <a:ln w="9360">
+            <a:noFill/>
+          </a:ln>
+        </p:spPr>
+      </p:pic>
+      <p:graphicFrame>
+        <p:nvGraphicFramePr>
+          <p:cNvPr id="456" name="Table 9"/>
+          <p:cNvGraphicFramePr/>
+          <p:nvPr>
+            <p:extLst>
+              <p:ext uri="{D42A27DB-BD31-4B8C-83A1-F6EECF244321}">
+                <p14:modId xmlns:p14="http://schemas.microsoft.com/office/powerpoint/2010/main" val="3185047238"/>
+              </p:ext>
+            </p:extLst>
+          </p:nvPr>
+        </p:nvGraphicFramePr>
+        <p:xfrm>
+          <a:off x="4221715" y="3373809"/>
+          <a:ext cx="1402560" cy="1258560"/>
+        </p:xfrm>
+        <a:graphic>
+          <a:graphicData uri="http://schemas.openxmlformats.org/drawingml/2006/table">
+            <a:tbl>
+              <a:tblPr/>
+              <a:tblGrid>
+                <a:gridCol w="467640">
+                  <a:extLst>
+                    <a:ext uri="{9D8B030D-6E8A-4147-A177-3AD203B41FA5}">
+                      <a16:colId xmlns:a16="http://schemas.microsoft.com/office/drawing/2014/main" val="20000"/>
+                    </a:ext>
+                  </a:extLst>
+                </a:gridCol>
+                <a:gridCol w="467640">
+                  <a:extLst>
+                    <a:ext uri="{9D8B030D-6E8A-4147-A177-3AD203B41FA5}">
+                      <a16:colId xmlns:a16="http://schemas.microsoft.com/office/drawing/2014/main" val="20001"/>
+                    </a:ext>
+                  </a:extLst>
+                </a:gridCol>
+                <a:gridCol w="467280">
+                  <a:extLst>
+                    <a:ext uri="{9D8B030D-6E8A-4147-A177-3AD203B41FA5}">
+                      <a16:colId xmlns:a16="http://schemas.microsoft.com/office/drawing/2014/main" val="20002"/>
+                    </a:ext>
+                  </a:extLst>
+                </a:gridCol>
+              </a:tblGrid>
+              <a:tr h="420120">
+                <a:tc>
+                  <a:txBody>
+                    <a:bodyPr/>
+                    <a:lstStyle/>
+                    <a:p>
+                      <a:endParaRPr lang="es-DE"/>
+                    </a:p>
+                  </a:txBody>
+                  <a:tcPr marL="90000" marR="90000">
+                    <a:lnL w="720">
+                      <a:solidFill>
+                        <a:srgbClr val="FFFFFF"/>
+                      </a:solidFill>
+                    </a:lnL>
+                    <a:lnR w="720">
+                      <a:solidFill>
+                        <a:srgbClr val="FFFFFF"/>
+                      </a:solidFill>
+                    </a:lnR>
+                    <a:lnT w="720">
+                      <a:solidFill>
+                        <a:srgbClr val="FFFFFF"/>
+                      </a:solidFill>
+                    </a:lnT>
+                    <a:lnB w="720">
+                      <a:solidFill>
+                        <a:srgbClr val="FFFFFF"/>
+                      </a:solidFill>
+                    </a:lnB>
+                    <a:solidFill>
+                      <a:srgbClr val="7F7F7F"/>
+                    </a:solidFill>
+                  </a:tcPr>
+                </a:tc>
+                <a:tc>
+                  <a:txBody>
+                    <a:bodyPr/>
+                    <a:lstStyle/>
+                    <a:p>
+                      <a:endParaRPr lang="es-DE"/>
+                    </a:p>
+                  </a:txBody>
+                  <a:tcPr marL="90000" marR="90000">
+                    <a:lnL w="720">
+                      <a:solidFill>
+                        <a:srgbClr val="FFFFFF"/>
+                      </a:solidFill>
+                    </a:lnL>
+                    <a:lnR w="720">
+                      <a:solidFill>
+                        <a:srgbClr val="FFFFFF"/>
+                      </a:solidFill>
+                    </a:lnR>
+                    <a:lnT w="720">
+                      <a:solidFill>
+                        <a:srgbClr val="FFFFFF"/>
+                      </a:solidFill>
+                    </a:lnT>
+                    <a:lnB w="720">
+                      <a:solidFill>
+                        <a:srgbClr val="FFFFFF"/>
+                      </a:solidFill>
+                    </a:lnB>
+                    <a:solidFill>
+                      <a:srgbClr val="BABABA"/>
+                    </a:solidFill>
+                  </a:tcPr>
+                </a:tc>
+                <a:tc>
+                  <a:txBody>
+                    <a:bodyPr/>
+                    <a:lstStyle/>
+                    <a:p>
+                      <a:endParaRPr lang="es-DE"/>
+                    </a:p>
+                  </a:txBody>
+                  <a:tcPr marL="90000" marR="90000">
+                    <a:lnL w="720">
+                      <a:solidFill>
+                        <a:srgbClr val="FFFFFF"/>
+                      </a:solidFill>
+                    </a:lnL>
+                    <a:lnR w="720">
+                      <a:solidFill>
+                        <a:srgbClr val="FFFFFF"/>
+                      </a:solidFill>
+                    </a:lnR>
+                    <a:lnT w="720">
+                      <a:solidFill>
+                        <a:srgbClr val="FFFFFF"/>
+                      </a:solidFill>
+                    </a:lnT>
+                    <a:lnB w="720">
+                      <a:solidFill>
+                        <a:srgbClr val="FFFFFF"/>
+                      </a:solidFill>
+                    </a:lnB>
+                    <a:solidFill>
+                      <a:srgbClr val="B3B3B3"/>
+                    </a:solidFill>
+                  </a:tcPr>
+                </a:tc>
+                <a:extLst>
+                  <a:ext uri="{0D108BD9-81ED-4DB2-BD59-A6C34878D82A}">
+                    <a16:rowId xmlns:a16="http://schemas.microsoft.com/office/drawing/2014/main" val="10000"/>
+                  </a:ext>
+                </a:extLst>
+              </a:tr>
+              <a:tr h="420120">
+                <a:tc>
+                  <a:txBody>
+                    <a:bodyPr/>
+                    <a:lstStyle/>
+                    <a:p>
+                      <a:endParaRPr lang="es-DE"/>
+                    </a:p>
+                  </a:txBody>
+                  <a:tcPr marL="90000" marR="90000">
+                    <a:lnL w="720">
+                      <a:solidFill>
+                        <a:srgbClr val="FFFFFF"/>
+                      </a:solidFill>
+                    </a:lnL>
+                    <a:lnR w="720">
+                      <a:solidFill>
+                        <a:srgbClr val="FFFFFF"/>
+                      </a:solidFill>
+                    </a:lnR>
+                    <a:lnT w="720">
+                      <a:solidFill>
+                        <a:srgbClr val="FFFFFF"/>
+                      </a:solidFill>
+                    </a:lnT>
+                    <a:lnB w="720">
+                      <a:solidFill>
+                        <a:srgbClr val="FFFFFF"/>
+                      </a:solidFill>
+                    </a:lnB>
+                    <a:solidFill>
+                      <a:srgbClr val="CCCCCC"/>
+                    </a:solidFill>
+                  </a:tcPr>
+                </a:tc>
+                <a:tc>
+                  <a:txBody>
+                    <a:bodyPr/>
+                    <a:lstStyle/>
+                    <a:p>
+                      <a:endParaRPr lang="es-DE"/>
+                    </a:p>
+                  </a:txBody>
+                  <a:tcPr marL="90000" marR="90000">
+                    <a:lnL w="720">
+                      <a:solidFill>
+                        <a:srgbClr val="FFFFFF"/>
+                      </a:solidFill>
+                    </a:lnL>
+                    <a:lnR w="720">
+                      <a:solidFill>
+                        <a:srgbClr val="FFFFFF"/>
+                      </a:solidFill>
+                    </a:lnR>
+                    <a:lnT w="720">
+                      <a:solidFill>
+                        <a:srgbClr val="FFFFFF"/>
+                      </a:solidFill>
+                    </a:lnT>
+                    <a:lnB w="720">
+                      <a:solidFill>
+                        <a:srgbClr val="FFFFFF"/>
+                      </a:solidFill>
+                    </a:lnB>
+                    <a:solidFill>
+                      <a:srgbClr val="4C4C4C"/>
+                    </a:solidFill>
+                  </a:tcPr>
+                </a:tc>
+                <a:tc>
+                  <a:txBody>
+                    <a:bodyPr/>
+                    <a:lstStyle/>
+                    <a:p>
+                      <a:endParaRPr lang="es-DE" dirty="0"/>
+                    </a:p>
+                  </a:txBody>
+                  <a:tcPr marL="90000" marR="90000">
+                    <a:lnL w="720">
+                      <a:solidFill>
+                        <a:srgbClr val="FFFFFF"/>
+                      </a:solidFill>
+                    </a:lnL>
+                    <a:lnR w="720">
+                      <a:solidFill>
+                        <a:srgbClr val="FFFFFF"/>
+                      </a:solidFill>
+                    </a:lnR>
+                    <a:lnT w="720">
+                      <a:solidFill>
+                        <a:srgbClr val="FFFFFF"/>
+                      </a:solidFill>
+                    </a:lnT>
+                    <a:lnB w="720">
+                      <a:solidFill>
+                        <a:srgbClr val="FFFFFF"/>
+                      </a:solidFill>
+                    </a:lnB>
+                    <a:solidFill>
+                      <a:srgbClr val="CCCCCC"/>
+                    </a:solidFill>
+                  </a:tcPr>
+                </a:tc>
+                <a:extLst>
+                  <a:ext uri="{0D108BD9-81ED-4DB2-BD59-A6C34878D82A}">
+                    <a16:rowId xmlns:a16="http://schemas.microsoft.com/office/drawing/2014/main" val="10001"/>
+                  </a:ext>
+                </a:extLst>
+              </a:tr>
+              <a:tr h="418320">
+                <a:tc>
+                  <a:txBody>
+                    <a:bodyPr/>
+                    <a:lstStyle/>
+                    <a:p>
+                      <a:endParaRPr lang="es-DE"/>
+                    </a:p>
+                  </a:txBody>
+                  <a:tcPr marL="90000" marR="90000">
+                    <a:lnL w="720">
+                      <a:solidFill>
+                        <a:srgbClr val="FFFFFF"/>
+                      </a:solidFill>
+                    </a:lnL>
+                    <a:lnR w="720">
+                      <a:solidFill>
+                        <a:srgbClr val="FFFFFF"/>
+                      </a:solidFill>
+                    </a:lnR>
+                    <a:lnT w="720">
+                      <a:solidFill>
+                        <a:srgbClr val="FFFFFF"/>
+                      </a:solidFill>
+                    </a:lnT>
+                    <a:lnB w="720">
+                      <a:solidFill>
+                        <a:srgbClr val="FFFFFF"/>
+                      </a:solidFill>
+                    </a:lnB>
+                    <a:solidFill>
+                      <a:srgbClr val="E6E6E6"/>
+                    </a:solidFill>
+                  </a:tcPr>
+                </a:tc>
+                <a:tc>
+                  <a:txBody>
+                    <a:bodyPr/>
+                    <a:lstStyle/>
+                    <a:p>
+                      <a:endParaRPr lang="es-DE"/>
+                    </a:p>
+                  </a:txBody>
+                  <a:tcPr marL="90000" marR="90000">
+                    <a:lnL w="720">
+                      <a:solidFill>
+                        <a:srgbClr val="FFFFFF"/>
+                      </a:solidFill>
+                    </a:lnL>
+                    <a:lnR w="720">
+                      <a:solidFill>
+                        <a:srgbClr val="FFFFFF"/>
+                      </a:solidFill>
+                    </a:lnR>
+                    <a:lnT w="720">
+                      <a:solidFill>
+                        <a:srgbClr val="FFFFFF"/>
+                      </a:solidFill>
+                    </a:lnT>
+                    <a:lnB w="720">
+                      <a:solidFill>
+                        <a:srgbClr val="FFFFFF"/>
+                      </a:solidFill>
+                    </a:lnB>
+                    <a:solidFill>
+                      <a:srgbClr val="4C4C4C"/>
+                    </a:solidFill>
+                  </a:tcPr>
+                </a:tc>
+                <a:tc>
+                  <a:txBody>
+                    <a:bodyPr/>
+                    <a:lstStyle/>
+                    <a:p>
+                      <a:endParaRPr lang="es-DE" dirty="0"/>
+                    </a:p>
+                  </a:txBody>
+                  <a:tcPr marL="90000" marR="90000">
+                    <a:lnL w="720">
+                      <a:solidFill>
+                        <a:srgbClr val="FFFFFF"/>
+                      </a:solidFill>
+                    </a:lnL>
+                    <a:lnR w="720">
+                      <a:solidFill>
+                        <a:srgbClr val="FFFFFF"/>
+                      </a:solidFill>
+                    </a:lnR>
+                    <a:lnT w="720">
+                      <a:solidFill>
+                        <a:srgbClr val="FFFFFF"/>
+                      </a:solidFill>
+                    </a:lnT>
+                    <a:lnB w="720">
+                      <a:solidFill>
+                        <a:srgbClr val="FFFFFF"/>
+                      </a:solidFill>
+                    </a:lnB>
+                    <a:solidFill>
+                      <a:srgbClr val="E6E6E6"/>
+                    </a:solidFill>
+                  </a:tcPr>
+                </a:tc>
+                <a:extLst>
+                  <a:ext uri="{0D108BD9-81ED-4DB2-BD59-A6C34878D82A}">
+                    <a16:rowId xmlns:a16="http://schemas.microsoft.com/office/drawing/2014/main" val="10002"/>
+                  </a:ext>
+                </a:extLst>
+              </a:tr>
+            </a:tbl>
+          </a:graphicData>
+        </a:graphic>
+      </p:graphicFrame>
+      <p:sp>
+        <p:nvSpPr>
+          <p:cNvPr id="457" name="CustomShape 10"/>
+          <p:cNvSpPr/>
+          <p:nvPr/>
+        </p:nvSpPr>
+        <p:spPr>
+          <a:xfrm>
+            <a:off x="3625195" y="2271309"/>
+            <a:ext cx="528120" cy="182520"/>
+          </a:xfrm>
+          <a:custGeom>
+            <a:avLst/>
+            <a:gdLst/>
+            <a:ahLst/>
+            <a:cxnLst/>
+            <a:rect l="l" t="t" r="r" b="b"/>
+            <a:pathLst>
+              <a:path w="1470" h="510">
+                <a:moveTo>
+                  <a:pt x="0" y="254"/>
+                </a:moveTo>
+                <a:lnTo>
+                  <a:pt x="292" y="0"/>
+                </a:lnTo>
+                <a:lnTo>
+                  <a:pt x="292" y="127"/>
+                </a:lnTo>
+                <a:lnTo>
+                  <a:pt x="1176" y="127"/>
+                </a:lnTo>
+                <a:lnTo>
+                  <a:pt x="1176" y="0"/>
+                </a:lnTo>
+                <a:lnTo>
+                  <a:pt x="1469" y="254"/>
+                </a:lnTo>
+                <a:lnTo>
+                  <a:pt x="1176" y="509"/>
+                </a:lnTo>
+                <a:lnTo>
+                  <a:pt x="1176" y="381"/>
+                </a:lnTo>
+                <a:lnTo>
+                  <a:pt x="292" y="381"/>
+                </a:lnTo>
+                <a:lnTo>
+                  <a:pt x="292" y="509"/>
+                </a:lnTo>
+                <a:lnTo>
+                  <a:pt x="0" y="254"/>
+                </a:lnTo>
+              </a:path>
+            </a:pathLst>
+          </a:custGeom>
+          <a:solidFill>
+            <a:srgbClr val="4C4C4C"/>
+          </a:solidFill>
+          <a:ln>
+            <a:solidFill>
+              <a:srgbClr val="3465A4"/>
+            </a:solidFill>
+          </a:ln>
+        </p:spPr>
+        <p:style>
+          <a:lnRef idx="0">
+            <a:scrgbClr r="0" g="0" b="0"/>
+          </a:lnRef>
+          <a:fillRef idx="0">
+            <a:scrgbClr r="0" g="0" b="0"/>
+          </a:fillRef>
+          <a:effectRef idx="0">
+            <a:scrgbClr r="0" g="0" b="0"/>
+          </a:effectRef>
+          <a:fontRef idx="minor"/>
+        </p:style>
+      </p:sp>
+      <p:sp>
+        <p:nvSpPr>
+          <p:cNvPr id="459" name="CustomShape 12"/>
+          <p:cNvSpPr/>
+          <p:nvPr/>
+        </p:nvSpPr>
+        <p:spPr>
+          <a:xfrm>
+            <a:off x="2118595" y="1088349"/>
+            <a:ext cx="1414800" cy="542520"/>
+          </a:xfrm>
+          <a:prstGeom prst="rect">
+            <a:avLst/>
+          </a:prstGeom>
+          <a:noFill/>
+          <a:ln>
+            <a:noFill/>
+          </a:ln>
+        </p:spPr>
+        <p:style>
+          <a:lnRef idx="0">
+            <a:scrgbClr r="0" g="0" b="0"/>
+          </a:lnRef>
+          <a:fillRef idx="0">
+            <a:scrgbClr r="0" g="0" b="0"/>
+          </a:fillRef>
+          <a:effectRef idx="0">
+            <a:scrgbClr r="0" g="0" b="0"/>
+          </a:effectRef>
+          <a:fontRef idx="minor"/>
+        </p:style>
+        <p:txBody>
+          <a:bodyPr lIns="90000" tIns="45000" rIns="90000" bIns="45000"/>
+          <a:lstStyle/>
+          <a:p>
+            <a:pPr>
+              <a:lnSpc>
+                <a:spcPct val="100000"/>
+              </a:lnSpc>
+            </a:pPr>
+            <a:r>
+              <a:rPr lang="en-US" sz="1800" b="0" strike="noStrike" spc="-1">
+                <a:solidFill>
+                  <a:srgbClr val="000000"/>
+                </a:solidFill>
+                <a:latin typeface="Arial"/>
+                <a:ea typeface="DejaVu Sans"/>
+              </a:rPr>
+              <a:t>Condition 1</a:t>
+            </a:r>
+            <a:endParaRPr lang="en-US" sz="1800" b="0" strike="noStrike" spc="-1">
+              <a:latin typeface="Arial"/>
+            </a:endParaRPr>
+          </a:p>
+        </p:txBody>
+      </p:sp>
+      <p:sp>
+        <p:nvSpPr>
+          <p:cNvPr id="460" name="CustomShape 13"/>
+          <p:cNvSpPr/>
+          <p:nvPr/>
+        </p:nvSpPr>
+        <p:spPr>
+          <a:xfrm>
+            <a:off x="4313155" y="1082589"/>
+            <a:ext cx="1414800" cy="542520"/>
+          </a:xfrm>
+          <a:prstGeom prst="rect">
+            <a:avLst/>
+          </a:prstGeom>
+          <a:noFill/>
+          <a:ln>
+            <a:noFill/>
+          </a:ln>
+        </p:spPr>
+        <p:style>
+          <a:lnRef idx="0">
+            <a:scrgbClr r="0" g="0" b="0"/>
+          </a:lnRef>
+          <a:fillRef idx="0">
+            <a:scrgbClr r="0" g="0" b="0"/>
+          </a:fillRef>
+          <a:effectRef idx="0">
+            <a:scrgbClr r="0" g="0" b="0"/>
+          </a:effectRef>
+          <a:fontRef idx="minor"/>
+        </p:style>
+        <p:txBody>
+          <a:bodyPr lIns="90000" tIns="45000" rIns="90000" bIns="45000"/>
+          <a:lstStyle/>
+          <a:p>
+            <a:pPr>
+              <a:lnSpc>
+                <a:spcPct val="100000"/>
+              </a:lnSpc>
+            </a:pPr>
+            <a:r>
+              <a:rPr lang="en-US" sz="1800" b="0" strike="noStrike" spc="-1" dirty="0">
+                <a:solidFill>
+                  <a:srgbClr val="000000"/>
+                </a:solidFill>
+                <a:latin typeface="Arial"/>
+                <a:ea typeface="DejaVu Sans"/>
+              </a:rPr>
+              <a:t>Condition 2</a:t>
+            </a:r>
+            <a:endParaRPr lang="en-US" sz="1800" b="0" strike="noStrike" spc="-1" dirty="0">
+              <a:latin typeface="Arial"/>
+            </a:endParaRPr>
+          </a:p>
+        </p:txBody>
+      </p:sp>
+      <p:sp>
+        <p:nvSpPr>
+          <p:cNvPr id="461" name="CustomShape 14"/>
+          <p:cNvSpPr/>
+          <p:nvPr/>
+        </p:nvSpPr>
+        <p:spPr>
+          <a:xfrm>
+            <a:off x="2118595" y="1088349"/>
+            <a:ext cx="1414800" cy="542520"/>
+          </a:xfrm>
+          <a:prstGeom prst="rect">
+            <a:avLst/>
+          </a:prstGeom>
+          <a:noFill/>
+          <a:ln>
+            <a:noFill/>
+          </a:ln>
+        </p:spPr>
+        <p:style>
+          <a:lnRef idx="0">
+            <a:scrgbClr r="0" g="0" b="0"/>
+          </a:lnRef>
+          <a:fillRef idx="0">
+            <a:scrgbClr r="0" g="0" b="0"/>
+          </a:fillRef>
+          <a:effectRef idx="0">
+            <a:scrgbClr r="0" g="0" b="0"/>
+          </a:effectRef>
+          <a:fontRef idx="minor"/>
+        </p:style>
+        <p:txBody>
+          <a:bodyPr lIns="90000" tIns="45000" rIns="90000" bIns="45000"/>
+          <a:lstStyle/>
+          <a:p>
+            <a:pPr>
+              <a:lnSpc>
+                <a:spcPct val="100000"/>
+              </a:lnSpc>
+            </a:pPr>
+            <a:r>
+              <a:rPr lang="en-US" sz="1800" b="0" strike="noStrike" spc="-1" dirty="0">
+                <a:solidFill>
+                  <a:srgbClr val="000000"/>
+                </a:solidFill>
+                <a:latin typeface="Arial"/>
+                <a:ea typeface="DejaVu Sans"/>
+              </a:rPr>
+              <a:t>Condition 1</a:t>
+            </a:r>
+            <a:endParaRPr lang="en-US" sz="1800" b="0" strike="noStrike" spc="-1" dirty="0">
+              <a:latin typeface="Arial"/>
+            </a:endParaRPr>
+          </a:p>
+        </p:txBody>
+      </p:sp>
+      <p:sp>
+        <p:nvSpPr>
+          <p:cNvPr id="462" name="CustomShape 15"/>
+          <p:cNvSpPr/>
+          <p:nvPr/>
+        </p:nvSpPr>
+        <p:spPr>
+          <a:xfrm>
+            <a:off x="4103635" y="3040087"/>
+            <a:ext cx="1414800" cy="542520"/>
+          </a:xfrm>
+          <a:prstGeom prst="rect">
+            <a:avLst/>
+          </a:prstGeom>
+          <a:noFill/>
+          <a:ln>
+            <a:noFill/>
+          </a:ln>
+        </p:spPr>
+        <p:style>
+          <a:lnRef idx="0">
+            <a:scrgbClr r="0" g="0" b="0"/>
+          </a:lnRef>
+          <a:fillRef idx="0">
+            <a:scrgbClr r="0" g="0" b="0"/>
+          </a:fillRef>
+          <a:effectRef idx="0">
+            <a:scrgbClr r="0" g="0" b="0"/>
+          </a:effectRef>
+          <a:fontRef idx="minor"/>
+        </p:style>
+        <p:txBody>
+          <a:bodyPr lIns="90000" tIns="45000" rIns="90000" bIns="45000"/>
+          <a:lstStyle/>
+          <a:p>
+            <a:pPr>
+              <a:lnSpc>
+                <a:spcPct val="100000"/>
+              </a:lnSpc>
+            </a:pPr>
+            <a:r>
+              <a:rPr lang="en-US" sz="1800" b="0" strike="noStrike" spc="-1" dirty="0">
+                <a:solidFill>
+                  <a:srgbClr val="000000"/>
+                </a:solidFill>
+                <a:latin typeface="Arial"/>
+                <a:ea typeface="DejaVu Sans"/>
+              </a:rPr>
+              <a:t>Condition 3</a:t>
+            </a:r>
+            <a:endParaRPr lang="en-US" sz="1800" b="0" strike="noStrike" spc="-1" dirty="0">
+              <a:latin typeface="Arial"/>
+            </a:endParaRPr>
+          </a:p>
+        </p:txBody>
+      </p:sp>
+      <p:pic>
+        <p:nvPicPr>
+          <p:cNvPr id="20" name="Picture 4">
+            <a:extLst>
+              <a:ext uri="{FF2B5EF4-FFF2-40B4-BE49-F238E27FC236}">
+                <a16:creationId xmlns:a16="http://schemas.microsoft.com/office/drawing/2014/main" id="{4F10AFF6-F19E-3946-A240-D8A736F52869}"/>
+              </a:ext>
+            </a:extLst>
+          </p:cNvPr>
+          <p:cNvPicPr/>
+          <p:nvPr/>
+        </p:nvPicPr>
+        <p:blipFill>
+          <a:blip r:embed="rId3"/>
+          <a:srcRect r="56028" b="77738"/>
+          <a:stretch/>
+        </p:blipFill>
+        <p:spPr>
+          <a:xfrm>
+            <a:off x="1936795" y="3271749"/>
+            <a:ext cx="1638720" cy="1462680"/>
+          </a:xfrm>
+          <a:prstGeom prst="rect">
+            <a:avLst/>
+          </a:prstGeom>
+          <a:ln w="9360">
+            <a:noFill/>
+          </a:ln>
+        </p:spPr>
+      </p:pic>
+      <p:sp>
+        <p:nvSpPr>
+          <p:cNvPr id="21" name="CustomShape 10">
+            <a:extLst>
+              <a:ext uri="{FF2B5EF4-FFF2-40B4-BE49-F238E27FC236}">
+                <a16:creationId xmlns:a16="http://schemas.microsoft.com/office/drawing/2014/main" id="{E557A9B3-7E85-B241-AE8D-6F588B2CCD50}"/>
+              </a:ext>
+            </a:extLst>
+          </p:cNvPr>
+          <p:cNvSpPr/>
+          <p:nvPr/>
+        </p:nvSpPr>
+        <p:spPr>
+          <a:xfrm>
+            <a:off x="3575515" y="3911829"/>
+            <a:ext cx="528120" cy="182520"/>
+          </a:xfrm>
+          <a:custGeom>
+            <a:avLst/>
+            <a:gdLst/>
+            <a:ahLst/>
+            <a:cxnLst/>
+            <a:rect l="l" t="t" r="r" b="b"/>
+            <a:pathLst>
+              <a:path w="1470" h="510">
+                <a:moveTo>
+                  <a:pt x="0" y="254"/>
+                </a:moveTo>
+                <a:lnTo>
+                  <a:pt x="292" y="0"/>
+                </a:lnTo>
+                <a:lnTo>
+                  <a:pt x="292" y="127"/>
+                </a:lnTo>
+                <a:lnTo>
+                  <a:pt x="1176" y="127"/>
+                </a:lnTo>
+                <a:lnTo>
+                  <a:pt x="1176" y="0"/>
+                </a:lnTo>
+                <a:lnTo>
+                  <a:pt x="1469" y="254"/>
+                </a:lnTo>
+                <a:lnTo>
+                  <a:pt x="1176" y="509"/>
+                </a:lnTo>
+                <a:lnTo>
+                  <a:pt x="1176" y="381"/>
+                </a:lnTo>
+                <a:lnTo>
+                  <a:pt x="292" y="381"/>
+                </a:lnTo>
+                <a:lnTo>
+                  <a:pt x="292" y="509"/>
+                </a:lnTo>
+                <a:lnTo>
+                  <a:pt x="0" y="254"/>
+                </a:lnTo>
+              </a:path>
+            </a:pathLst>
+          </a:custGeom>
+          <a:solidFill>
+            <a:srgbClr val="4C4C4C"/>
+          </a:solidFill>
+          <a:ln>
+            <a:solidFill>
+              <a:srgbClr val="3465A4"/>
+            </a:solidFill>
+          </a:ln>
+        </p:spPr>
+        <p:style>
+          <a:lnRef idx="0">
+            <a:scrgbClr r="0" g="0" b="0"/>
+          </a:lnRef>
+          <a:fillRef idx="0">
+            <a:scrgbClr r="0" g="0" b="0"/>
+          </a:fillRef>
+          <a:effectRef idx="0">
+            <a:scrgbClr r="0" g="0" b="0"/>
+          </a:effectRef>
+          <a:fontRef idx="minor"/>
+        </p:style>
+      </p:sp>
+      <p:pic>
+        <p:nvPicPr>
+          <p:cNvPr id="22" name="Picture 4">
+            <a:extLst>
+              <a:ext uri="{FF2B5EF4-FFF2-40B4-BE49-F238E27FC236}">
+                <a16:creationId xmlns:a16="http://schemas.microsoft.com/office/drawing/2014/main" id="{FE1B5C3C-1550-0A4E-9953-7C2B823A50B8}"/>
+              </a:ext>
+            </a:extLst>
+          </p:cNvPr>
+          <p:cNvPicPr/>
+          <p:nvPr/>
+        </p:nvPicPr>
+        <p:blipFill>
+          <a:blip r:embed="rId3"/>
+          <a:srcRect l="56901" r="-3454" b="77738"/>
+          <a:stretch/>
+        </p:blipFill>
+        <p:spPr>
+          <a:xfrm>
+            <a:off x="1958215" y="4912449"/>
+            <a:ext cx="1735560" cy="1462680"/>
+          </a:xfrm>
+          <a:prstGeom prst="rect">
+            <a:avLst/>
+          </a:prstGeom>
+          <a:ln w="9360">
+            <a:noFill/>
+          </a:ln>
+        </p:spPr>
+      </p:pic>
+      <p:graphicFrame>
+        <p:nvGraphicFramePr>
+          <p:cNvPr id="23" name="Table 9">
+            <a:extLst>
+              <a:ext uri="{FF2B5EF4-FFF2-40B4-BE49-F238E27FC236}">
+                <a16:creationId xmlns:a16="http://schemas.microsoft.com/office/drawing/2014/main" id="{3E1A31CE-5EB1-DA44-A602-8205E81A8916}"/>
+              </a:ext>
+            </a:extLst>
+          </p:cNvPr>
+          <p:cNvGraphicFramePr/>
+          <p:nvPr>
+            <p:extLst>
+              <p:ext uri="{D42A27DB-BD31-4B8C-83A1-F6EECF244321}">
+                <p14:modId xmlns:p14="http://schemas.microsoft.com/office/powerpoint/2010/main" val="3851527470"/>
+              </p:ext>
+            </p:extLst>
+          </p:nvPr>
+        </p:nvGraphicFramePr>
+        <p:xfrm>
+          <a:off x="4192998" y="5000815"/>
+          <a:ext cx="1402560" cy="1258560"/>
+        </p:xfrm>
+        <a:graphic>
+          <a:graphicData uri="http://schemas.openxmlformats.org/drawingml/2006/table">
+            <a:tbl>
+              <a:tblPr/>
+              <a:tblGrid>
+                <a:gridCol w="467640">
+                  <a:extLst>
+                    <a:ext uri="{9D8B030D-6E8A-4147-A177-3AD203B41FA5}">
+                      <a16:colId xmlns:a16="http://schemas.microsoft.com/office/drawing/2014/main" val="20000"/>
+                    </a:ext>
+                  </a:extLst>
+                </a:gridCol>
+                <a:gridCol w="467640">
+                  <a:extLst>
+                    <a:ext uri="{9D8B030D-6E8A-4147-A177-3AD203B41FA5}">
+                      <a16:colId xmlns:a16="http://schemas.microsoft.com/office/drawing/2014/main" val="20001"/>
+                    </a:ext>
+                  </a:extLst>
+                </a:gridCol>
+                <a:gridCol w="467280">
+                  <a:extLst>
+                    <a:ext uri="{9D8B030D-6E8A-4147-A177-3AD203B41FA5}">
+                      <a16:colId xmlns:a16="http://schemas.microsoft.com/office/drawing/2014/main" val="20002"/>
+                    </a:ext>
+                  </a:extLst>
+                </a:gridCol>
+              </a:tblGrid>
+              <a:tr h="420120">
+                <a:tc>
+                  <a:txBody>
+                    <a:bodyPr/>
+                    <a:lstStyle/>
+                    <a:p>
+                      <a:endParaRPr lang="es-DE"/>
+                    </a:p>
+                  </a:txBody>
+                  <a:tcPr marL="90000" marR="90000">
+                    <a:lnL w="720">
+                      <a:solidFill>
+                        <a:srgbClr val="FFFFFF"/>
+                      </a:solidFill>
+                    </a:lnL>
+                    <a:lnR w="720">
+                      <a:solidFill>
+                        <a:srgbClr val="FFFFFF"/>
+                      </a:solidFill>
+                    </a:lnR>
+                    <a:lnT w="720">
+                      <a:solidFill>
+                        <a:srgbClr val="FFFFFF"/>
+                      </a:solidFill>
+                    </a:lnT>
+                    <a:lnB w="720">
+                      <a:solidFill>
+                        <a:srgbClr val="FFFFFF"/>
+                      </a:solidFill>
+                    </a:lnB>
+                    <a:solidFill>
+                      <a:srgbClr val="7F7F7F"/>
+                    </a:solidFill>
+                  </a:tcPr>
+                </a:tc>
+                <a:tc>
+                  <a:txBody>
+                    <a:bodyPr/>
+                    <a:lstStyle/>
+                    <a:p>
+                      <a:endParaRPr lang="es-DE"/>
+                    </a:p>
+                  </a:txBody>
+                  <a:tcPr marL="90000" marR="90000">
+                    <a:lnL w="720">
+                      <a:solidFill>
+                        <a:srgbClr val="FFFFFF"/>
+                      </a:solidFill>
+                    </a:lnL>
+                    <a:lnR w="720">
+                      <a:solidFill>
+                        <a:srgbClr val="FFFFFF"/>
+                      </a:solidFill>
+                    </a:lnR>
+                    <a:lnT w="720">
+                      <a:solidFill>
+                        <a:srgbClr val="FFFFFF"/>
+                      </a:solidFill>
+                    </a:lnT>
+                    <a:lnB w="720">
+                      <a:solidFill>
+                        <a:srgbClr val="FFFFFF"/>
+                      </a:solidFill>
+                    </a:lnB>
+                    <a:solidFill>
+                      <a:srgbClr val="BABABA"/>
+                    </a:solidFill>
+                  </a:tcPr>
+                </a:tc>
+                <a:tc>
+                  <a:txBody>
+                    <a:bodyPr/>
+                    <a:lstStyle/>
+                    <a:p>
+                      <a:endParaRPr lang="es-DE"/>
+                    </a:p>
+                  </a:txBody>
+                  <a:tcPr marL="90000" marR="90000">
+                    <a:lnL w="720">
+                      <a:solidFill>
+                        <a:srgbClr val="FFFFFF"/>
+                      </a:solidFill>
+                    </a:lnL>
+                    <a:lnR w="720">
+                      <a:solidFill>
+                        <a:srgbClr val="FFFFFF"/>
+                      </a:solidFill>
+                    </a:lnR>
+                    <a:lnT w="720">
+                      <a:solidFill>
+                        <a:srgbClr val="FFFFFF"/>
+                      </a:solidFill>
+                    </a:lnT>
+                    <a:lnB w="720">
+                      <a:solidFill>
+                        <a:srgbClr val="FFFFFF"/>
+                      </a:solidFill>
+                    </a:lnB>
+                    <a:solidFill>
+                      <a:srgbClr val="B3B3B3"/>
+                    </a:solidFill>
+                  </a:tcPr>
+                </a:tc>
+                <a:extLst>
+                  <a:ext uri="{0D108BD9-81ED-4DB2-BD59-A6C34878D82A}">
+                    <a16:rowId xmlns:a16="http://schemas.microsoft.com/office/drawing/2014/main" val="10000"/>
+                  </a:ext>
+                </a:extLst>
+              </a:tr>
+              <a:tr h="420120">
+                <a:tc>
+                  <a:txBody>
+                    <a:bodyPr/>
+                    <a:lstStyle/>
+                    <a:p>
+                      <a:endParaRPr lang="es-DE"/>
+                    </a:p>
+                  </a:txBody>
+                  <a:tcPr marL="90000" marR="90000">
+                    <a:lnL w="720">
+                      <a:solidFill>
+                        <a:srgbClr val="FFFFFF"/>
+                      </a:solidFill>
+                    </a:lnL>
+                    <a:lnR w="720">
+                      <a:solidFill>
+                        <a:srgbClr val="FFFFFF"/>
+                      </a:solidFill>
+                    </a:lnR>
+                    <a:lnT w="720">
+                      <a:solidFill>
+                        <a:srgbClr val="FFFFFF"/>
+                      </a:solidFill>
+                    </a:lnT>
+                    <a:lnB w="720">
+                      <a:solidFill>
+                        <a:srgbClr val="FFFFFF"/>
+                      </a:solidFill>
+                    </a:lnB>
+                    <a:solidFill>
+                      <a:srgbClr val="CCCCCC"/>
+                    </a:solidFill>
+                  </a:tcPr>
+                </a:tc>
+                <a:tc>
+                  <a:txBody>
+                    <a:bodyPr/>
+                    <a:lstStyle/>
+                    <a:p>
+                      <a:endParaRPr lang="es-DE"/>
+                    </a:p>
+                  </a:txBody>
+                  <a:tcPr marL="90000" marR="90000">
+                    <a:lnL w="720">
+                      <a:solidFill>
+                        <a:srgbClr val="FFFFFF"/>
+                      </a:solidFill>
+                    </a:lnL>
+                    <a:lnR w="720">
+                      <a:solidFill>
+                        <a:srgbClr val="FFFFFF"/>
+                      </a:solidFill>
+                    </a:lnR>
+                    <a:lnT w="720">
+                      <a:solidFill>
+                        <a:srgbClr val="FFFFFF"/>
+                      </a:solidFill>
+                    </a:lnT>
+                    <a:lnB w="720">
+                      <a:solidFill>
+                        <a:srgbClr val="FFFFFF"/>
+                      </a:solidFill>
+                    </a:lnB>
+                    <a:solidFill>
+                      <a:srgbClr val="4C4C4C"/>
+                    </a:solidFill>
+                  </a:tcPr>
+                </a:tc>
+                <a:tc>
+                  <a:txBody>
+                    <a:bodyPr/>
+                    <a:lstStyle/>
+                    <a:p>
+                      <a:endParaRPr lang="es-DE" dirty="0"/>
+                    </a:p>
+                  </a:txBody>
+                  <a:tcPr marL="90000" marR="90000">
+                    <a:lnL w="720">
+                      <a:solidFill>
+                        <a:srgbClr val="FFFFFF"/>
+                      </a:solidFill>
+                    </a:lnL>
+                    <a:lnR w="720">
+                      <a:solidFill>
+                        <a:srgbClr val="FFFFFF"/>
+                      </a:solidFill>
+                    </a:lnR>
+                    <a:lnT w="720">
+                      <a:solidFill>
+                        <a:srgbClr val="FFFFFF"/>
+                      </a:solidFill>
+                    </a:lnT>
+                    <a:lnB w="720">
+                      <a:solidFill>
+                        <a:srgbClr val="FFFFFF"/>
+                      </a:solidFill>
+                    </a:lnB>
+                    <a:solidFill>
+                      <a:srgbClr val="CCCCCC"/>
+                    </a:solidFill>
+                  </a:tcPr>
+                </a:tc>
+                <a:extLst>
+                  <a:ext uri="{0D108BD9-81ED-4DB2-BD59-A6C34878D82A}">
+                    <a16:rowId xmlns:a16="http://schemas.microsoft.com/office/drawing/2014/main" val="10001"/>
+                  </a:ext>
+                </a:extLst>
+              </a:tr>
+              <a:tr h="418320">
+                <a:tc>
+                  <a:txBody>
+                    <a:bodyPr/>
+                    <a:lstStyle/>
+                    <a:p>
+                      <a:endParaRPr lang="es-DE"/>
+                    </a:p>
+                  </a:txBody>
+                  <a:tcPr marL="90000" marR="90000">
+                    <a:lnL w="720">
+                      <a:solidFill>
+                        <a:srgbClr val="FFFFFF"/>
+                      </a:solidFill>
+                    </a:lnL>
+                    <a:lnR w="720">
+                      <a:solidFill>
+                        <a:srgbClr val="FFFFFF"/>
+                      </a:solidFill>
+                    </a:lnR>
+                    <a:lnT w="720">
+                      <a:solidFill>
+                        <a:srgbClr val="FFFFFF"/>
+                      </a:solidFill>
+                    </a:lnT>
+                    <a:lnB w="720">
+                      <a:solidFill>
+                        <a:srgbClr val="FFFFFF"/>
+                      </a:solidFill>
+                    </a:lnB>
+                    <a:solidFill>
+                      <a:srgbClr val="E6E6E6"/>
+                    </a:solidFill>
+                  </a:tcPr>
+                </a:tc>
+                <a:tc>
+                  <a:txBody>
+                    <a:bodyPr/>
+                    <a:lstStyle/>
+                    <a:p>
+                      <a:endParaRPr lang="es-DE"/>
+                    </a:p>
+                  </a:txBody>
+                  <a:tcPr marL="90000" marR="90000">
+                    <a:lnL w="720">
+                      <a:solidFill>
+                        <a:srgbClr val="FFFFFF"/>
+                      </a:solidFill>
+                    </a:lnL>
+                    <a:lnR w="720">
+                      <a:solidFill>
+                        <a:srgbClr val="FFFFFF"/>
+                      </a:solidFill>
+                    </a:lnR>
+                    <a:lnT w="720">
+                      <a:solidFill>
+                        <a:srgbClr val="FFFFFF"/>
+                      </a:solidFill>
+                    </a:lnT>
+                    <a:lnB w="720">
+                      <a:solidFill>
+                        <a:srgbClr val="FFFFFF"/>
+                      </a:solidFill>
+                    </a:lnB>
+                    <a:solidFill>
+                      <a:srgbClr val="4C4C4C"/>
+                    </a:solidFill>
+                  </a:tcPr>
+                </a:tc>
+                <a:tc>
+                  <a:txBody>
+                    <a:bodyPr/>
+                    <a:lstStyle/>
+                    <a:p>
+                      <a:endParaRPr lang="es-DE" dirty="0"/>
+                    </a:p>
+                  </a:txBody>
+                  <a:tcPr marL="90000" marR="90000">
+                    <a:lnL w="720">
+                      <a:solidFill>
+                        <a:srgbClr val="FFFFFF"/>
+                      </a:solidFill>
+                    </a:lnL>
+                    <a:lnR w="720">
+                      <a:solidFill>
+                        <a:srgbClr val="FFFFFF"/>
+                      </a:solidFill>
+                    </a:lnR>
+                    <a:lnT w="720">
+                      <a:solidFill>
+                        <a:srgbClr val="FFFFFF"/>
+                      </a:solidFill>
+                    </a:lnT>
+                    <a:lnB w="720">
+                      <a:solidFill>
+                        <a:srgbClr val="FFFFFF"/>
+                      </a:solidFill>
+                    </a:lnB>
+                    <a:solidFill>
+                      <a:srgbClr val="E6E6E6"/>
+                    </a:solidFill>
+                  </a:tcPr>
+                </a:tc>
+                <a:extLst>
+                  <a:ext uri="{0D108BD9-81ED-4DB2-BD59-A6C34878D82A}">
+                    <a16:rowId xmlns:a16="http://schemas.microsoft.com/office/drawing/2014/main" val="10002"/>
+                  </a:ext>
+                </a:extLst>
+              </a:tr>
+            </a:tbl>
+          </a:graphicData>
+        </a:graphic>
+      </p:graphicFrame>
+      <p:sp>
+        <p:nvSpPr>
+          <p:cNvPr id="24" name="CustomShape 13">
+            <a:extLst>
+              <a:ext uri="{FF2B5EF4-FFF2-40B4-BE49-F238E27FC236}">
+                <a16:creationId xmlns:a16="http://schemas.microsoft.com/office/drawing/2014/main" id="{0F48FD83-4D15-104A-83E5-CDB322A5CBD6}"/>
+              </a:ext>
+            </a:extLst>
+          </p:cNvPr>
+          <p:cNvSpPr/>
+          <p:nvPr/>
+        </p:nvSpPr>
+        <p:spPr>
+          <a:xfrm>
+            <a:off x="2118595" y="4729555"/>
+            <a:ext cx="1414800" cy="542520"/>
+          </a:xfrm>
+          <a:prstGeom prst="rect">
+            <a:avLst/>
+          </a:prstGeom>
+          <a:noFill/>
+          <a:ln>
+            <a:noFill/>
+          </a:ln>
+        </p:spPr>
+        <p:style>
+          <a:lnRef idx="0">
+            <a:scrgbClr r="0" g="0" b="0"/>
+          </a:lnRef>
+          <a:fillRef idx="0">
+            <a:scrgbClr r="0" g="0" b="0"/>
+          </a:fillRef>
+          <a:effectRef idx="0">
+            <a:scrgbClr r="0" g="0" b="0"/>
+          </a:effectRef>
+          <a:fontRef idx="minor"/>
+        </p:style>
+        <p:txBody>
+          <a:bodyPr lIns="90000" tIns="45000" rIns="90000" bIns="45000"/>
+          <a:lstStyle/>
+          <a:p>
+            <a:pPr>
+              <a:lnSpc>
+                <a:spcPct val="100000"/>
+              </a:lnSpc>
+            </a:pPr>
+            <a:r>
+              <a:rPr lang="en-US" sz="1800" b="0" strike="noStrike" spc="-1" dirty="0">
+                <a:solidFill>
+                  <a:srgbClr val="000000"/>
+                </a:solidFill>
+                <a:latin typeface="Arial"/>
+                <a:ea typeface="DejaVu Sans"/>
+              </a:rPr>
+              <a:t>Condition 2</a:t>
+            </a:r>
+            <a:endParaRPr lang="en-US" sz="1800" b="0" strike="noStrike" spc="-1" dirty="0">
+              <a:latin typeface="Arial"/>
+            </a:endParaRPr>
+          </a:p>
+        </p:txBody>
+      </p:sp>
+      <p:sp>
+        <p:nvSpPr>
+          <p:cNvPr id="25" name="CustomShape 14">
+            <a:extLst>
+              <a:ext uri="{FF2B5EF4-FFF2-40B4-BE49-F238E27FC236}">
+                <a16:creationId xmlns:a16="http://schemas.microsoft.com/office/drawing/2014/main" id="{5BFCDCF2-7EF0-1845-900F-56BB5A163BB2}"/>
+              </a:ext>
+            </a:extLst>
+          </p:cNvPr>
+          <p:cNvSpPr/>
+          <p:nvPr/>
+        </p:nvSpPr>
+        <p:spPr>
+          <a:xfrm>
+            <a:off x="2118595" y="2999826"/>
+            <a:ext cx="1414800" cy="542520"/>
+          </a:xfrm>
+          <a:prstGeom prst="rect">
+            <a:avLst/>
+          </a:prstGeom>
+          <a:noFill/>
+          <a:ln>
+            <a:noFill/>
+          </a:ln>
+        </p:spPr>
+        <p:style>
+          <a:lnRef idx="0">
+            <a:scrgbClr r="0" g="0" b="0"/>
+          </a:lnRef>
+          <a:fillRef idx="0">
+            <a:scrgbClr r="0" g="0" b="0"/>
+          </a:fillRef>
+          <a:effectRef idx="0">
+            <a:scrgbClr r="0" g="0" b="0"/>
+          </a:effectRef>
+          <a:fontRef idx="minor"/>
+        </p:style>
+        <p:txBody>
+          <a:bodyPr lIns="90000" tIns="45000" rIns="90000" bIns="45000"/>
+          <a:lstStyle/>
+          <a:p>
+            <a:pPr>
+              <a:lnSpc>
+                <a:spcPct val="100000"/>
+              </a:lnSpc>
+            </a:pPr>
+            <a:r>
+              <a:rPr lang="en-US" sz="1800" b="0" strike="noStrike" spc="-1" dirty="0">
+                <a:solidFill>
+                  <a:srgbClr val="000000"/>
+                </a:solidFill>
+                <a:latin typeface="Arial"/>
+                <a:ea typeface="DejaVu Sans"/>
+              </a:rPr>
+              <a:t>Condition 1</a:t>
+            </a:r>
+            <a:endParaRPr lang="en-US" sz="1800" b="0" strike="noStrike" spc="-1" dirty="0">
+              <a:latin typeface="Arial"/>
+            </a:endParaRPr>
+          </a:p>
+        </p:txBody>
+      </p:sp>
+      <p:sp>
+        <p:nvSpPr>
+          <p:cNvPr id="26" name="CustomShape 15">
+            <a:extLst>
+              <a:ext uri="{FF2B5EF4-FFF2-40B4-BE49-F238E27FC236}">
+                <a16:creationId xmlns:a16="http://schemas.microsoft.com/office/drawing/2014/main" id="{3FACA1EB-2D5B-6E42-BFE1-3F77B855242A}"/>
+              </a:ext>
+            </a:extLst>
+          </p:cNvPr>
+          <p:cNvSpPr/>
+          <p:nvPr/>
+        </p:nvSpPr>
+        <p:spPr>
+          <a:xfrm>
+            <a:off x="4192998" y="4649316"/>
+            <a:ext cx="1414800" cy="542520"/>
+          </a:xfrm>
+          <a:prstGeom prst="rect">
+            <a:avLst/>
+          </a:prstGeom>
+          <a:noFill/>
+          <a:ln>
+            <a:noFill/>
+          </a:ln>
+        </p:spPr>
+        <p:style>
+          <a:lnRef idx="0">
+            <a:scrgbClr r="0" g="0" b="0"/>
+          </a:lnRef>
+          <a:fillRef idx="0">
+            <a:scrgbClr r="0" g="0" b="0"/>
+          </a:fillRef>
+          <a:effectRef idx="0">
+            <a:scrgbClr r="0" g="0" b="0"/>
+          </a:effectRef>
+          <a:fontRef idx="minor"/>
+        </p:style>
+        <p:txBody>
+          <a:bodyPr lIns="90000" tIns="45000" rIns="90000" bIns="45000"/>
+          <a:lstStyle/>
+          <a:p>
+            <a:pPr>
+              <a:lnSpc>
+                <a:spcPct val="100000"/>
+              </a:lnSpc>
+            </a:pPr>
+            <a:r>
+              <a:rPr lang="en-US" sz="1800" b="0" strike="noStrike" spc="-1" dirty="0">
+                <a:solidFill>
+                  <a:srgbClr val="000000"/>
+                </a:solidFill>
+                <a:latin typeface="Arial"/>
+                <a:ea typeface="DejaVu Sans"/>
+              </a:rPr>
+              <a:t>Condition 3</a:t>
+            </a:r>
+            <a:endParaRPr lang="en-US" sz="1800" b="0" strike="noStrike" spc="-1" dirty="0">
+              <a:latin typeface="Arial"/>
+            </a:endParaRPr>
+          </a:p>
+        </p:txBody>
+      </p:sp>
+      <p:sp>
+        <p:nvSpPr>
+          <p:cNvPr id="27" name="CustomShape 10">
+            <a:extLst>
+              <a:ext uri="{FF2B5EF4-FFF2-40B4-BE49-F238E27FC236}">
+                <a16:creationId xmlns:a16="http://schemas.microsoft.com/office/drawing/2014/main" id="{C969C116-56F9-7D43-8D1D-652024DF8125}"/>
+              </a:ext>
+            </a:extLst>
+          </p:cNvPr>
+          <p:cNvSpPr/>
+          <p:nvPr/>
+        </p:nvSpPr>
+        <p:spPr>
+          <a:xfrm>
+            <a:off x="3668162" y="5461269"/>
+            <a:ext cx="528120" cy="182520"/>
+          </a:xfrm>
+          <a:custGeom>
+            <a:avLst/>
+            <a:gdLst/>
+            <a:ahLst/>
+            <a:cxnLst/>
+            <a:rect l="l" t="t" r="r" b="b"/>
+            <a:pathLst>
+              <a:path w="1470" h="510">
+                <a:moveTo>
+                  <a:pt x="0" y="254"/>
+                </a:moveTo>
+                <a:lnTo>
+                  <a:pt x="292" y="0"/>
+                </a:lnTo>
+                <a:lnTo>
+                  <a:pt x="292" y="127"/>
+                </a:lnTo>
+                <a:lnTo>
+                  <a:pt x="1176" y="127"/>
+                </a:lnTo>
+                <a:lnTo>
+                  <a:pt x="1176" y="0"/>
+                </a:lnTo>
+                <a:lnTo>
+                  <a:pt x="1469" y="254"/>
+                </a:lnTo>
+                <a:lnTo>
+                  <a:pt x="1176" y="509"/>
+                </a:lnTo>
+                <a:lnTo>
+                  <a:pt x="1176" y="381"/>
+                </a:lnTo>
+                <a:lnTo>
+                  <a:pt x="292" y="381"/>
+                </a:lnTo>
+                <a:lnTo>
+                  <a:pt x="292" y="509"/>
+                </a:lnTo>
+                <a:lnTo>
+                  <a:pt x="0" y="254"/>
+                </a:lnTo>
+              </a:path>
+            </a:pathLst>
+          </a:custGeom>
+          <a:solidFill>
+            <a:srgbClr val="4C4C4C"/>
+          </a:solidFill>
+          <a:ln>
+            <a:solidFill>
+              <a:srgbClr val="3465A4"/>
+            </a:solidFill>
+          </a:ln>
+        </p:spPr>
+        <p:style>
+          <a:lnRef idx="0">
+            <a:scrgbClr r="0" g="0" b="0"/>
+          </a:lnRef>
+          <a:fillRef idx="0">
+            <a:scrgbClr r="0" g="0" b="0"/>
+          </a:fillRef>
+          <a:effectRef idx="0">
+            <a:scrgbClr r="0" g="0" b="0"/>
+          </a:effectRef>
+          <a:fontRef idx="minor"/>
+        </p:style>
+      </p:sp>
+      <p:pic>
+        <p:nvPicPr>
+          <p:cNvPr id="28" name="Picture 4">
+            <a:extLst>
+              <a:ext uri="{FF2B5EF4-FFF2-40B4-BE49-F238E27FC236}">
+                <a16:creationId xmlns:a16="http://schemas.microsoft.com/office/drawing/2014/main" id="{356B1803-2820-0149-A6F6-E3583CF8F424}"/>
+              </a:ext>
+            </a:extLst>
+          </p:cNvPr>
+          <p:cNvPicPr/>
+          <p:nvPr/>
+        </p:nvPicPr>
+        <p:blipFill>
+          <a:blip r:embed="rId3"/>
+          <a:srcRect r="56028" b="77738"/>
+          <a:stretch/>
+        </p:blipFill>
+        <p:spPr>
+          <a:xfrm>
+            <a:off x="6603475" y="1534839"/>
+            <a:ext cx="1638720" cy="1462680"/>
+          </a:xfrm>
+          <a:prstGeom prst="rect">
+            <a:avLst/>
+          </a:prstGeom>
+          <a:ln w="9360">
+            <a:noFill/>
+          </a:ln>
+        </p:spPr>
+      </p:pic>
+      <p:pic>
+        <p:nvPicPr>
+          <p:cNvPr id="29" name="Picture 4">
+            <a:extLst>
+              <a:ext uri="{FF2B5EF4-FFF2-40B4-BE49-F238E27FC236}">
+                <a16:creationId xmlns:a16="http://schemas.microsoft.com/office/drawing/2014/main" id="{89A2BA1A-F5AC-D44F-B766-D6A718F5ED52}"/>
+              </a:ext>
+            </a:extLst>
+          </p:cNvPr>
+          <p:cNvPicPr/>
+          <p:nvPr/>
+        </p:nvPicPr>
+        <p:blipFill>
+          <a:blip r:embed="rId3"/>
+          <a:srcRect r="56028" b="77738"/>
+          <a:stretch/>
+        </p:blipFill>
+        <p:spPr>
+          <a:xfrm>
+            <a:off x="8429610" y="1534839"/>
+            <a:ext cx="1638720" cy="1462680"/>
+          </a:xfrm>
+          <a:prstGeom prst="rect">
+            <a:avLst/>
+          </a:prstGeom>
+          <a:ln w="9360">
+            <a:noFill/>
+          </a:ln>
+        </p:spPr>
+      </p:pic>
+      <p:sp>
+        <p:nvSpPr>
+          <p:cNvPr id="30" name="CustomShape 10">
+            <a:extLst>
+              <a:ext uri="{FF2B5EF4-FFF2-40B4-BE49-F238E27FC236}">
+                <a16:creationId xmlns:a16="http://schemas.microsoft.com/office/drawing/2014/main" id="{CBCF11FE-1D35-464A-9D97-DEB92886E1F6}"/>
+              </a:ext>
+            </a:extLst>
+          </p:cNvPr>
+          <p:cNvSpPr/>
+          <p:nvPr/>
+        </p:nvSpPr>
+        <p:spPr>
+          <a:xfrm>
+            <a:off x="8071843" y="2230394"/>
+            <a:ext cx="528120" cy="182520"/>
+          </a:xfrm>
+          <a:custGeom>
+            <a:avLst/>
+            <a:gdLst/>
+            <a:ahLst/>
+            <a:cxnLst/>
+            <a:rect l="l" t="t" r="r" b="b"/>
+            <a:pathLst>
+              <a:path w="1470" h="510">
+                <a:moveTo>
+                  <a:pt x="0" y="254"/>
+                </a:moveTo>
+                <a:lnTo>
+                  <a:pt x="292" y="0"/>
+                </a:lnTo>
+                <a:lnTo>
+                  <a:pt x="292" y="127"/>
+                </a:lnTo>
+                <a:lnTo>
+                  <a:pt x="1176" y="127"/>
+                </a:lnTo>
+                <a:lnTo>
+                  <a:pt x="1176" y="0"/>
+                </a:lnTo>
+                <a:lnTo>
+                  <a:pt x="1469" y="254"/>
+                </a:lnTo>
+                <a:lnTo>
+                  <a:pt x="1176" y="509"/>
+                </a:lnTo>
+                <a:lnTo>
+                  <a:pt x="1176" y="381"/>
+                </a:lnTo>
+                <a:lnTo>
+                  <a:pt x="292" y="381"/>
+                </a:lnTo>
+                <a:lnTo>
+                  <a:pt x="292" y="509"/>
+                </a:lnTo>
+                <a:lnTo>
+                  <a:pt x="0" y="254"/>
+                </a:lnTo>
+              </a:path>
+            </a:pathLst>
+          </a:custGeom>
+          <a:solidFill>
+            <a:srgbClr val="4C4C4C"/>
+          </a:solidFill>
+          <a:ln>
+            <a:solidFill>
+              <a:srgbClr val="3465A4"/>
+            </a:solidFill>
+          </a:ln>
+        </p:spPr>
+        <p:style>
+          <a:lnRef idx="0">
+            <a:scrgbClr r="0" g="0" b="0"/>
+          </a:lnRef>
+          <a:fillRef idx="0">
+            <a:scrgbClr r="0" g="0" b="0"/>
+          </a:fillRef>
+          <a:effectRef idx="0">
+            <a:scrgbClr r="0" g="0" b="0"/>
+          </a:effectRef>
+          <a:fontRef idx="minor"/>
+        </p:style>
+      </p:sp>
+      <p:sp>
+        <p:nvSpPr>
+          <p:cNvPr id="31" name="CustomShape 14">
+            <a:extLst>
+              <a:ext uri="{FF2B5EF4-FFF2-40B4-BE49-F238E27FC236}">
+                <a16:creationId xmlns:a16="http://schemas.microsoft.com/office/drawing/2014/main" id="{4B55076E-60D3-AF4C-A592-6800A03EC3AC}"/>
+              </a:ext>
+            </a:extLst>
+          </p:cNvPr>
+          <p:cNvSpPr/>
+          <p:nvPr/>
+        </p:nvSpPr>
+        <p:spPr>
+          <a:xfrm>
+            <a:off x="6694915" y="1163263"/>
+            <a:ext cx="1414800" cy="542520"/>
+          </a:xfrm>
+          <a:prstGeom prst="rect">
+            <a:avLst/>
+          </a:prstGeom>
+          <a:noFill/>
+          <a:ln>
+            <a:noFill/>
+          </a:ln>
+        </p:spPr>
+        <p:style>
+          <a:lnRef idx="0">
+            <a:scrgbClr r="0" g="0" b="0"/>
+          </a:lnRef>
+          <a:fillRef idx="0">
+            <a:scrgbClr r="0" g="0" b="0"/>
+          </a:fillRef>
+          <a:effectRef idx="0">
+            <a:scrgbClr r="0" g="0" b="0"/>
+          </a:effectRef>
+          <a:fontRef idx="minor"/>
+        </p:style>
+        <p:txBody>
+          <a:bodyPr lIns="90000" tIns="45000" rIns="90000" bIns="45000"/>
+          <a:lstStyle/>
+          <a:p>
+            <a:pPr>
+              <a:lnSpc>
+                <a:spcPct val="100000"/>
+              </a:lnSpc>
+            </a:pPr>
+            <a:r>
+              <a:rPr lang="en-US" sz="1800" b="0" strike="noStrike" spc="-1" dirty="0">
+                <a:solidFill>
+                  <a:srgbClr val="000000"/>
+                </a:solidFill>
+                <a:latin typeface="Arial"/>
+                <a:ea typeface="DejaVu Sans"/>
+              </a:rPr>
+              <a:t>Condition 1</a:t>
+            </a:r>
+            <a:endParaRPr lang="en-US" sz="1800" b="0" strike="noStrike" spc="-1" dirty="0">
+              <a:latin typeface="Arial"/>
+            </a:endParaRPr>
+          </a:p>
+        </p:txBody>
+      </p:sp>
+      <p:sp>
+        <p:nvSpPr>
+          <p:cNvPr id="32" name="CustomShape 14">
+            <a:extLst>
+              <a:ext uri="{FF2B5EF4-FFF2-40B4-BE49-F238E27FC236}">
+                <a16:creationId xmlns:a16="http://schemas.microsoft.com/office/drawing/2014/main" id="{BDA3220F-B98B-1945-84CA-88C59F59D8EF}"/>
+              </a:ext>
+            </a:extLst>
+          </p:cNvPr>
+          <p:cNvSpPr/>
+          <p:nvPr/>
+        </p:nvSpPr>
+        <p:spPr>
+          <a:xfrm>
+            <a:off x="8599963" y="1168356"/>
+            <a:ext cx="1414800" cy="542520"/>
+          </a:xfrm>
+          <a:prstGeom prst="rect">
+            <a:avLst/>
+          </a:prstGeom>
+          <a:noFill/>
+          <a:ln>
+            <a:noFill/>
+          </a:ln>
+        </p:spPr>
+        <p:style>
+          <a:lnRef idx="0">
+            <a:scrgbClr r="0" g="0" b="0"/>
+          </a:lnRef>
+          <a:fillRef idx="0">
+            <a:scrgbClr r="0" g="0" b="0"/>
+          </a:fillRef>
+          <a:effectRef idx="0">
+            <a:scrgbClr r="0" g="0" b="0"/>
+          </a:effectRef>
+          <a:fontRef idx="minor"/>
+        </p:style>
+        <p:txBody>
+          <a:bodyPr lIns="90000" tIns="45000" rIns="90000" bIns="45000"/>
+          <a:lstStyle/>
+          <a:p>
+            <a:pPr>
+              <a:lnSpc>
+                <a:spcPct val="100000"/>
+              </a:lnSpc>
+            </a:pPr>
+            <a:r>
+              <a:rPr lang="en-US" sz="1800" b="0" strike="noStrike" spc="-1" dirty="0">
+                <a:solidFill>
+                  <a:srgbClr val="000000"/>
+                </a:solidFill>
+                <a:latin typeface="Arial"/>
+                <a:ea typeface="DejaVu Sans"/>
+              </a:rPr>
+              <a:t>Condition 1</a:t>
+            </a:r>
+            <a:endParaRPr lang="en-US" sz="1800" b="0" strike="noStrike" spc="-1" dirty="0">
+              <a:latin typeface="Arial"/>
+            </a:endParaRPr>
+          </a:p>
+        </p:txBody>
+      </p:sp>
+    </p:spTree>
+    <p:extLst>
+      <p:ext uri="{BB962C8B-B14F-4D97-AF65-F5344CB8AC3E}">
+        <p14:creationId xmlns:p14="http://schemas.microsoft.com/office/powerpoint/2010/main" val="1499208689"/>
+      </p:ext>
+    </p:extLst>
+  </p:cSld>
+  <p:clrMapOvr>
+    <a:masterClrMapping/>
+  </p:clrMapOvr>
+  <p:timing>
+    <p:tnLst>
+      <p:par>
+        <p:cTn id="1" dur="indefinite" restart="never" nodeType="tmRoot">
+          <p:childTnLst>
+            <p:seq>
+              <p:cTn id="2" dur="indefinite" nodeType="mainSeq"/>
+              <p:prevCondLst>
+                <p:cond evt="onPrev" delay="0">
+                  <p:tgtEl>
+                    <p:sldTgt/>
+                  </p:tgtEl>
+                </p:cond>
+              </p:prevCondLst>
+              <p:nextCondLst>
+                <p:cond evt="onNext" delay="0">
+                  <p:tgtEl>
+                    <p:sldTgt/>
+                  </p:tgtEl>
+                </p:cond>
+              </p:nextCondLst>
+            </p:seq>
+          </p:childTnLst>
+        </p:cTn>
+      </p:par>
+    </p:tnLst>
+  </p:timing>
+</p:sld>
+</file>
+
+<file path=ppt/slides/slide35.xml><?xml version="1.0" encoding="utf-8"?>
+<p:sld xmlns:a="http://schemas.openxmlformats.org/drawingml/2006/main" xmlns:r="http://schemas.openxmlformats.org/officeDocument/2006/relationships" xmlns:p="http://schemas.openxmlformats.org/presentationml/2006/main">
+  <p:cSld>
+    <p:spTree>
+      <p:nvGrpSpPr>
+        <p:cNvPr id="1" name=""/>
+        <p:cNvGrpSpPr/>
+        <p:nvPr/>
+      </p:nvGrpSpPr>
+      <p:grpSpPr>
+        <a:xfrm>
+          <a:off x="0" y="0"/>
+          <a:ext cx="0" cy="0"/>
+          <a:chOff x="0" y="0"/>
+          <a:chExt cx="0" cy="0"/>
+        </a:xfrm>
+      </p:grpSpPr>
+      <p:sp>
+        <p:nvSpPr>
+          <p:cNvPr id="465" name="CustomShape 1"/>
+          <p:cNvSpPr/>
+          <p:nvPr/>
+        </p:nvSpPr>
+        <p:spPr>
+          <a:xfrm>
+            <a:off x="7594560" y="6543720"/>
+            <a:ext cx="2304720" cy="237600"/>
+          </a:xfrm>
+          <a:prstGeom prst="rect">
+            <a:avLst/>
+          </a:prstGeom>
+          <a:noFill/>
+          <a:ln>
+            <a:noFill/>
+          </a:ln>
+        </p:spPr>
+        <p:style>
+          <a:lnRef idx="0">
+            <a:scrgbClr r="0" g="0" b="0"/>
+          </a:lnRef>
+          <a:fillRef idx="0">
+            <a:scrgbClr r="0" g="0" b="0"/>
+          </a:fillRef>
+          <a:effectRef idx="0">
+            <a:scrgbClr r="0" g="0" b="0"/>
+          </a:effectRef>
+          <a:fontRef idx="minor"/>
+        </p:style>
+        <p:txBody>
+          <a:bodyPr lIns="90000" tIns="45000" rIns="90000" bIns="45000" anchor="b"/>
+          <a:lstStyle/>
+          <a:p>
+            <a:pPr algn="r">
+              <a:lnSpc>
+                <a:spcPct val="100000"/>
+              </a:lnSpc>
+            </a:pPr>
             <a:fld id="{CFAD31FD-1A30-4EC3-8C98-8DF7EC28D7BE}" type="slidenum">
               <a:rPr lang="en-US" sz="1800" b="0" strike="noStrike" spc="-1">
                 <a:solidFill>
@@ -41200,7 +45070,7 @@
                 <a:latin typeface="Arial"/>
                 <a:ea typeface="DejaVu Sans"/>
               </a:rPr>
-              <a:t>33</a:t>
+              <a:t>35</a:t>
             </a:fld>
             <a:endParaRPr lang="en-US" sz="1800" b="0" strike="noStrike" spc="-1">
               <a:latin typeface="Arial"/>
@@ -42463,7 +46333,7 @@
 </p:sld>
 </file>
 
-<file path=ppt/slides/slide34.xml><?xml version="1.0" encoding="utf-8"?>
+<file path=ppt/slides/slide36.xml><?xml version="1.0" encoding="utf-8"?>
 <p:sld xmlns:a="http://schemas.openxmlformats.org/drawingml/2006/main" xmlns:r="http://schemas.openxmlformats.org/officeDocument/2006/relationships" xmlns:p="http://schemas.openxmlformats.org/presentationml/2006/main">
   <p:cSld>
     <p:spTree>
@@ -42528,7 +46398,7 @@
                 <a:latin typeface="Arial"/>
                 <a:ea typeface="DejaVu Sans"/>
               </a:rPr>
-              <a:t>34</a:t>
+              <a:t>36</a:t>
             </a:fld>
             <a:endParaRPr lang="en-US" sz="1800" b="0" strike="noStrike" spc="-1">
               <a:latin typeface="Arial"/>
@@ -43967,7 +47837,7 @@
 </p:sld>
 </file>
 
-<file path=ppt/slides/slide35.xml><?xml version="1.0" encoding="utf-8"?>
+<file path=ppt/slides/slide37.xml><?xml version="1.0" encoding="utf-8"?>
 <p:sld xmlns:a="http://schemas.openxmlformats.org/drawingml/2006/main" xmlns:r="http://schemas.openxmlformats.org/officeDocument/2006/relationships" xmlns:p="http://schemas.openxmlformats.org/presentationml/2006/main">
   <p:cSld>
     <p:spTree>
@@ -44032,7 +47902,7 @@
                 <a:latin typeface="Arial"/>
                 <a:ea typeface="DejaVu Sans"/>
               </a:rPr>
-              <a:t>35</a:t>
+              <a:t>37</a:t>
             </a:fld>
             <a:endParaRPr lang="en-US" sz="1800" b="0" strike="noStrike" spc="-1">
               <a:latin typeface="Arial"/>

--- a/slides/slides_session-5.pptx
+++ b/slides/slides_session-5.pptx
@@ -7236,7 +7236,7 @@
                 </a:solidFill>
                 <a:latin typeface="Franklin Gothic Book"/>
               </a:rPr>
-              <a:t>5/31/21</a:t>
+              <a:t>6/6/22</a:t>
             </a:fld>
             <a:endParaRPr lang="en-US" sz="1000" b="0" strike="noStrike" spc="-1">
               <a:latin typeface="Times New Roman"/>
@@ -7977,16 +7977,16 @@
               </a:lnSpc>
             </a:pPr>
             <a:r>
-              <a:rPr lang="en-US" sz="4000" b="0" strike="noStrike" spc="-1">
+              <a:rPr lang="en-US" sz="4000" b="0" strike="noStrike" spc="-1" dirty="0">
                 <a:solidFill>
                   <a:srgbClr val="000000"/>
                 </a:solidFill>
                 <a:latin typeface="Baskerville Old Face"/>
                 <a:ea typeface="DejaVu Sans"/>
               </a:rPr>
-              <a:t>Introduction into fMRI analysis. PsyMsc4 (Goethe 2021).</a:t>
-            </a:r>
-            <a:endParaRPr lang="en-US" sz="4000" b="0" strike="noStrike" spc="-1">
+              <a:t>Introduction into fMRI analysis. PsyMsc4 (Goethe 2022).</a:t>
+            </a:r>
+            <a:endParaRPr lang="en-US" sz="4000" b="0" strike="noStrike" spc="-1" dirty="0">
               <a:latin typeface="Arial"/>
             </a:endParaRPr>
           </a:p>
@@ -38587,7 +38587,7 @@
                 <a:latin typeface="Arial"/>
                 <a:ea typeface="DejaVu Sans"/>
               </a:rPr>
-              <a:t>where in the brain it is possible to distinguish between class A and class B?</a:t>
+              <a:t>where in the brain is it possible to distinguish between class A and class B?</a:t>
             </a:r>
             <a:r>
               <a:rPr lang="en-US" sz="1800" b="0" strike="noStrike" spc="-1" dirty="0">
@@ -38597,7 +38597,7 @@
                 <a:latin typeface="Arial"/>
                 <a:ea typeface="DejaVu Sans"/>
               </a:rPr>
-              <a:t> (e.g., stimulus categories? Stimulus identity?).</a:t>
+              <a:t> (e.g., stimulus categories? stimulus identity?).</a:t>
             </a:r>
             <a:endParaRPr lang="en-US" sz="1800" b="0" strike="noStrike" spc="-1" dirty="0">
               <a:latin typeface="Arial"/>
@@ -38637,7 +38637,7 @@
                 <a:latin typeface="Arial"/>
                 <a:ea typeface="DejaVu Sans"/>
               </a:rPr>
-              <a:t>: what type of information is represented? (e.g., low level features vs. Categorical information? Detailed vs. Coarse representations?</a:t>
+              <a:t>: what type of information is represented? (e.g., low level features vs. categorical information? detailed vs. coarse representations?</a:t>
             </a:r>
             <a:endParaRPr lang="en-US" spc="-1" dirty="0">
               <a:latin typeface="Arial"/>
@@ -38683,16 +38683,6 @@
               </a:rPr>
               <a:t>From and until when is a given type of information available? (note: BOLD signal might not be the best measure for small time scales).</a:t>
             </a:r>
-            <a:endParaRPr lang="en-US" sz="1800" b="0" strike="noStrike" spc="-1" dirty="0">
-              <a:latin typeface="Arial"/>
-            </a:endParaRPr>
-          </a:p>
-          <a:p>
-            <a:pPr>
-              <a:lnSpc>
-                <a:spcPct val="100000"/>
-              </a:lnSpc>
-            </a:pPr>
             <a:endParaRPr lang="en-US" sz="1800" b="0" strike="noStrike" spc="-1" dirty="0">
               <a:latin typeface="Arial"/>
             </a:endParaRPr>
@@ -40353,7 +40343,7 @@
                 <a:latin typeface="Baskerville Old Face"/>
                 <a:ea typeface="DejaVu Sans"/>
               </a:rPr>
-              <a:t>Introduction into fMRI analysis. PsyMsc4 (Goethe 2021).</a:t>
+              <a:t>Introduction into fMRI analysis. PsyMsc4 (Goethe 2022).</a:t>
             </a:r>
             <a:endParaRPr lang="en-US" sz="2400" b="0" strike="noStrike" spc="-1" dirty="0">
               <a:latin typeface="Arial"/>
@@ -41543,6 +41533,36 @@
           <a:chExt cx="0" cy="0"/>
         </a:xfrm>
       </p:grpSpPr>
+      <p:pic>
+        <p:nvPicPr>
+          <p:cNvPr id="24" name="Imagen 23">
+            <a:extLst>
+              <a:ext uri="{FF2B5EF4-FFF2-40B4-BE49-F238E27FC236}">
+                <a16:creationId xmlns:a16="http://schemas.microsoft.com/office/drawing/2014/main" id="{9E271C81-BE8F-5209-FF4A-0B68311354A4}"/>
+              </a:ext>
+            </a:extLst>
+          </p:cNvPr>
+          <p:cNvPicPr>
+            <a:picLocks noChangeAspect="1"/>
+          </p:cNvPicPr>
+          <p:nvPr/>
+        </p:nvPicPr>
+        <p:blipFill>
+          <a:blip r:embed="rId3"/>
+          <a:stretch>
+            <a:fillRect/>
+          </a:stretch>
+        </p:blipFill>
+        <p:spPr>
+          <a:xfrm>
+            <a:off x="1351096" y="2386204"/>
+            <a:ext cx="7028281" cy="2095557"/>
+          </a:xfrm>
+          <a:prstGeom prst="rect">
+            <a:avLst/>
+          </a:prstGeom>
+        </p:spPr>
+      </p:pic>
       <p:sp>
         <p:nvSpPr>
           <p:cNvPr id="445" name="CustomShape 1"/>
@@ -41909,428 +41929,6 @@
           </a:p>
         </p:txBody>
       </p:sp>
-      <p:pic>
-        <p:nvPicPr>
-          <p:cNvPr id="453" name="Picture 4"/>
-          <p:cNvPicPr/>
-          <p:nvPr/>
-        </p:nvPicPr>
-        <p:blipFill>
-          <a:blip r:embed="rId3"/>
-          <a:srcRect r="56028" b="77738"/>
-          <a:stretch/>
-        </p:blipFill>
-        <p:spPr>
-          <a:xfrm>
-            <a:off x="1936795" y="2377440"/>
-            <a:ext cx="1638720" cy="1462680"/>
-          </a:xfrm>
-          <a:prstGeom prst="rect">
-            <a:avLst/>
-          </a:prstGeom>
-          <a:ln w="9360">
-            <a:noFill/>
-          </a:ln>
-        </p:spPr>
-      </p:pic>
-      <p:pic>
-        <p:nvPicPr>
-          <p:cNvPr id="455" name="Picture 4"/>
-          <p:cNvPicPr/>
-          <p:nvPr/>
-        </p:nvPicPr>
-        <p:blipFill>
-          <a:blip r:embed="rId3"/>
-          <a:srcRect l="56901" r="-3454" b="77738"/>
-          <a:stretch/>
-        </p:blipFill>
-        <p:spPr>
-          <a:xfrm>
-            <a:off x="4221715" y="2380334"/>
-            <a:ext cx="1735560" cy="1462680"/>
-          </a:xfrm>
-          <a:prstGeom prst="rect">
-            <a:avLst/>
-          </a:prstGeom>
-          <a:ln w="9360">
-            <a:noFill/>
-          </a:ln>
-        </p:spPr>
-      </p:pic>
-      <p:graphicFrame>
-        <p:nvGraphicFramePr>
-          <p:cNvPr id="456" name="Table 9"/>
-          <p:cNvGraphicFramePr/>
-          <p:nvPr>
-            <p:extLst>
-              <p:ext uri="{D42A27DB-BD31-4B8C-83A1-F6EECF244321}">
-                <p14:modId xmlns:p14="http://schemas.microsoft.com/office/powerpoint/2010/main" val="821161743"/>
-              </p:ext>
-            </p:extLst>
-          </p:nvPr>
-        </p:nvGraphicFramePr>
-        <p:xfrm>
-          <a:off x="6429235" y="2515680"/>
-          <a:ext cx="1402560" cy="1258560"/>
-        </p:xfrm>
-        <a:graphic>
-          <a:graphicData uri="http://schemas.openxmlformats.org/drawingml/2006/table">
-            <a:tbl>
-              <a:tblPr/>
-              <a:tblGrid>
-                <a:gridCol w="467640">
-                  <a:extLst>
-                    <a:ext uri="{9D8B030D-6E8A-4147-A177-3AD203B41FA5}">
-                      <a16:colId xmlns:a16="http://schemas.microsoft.com/office/drawing/2014/main" val="20000"/>
-                    </a:ext>
-                  </a:extLst>
-                </a:gridCol>
-                <a:gridCol w="467640">
-                  <a:extLst>
-                    <a:ext uri="{9D8B030D-6E8A-4147-A177-3AD203B41FA5}">
-                      <a16:colId xmlns:a16="http://schemas.microsoft.com/office/drawing/2014/main" val="20001"/>
-                    </a:ext>
-                  </a:extLst>
-                </a:gridCol>
-                <a:gridCol w="467280">
-                  <a:extLst>
-                    <a:ext uri="{9D8B030D-6E8A-4147-A177-3AD203B41FA5}">
-                      <a16:colId xmlns:a16="http://schemas.microsoft.com/office/drawing/2014/main" val="20002"/>
-                    </a:ext>
-                  </a:extLst>
-                </a:gridCol>
-              </a:tblGrid>
-              <a:tr h="420120">
-                <a:tc>
-                  <a:txBody>
-                    <a:bodyPr/>
-                    <a:lstStyle/>
-                    <a:p>
-                      <a:endParaRPr lang="es-DE"/>
-                    </a:p>
-                  </a:txBody>
-                  <a:tcPr marL="90000" marR="90000">
-                    <a:lnL w="720">
-                      <a:solidFill>
-                        <a:srgbClr val="FFFFFF"/>
-                      </a:solidFill>
-                    </a:lnL>
-                    <a:lnR w="720">
-                      <a:solidFill>
-                        <a:srgbClr val="FFFFFF"/>
-                      </a:solidFill>
-                    </a:lnR>
-                    <a:lnT w="720">
-                      <a:solidFill>
-                        <a:srgbClr val="FFFFFF"/>
-                      </a:solidFill>
-                    </a:lnT>
-                    <a:lnB w="720">
-                      <a:solidFill>
-                        <a:srgbClr val="FFFFFF"/>
-                      </a:solidFill>
-                    </a:lnB>
-                    <a:solidFill>
-                      <a:srgbClr val="7F7F7F"/>
-                    </a:solidFill>
-                  </a:tcPr>
-                </a:tc>
-                <a:tc>
-                  <a:txBody>
-                    <a:bodyPr/>
-                    <a:lstStyle/>
-                    <a:p>
-                      <a:endParaRPr lang="es-DE"/>
-                    </a:p>
-                  </a:txBody>
-                  <a:tcPr marL="90000" marR="90000">
-                    <a:lnL w="720">
-                      <a:solidFill>
-                        <a:srgbClr val="FFFFFF"/>
-                      </a:solidFill>
-                    </a:lnL>
-                    <a:lnR w="720">
-                      <a:solidFill>
-                        <a:srgbClr val="FFFFFF"/>
-                      </a:solidFill>
-                    </a:lnR>
-                    <a:lnT w="720">
-                      <a:solidFill>
-                        <a:srgbClr val="FFFFFF"/>
-                      </a:solidFill>
-                    </a:lnT>
-                    <a:lnB w="720">
-                      <a:solidFill>
-                        <a:srgbClr val="FFFFFF"/>
-                      </a:solidFill>
-                    </a:lnB>
-                    <a:solidFill>
-                      <a:srgbClr val="BABABA"/>
-                    </a:solidFill>
-                  </a:tcPr>
-                </a:tc>
-                <a:tc>
-                  <a:txBody>
-                    <a:bodyPr/>
-                    <a:lstStyle/>
-                    <a:p>
-                      <a:endParaRPr lang="es-DE"/>
-                    </a:p>
-                  </a:txBody>
-                  <a:tcPr marL="90000" marR="90000">
-                    <a:lnL w="720">
-                      <a:solidFill>
-                        <a:srgbClr val="FFFFFF"/>
-                      </a:solidFill>
-                    </a:lnL>
-                    <a:lnR w="720">
-                      <a:solidFill>
-                        <a:srgbClr val="FFFFFF"/>
-                      </a:solidFill>
-                    </a:lnR>
-                    <a:lnT w="720">
-                      <a:solidFill>
-                        <a:srgbClr val="FFFFFF"/>
-                      </a:solidFill>
-                    </a:lnT>
-                    <a:lnB w="720">
-                      <a:solidFill>
-                        <a:srgbClr val="FFFFFF"/>
-                      </a:solidFill>
-                    </a:lnB>
-                    <a:solidFill>
-                      <a:srgbClr val="B3B3B3"/>
-                    </a:solidFill>
-                  </a:tcPr>
-                </a:tc>
-                <a:extLst>
-                  <a:ext uri="{0D108BD9-81ED-4DB2-BD59-A6C34878D82A}">
-                    <a16:rowId xmlns:a16="http://schemas.microsoft.com/office/drawing/2014/main" val="10000"/>
-                  </a:ext>
-                </a:extLst>
-              </a:tr>
-              <a:tr h="420120">
-                <a:tc>
-                  <a:txBody>
-                    <a:bodyPr/>
-                    <a:lstStyle/>
-                    <a:p>
-                      <a:endParaRPr lang="es-DE"/>
-                    </a:p>
-                  </a:txBody>
-                  <a:tcPr marL="90000" marR="90000">
-                    <a:lnL w="720">
-                      <a:solidFill>
-                        <a:srgbClr val="FFFFFF"/>
-                      </a:solidFill>
-                    </a:lnL>
-                    <a:lnR w="720">
-                      <a:solidFill>
-                        <a:srgbClr val="FFFFFF"/>
-                      </a:solidFill>
-                    </a:lnR>
-                    <a:lnT w="720">
-                      <a:solidFill>
-                        <a:srgbClr val="FFFFFF"/>
-                      </a:solidFill>
-                    </a:lnT>
-                    <a:lnB w="720">
-                      <a:solidFill>
-                        <a:srgbClr val="FFFFFF"/>
-                      </a:solidFill>
-                    </a:lnB>
-                    <a:solidFill>
-                      <a:srgbClr val="CCCCCC"/>
-                    </a:solidFill>
-                  </a:tcPr>
-                </a:tc>
-                <a:tc>
-                  <a:txBody>
-                    <a:bodyPr/>
-                    <a:lstStyle/>
-                    <a:p>
-                      <a:endParaRPr lang="es-DE"/>
-                    </a:p>
-                  </a:txBody>
-                  <a:tcPr marL="90000" marR="90000">
-                    <a:lnL w="720">
-                      <a:solidFill>
-                        <a:srgbClr val="FFFFFF"/>
-                      </a:solidFill>
-                    </a:lnL>
-                    <a:lnR w="720">
-                      <a:solidFill>
-                        <a:srgbClr val="FFFFFF"/>
-                      </a:solidFill>
-                    </a:lnR>
-                    <a:lnT w="720">
-                      <a:solidFill>
-                        <a:srgbClr val="FFFFFF"/>
-                      </a:solidFill>
-                    </a:lnT>
-                    <a:lnB w="720">
-                      <a:solidFill>
-                        <a:srgbClr val="FFFFFF"/>
-                      </a:solidFill>
-                    </a:lnB>
-                    <a:solidFill>
-                      <a:srgbClr val="4C4C4C"/>
-                    </a:solidFill>
-                  </a:tcPr>
-                </a:tc>
-                <a:tc>
-                  <a:txBody>
-                    <a:bodyPr/>
-                    <a:lstStyle/>
-                    <a:p>
-                      <a:endParaRPr lang="es-DE"/>
-                    </a:p>
-                  </a:txBody>
-                  <a:tcPr marL="90000" marR="90000">
-                    <a:lnL w="720">
-                      <a:solidFill>
-                        <a:srgbClr val="FFFFFF"/>
-                      </a:solidFill>
-                    </a:lnL>
-                    <a:lnR w="720">
-                      <a:solidFill>
-                        <a:srgbClr val="FFFFFF"/>
-                      </a:solidFill>
-                    </a:lnR>
-                    <a:lnT w="720">
-                      <a:solidFill>
-                        <a:srgbClr val="FFFFFF"/>
-                      </a:solidFill>
-                    </a:lnT>
-                    <a:lnB w="720">
-                      <a:solidFill>
-                        <a:srgbClr val="FFFFFF"/>
-                      </a:solidFill>
-                    </a:lnB>
-                    <a:solidFill>
-                      <a:srgbClr val="CCCCCC"/>
-                    </a:solidFill>
-                  </a:tcPr>
-                </a:tc>
-                <a:extLst>
-                  <a:ext uri="{0D108BD9-81ED-4DB2-BD59-A6C34878D82A}">
-                    <a16:rowId xmlns:a16="http://schemas.microsoft.com/office/drawing/2014/main" val="10001"/>
-                  </a:ext>
-                </a:extLst>
-              </a:tr>
-              <a:tr h="418320">
-                <a:tc>
-                  <a:txBody>
-                    <a:bodyPr/>
-                    <a:lstStyle/>
-                    <a:p>
-                      <a:endParaRPr lang="es-DE"/>
-                    </a:p>
-                  </a:txBody>
-                  <a:tcPr marL="90000" marR="90000">
-                    <a:lnL w="720">
-                      <a:solidFill>
-                        <a:srgbClr val="FFFFFF"/>
-                      </a:solidFill>
-                    </a:lnL>
-                    <a:lnR w="720">
-                      <a:solidFill>
-                        <a:srgbClr val="FFFFFF"/>
-                      </a:solidFill>
-                    </a:lnR>
-                    <a:lnT w="720">
-                      <a:solidFill>
-                        <a:srgbClr val="FFFFFF"/>
-                      </a:solidFill>
-                    </a:lnT>
-                    <a:lnB w="720">
-                      <a:solidFill>
-                        <a:srgbClr val="FFFFFF"/>
-                      </a:solidFill>
-                    </a:lnB>
-                    <a:solidFill>
-                      <a:srgbClr val="E6E6E6"/>
-                    </a:solidFill>
-                  </a:tcPr>
-                </a:tc>
-                <a:tc>
-                  <a:txBody>
-                    <a:bodyPr/>
-                    <a:lstStyle/>
-                    <a:p>
-                      <a:endParaRPr lang="es-DE"/>
-                    </a:p>
-                  </a:txBody>
-                  <a:tcPr marL="90000" marR="90000">
-                    <a:lnL w="720">
-                      <a:solidFill>
-                        <a:srgbClr val="FFFFFF"/>
-                      </a:solidFill>
-                    </a:lnL>
-                    <a:lnR w="720">
-                      <a:solidFill>
-                        <a:srgbClr val="FFFFFF"/>
-                      </a:solidFill>
-                    </a:lnR>
-                    <a:lnT w="720">
-                      <a:solidFill>
-                        <a:srgbClr val="FFFFFF"/>
-                      </a:solidFill>
-                    </a:lnT>
-                    <a:lnB w="720">
-                      <a:solidFill>
-                        <a:srgbClr val="FFFFFF"/>
-                      </a:solidFill>
-                    </a:lnB>
-                    <a:solidFill>
-                      <a:srgbClr val="4C4C4C"/>
-                    </a:solidFill>
-                  </a:tcPr>
-                </a:tc>
-                <a:tc>
-                  <a:txBody>
-                    <a:bodyPr/>
-                    <a:lstStyle/>
-                    <a:p>
-                      <a:endParaRPr lang="es-DE"/>
-                    </a:p>
-                  </a:txBody>
-                  <a:tcPr marL="90000" marR="90000">
-                    <a:lnL w="720">
-                      <a:solidFill>
-                        <a:srgbClr val="FFFFFF"/>
-                      </a:solidFill>
-                    </a:lnL>
-                    <a:lnR w="720">
-                      <a:solidFill>
-                        <a:srgbClr val="FFFFFF"/>
-                      </a:solidFill>
-                    </a:lnR>
-                    <a:lnT w="720">
-                      <a:solidFill>
-                        <a:srgbClr val="FFFFFF"/>
-                      </a:solidFill>
-                    </a:lnT>
-                    <a:lnB w="720">
-                      <a:solidFill>
-                        <a:srgbClr val="FFFFFF"/>
-                      </a:solidFill>
-                    </a:lnB>
-                    <a:solidFill>
-                      <a:srgbClr val="E6E6E6"/>
-                    </a:solidFill>
-                  </a:tcPr>
-                </a:tc>
-                <a:extLst>
-                  <a:ext uri="{0D108BD9-81ED-4DB2-BD59-A6C34878D82A}">
-                    <a16:rowId xmlns:a16="http://schemas.microsoft.com/office/drawing/2014/main" val="10002"/>
-                  </a:ext>
-                </a:extLst>
-              </a:tr>
-            </a:tbl>
-          </a:graphicData>
-        </a:graphic>
-      </p:graphicFrame>
       <p:sp>
         <p:nvSpPr>
           <p:cNvPr id="457" name="CustomShape 10"/>
@@ -42339,8 +41937,8 @@
         </p:nvSpPr>
         <p:spPr>
           <a:xfrm>
-            <a:off x="3625195" y="3108960"/>
-            <a:ext cx="528120" cy="182520"/>
+            <a:off x="3365231" y="3383460"/>
+            <a:ext cx="561813" cy="182520"/>
           </a:xfrm>
           <a:custGeom>
             <a:avLst/>
@@ -42410,14 +42008,300 @@
       </p:sp>
       <p:sp>
         <p:nvSpPr>
-          <p:cNvPr id="458" name="CustomShape 11"/>
-          <p:cNvSpPr/>
-          <p:nvPr/>
-        </p:nvSpPr>
-        <p:spPr>
-          <a:xfrm>
-            <a:off x="5809675" y="3108960"/>
-            <a:ext cx="528120" cy="182520"/>
+          <p:cNvPr id="460" name="CustomShape 13"/>
+          <p:cNvSpPr/>
+          <p:nvPr/>
+        </p:nvSpPr>
+        <p:spPr>
+          <a:xfrm>
+            <a:off x="3936569" y="1920240"/>
+            <a:ext cx="1853339" cy="542520"/>
+          </a:xfrm>
+          <a:prstGeom prst="rect">
+            <a:avLst/>
+          </a:prstGeom>
+          <a:noFill/>
+          <a:ln>
+            <a:noFill/>
+          </a:ln>
+        </p:spPr>
+        <p:style>
+          <a:lnRef idx="0">
+            <a:scrgbClr r="0" g="0" b="0"/>
+          </a:lnRef>
+          <a:fillRef idx="0">
+            <a:scrgbClr r="0" g="0" b="0"/>
+          </a:fillRef>
+          <a:effectRef idx="0">
+            <a:scrgbClr r="0" g="0" b="0"/>
+          </a:effectRef>
+          <a:fontRef idx="minor"/>
+        </p:style>
+        <p:txBody>
+          <a:bodyPr lIns="90000" tIns="45000" rIns="90000" bIns="45000"/>
+          <a:lstStyle/>
+          <a:p>
+            <a:pPr algn="ctr">
+              <a:lnSpc>
+                <a:spcPct val="100000"/>
+              </a:lnSpc>
+            </a:pPr>
+            <a:r>
+              <a:rPr lang="en-US" sz="1800" b="0" strike="noStrike" spc="-1" dirty="0">
+                <a:solidFill>
+                  <a:srgbClr val="000000"/>
+                </a:solidFill>
+                <a:latin typeface="Arial"/>
+                <a:ea typeface="DejaVu Sans"/>
+              </a:rPr>
+              <a:t>Condition 2</a:t>
+            </a:r>
+            <a:endParaRPr lang="en-US" sz="1800" b="0" strike="noStrike" spc="-1" dirty="0">
+              <a:latin typeface="Arial"/>
+            </a:endParaRPr>
+          </a:p>
+        </p:txBody>
+      </p:sp>
+      <p:sp>
+        <p:nvSpPr>
+          <p:cNvPr id="461" name="CustomShape 14"/>
+          <p:cNvSpPr/>
+          <p:nvPr/>
+        </p:nvSpPr>
+        <p:spPr>
+          <a:xfrm>
+            <a:off x="1545673" y="1936559"/>
+            <a:ext cx="1829083" cy="542520"/>
+          </a:xfrm>
+          <a:prstGeom prst="rect">
+            <a:avLst/>
+          </a:prstGeom>
+          <a:noFill/>
+          <a:ln>
+            <a:noFill/>
+          </a:ln>
+        </p:spPr>
+        <p:style>
+          <a:lnRef idx="0">
+            <a:scrgbClr r="0" g="0" b="0"/>
+          </a:lnRef>
+          <a:fillRef idx="0">
+            <a:scrgbClr r="0" g="0" b="0"/>
+          </a:fillRef>
+          <a:effectRef idx="0">
+            <a:scrgbClr r="0" g="0" b="0"/>
+          </a:effectRef>
+          <a:fontRef idx="minor"/>
+        </p:style>
+        <p:txBody>
+          <a:bodyPr lIns="90000" tIns="45000" rIns="90000" bIns="45000"/>
+          <a:lstStyle/>
+          <a:p>
+            <a:pPr algn="ctr">
+              <a:lnSpc>
+                <a:spcPct val="100000"/>
+              </a:lnSpc>
+            </a:pPr>
+            <a:r>
+              <a:rPr lang="en-US" sz="1800" b="0" strike="noStrike" spc="-1" dirty="0">
+                <a:solidFill>
+                  <a:srgbClr val="000000"/>
+                </a:solidFill>
+                <a:latin typeface="Arial"/>
+                <a:ea typeface="DejaVu Sans"/>
+              </a:rPr>
+              <a:t>Condition 1</a:t>
+            </a:r>
+            <a:endParaRPr lang="en-US" sz="1800" b="0" strike="noStrike" spc="-1" dirty="0">
+              <a:latin typeface="Arial"/>
+            </a:endParaRPr>
+          </a:p>
+        </p:txBody>
+      </p:sp>
+      <p:sp>
+        <p:nvSpPr>
+          <p:cNvPr id="462" name="CustomShape 15"/>
+          <p:cNvSpPr/>
+          <p:nvPr/>
+        </p:nvSpPr>
+        <p:spPr>
+          <a:xfrm>
+            <a:off x="6351721" y="1920240"/>
+            <a:ext cx="1853338" cy="542520"/>
+          </a:xfrm>
+          <a:prstGeom prst="rect">
+            <a:avLst/>
+          </a:prstGeom>
+          <a:noFill/>
+          <a:ln>
+            <a:noFill/>
+          </a:ln>
+        </p:spPr>
+        <p:style>
+          <a:lnRef idx="0">
+            <a:scrgbClr r="0" g="0" b="0"/>
+          </a:lnRef>
+          <a:fillRef idx="0">
+            <a:scrgbClr r="0" g="0" b="0"/>
+          </a:fillRef>
+          <a:effectRef idx="0">
+            <a:scrgbClr r="0" g="0" b="0"/>
+          </a:effectRef>
+          <a:fontRef idx="minor"/>
+        </p:style>
+        <p:txBody>
+          <a:bodyPr lIns="90000" tIns="45000" rIns="90000" bIns="45000"/>
+          <a:lstStyle/>
+          <a:p>
+            <a:pPr algn="ctr">
+              <a:lnSpc>
+                <a:spcPct val="100000"/>
+              </a:lnSpc>
+            </a:pPr>
+            <a:r>
+              <a:rPr lang="en-US" sz="1800" b="0" strike="noStrike" spc="-1" dirty="0">
+                <a:solidFill>
+                  <a:srgbClr val="000000"/>
+                </a:solidFill>
+                <a:latin typeface="Arial"/>
+                <a:ea typeface="DejaVu Sans"/>
+              </a:rPr>
+              <a:t>Condition 3</a:t>
+            </a:r>
+            <a:endParaRPr lang="en-US" sz="1800" b="0" strike="noStrike" spc="-1" dirty="0">
+              <a:latin typeface="Arial"/>
+            </a:endParaRPr>
+          </a:p>
+        </p:txBody>
+      </p:sp>
+      <p:sp>
+        <p:nvSpPr>
+          <p:cNvPr id="463" name="CustomShape 16"/>
+          <p:cNvSpPr/>
+          <p:nvPr/>
+        </p:nvSpPr>
+        <p:spPr>
+          <a:xfrm>
+            <a:off x="2869077" y="4470361"/>
+            <a:ext cx="1554120" cy="542520"/>
+          </a:xfrm>
+          <a:prstGeom prst="rect">
+            <a:avLst/>
+          </a:prstGeom>
+          <a:noFill/>
+          <a:ln>
+            <a:noFill/>
+          </a:ln>
+        </p:spPr>
+        <p:style>
+          <a:lnRef idx="0">
+            <a:scrgbClr r="0" g="0" b="0"/>
+          </a:lnRef>
+          <a:fillRef idx="0">
+            <a:scrgbClr r="0" g="0" b="0"/>
+          </a:fillRef>
+          <a:effectRef idx="0">
+            <a:scrgbClr r="0" g="0" b="0"/>
+          </a:effectRef>
+          <a:fontRef idx="minor"/>
+        </p:style>
+        <p:txBody>
+          <a:bodyPr lIns="90000" tIns="45000" rIns="90000" bIns="45000"/>
+          <a:lstStyle/>
+          <a:p>
+            <a:pPr algn="ctr">
+              <a:lnSpc>
+                <a:spcPct val="100000"/>
+              </a:lnSpc>
+            </a:pPr>
+            <a:r>
+              <a:rPr lang="en-US" sz="1800" b="0" i="1" strike="noStrike" spc="-1" dirty="0">
+                <a:solidFill>
+                  <a:srgbClr val="000000"/>
+                </a:solidFill>
+                <a:latin typeface="Arial"/>
+                <a:ea typeface="DejaVu Sans"/>
+              </a:rPr>
+              <a:t>More similar</a:t>
+            </a:r>
+            <a:endParaRPr lang="en-US" sz="1800" b="0" strike="noStrike" spc="-1" dirty="0">
+              <a:latin typeface="Arial"/>
+            </a:endParaRPr>
+          </a:p>
+        </p:txBody>
+      </p:sp>
+      <p:sp>
+        <p:nvSpPr>
+          <p:cNvPr id="464" name="CustomShape 17"/>
+          <p:cNvSpPr/>
+          <p:nvPr/>
+        </p:nvSpPr>
+        <p:spPr>
+          <a:xfrm>
+            <a:off x="5293754" y="4470361"/>
+            <a:ext cx="1554120" cy="542520"/>
+          </a:xfrm>
+          <a:prstGeom prst="rect">
+            <a:avLst/>
+          </a:prstGeom>
+          <a:noFill/>
+          <a:ln>
+            <a:noFill/>
+          </a:ln>
+        </p:spPr>
+        <p:style>
+          <a:lnRef idx="0">
+            <a:scrgbClr r="0" g="0" b="0"/>
+          </a:lnRef>
+          <a:fillRef idx="0">
+            <a:scrgbClr r="0" g="0" b="0"/>
+          </a:fillRef>
+          <a:effectRef idx="0">
+            <a:scrgbClr r="0" g="0" b="0"/>
+          </a:effectRef>
+          <a:fontRef idx="minor"/>
+        </p:style>
+        <p:txBody>
+          <a:bodyPr lIns="90000" tIns="45000" rIns="90000" bIns="45000"/>
+          <a:lstStyle/>
+          <a:p>
+            <a:pPr algn="ctr">
+              <a:lnSpc>
+                <a:spcPct val="100000"/>
+              </a:lnSpc>
+            </a:pPr>
+            <a:r>
+              <a:rPr lang="en-US" sz="1800" b="0" i="1" strike="noStrike" spc="-1" dirty="0">
+                <a:solidFill>
+                  <a:srgbClr val="000000"/>
+                </a:solidFill>
+                <a:latin typeface="Arial"/>
+                <a:ea typeface="DejaVu Sans"/>
+              </a:rPr>
+              <a:t>Less similar</a:t>
+            </a:r>
+            <a:endParaRPr lang="en-US" sz="1800" b="0" strike="noStrike" spc="-1" dirty="0">
+              <a:latin typeface="Arial"/>
+            </a:endParaRPr>
+          </a:p>
+        </p:txBody>
+      </p:sp>
+      <p:sp>
+        <p:nvSpPr>
+          <p:cNvPr id="22" name="CustomShape 10">
+            <a:extLst>
+              <a:ext uri="{FF2B5EF4-FFF2-40B4-BE49-F238E27FC236}">
+                <a16:creationId xmlns:a16="http://schemas.microsoft.com/office/drawing/2014/main" id="{B704609E-1EF7-2ADE-E077-8E515EF7CD48}"/>
+              </a:ext>
+            </a:extLst>
+          </p:cNvPr>
+          <p:cNvSpPr/>
+          <p:nvPr/>
+        </p:nvSpPr>
+        <p:spPr>
+          <a:xfrm>
+            <a:off x="5789908" y="3383460"/>
+            <a:ext cx="561813" cy="182520"/>
           </a:xfrm>
           <a:custGeom>
             <a:avLst/>
@@ -42484,342 +42368,6 @@
           </a:effectRef>
           <a:fontRef idx="minor"/>
         </p:style>
-      </p:sp>
-      <p:sp>
-        <p:nvSpPr>
-          <p:cNvPr id="459" name="CustomShape 12"/>
-          <p:cNvSpPr/>
-          <p:nvPr/>
-        </p:nvSpPr>
-        <p:spPr>
-          <a:xfrm>
-            <a:off x="2118595" y="1926000"/>
-            <a:ext cx="1414800" cy="542520"/>
-          </a:xfrm>
-          <a:prstGeom prst="rect">
-            <a:avLst/>
-          </a:prstGeom>
-          <a:noFill/>
-          <a:ln>
-            <a:noFill/>
-          </a:ln>
-        </p:spPr>
-        <p:style>
-          <a:lnRef idx="0">
-            <a:scrgbClr r="0" g="0" b="0"/>
-          </a:lnRef>
-          <a:fillRef idx="0">
-            <a:scrgbClr r="0" g="0" b="0"/>
-          </a:fillRef>
-          <a:effectRef idx="0">
-            <a:scrgbClr r="0" g="0" b="0"/>
-          </a:effectRef>
-          <a:fontRef idx="minor"/>
-        </p:style>
-        <p:txBody>
-          <a:bodyPr lIns="90000" tIns="45000" rIns="90000" bIns="45000"/>
-          <a:lstStyle/>
-          <a:p>
-            <a:pPr>
-              <a:lnSpc>
-                <a:spcPct val="100000"/>
-              </a:lnSpc>
-            </a:pPr>
-            <a:r>
-              <a:rPr lang="en-US" sz="1800" b="0" strike="noStrike" spc="-1">
-                <a:solidFill>
-                  <a:srgbClr val="000000"/>
-                </a:solidFill>
-                <a:latin typeface="Arial"/>
-                <a:ea typeface="DejaVu Sans"/>
-              </a:rPr>
-              <a:t>Condition 1</a:t>
-            </a:r>
-            <a:endParaRPr lang="en-US" sz="1800" b="0" strike="noStrike" spc="-1">
-              <a:latin typeface="Arial"/>
-            </a:endParaRPr>
-          </a:p>
-        </p:txBody>
-      </p:sp>
-      <p:sp>
-        <p:nvSpPr>
-          <p:cNvPr id="460" name="CustomShape 13"/>
-          <p:cNvSpPr/>
-          <p:nvPr/>
-        </p:nvSpPr>
-        <p:spPr>
-          <a:xfrm>
-            <a:off x="4313155" y="1920240"/>
-            <a:ext cx="1414800" cy="542520"/>
-          </a:xfrm>
-          <a:prstGeom prst="rect">
-            <a:avLst/>
-          </a:prstGeom>
-          <a:noFill/>
-          <a:ln>
-            <a:noFill/>
-          </a:ln>
-        </p:spPr>
-        <p:style>
-          <a:lnRef idx="0">
-            <a:scrgbClr r="0" g="0" b="0"/>
-          </a:lnRef>
-          <a:fillRef idx="0">
-            <a:scrgbClr r="0" g="0" b="0"/>
-          </a:fillRef>
-          <a:effectRef idx="0">
-            <a:scrgbClr r="0" g="0" b="0"/>
-          </a:effectRef>
-          <a:fontRef idx="minor"/>
-        </p:style>
-        <p:txBody>
-          <a:bodyPr lIns="90000" tIns="45000" rIns="90000" bIns="45000"/>
-          <a:lstStyle/>
-          <a:p>
-            <a:pPr>
-              <a:lnSpc>
-                <a:spcPct val="100000"/>
-              </a:lnSpc>
-            </a:pPr>
-            <a:r>
-              <a:rPr lang="en-US" sz="1800" b="0" strike="noStrike" spc="-1">
-                <a:solidFill>
-                  <a:srgbClr val="000000"/>
-                </a:solidFill>
-                <a:latin typeface="Arial"/>
-                <a:ea typeface="DejaVu Sans"/>
-              </a:rPr>
-              <a:t>Condition 2</a:t>
-            </a:r>
-            <a:endParaRPr lang="en-US" sz="1800" b="0" strike="noStrike" spc="-1">
-              <a:latin typeface="Arial"/>
-            </a:endParaRPr>
-          </a:p>
-        </p:txBody>
-      </p:sp>
-      <p:sp>
-        <p:nvSpPr>
-          <p:cNvPr id="461" name="CustomShape 14"/>
-          <p:cNvSpPr/>
-          <p:nvPr/>
-        </p:nvSpPr>
-        <p:spPr>
-          <a:xfrm>
-            <a:off x="2118595" y="1926000"/>
-            <a:ext cx="1414800" cy="542520"/>
-          </a:xfrm>
-          <a:prstGeom prst="rect">
-            <a:avLst/>
-          </a:prstGeom>
-          <a:noFill/>
-          <a:ln>
-            <a:noFill/>
-          </a:ln>
-        </p:spPr>
-        <p:style>
-          <a:lnRef idx="0">
-            <a:scrgbClr r="0" g="0" b="0"/>
-          </a:lnRef>
-          <a:fillRef idx="0">
-            <a:scrgbClr r="0" g="0" b="0"/>
-          </a:fillRef>
-          <a:effectRef idx="0">
-            <a:scrgbClr r="0" g="0" b="0"/>
-          </a:effectRef>
-          <a:fontRef idx="minor"/>
-        </p:style>
-        <p:txBody>
-          <a:bodyPr lIns="90000" tIns="45000" rIns="90000" bIns="45000"/>
-          <a:lstStyle/>
-          <a:p>
-            <a:pPr>
-              <a:lnSpc>
-                <a:spcPct val="100000"/>
-              </a:lnSpc>
-            </a:pPr>
-            <a:r>
-              <a:rPr lang="en-US" sz="1800" b="0" strike="noStrike" spc="-1">
-                <a:solidFill>
-                  <a:srgbClr val="000000"/>
-                </a:solidFill>
-                <a:latin typeface="Arial"/>
-                <a:ea typeface="DejaVu Sans"/>
-              </a:rPr>
-              <a:t>Condition 1</a:t>
-            </a:r>
-            <a:endParaRPr lang="en-US" sz="1800" b="0" strike="noStrike" spc="-1">
-              <a:latin typeface="Arial"/>
-            </a:endParaRPr>
-          </a:p>
-        </p:txBody>
-      </p:sp>
-      <p:sp>
-        <p:nvSpPr>
-          <p:cNvPr id="462" name="CustomShape 15"/>
-          <p:cNvSpPr/>
-          <p:nvPr/>
-        </p:nvSpPr>
-        <p:spPr>
-          <a:xfrm>
-            <a:off x="6416275" y="1920240"/>
-            <a:ext cx="1414800" cy="542520"/>
-          </a:xfrm>
-          <a:prstGeom prst="rect">
-            <a:avLst/>
-          </a:prstGeom>
-          <a:noFill/>
-          <a:ln>
-            <a:noFill/>
-          </a:ln>
-        </p:spPr>
-        <p:style>
-          <a:lnRef idx="0">
-            <a:scrgbClr r="0" g="0" b="0"/>
-          </a:lnRef>
-          <a:fillRef idx="0">
-            <a:scrgbClr r="0" g="0" b="0"/>
-          </a:fillRef>
-          <a:effectRef idx="0">
-            <a:scrgbClr r="0" g="0" b="0"/>
-          </a:effectRef>
-          <a:fontRef idx="minor"/>
-        </p:style>
-        <p:txBody>
-          <a:bodyPr lIns="90000" tIns="45000" rIns="90000" bIns="45000"/>
-          <a:lstStyle/>
-          <a:p>
-            <a:pPr>
-              <a:lnSpc>
-                <a:spcPct val="100000"/>
-              </a:lnSpc>
-            </a:pPr>
-            <a:r>
-              <a:rPr lang="en-US" sz="1800" b="0" strike="noStrike" spc="-1">
-                <a:solidFill>
-                  <a:srgbClr val="000000"/>
-                </a:solidFill>
-                <a:latin typeface="Arial"/>
-                <a:ea typeface="DejaVu Sans"/>
-              </a:rPr>
-              <a:t>Condition 3</a:t>
-            </a:r>
-            <a:endParaRPr lang="en-US" sz="1800" b="0" strike="noStrike" spc="-1">
-              <a:latin typeface="Arial"/>
-            </a:endParaRPr>
-          </a:p>
-        </p:txBody>
-      </p:sp>
-      <p:sp>
-        <p:nvSpPr>
-          <p:cNvPr id="463" name="CustomShape 16"/>
-          <p:cNvSpPr/>
-          <p:nvPr/>
-        </p:nvSpPr>
-        <p:spPr>
-          <a:xfrm>
-            <a:off x="3167995" y="4114800"/>
-            <a:ext cx="1554120" cy="542520"/>
-          </a:xfrm>
-          <a:prstGeom prst="rect">
-            <a:avLst/>
-          </a:prstGeom>
-          <a:noFill/>
-          <a:ln>
-            <a:noFill/>
-          </a:ln>
-        </p:spPr>
-        <p:style>
-          <a:lnRef idx="0">
-            <a:scrgbClr r="0" g="0" b="0"/>
-          </a:lnRef>
-          <a:fillRef idx="0">
-            <a:scrgbClr r="0" g="0" b="0"/>
-          </a:fillRef>
-          <a:effectRef idx="0">
-            <a:scrgbClr r="0" g="0" b="0"/>
-          </a:effectRef>
-          <a:fontRef idx="minor"/>
-        </p:style>
-        <p:txBody>
-          <a:bodyPr lIns="90000" tIns="45000" rIns="90000" bIns="45000"/>
-          <a:lstStyle/>
-          <a:p>
-            <a:pPr>
-              <a:lnSpc>
-                <a:spcPct val="100000"/>
-              </a:lnSpc>
-            </a:pPr>
-            <a:r>
-              <a:rPr lang="en-US" sz="1800" b="0" i="1" strike="noStrike" spc="-1">
-                <a:solidFill>
-                  <a:srgbClr val="000000"/>
-                </a:solidFill>
-                <a:latin typeface="Arial"/>
-                <a:ea typeface="DejaVu Sans"/>
-              </a:rPr>
-              <a:t>More similar</a:t>
-            </a:r>
-            <a:endParaRPr lang="en-US" sz="1800" b="0" strike="noStrike" spc="-1">
-              <a:latin typeface="Arial"/>
-            </a:endParaRPr>
-          </a:p>
-        </p:txBody>
-      </p:sp>
-      <p:sp>
-        <p:nvSpPr>
-          <p:cNvPr id="464" name="CustomShape 17"/>
-          <p:cNvSpPr/>
-          <p:nvPr/>
-        </p:nvSpPr>
-        <p:spPr>
-          <a:xfrm>
-            <a:off x="5362555" y="4120560"/>
-            <a:ext cx="1554120" cy="542520"/>
-          </a:xfrm>
-          <a:prstGeom prst="rect">
-            <a:avLst/>
-          </a:prstGeom>
-          <a:noFill/>
-          <a:ln>
-            <a:noFill/>
-          </a:ln>
-        </p:spPr>
-        <p:style>
-          <a:lnRef idx="0">
-            <a:scrgbClr r="0" g="0" b="0"/>
-          </a:lnRef>
-          <a:fillRef idx="0">
-            <a:scrgbClr r="0" g="0" b="0"/>
-          </a:fillRef>
-          <a:effectRef idx="0">
-            <a:scrgbClr r="0" g="0" b="0"/>
-          </a:effectRef>
-          <a:fontRef idx="minor"/>
-        </p:style>
-        <p:txBody>
-          <a:bodyPr lIns="90000" tIns="45000" rIns="90000" bIns="45000"/>
-          <a:lstStyle/>
-          <a:p>
-            <a:pPr>
-              <a:lnSpc>
-                <a:spcPct val="100000"/>
-              </a:lnSpc>
-            </a:pPr>
-            <a:r>
-              <a:rPr lang="en-US" sz="1800" b="0" i="1" strike="noStrike" spc="-1">
-                <a:solidFill>
-                  <a:srgbClr val="000000"/>
-                </a:solidFill>
-                <a:latin typeface="Arial"/>
-                <a:ea typeface="DejaVu Sans"/>
-              </a:rPr>
-              <a:t>Less similar</a:t>
-            </a:r>
-            <a:endParaRPr lang="en-US" sz="1800" b="0" strike="noStrike" spc="-1">
-              <a:latin typeface="Arial"/>
-            </a:endParaRPr>
-          </a:p>
-        </p:txBody>
       </p:sp>
     </p:spTree>
   </p:cSld>
@@ -42873,16 +42421,277 @@
           <a:chExt cx="0" cy="0"/>
         </a:xfrm>
       </p:grpSpPr>
-      <p:sp>
-        <p:nvSpPr>
-          <p:cNvPr id="445" name="CustomShape 1"/>
-          <p:cNvSpPr/>
-          <p:nvPr/>
-        </p:nvSpPr>
-        <p:spPr>
-          <a:xfrm>
-            <a:off x="7594560" y="6543720"/>
-            <a:ext cx="2304720" cy="237600"/>
+      <p:pic>
+        <p:nvPicPr>
+          <p:cNvPr id="63" name="Imagen 62">
+            <a:extLst>
+              <a:ext uri="{FF2B5EF4-FFF2-40B4-BE49-F238E27FC236}">
+                <a16:creationId xmlns:a16="http://schemas.microsoft.com/office/drawing/2014/main" id="{7CDB1F9C-BE0C-CED3-5381-C582C5CC9E27}"/>
+              </a:ext>
+            </a:extLst>
+          </p:cNvPr>
+          <p:cNvPicPr>
+            <a:picLocks noChangeAspect="1"/>
+          </p:cNvPicPr>
+          <p:nvPr/>
+        </p:nvPicPr>
+        <p:blipFill rotWithShape="1">
+          <a:blip r:embed="rId3"/>
+          <a:srcRect r="69537"/>
+          <a:stretch/>
+        </p:blipFill>
+        <p:spPr>
+          <a:xfrm>
+            <a:off x="1148585" y="1270945"/>
+            <a:ext cx="1561109" cy="1527940"/>
+          </a:xfrm>
+          <a:prstGeom prst="rect">
+            <a:avLst/>
+          </a:prstGeom>
+        </p:spPr>
+      </p:pic>
+      <p:pic>
+        <p:nvPicPr>
+          <p:cNvPr id="64" name="Imagen 63">
+            <a:extLst>
+              <a:ext uri="{FF2B5EF4-FFF2-40B4-BE49-F238E27FC236}">
+                <a16:creationId xmlns:a16="http://schemas.microsoft.com/office/drawing/2014/main" id="{22CD79F0-A658-F432-7DD9-8E9F5ADEDB1D}"/>
+              </a:ext>
+            </a:extLst>
+          </p:cNvPr>
+          <p:cNvPicPr>
+            <a:picLocks noChangeAspect="1"/>
+          </p:cNvPicPr>
+          <p:nvPr/>
+        </p:nvPicPr>
+        <p:blipFill rotWithShape="1">
+          <a:blip r:embed="rId3"/>
+          <a:srcRect r="69537"/>
+          <a:stretch/>
+        </p:blipFill>
+        <p:spPr>
+          <a:xfrm>
+            <a:off x="1176449" y="3207477"/>
+            <a:ext cx="1561109" cy="1527940"/>
+          </a:xfrm>
+          <a:prstGeom prst="rect">
+            <a:avLst/>
+          </a:prstGeom>
+        </p:spPr>
+      </p:pic>
+      <p:pic>
+        <p:nvPicPr>
+          <p:cNvPr id="65" name="Imagen 64">
+            <a:extLst>
+              <a:ext uri="{FF2B5EF4-FFF2-40B4-BE49-F238E27FC236}">
+                <a16:creationId xmlns:a16="http://schemas.microsoft.com/office/drawing/2014/main" id="{6B1211F3-C3EB-F5A1-0B02-B59453A8FCC7}"/>
+              </a:ext>
+            </a:extLst>
+          </p:cNvPr>
+          <p:cNvPicPr>
+            <a:picLocks noChangeAspect="1"/>
+          </p:cNvPicPr>
+          <p:nvPr/>
+        </p:nvPicPr>
+        <p:blipFill rotWithShape="1">
+          <a:blip r:embed="rId3"/>
+          <a:srcRect r="69537"/>
+          <a:stretch/>
+        </p:blipFill>
+        <p:spPr>
+          <a:xfrm>
+            <a:off x="1157149" y="5118131"/>
+            <a:ext cx="1561109" cy="1527940"/>
+          </a:xfrm>
+          <a:prstGeom prst="rect">
+            <a:avLst/>
+          </a:prstGeom>
+        </p:spPr>
+      </p:pic>
+      <p:pic>
+        <p:nvPicPr>
+          <p:cNvPr id="66" name="Imagen 65">
+            <a:extLst>
+              <a:ext uri="{FF2B5EF4-FFF2-40B4-BE49-F238E27FC236}">
+                <a16:creationId xmlns:a16="http://schemas.microsoft.com/office/drawing/2014/main" id="{0B7179C2-E95F-9825-4D5C-0C19A08BC93C}"/>
+              </a:ext>
+            </a:extLst>
+          </p:cNvPr>
+          <p:cNvPicPr>
+            <a:picLocks noChangeAspect="1"/>
+          </p:cNvPicPr>
+          <p:nvPr/>
+        </p:nvPicPr>
+        <p:blipFill rotWithShape="1">
+          <a:blip r:embed="rId3"/>
+          <a:srcRect r="69537"/>
+          <a:stretch/>
+        </p:blipFill>
+        <p:spPr>
+          <a:xfrm>
+            <a:off x="3538919" y="1270945"/>
+            <a:ext cx="1561109" cy="1527940"/>
+          </a:xfrm>
+          <a:prstGeom prst="rect">
+            <a:avLst/>
+          </a:prstGeom>
+        </p:spPr>
+      </p:pic>
+      <p:pic>
+        <p:nvPicPr>
+          <p:cNvPr id="67" name="Imagen 66">
+            <a:extLst>
+              <a:ext uri="{FF2B5EF4-FFF2-40B4-BE49-F238E27FC236}">
+                <a16:creationId xmlns:a16="http://schemas.microsoft.com/office/drawing/2014/main" id="{72809743-ACEF-C826-55DC-4CFC7D0F4963}"/>
+              </a:ext>
+            </a:extLst>
+          </p:cNvPr>
+          <p:cNvPicPr>
+            <a:picLocks noChangeAspect="1"/>
+          </p:cNvPicPr>
+          <p:nvPr/>
+        </p:nvPicPr>
+        <p:blipFill rotWithShape="1">
+          <a:blip r:embed="rId3"/>
+          <a:srcRect r="69537"/>
+          <a:stretch/>
+        </p:blipFill>
+        <p:spPr>
+          <a:xfrm>
+            <a:off x="8128850" y="1280820"/>
+            <a:ext cx="1561109" cy="1527940"/>
+          </a:xfrm>
+          <a:prstGeom prst="rect">
+            <a:avLst/>
+          </a:prstGeom>
+        </p:spPr>
+      </p:pic>
+      <p:pic>
+        <p:nvPicPr>
+          <p:cNvPr id="68" name="Imagen 67">
+            <a:extLst>
+              <a:ext uri="{FF2B5EF4-FFF2-40B4-BE49-F238E27FC236}">
+                <a16:creationId xmlns:a16="http://schemas.microsoft.com/office/drawing/2014/main" id="{B3AE1509-5DCE-F41F-D2B3-34873010C8BA}"/>
+              </a:ext>
+            </a:extLst>
+          </p:cNvPr>
+          <p:cNvPicPr>
+            <a:picLocks noChangeAspect="1"/>
+          </p:cNvPicPr>
+          <p:nvPr/>
+        </p:nvPicPr>
+        <p:blipFill rotWithShape="1">
+          <a:blip r:embed="rId3"/>
+          <a:srcRect l="34880" t="-1138" r="34657" b="1138"/>
+          <a:stretch/>
+        </p:blipFill>
+        <p:spPr>
+          <a:xfrm>
+            <a:off x="5767536" y="1270945"/>
+            <a:ext cx="1561109" cy="1527940"/>
+          </a:xfrm>
+          <a:prstGeom prst="rect">
+            <a:avLst/>
+          </a:prstGeom>
+        </p:spPr>
+      </p:pic>
+      <p:pic>
+        <p:nvPicPr>
+          <p:cNvPr id="69" name="Imagen 68">
+            <a:extLst>
+              <a:ext uri="{FF2B5EF4-FFF2-40B4-BE49-F238E27FC236}">
+                <a16:creationId xmlns:a16="http://schemas.microsoft.com/office/drawing/2014/main" id="{66675865-495C-A380-8221-662F2CD4FD4C}"/>
+              </a:ext>
+            </a:extLst>
+          </p:cNvPr>
+          <p:cNvPicPr>
+            <a:picLocks noChangeAspect="1"/>
+          </p:cNvPicPr>
+          <p:nvPr/>
+        </p:nvPicPr>
+        <p:blipFill rotWithShape="1">
+          <a:blip r:embed="rId3"/>
+          <a:srcRect l="34880" t="-1138" r="34657" b="1138"/>
+          <a:stretch/>
+        </p:blipFill>
+        <p:spPr>
+          <a:xfrm>
+            <a:off x="3538918" y="3216061"/>
+            <a:ext cx="1561109" cy="1527940"/>
+          </a:xfrm>
+          <a:prstGeom prst="rect">
+            <a:avLst/>
+          </a:prstGeom>
+        </p:spPr>
+      </p:pic>
+      <p:pic>
+        <p:nvPicPr>
+          <p:cNvPr id="70" name="Imagen 69">
+            <a:extLst>
+              <a:ext uri="{FF2B5EF4-FFF2-40B4-BE49-F238E27FC236}">
+                <a16:creationId xmlns:a16="http://schemas.microsoft.com/office/drawing/2014/main" id="{003B23CB-76CB-3D04-9A62-2ED9F7FAD508}"/>
+              </a:ext>
+            </a:extLst>
+          </p:cNvPr>
+          <p:cNvPicPr>
+            <a:picLocks noChangeAspect="1"/>
+          </p:cNvPicPr>
+          <p:nvPr/>
+        </p:nvPicPr>
+        <p:blipFill rotWithShape="1">
+          <a:blip r:embed="rId3"/>
+          <a:srcRect l="34880" t="-1138" r="34657" b="1138"/>
+          <a:stretch/>
+        </p:blipFill>
+        <p:spPr>
+          <a:xfrm>
+            <a:off x="8152603" y="3214190"/>
+            <a:ext cx="1561109" cy="1527940"/>
+          </a:xfrm>
+          <a:prstGeom prst="rect">
+            <a:avLst/>
+          </a:prstGeom>
+        </p:spPr>
+      </p:pic>
+      <p:pic>
+        <p:nvPicPr>
+          <p:cNvPr id="71" name="Imagen 70">
+            <a:extLst>
+              <a:ext uri="{FF2B5EF4-FFF2-40B4-BE49-F238E27FC236}">
+                <a16:creationId xmlns:a16="http://schemas.microsoft.com/office/drawing/2014/main" id="{36F53841-42CA-E6DF-96DB-601B5F1AF92F}"/>
+              </a:ext>
+            </a:extLst>
+          </p:cNvPr>
+          <p:cNvPicPr>
+            <a:picLocks noChangeAspect="1"/>
+          </p:cNvPicPr>
+          <p:nvPr/>
+        </p:nvPicPr>
+        <p:blipFill rotWithShape="1">
+          <a:blip r:embed="rId3"/>
+          <a:srcRect l="69904" t="-975" r="-367" b="975"/>
+          <a:stretch/>
+        </p:blipFill>
+        <p:spPr>
+          <a:xfrm>
+            <a:off x="3519644" y="5139031"/>
+            <a:ext cx="1561109" cy="1527940"/>
+          </a:xfrm>
+          <a:prstGeom prst="rect">
+            <a:avLst/>
+          </a:prstGeom>
+        </p:spPr>
+      </p:pic>
+      <p:sp>
+        <p:nvSpPr>
+          <p:cNvPr id="461" name="CustomShape 14"/>
+          <p:cNvSpPr/>
+          <p:nvPr/>
+        </p:nvSpPr>
+        <p:spPr>
+          <a:xfrm>
+            <a:off x="1148585" y="954999"/>
+            <a:ext cx="1638720" cy="542520"/>
           </a:xfrm>
           <a:prstGeom prst="rect">
             <a:avLst/>
@@ -42905,6 +42714,62 @@
           <a:fontRef idx="minor"/>
         </p:style>
         <p:txBody>
+          <a:bodyPr lIns="90000" tIns="45000" rIns="90000" bIns="45000"/>
+          <a:lstStyle/>
+          <a:p>
+            <a:pPr algn="ctr">
+              <a:lnSpc>
+                <a:spcPct val="100000"/>
+              </a:lnSpc>
+            </a:pPr>
+            <a:r>
+              <a:rPr lang="en-US" sz="1800" b="0" strike="noStrike" spc="-1" dirty="0">
+                <a:solidFill>
+                  <a:srgbClr val="000000"/>
+                </a:solidFill>
+                <a:latin typeface="Arial"/>
+                <a:ea typeface="DejaVu Sans"/>
+              </a:rPr>
+              <a:t>Condition 1</a:t>
+            </a:r>
+            <a:endParaRPr lang="en-US" sz="1800" b="0" strike="noStrike" spc="-1" dirty="0">
+              <a:latin typeface="Arial"/>
+            </a:endParaRPr>
+          </a:p>
+        </p:txBody>
+      </p:sp>
+      <p:sp>
+        <p:nvSpPr>
+          <p:cNvPr id="445" name="CustomShape 1"/>
+          <p:cNvSpPr/>
+          <p:nvPr/>
+        </p:nvSpPr>
+        <p:spPr>
+          <a:xfrm>
+            <a:off x="7594560" y="6543720"/>
+            <a:ext cx="2304720" cy="237600"/>
+          </a:xfrm>
+          <a:prstGeom prst="rect">
+            <a:avLst/>
+          </a:prstGeom>
+          <a:noFill/>
+          <a:ln>
+            <a:noFill/>
+          </a:ln>
+        </p:spPr>
+        <p:style>
+          <a:lnRef idx="0">
+            <a:scrgbClr r="0" g="0" b="0"/>
+          </a:lnRef>
+          <a:fillRef idx="0">
+            <a:scrgbClr r="0" g="0" b="0"/>
+          </a:fillRef>
+          <a:effectRef idx="0">
+            <a:scrgbClr r="0" g="0" b="0"/>
+          </a:effectRef>
+          <a:fontRef idx="minor"/>
+        </p:style>
+        <p:txBody>
           <a:bodyPr lIns="90000" tIns="45000" rIns="90000" bIns="45000" anchor="b"/>
           <a:lstStyle/>
           <a:p>
@@ -43161,450 +43026,8 @@
               <a:latin typeface="Baskerville Old Face" panose="02020602080505020303" pitchFamily="18" charset="77"/>
             </a:endParaRPr>
           </a:p>
-          <a:p>
-            <a:pPr>
-              <a:lnSpc>
-                <a:spcPct val="100000"/>
-              </a:lnSpc>
-            </a:pPr>
-            <a:endParaRPr lang="en-US" sz="2400" u="sng" strike="noStrike" spc="-1" dirty="0">
-              <a:latin typeface="Baskerville Old Face" panose="02020602080505020303" pitchFamily="18" charset="77"/>
-            </a:endParaRPr>
-          </a:p>
-          <a:p>
-            <a:pPr>
-              <a:lnSpc>
-                <a:spcPct val="100000"/>
-              </a:lnSpc>
-            </a:pPr>
-            <a:endParaRPr lang="en-US" sz="2400" u="sng" strike="noStrike" spc="-1" dirty="0">
-              <a:latin typeface="Baskerville Old Face" panose="02020602080505020303" pitchFamily="18" charset="77"/>
-            </a:endParaRPr>
-          </a:p>
-        </p:txBody>
-      </p:sp>
-      <p:pic>
-        <p:nvPicPr>
-          <p:cNvPr id="453" name="Picture 4"/>
-          <p:cNvPicPr/>
-          <p:nvPr/>
-        </p:nvPicPr>
-        <p:blipFill>
-          <a:blip r:embed="rId3"/>
-          <a:srcRect r="56028" b="77738"/>
-          <a:stretch/>
-        </p:blipFill>
-        <p:spPr>
-          <a:xfrm>
-            <a:off x="1936795" y="1539789"/>
-            <a:ext cx="1638720" cy="1462680"/>
-          </a:xfrm>
-          <a:prstGeom prst="rect">
-            <a:avLst/>
-          </a:prstGeom>
-          <a:ln w="9360">
-            <a:noFill/>
-          </a:ln>
-        </p:spPr>
-      </p:pic>
-      <p:pic>
-        <p:nvPicPr>
-          <p:cNvPr id="455" name="Picture 4"/>
-          <p:cNvPicPr/>
-          <p:nvPr/>
-        </p:nvPicPr>
-        <p:blipFill>
-          <a:blip r:embed="rId3"/>
-          <a:srcRect l="56901" r="-3454" b="77738"/>
-          <a:stretch/>
-        </p:blipFill>
-        <p:spPr>
-          <a:xfrm>
-            <a:off x="4221715" y="1542683"/>
-            <a:ext cx="1735560" cy="1462680"/>
-          </a:xfrm>
-          <a:prstGeom prst="rect">
-            <a:avLst/>
-          </a:prstGeom>
-          <a:ln w="9360">
-            <a:noFill/>
-          </a:ln>
-        </p:spPr>
-      </p:pic>
-      <p:graphicFrame>
-        <p:nvGraphicFramePr>
-          <p:cNvPr id="456" name="Table 9"/>
-          <p:cNvGraphicFramePr/>
-          <p:nvPr>
-            <p:extLst>
-              <p:ext uri="{D42A27DB-BD31-4B8C-83A1-F6EECF244321}">
-                <p14:modId xmlns:p14="http://schemas.microsoft.com/office/powerpoint/2010/main" val="3185047238"/>
-              </p:ext>
-            </p:extLst>
-          </p:nvPr>
-        </p:nvGraphicFramePr>
-        <p:xfrm>
-          <a:off x="4221715" y="3373809"/>
-          <a:ext cx="1402560" cy="1258560"/>
-        </p:xfrm>
-        <a:graphic>
-          <a:graphicData uri="http://schemas.openxmlformats.org/drawingml/2006/table">
-            <a:tbl>
-              <a:tblPr/>
-              <a:tblGrid>
-                <a:gridCol w="467640">
-                  <a:extLst>
-                    <a:ext uri="{9D8B030D-6E8A-4147-A177-3AD203B41FA5}">
-                      <a16:colId xmlns:a16="http://schemas.microsoft.com/office/drawing/2014/main" val="20000"/>
-                    </a:ext>
-                  </a:extLst>
-                </a:gridCol>
-                <a:gridCol w="467640">
-                  <a:extLst>
-                    <a:ext uri="{9D8B030D-6E8A-4147-A177-3AD203B41FA5}">
-                      <a16:colId xmlns:a16="http://schemas.microsoft.com/office/drawing/2014/main" val="20001"/>
-                    </a:ext>
-                  </a:extLst>
-                </a:gridCol>
-                <a:gridCol w="467280">
-                  <a:extLst>
-                    <a:ext uri="{9D8B030D-6E8A-4147-A177-3AD203B41FA5}">
-                      <a16:colId xmlns:a16="http://schemas.microsoft.com/office/drawing/2014/main" val="20002"/>
-                    </a:ext>
-                  </a:extLst>
-                </a:gridCol>
-              </a:tblGrid>
-              <a:tr h="420120">
-                <a:tc>
-                  <a:txBody>
-                    <a:bodyPr/>
-                    <a:lstStyle/>
-                    <a:p>
-                      <a:endParaRPr lang="es-DE"/>
-                    </a:p>
-                  </a:txBody>
-                  <a:tcPr marL="90000" marR="90000">
-                    <a:lnL w="720">
-                      <a:solidFill>
-                        <a:srgbClr val="FFFFFF"/>
-                      </a:solidFill>
-                    </a:lnL>
-                    <a:lnR w="720">
-                      <a:solidFill>
-                        <a:srgbClr val="FFFFFF"/>
-                      </a:solidFill>
-                    </a:lnR>
-                    <a:lnT w="720">
-                      <a:solidFill>
-                        <a:srgbClr val="FFFFFF"/>
-                      </a:solidFill>
-                    </a:lnT>
-                    <a:lnB w="720">
-                      <a:solidFill>
-                        <a:srgbClr val="FFFFFF"/>
-                      </a:solidFill>
-                    </a:lnB>
-                    <a:solidFill>
-                      <a:srgbClr val="7F7F7F"/>
-                    </a:solidFill>
-                  </a:tcPr>
-                </a:tc>
-                <a:tc>
-                  <a:txBody>
-                    <a:bodyPr/>
-                    <a:lstStyle/>
-                    <a:p>
-                      <a:endParaRPr lang="es-DE"/>
-                    </a:p>
-                  </a:txBody>
-                  <a:tcPr marL="90000" marR="90000">
-                    <a:lnL w="720">
-                      <a:solidFill>
-                        <a:srgbClr val="FFFFFF"/>
-                      </a:solidFill>
-                    </a:lnL>
-                    <a:lnR w="720">
-                      <a:solidFill>
-                        <a:srgbClr val="FFFFFF"/>
-                      </a:solidFill>
-                    </a:lnR>
-                    <a:lnT w="720">
-                      <a:solidFill>
-                        <a:srgbClr val="FFFFFF"/>
-                      </a:solidFill>
-                    </a:lnT>
-                    <a:lnB w="720">
-                      <a:solidFill>
-                        <a:srgbClr val="FFFFFF"/>
-                      </a:solidFill>
-                    </a:lnB>
-                    <a:solidFill>
-                      <a:srgbClr val="BABABA"/>
-                    </a:solidFill>
-                  </a:tcPr>
-                </a:tc>
-                <a:tc>
-                  <a:txBody>
-                    <a:bodyPr/>
-                    <a:lstStyle/>
-                    <a:p>
-                      <a:endParaRPr lang="es-DE"/>
-                    </a:p>
-                  </a:txBody>
-                  <a:tcPr marL="90000" marR="90000">
-                    <a:lnL w="720">
-                      <a:solidFill>
-                        <a:srgbClr val="FFFFFF"/>
-                      </a:solidFill>
-                    </a:lnL>
-                    <a:lnR w="720">
-                      <a:solidFill>
-                        <a:srgbClr val="FFFFFF"/>
-                      </a:solidFill>
-                    </a:lnR>
-                    <a:lnT w="720">
-                      <a:solidFill>
-                        <a:srgbClr val="FFFFFF"/>
-                      </a:solidFill>
-                    </a:lnT>
-                    <a:lnB w="720">
-                      <a:solidFill>
-                        <a:srgbClr val="FFFFFF"/>
-                      </a:solidFill>
-                    </a:lnB>
-                    <a:solidFill>
-                      <a:srgbClr val="B3B3B3"/>
-                    </a:solidFill>
-                  </a:tcPr>
-                </a:tc>
-                <a:extLst>
-                  <a:ext uri="{0D108BD9-81ED-4DB2-BD59-A6C34878D82A}">
-                    <a16:rowId xmlns:a16="http://schemas.microsoft.com/office/drawing/2014/main" val="10000"/>
-                  </a:ext>
-                </a:extLst>
-              </a:tr>
-              <a:tr h="420120">
-                <a:tc>
-                  <a:txBody>
-                    <a:bodyPr/>
-                    <a:lstStyle/>
-                    <a:p>
-                      <a:endParaRPr lang="es-DE"/>
-                    </a:p>
-                  </a:txBody>
-                  <a:tcPr marL="90000" marR="90000">
-                    <a:lnL w="720">
-                      <a:solidFill>
-                        <a:srgbClr val="FFFFFF"/>
-                      </a:solidFill>
-                    </a:lnL>
-                    <a:lnR w="720">
-                      <a:solidFill>
-                        <a:srgbClr val="FFFFFF"/>
-                      </a:solidFill>
-                    </a:lnR>
-                    <a:lnT w="720">
-                      <a:solidFill>
-                        <a:srgbClr val="FFFFFF"/>
-                      </a:solidFill>
-                    </a:lnT>
-                    <a:lnB w="720">
-                      <a:solidFill>
-                        <a:srgbClr val="FFFFFF"/>
-                      </a:solidFill>
-                    </a:lnB>
-                    <a:solidFill>
-                      <a:srgbClr val="CCCCCC"/>
-                    </a:solidFill>
-                  </a:tcPr>
-                </a:tc>
-                <a:tc>
-                  <a:txBody>
-                    <a:bodyPr/>
-                    <a:lstStyle/>
-                    <a:p>
-                      <a:endParaRPr lang="es-DE"/>
-                    </a:p>
-                  </a:txBody>
-                  <a:tcPr marL="90000" marR="90000">
-                    <a:lnL w="720">
-                      <a:solidFill>
-                        <a:srgbClr val="FFFFFF"/>
-                      </a:solidFill>
-                    </a:lnL>
-                    <a:lnR w="720">
-                      <a:solidFill>
-                        <a:srgbClr val="FFFFFF"/>
-                      </a:solidFill>
-                    </a:lnR>
-                    <a:lnT w="720">
-                      <a:solidFill>
-                        <a:srgbClr val="FFFFFF"/>
-                      </a:solidFill>
-                    </a:lnT>
-                    <a:lnB w="720">
-                      <a:solidFill>
-                        <a:srgbClr val="FFFFFF"/>
-                      </a:solidFill>
-                    </a:lnB>
-                    <a:solidFill>
-                      <a:srgbClr val="4C4C4C"/>
-                    </a:solidFill>
-                  </a:tcPr>
-                </a:tc>
-                <a:tc>
-                  <a:txBody>
-                    <a:bodyPr/>
-                    <a:lstStyle/>
-                    <a:p>
-                      <a:endParaRPr lang="es-DE" dirty="0"/>
-                    </a:p>
-                  </a:txBody>
-                  <a:tcPr marL="90000" marR="90000">
-                    <a:lnL w="720">
-                      <a:solidFill>
-                        <a:srgbClr val="FFFFFF"/>
-                      </a:solidFill>
-                    </a:lnL>
-                    <a:lnR w="720">
-                      <a:solidFill>
-                        <a:srgbClr val="FFFFFF"/>
-                      </a:solidFill>
-                    </a:lnR>
-                    <a:lnT w="720">
-                      <a:solidFill>
-                        <a:srgbClr val="FFFFFF"/>
-                      </a:solidFill>
-                    </a:lnT>
-                    <a:lnB w="720">
-                      <a:solidFill>
-                        <a:srgbClr val="FFFFFF"/>
-                      </a:solidFill>
-                    </a:lnB>
-                    <a:solidFill>
-                      <a:srgbClr val="CCCCCC"/>
-                    </a:solidFill>
-                  </a:tcPr>
-                </a:tc>
-                <a:extLst>
-                  <a:ext uri="{0D108BD9-81ED-4DB2-BD59-A6C34878D82A}">
-                    <a16:rowId xmlns:a16="http://schemas.microsoft.com/office/drawing/2014/main" val="10001"/>
-                  </a:ext>
-                </a:extLst>
-              </a:tr>
-              <a:tr h="418320">
-                <a:tc>
-                  <a:txBody>
-                    <a:bodyPr/>
-                    <a:lstStyle/>
-                    <a:p>
-                      <a:endParaRPr lang="es-DE"/>
-                    </a:p>
-                  </a:txBody>
-                  <a:tcPr marL="90000" marR="90000">
-                    <a:lnL w="720">
-                      <a:solidFill>
-                        <a:srgbClr val="FFFFFF"/>
-                      </a:solidFill>
-                    </a:lnL>
-                    <a:lnR w="720">
-                      <a:solidFill>
-                        <a:srgbClr val="FFFFFF"/>
-                      </a:solidFill>
-                    </a:lnR>
-                    <a:lnT w="720">
-                      <a:solidFill>
-                        <a:srgbClr val="FFFFFF"/>
-                      </a:solidFill>
-                    </a:lnT>
-                    <a:lnB w="720">
-                      <a:solidFill>
-                        <a:srgbClr val="FFFFFF"/>
-                      </a:solidFill>
-                    </a:lnB>
-                    <a:solidFill>
-                      <a:srgbClr val="E6E6E6"/>
-                    </a:solidFill>
-                  </a:tcPr>
-                </a:tc>
-                <a:tc>
-                  <a:txBody>
-                    <a:bodyPr/>
-                    <a:lstStyle/>
-                    <a:p>
-                      <a:endParaRPr lang="es-DE"/>
-                    </a:p>
-                  </a:txBody>
-                  <a:tcPr marL="90000" marR="90000">
-                    <a:lnL w="720">
-                      <a:solidFill>
-                        <a:srgbClr val="FFFFFF"/>
-                      </a:solidFill>
-                    </a:lnL>
-                    <a:lnR w="720">
-                      <a:solidFill>
-                        <a:srgbClr val="FFFFFF"/>
-                      </a:solidFill>
-                    </a:lnR>
-                    <a:lnT w="720">
-                      <a:solidFill>
-                        <a:srgbClr val="FFFFFF"/>
-                      </a:solidFill>
-                    </a:lnT>
-                    <a:lnB w="720">
-                      <a:solidFill>
-                        <a:srgbClr val="FFFFFF"/>
-                      </a:solidFill>
-                    </a:lnB>
-                    <a:solidFill>
-                      <a:srgbClr val="4C4C4C"/>
-                    </a:solidFill>
-                  </a:tcPr>
-                </a:tc>
-                <a:tc>
-                  <a:txBody>
-                    <a:bodyPr/>
-                    <a:lstStyle/>
-                    <a:p>
-                      <a:endParaRPr lang="es-DE" dirty="0"/>
-                    </a:p>
-                  </a:txBody>
-                  <a:tcPr marL="90000" marR="90000">
-                    <a:lnL w="720">
-                      <a:solidFill>
-                        <a:srgbClr val="FFFFFF"/>
-                      </a:solidFill>
-                    </a:lnL>
-                    <a:lnR w="720">
-                      <a:solidFill>
-                        <a:srgbClr val="FFFFFF"/>
-                      </a:solidFill>
-                    </a:lnR>
-                    <a:lnT w="720">
-                      <a:solidFill>
-                        <a:srgbClr val="FFFFFF"/>
-                      </a:solidFill>
-                    </a:lnT>
-                    <a:lnB w="720">
-                      <a:solidFill>
-                        <a:srgbClr val="FFFFFF"/>
-                      </a:solidFill>
-                    </a:lnB>
-                    <a:solidFill>
-                      <a:srgbClr val="E6E6E6"/>
-                    </a:solidFill>
-                  </a:tcPr>
-                </a:tc>
-                <a:extLst>
-                  <a:ext uri="{0D108BD9-81ED-4DB2-BD59-A6C34878D82A}">
-                    <a16:rowId xmlns:a16="http://schemas.microsoft.com/office/drawing/2014/main" val="10002"/>
-                  </a:ext>
-                </a:extLst>
-              </a:tr>
-            </a:tbl>
-          </a:graphicData>
-        </a:graphic>
-      </p:graphicFrame>
+        </p:txBody>
+      </p:sp>
       <p:sp>
         <p:nvSpPr>
           <p:cNvPr id="457" name="CustomShape 10"/>
@@ -43613,8 +43036,8 @@
         </p:nvSpPr>
         <p:spPr>
           <a:xfrm>
-            <a:off x="3625195" y="2271309"/>
-            <a:ext cx="528120" cy="182520"/>
+            <a:off x="2885695" y="1957682"/>
+            <a:ext cx="469363" cy="160924"/>
           </a:xfrm>
           <a:custGeom>
             <a:avLst/>
@@ -43684,14 +43107,20 @@
       </p:sp>
       <p:sp>
         <p:nvSpPr>
-          <p:cNvPr id="459" name="CustomShape 12"/>
-          <p:cNvSpPr/>
-          <p:nvPr/>
-        </p:nvSpPr>
-        <p:spPr>
-          <a:xfrm>
-            <a:off x="2118595" y="1088349"/>
-            <a:ext cx="1414800" cy="542520"/>
+          <p:cNvPr id="36" name="CustomShape 14">
+            <a:extLst>
+              <a:ext uri="{FF2B5EF4-FFF2-40B4-BE49-F238E27FC236}">
+                <a16:creationId xmlns:a16="http://schemas.microsoft.com/office/drawing/2014/main" id="{6E912F69-DCD2-87D8-A94B-2D178D329732}"/>
+              </a:ext>
+            </a:extLst>
+          </p:cNvPr>
+          <p:cNvSpPr/>
+          <p:nvPr/>
+        </p:nvSpPr>
+        <p:spPr>
+          <a:xfrm>
+            <a:off x="3482696" y="954999"/>
+            <a:ext cx="1638720" cy="466090"/>
           </a:xfrm>
           <a:prstGeom prst="rect">
             <a:avLst/>
@@ -43717,13 +43146,13 @@
           <a:bodyPr lIns="90000" tIns="45000" rIns="90000" bIns="45000"/>
           <a:lstStyle/>
           <a:p>
-            <a:pPr>
-              <a:lnSpc>
-                <a:spcPct val="100000"/>
-              </a:lnSpc>
-            </a:pPr>
-            <a:r>
-              <a:rPr lang="en-US" sz="1800" b="0" strike="noStrike" spc="-1">
+            <a:pPr algn="ctr">
+              <a:lnSpc>
+                <a:spcPct val="100000"/>
+              </a:lnSpc>
+            </a:pPr>
+            <a:r>
+              <a:rPr lang="en-US" sz="1800" b="0" strike="noStrike" spc="-1" dirty="0">
                 <a:solidFill>
                   <a:srgbClr val="000000"/>
                 </a:solidFill>
@@ -43732,22 +43161,28 @@
               </a:rPr>
               <a:t>Condition 1</a:t>
             </a:r>
-            <a:endParaRPr lang="en-US" sz="1800" b="0" strike="noStrike" spc="-1">
-              <a:latin typeface="Arial"/>
-            </a:endParaRPr>
-          </a:p>
-        </p:txBody>
-      </p:sp>
-      <p:sp>
-        <p:nvSpPr>
-          <p:cNvPr id="460" name="CustomShape 13"/>
-          <p:cNvSpPr/>
-          <p:nvPr/>
-        </p:nvSpPr>
-        <p:spPr>
-          <a:xfrm>
-            <a:off x="4313155" y="1082589"/>
-            <a:ext cx="1414800" cy="542520"/>
+            <a:endParaRPr lang="en-US" sz="1800" b="0" strike="noStrike" spc="-1" dirty="0">
+              <a:latin typeface="Arial"/>
+            </a:endParaRPr>
+          </a:p>
+        </p:txBody>
+      </p:sp>
+      <p:sp>
+        <p:nvSpPr>
+          <p:cNvPr id="38" name="CustomShape 14">
+            <a:extLst>
+              <a:ext uri="{FF2B5EF4-FFF2-40B4-BE49-F238E27FC236}">
+                <a16:creationId xmlns:a16="http://schemas.microsoft.com/office/drawing/2014/main" id="{246ADB91-33A6-0BFC-5398-CE8E1E74DC10}"/>
+              </a:ext>
+            </a:extLst>
+          </p:cNvPr>
+          <p:cNvSpPr/>
+          <p:nvPr/>
+        </p:nvSpPr>
+        <p:spPr>
+          <a:xfrm>
+            <a:off x="1151828" y="2888764"/>
+            <a:ext cx="1638720" cy="542520"/>
           </a:xfrm>
           <a:prstGeom prst="rect">
             <a:avLst/>
@@ -43773,7 +43208,7 @@
           <a:bodyPr lIns="90000" tIns="45000" rIns="90000" bIns="45000"/>
           <a:lstStyle/>
           <a:p>
-            <a:pPr>
+            <a:pPr algn="ctr">
               <a:lnSpc>
                 <a:spcPct val="100000"/>
               </a:lnSpc>
@@ -43786,7 +43221,7 @@
                 <a:latin typeface="Arial"/>
                 <a:ea typeface="DejaVu Sans"/>
               </a:rPr>
-              <a:t>Condition 2</a:t>
+              <a:t>Condition 1</a:t>
             </a:r>
             <a:endParaRPr lang="en-US" sz="1800" b="0" strike="noStrike" spc="-1" dirty="0">
               <a:latin typeface="Arial"/>
@@ -43796,14 +43231,20 @@
       </p:sp>
       <p:sp>
         <p:nvSpPr>
-          <p:cNvPr id="461" name="CustomShape 14"/>
-          <p:cNvSpPr/>
-          <p:nvPr/>
-        </p:nvSpPr>
-        <p:spPr>
-          <a:xfrm>
-            <a:off x="2118595" y="1088349"/>
-            <a:ext cx="1414800" cy="542520"/>
+          <p:cNvPr id="41" name="CustomShape 14">
+            <a:extLst>
+              <a:ext uri="{FF2B5EF4-FFF2-40B4-BE49-F238E27FC236}">
+                <a16:creationId xmlns:a16="http://schemas.microsoft.com/office/drawing/2014/main" id="{5EECA14E-5E32-EB12-3426-3F7856B136E0}"/>
+              </a:ext>
+            </a:extLst>
+          </p:cNvPr>
+          <p:cNvSpPr/>
+          <p:nvPr/>
+        </p:nvSpPr>
+        <p:spPr>
+          <a:xfrm>
+            <a:off x="3485939" y="2888764"/>
+            <a:ext cx="1638720" cy="466090"/>
           </a:xfrm>
           <a:prstGeom prst="rect">
             <a:avLst/>
@@ -43829,7 +43270,7 @@
           <a:bodyPr lIns="90000" tIns="45000" rIns="90000" bIns="45000"/>
           <a:lstStyle/>
           <a:p>
-            <a:pPr>
+            <a:pPr algn="ctr">
               <a:lnSpc>
                 <a:spcPct val="100000"/>
               </a:lnSpc>
@@ -43842,7 +43283,7 @@
                 <a:latin typeface="Arial"/>
                 <a:ea typeface="DejaVu Sans"/>
               </a:rPr>
-              <a:t>Condition 1</a:t>
+              <a:t>Condition 2</a:t>
             </a:r>
             <a:endParaRPr lang="en-US" sz="1800" b="0" strike="noStrike" spc="-1" dirty="0">
               <a:latin typeface="Arial"/>
@@ -43852,106 +43293,20 @@
       </p:sp>
       <p:sp>
         <p:nvSpPr>
-          <p:cNvPr id="462" name="CustomShape 15"/>
-          <p:cNvSpPr/>
-          <p:nvPr/>
-        </p:nvSpPr>
-        <p:spPr>
-          <a:xfrm>
-            <a:off x="4103635" y="3040087"/>
-            <a:ext cx="1414800" cy="542520"/>
-          </a:xfrm>
-          <a:prstGeom prst="rect">
-            <a:avLst/>
-          </a:prstGeom>
-          <a:noFill/>
-          <a:ln>
-            <a:noFill/>
-          </a:ln>
-        </p:spPr>
-        <p:style>
-          <a:lnRef idx="0">
-            <a:scrgbClr r="0" g="0" b="0"/>
-          </a:lnRef>
-          <a:fillRef idx="0">
-            <a:scrgbClr r="0" g="0" b="0"/>
-          </a:fillRef>
-          <a:effectRef idx="0">
-            <a:scrgbClr r="0" g="0" b="0"/>
-          </a:effectRef>
-          <a:fontRef idx="minor"/>
-        </p:style>
-        <p:txBody>
-          <a:bodyPr lIns="90000" tIns="45000" rIns="90000" bIns="45000"/>
-          <a:lstStyle/>
-          <a:p>
-            <a:pPr>
-              <a:lnSpc>
-                <a:spcPct val="100000"/>
-              </a:lnSpc>
-            </a:pPr>
-            <a:r>
-              <a:rPr lang="en-US" sz="1800" b="0" strike="noStrike" spc="-1" dirty="0">
-                <a:solidFill>
-                  <a:srgbClr val="000000"/>
-                </a:solidFill>
-                <a:latin typeface="Arial"/>
-                <a:ea typeface="DejaVu Sans"/>
-              </a:rPr>
-              <a:t>Condition 3</a:t>
-            </a:r>
-            <a:endParaRPr lang="en-US" sz="1800" b="0" strike="noStrike" spc="-1" dirty="0">
-              <a:latin typeface="Arial"/>
-            </a:endParaRPr>
-          </a:p>
-        </p:txBody>
-      </p:sp>
-      <p:pic>
-        <p:nvPicPr>
-          <p:cNvPr id="20" name="Picture 4">
+          <p:cNvPr id="45" name="CustomShape 10">
             <a:extLst>
               <a:ext uri="{FF2B5EF4-FFF2-40B4-BE49-F238E27FC236}">
-                <a16:creationId xmlns:a16="http://schemas.microsoft.com/office/drawing/2014/main" id="{4F10AFF6-F19E-3946-A240-D8A736F52869}"/>
+                <a16:creationId xmlns:a16="http://schemas.microsoft.com/office/drawing/2014/main" id="{14A89CC1-8A7B-DA73-CD9D-86FC9A43ABB2}"/>
               </a:ext>
             </a:extLst>
           </p:cNvPr>
-          <p:cNvPicPr/>
-          <p:nvPr/>
-        </p:nvPicPr>
-        <p:blipFill>
-          <a:blip r:embed="rId3"/>
-          <a:srcRect r="56028" b="77738"/>
-          <a:stretch/>
-        </p:blipFill>
-        <p:spPr>
-          <a:xfrm>
-            <a:off x="1936795" y="3271749"/>
-            <a:ext cx="1638720" cy="1462680"/>
-          </a:xfrm>
-          <a:prstGeom prst="rect">
-            <a:avLst/>
-          </a:prstGeom>
-          <a:ln w="9360">
-            <a:noFill/>
-          </a:ln>
-        </p:spPr>
-      </p:pic>
-      <p:sp>
-        <p:nvSpPr>
-          <p:cNvPr id="21" name="CustomShape 10">
-            <a:extLst>
-              <a:ext uri="{FF2B5EF4-FFF2-40B4-BE49-F238E27FC236}">
-                <a16:creationId xmlns:a16="http://schemas.microsoft.com/office/drawing/2014/main" id="{E557A9B3-7E85-B241-AE8D-6F588B2CCD50}"/>
-              </a:ext>
-            </a:extLst>
-          </p:cNvPr>
-          <p:cNvSpPr/>
-          <p:nvPr/>
-        </p:nvSpPr>
-        <p:spPr>
-          <a:xfrm>
-            <a:off x="3575515" y="3911829"/>
-            <a:ext cx="528120" cy="182520"/>
+          <p:cNvSpPr/>
+          <p:nvPr/>
+        </p:nvSpPr>
+        <p:spPr>
+          <a:xfrm>
+            <a:off x="2885695" y="3894213"/>
+            <a:ext cx="469363" cy="160924"/>
           </a:xfrm>
           <a:custGeom>
             <a:avLst/>
@@ -44019,422 +43374,146 @@
           <a:fontRef idx="minor"/>
         </p:style>
       </p:sp>
-      <p:pic>
-        <p:nvPicPr>
-          <p:cNvPr id="22" name="Picture 4">
+      <p:sp>
+        <p:nvSpPr>
+          <p:cNvPr id="47" name="CustomShape 14">
             <a:extLst>
               <a:ext uri="{FF2B5EF4-FFF2-40B4-BE49-F238E27FC236}">
-                <a16:creationId xmlns:a16="http://schemas.microsoft.com/office/drawing/2014/main" id="{FE1B5C3C-1550-0A4E-9953-7C2B823A50B8}"/>
+                <a16:creationId xmlns:a16="http://schemas.microsoft.com/office/drawing/2014/main" id="{521D174D-93E1-CE95-8EEA-CA47F4AB0207}"/>
               </a:ext>
             </a:extLst>
           </p:cNvPr>
-          <p:cNvPicPr/>
-          <p:nvPr/>
-        </p:nvPicPr>
-        <p:blipFill>
-          <a:blip r:embed="rId3"/>
-          <a:srcRect l="56901" r="-3454" b="77738"/>
-          <a:stretch/>
-        </p:blipFill>
-        <p:spPr>
-          <a:xfrm>
-            <a:off x="1958215" y="4912449"/>
-            <a:ext cx="1735560" cy="1462680"/>
-          </a:xfrm>
-          <a:prstGeom prst="rect">
-            <a:avLst/>
-          </a:prstGeom>
-          <a:ln w="9360">
+          <p:cNvSpPr/>
+          <p:nvPr/>
+        </p:nvSpPr>
+        <p:spPr>
+          <a:xfrm>
+            <a:off x="1107922" y="4796982"/>
+            <a:ext cx="1638720" cy="542520"/>
+          </a:xfrm>
+          <a:prstGeom prst="rect">
+            <a:avLst/>
+          </a:prstGeom>
+          <a:noFill/>
+          <a:ln>
             <a:noFill/>
           </a:ln>
         </p:spPr>
-      </p:pic>
-      <p:graphicFrame>
-        <p:nvGraphicFramePr>
-          <p:cNvPr id="23" name="Table 9">
+        <p:style>
+          <a:lnRef idx="0">
+            <a:scrgbClr r="0" g="0" b="0"/>
+          </a:lnRef>
+          <a:fillRef idx="0">
+            <a:scrgbClr r="0" g="0" b="0"/>
+          </a:fillRef>
+          <a:effectRef idx="0">
+            <a:scrgbClr r="0" g="0" b="0"/>
+          </a:effectRef>
+          <a:fontRef idx="minor"/>
+        </p:style>
+        <p:txBody>
+          <a:bodyPr lIns="90000" tIns="45000" rIns="90000" bIns="45000"/>
+          <a:lstStyle/>
+          <a:p>
+            <a:pPr algn="ctr">
+              <a:lnSpc>
+                <a:spcPct val="100000"/>
+              </a:lnSpc>
+            </a:pPr>
+            <a:r>
+              <a:rPr lang="en-US" sz="1800" b="0" strike="noStrike" spc="-1" dirty="0">
+                <a:solidFill>
+                  <a:srgbClr val="000000"/>
+                </a:solidFill>
+                <a:latin typeface="Arial"/>
+                <a:ea typeface="DejaVu Sans"/>
+              </a:rPr>
+              <a:t>Condition 1</a:t>
+            </a:r>
+            <a:endParaRPr lang="en-US" sz="1800" b="0" strike="noStrike" spc="-1" dirty="0">
+              <a:latin typeface="Arial"/>
+            </a:endParaRPr>
+          </a:p>
+        </p:txBody>
+      </p:sp>
+      <p:sp>
+        <p:nvSpPr>
+          <p:cNvPr id="48" name="CustomShape 14">
             <a:extLst>
               <a:ext uri="{FF2B5EF4-FFF2-40B4-BE49-F238E27FC236}">
-                <a16:creationId xmlns:a16="http://schemas.microsoft.com/office/drawing/2014/main" id="{3E1A31CE-5EB1-DA44-A602-8205E81A8916}"/>
+                <a16:creationId xmlns:a16="http://schemas.microsoft.com/office/drawing/2014/main" id="{6CAF3470-9287-6332-C005-3F752786A425}"/>
               </a:ext>
             </a:extLst>
           </p:cNvPr>
-          <p:cNvGraphicFramePr/>
-          <p:nvPr>
-            <p:extLst>
-              <p:ext uri="{D42A27DB-BD31-4B8C-83A1-F6EECF244321}">
-                <p14:modId xmlns:p14="http://schemas.microsoft.com/office/powerpoint/2010/main" val="3851527470"/>
-              </p:ext>
-            </p:extLst>
-          </p:nvPr>
-        </p:nvGraphicFramePr>
-        <p:xfrm>
-          <a:off x="4192998" y="5000815"/>
-          <a:ext cx="1402560" cy="1258560"/>
-        </p:xfrm>
-        <a:graphic>
-          <a:graphicData uri="http://schemas.openxmlformats.org/drawingml/2006/table">
-            <a:tbl>
-              <a:tblPr/>
-              <a:tblGrid>
-                <a:gridCol w="467640">
-                  <a:extLst>
-                    <a:ext uri="{9D8B030D-6E8A-4147-A177-3AD203B41FA5}">
-                      <a16:colId xmlns:a16="http://schemas.microsoft.com/office/drawing/2014/main" val="20000"/>
-                    </a:ext>
-                  </a:extLst>
-                </a:gridCol>
-                <a:gridCol w="467640">
-                  <a:extLst>
-                    <a:ext uri="{9D8B030D-6E8A-4147-A177-3AD203B41FA5}">
-                      <a16:colId xmlns:a16="http://schemas.microsoft.com/office/drawing/2014/main" val="20001"/>
-                    </a:ext>
-                  </a:extLst>
-                </a:gridCol>
-                <a:gridCol w="467280">
-                  <a:extLst>
-                    <a:ext uri="{9D8B030D-6E8A-4147-A177-3AD203B41FA5}">
-                      <a16:colId xmlns:a16="http://schemas.microsoft.com/office/drawing/2014/main" val="20002"/>
-                    </a:ext>
-                  </a:extLst>
-                </a:gridCol>
-              </a:tblGrid>
-              <a:tr h="420120">
-                <a:tc>
-                  <a:txBody>
-                    <a:bodyPr/>
-                    <a:lstStyle/>
-                    <a:p>
-                      <a:endParaRPr lang="es-DE"/>
-                    </a:p>
-                  </a:txBody>
-                  <a:tcPr marL="90000" marR="90000">
-                    <a:lnL w="720">
-                      <a:solidFill>
-                        <a:srgbClr val="FFFFFF"/>
-                      </a:solidFill>
-                    </a:lnL>
-                    <a:lnR w="720">
-                      <a:solidFill>
-                        <a:srgbClr val="FFFFFF"/>
-                      </a:solidFill>
-                    </a:lnR>
-                    <a:lnT w="720">
-                      <a:solidFill>
-                        <a:srgbClr val="FFFFFF"/>
-                      </a:solidFill>
-                    </a:lnT>
-                    <a:lnB w="720">
-                      <a:solidFill>
-                        <a:srgbClr val="FFFFFF"/>
-                      </a:solidFill>
-                    </a:lnB>
-                    <a:solidFill>
-                      <a:srgbClr val="7F7F7F"/>
-                    </a:solidFill>
-                  </a:tcPr>
-                </a:tc>
-                <a:tc>
-                  <a:txBody>
-                    <a:bodyPr/>
-                    <a:lstStyle/>
-                    <a:p>
-                      <a:endParaRPr lang="es-DE"/>
-                    </a:p>
-                  </a:txBody>
-                  <a:tcPr marL="90000" marR="90000">
-                    <a:lnL w="720">
-                      <a:solidFill>
-                        <a:srgbClr val="FFFFFF"/>
-                      </a:solidFill>
-                    </a:lnL>
-                    <a:lnR w="720">
-                      <a:solidFill>
-                        <a:srgbClr val="FFFFFF"/>
-                      </a:solidFill>
-                    </a:lnR>
-                    <a:lnT w="720">
-                      <a:solidFill>
-                        <a:srgbClr val="FFFFFF"/>
-                      </a:solidFill>
-                    </a:lnT>
-                    <a:lnB w="720">
-                      <a:solidFill>
-                        <a:srgbClr val="FFFFFF"/>
-                      </a:solidFill>
-                    </a:lnB>
-                    <a:solidFill>
-                      <a:srgbClr val="BABABA"/>
-                    </a:solidFill>
-                  </a:tcPr>
-                </a:tc>
-                <a:tc>
-                  <a:txBody>
-                    <a:bodyPr/>
-                    <a:lstStyle/>
-                    <a:p>
-                      <a:endParaRPr lang="es-DE"/>
-                    </a:p>
-                  </a:txBody>
-                  <a:tcPr marL="90000" marR="90000">
-                    <a:lnL w="720">
-                      <a:solidFill>
-                        <a:srgbClr val="FFFFFF"/>
-                      </a:solidFill>
-                    </a:lnL>
-                    <a:lnR w="720">
-                      <a:solidFill>
-                        <a:srgbClr val="FFFFFF"/>
-                      </a:solidFill>
-                    </a:lnR>
-                    <a:lnT w="720">
-                      <a:solidFill>
-                        <a:srgbClr val="FFFFFF"/>
-                      </a:solidFill>
-                    </a:lnT>
-                    <a:lnB w="720">
-                      <a:solidFill>
-                        <a:srgbClr val="FFFFFF"/>
-                      </a:solidFill>
-                    </a:lnB>
-                    <a:solidFill>
-                      <a:srgbClr val="B3B3B3"/>
-                    </a:solidFill>
-                  </a:tcPr>
-                </a:tc>
-                <a:extLst>
-                  <a:ext uri="{0D108BD9-81ED-4DB2-BD59-A6C34878D82A}">
-                    <a16:rowId xmlns:a16="http://schemas.microsoft.com/office/drawing/2014/main" val="10000"/>
-                  </a:ext>
-                </a:extLst>
-              </a:tr>
-              <a:tr h="420120">
-                <a:tc>
-                  <a:txBody>
-                    <a:bodyPr/>
-                    <a:lstStyle/>
-                    <a:p>
-                      <a:endParaRPr lang="es-DE"/>
-                    </a:p>
-                  </a:txBody>
-                  <a:tcPr marL="90000" marR="90000">
-                    <a:lnL w="720">
-                      <a:solidFill>
-                        <a:srgbClr val="FFFFFF"/>
-                      </a:solidFill>
-                    </a:lnL>
-                    <a:lnR w="720">
-                      <a:solidFill>
-                        <a:srgbClr val="FFFFFF"/>
-                      </a:solidFill>
-                    </a:lnR>
-                    <a:lnT w="720">
-                      <a:solidFill>
-                        <a:srgbClr val="FFFFFF"/>
-                      </a:solidFill>
-                    </a:lnT>
-                    <a:lnB w="720">
-                      <a:solidFill>
-                        <a:srgbClr val="FFFFFF"/>
-                      </a:solidFill>
-                    </a:lnB>
-                    <a:solidFill>
-                      <a:srgbClr val="CCCCCC"/>
-                    </a:solidFill>
-                  </a:tcPr>
-                </a:tc>
-                <a:tc>
-                  <a:txBody>
-                    <a:bodyPr/>
-                    <a:lstStyle/>
-                    <a:p>
-                      <a:endParaRPr lang="es-DE"/>
-                    </a:p>
-                  </a:txBody>
-                  <a:tcPr marL="90000" marR="90000">
-                    <a:lnL w="720">
-                      <a:solidFill>
-                        <a:srgbClr val="FFFFFF"/>
-                      </a:solidFill>
-                    </a:lnL>
-                    <a:lnR w="720">
-                      <a:solidFill>
-                        <a:srgbClr val="FFFFFF"/>
-                      </a:solidFill>
-                    </a:lnR>
-                    <a:lnT w="720">
-                      <a:solidFill>
-                        <a:srgbClr val="FFFFFF"/>
-                      </a:solidFill>
-                    </a:lnT>
-                    <a:lnB w="720">
-                      <a:solidFill>
-                        <a:srgbClr val="FFFFFF"/>
-                      </a:solidFill>
-                    </a:lnB>
-                    <a:solidFill>
-                      <a:srgbClr val="4C4C4C"/>
-                    </a:solidFill>
-                  </a:tcPr>
-                </a:tc>
-                <a:tc>
-                  <a:txBody>
-                    <a:bodyPr/>
-                    <a:lstStyle/>
-                    <a:p>
-                      <a:endParaRPr lang="es-DE" dirty="0"/>
-                    </a:p>
-                  </a:txBody>
-                  <a:tcPr marL="90000" marR="90000">
-                    <a:lnL w="720">
-                      <a:solidFill>
-                        <a:srgbClr val="FFFFFF"/>
-                      </a:solidFill>
-                    </a:lnL>
-                    <a:lnR w="720">
-                      <a:solidFill>
-                        <a:srgbClr val="FFFFFF"/>
-                      </a:solidFill>
-                    </a:lnR>
-                    <a:lnT w="720">
-                      <a:solidFill>
-                        <a:srgbClr val="FFFFFF"/>
-                      </a:solidFill>
-                    </a:lnT>
-                    <a:lnB w="720">
-                      <a:solidFill>
-                        <a:srgbClr val="FFFFFF"/>
-                      </a:solidFill>
-                    </a:lnB>
-                    <a:solidFill>
-                      <a:srgbClr val="CCCCCC"/>
-                    </a:solidFill>
-                  </a:tcPr>
-                </a:tc>
-                <a:extLst>
-                  <a:ext uri="{0D108BD9-81ED-4DB2-BD59-A6C34878D82A}">
-                    <a16:rowId xmlns:a16="http://schemas.microsoft.com/office/drawing/2014/main" val="10001"/>
-                  </a:ext>
-                </a:extLst>
-              </a:tr>
-              <a:tr h="418320">
-                <a:tc>
-                  <a:txBody>
-                    <a:bodyPr/>
-                    <a:lstStyle/>
-                    <a:p>
-                      <a:endParaRPr lang="es-DE"/>
-                    </a:p>
-                  </a:txBody>
-                  <a:tcPr marL="90000" marR="90000">
-                    <a:lnL w="720">
-                      <a:solidFill>
-                        <a:srgbClr val="FFFFFF"/>
-                      </a:solidFill>
-                    </a:lnL>
-                    <a:lnR w="720">
-                      <a:solidFill>
-                        <a:srgbClr val="FFFFFF"/>
-                      </a:solidFill>
-                    </a:lnR>
-                    <a:lnT w="720">
-                      <a:solidFill>
-                        <a:srgbClr val="FFFFFF"/>
-                      </a:solidFill>
-                    </a:lnT>
-                    <a:lnB w="720">
-                      <a:solidFill>
-                        <a:srgbClr val="FFFFFF"/>
-                      </a:solidFill>
-                    </a:lnB>
-                    <a:solidFill>
-                      <a:srgbClr val="E6E6E6"/>
-                    </a:solidFill>
-                  </a:tcPr>
-                </a:tc>
-                <a:tc>
-                  <a:txBody>
-                    <a:bodyPr/>
-                    <a:lstStyle/>
-                    <a:p>
-                      <a:endParaRPr lang="es-DE"/>
-                    </a:p>
-                  </a:txBody>
-                  <a:tcPr marL="90000" marR="90000">
-                    <a:lnL w="720">
-                      <a:solidFill>
-                        <a:srgbClr val="FFFFFF"/>
-                      </a:solidFill>
-                    </a:lnL>
-                    <a:lnR w="720">
-                      <a:solidFill>
-                        <a:srgbClr val="FFFFFF"/>
-                      </a:solidFill>
-                    </a:lnR>
-                    <a:lnT w="720">
-                      <a:solidFill>
-                        <a:srgbClr val="FFFFFF"/>
-                      </a:solidFill>
-                    </a:lnT>
-                    <a:lnB w="720">
-                      <a:solidFill>
-                        <a:srgbClr val="FFFFFF"/>
-                      </a:solidFill>
-                    </a:lnB>
-                    <a:solidFill>
-                      <a:srgbClr val="4C4C4C"/>
-                    </a:solidFill>
-                  </a:tcPr>
-                </a:tc>
-                <a:tc>
-                  <a:txBody>
-                    <a:bodyPr/>
-                    <a:lstStyle/>
-                    <a:p>
-                      <a:endParaRPr lang="es-DE" dirty="0"/>
-                    </a:p>
-                  </a:txBody>
-                  <a:tcPr marL="90000" marR="90000">
-                    <a:lnL w="720">
-                      <a:solidFill>
-                        <a:srgbClr val="FFFFFF"/>
-                      </a:solidFill>
-                    </a:lnL>
-                    <a:lnR w="720">
-                      <a:solidFill>
-                        <a:srgbClr val="FFFFFF"/>
-                      </a:solidFill>
-                    </a:lnR>
-                    <a:lnT w="720">
-                      <a:solidFill>
-                        <a:srgbClr val="FFFFFF"/>
-                      </a:solidFill>
-                    </a:lnT>
-                    <a:lnB w="720">
-                      <a:solidFill>
-                        <a:srgbClr val="FFFFFF"/>
-                      </a:solidFill>
-                    </a:lnB>
-                    <a:solidFill>
-                      <a:srgbClr val="E6E6E6"/>
-                    </a:solidFill>
-                  </a:tcPr>
-                </a:tc>
-                <a:extLst>
-                  <a:ext uri="{0D108BD9-81ED-4DB2-BD59-A6C34878D82A}">
-                    <a16:rowId xmlns:a16="http://schemas.microsoft.com/office/drawing/2014/main" val="10002"/>
-                  </a:ext>
-                </a:extLst>
-              </a:tr>
-            </a:tbl>
-          </a:graphicData>
-        </a:graphic>
-      </p:graphicFrame>
-      <p:sp>
-        <p:nvSpPr>
-          <p:cNvPr id="24" name="CustomShape 13">
+          <p:cNvSpPr/>
+          <p:nvPr/>
+        </p:nvSpPr>
+        <p:spPr>
+          <a:xfrm>
+            <a:off x="3442033" y="4796982"/>
+            <a:ext cx="1638720" cy="466090"/>
+          </a:xfrm>
+          <a:prstGeom prst="rect">
+            <a:avLst/>
+          </a:prstGeom>
+          <a:noFill/>
+          <a:ln>
+            <a:noFill/>
+          </a:ln>
+        </p:spPr>
+        <p:style>
+          <a:lnRef idx="0">
+            <a:scrgbClr r="0" g="0" b="0"/>
+          </a:lnRef>
+          <a:fillRef idx="0">
+            <a:scrgbClr r="0" g="0" b="0"/>
+          </a:fillRef>
+          <a:effectRef idx="0">
+            <a:scrgbClr r="0" g="0" b="0"/>
+          </a:effectRef>
+          <a:fontRef idx="minor"/>
+        </p:style>
+        <p:txBody>
+          <a:bodyPr lIns="90000" tIns="45000" rIns="90000" bIns="45000"/>
+          <a:lstStyle/>
+          <a:p>
+            <a:pPr algn="ctr">
+              <a:lnSpc>
+                <a:spcPct val="100000"/>
+              </a:lnSpc>
+            </a:pPr>
+            <a:r>
+              <a:rPr lang="en-US" sz="1800" b="0" strike="noStrike" spc="-1" dirty="0">
+                <a:solidFill>
+                  <a:srgbClr val="000000"/>
+                </a:solidFill>
+                <a:latin typeface="Arial"/>
+                <a:ea typeface="DejaVu Sans"/>
+              </a:rPr>
+              <a:t>Condition </a:t>
+            </a:r>
+            <a:r>
+              <a:rPr lang="en-US" spc="-1" dirty="0">
+                <a:solidFill>
+                  <a:srgbClr val="000000"/>
+                </a:solidFill>
+                <a:latin typeface="Arial"/>
+                <a:ea typeface="DejaVu Sans"/>
+              </a:rPr>
+              <a:t>3</a:t>
+            </a:r>
+            <a:endParaRPr lang="en-US" sz="1800" b="0" strike="noStrike" spc="-1" dirty="0">
+              <a:latin typeface="Arial"/>
+            </a:endParaRPr>
+          </a:p>
+        </p:txBody>
+      </p:sp>
+      <p:sp>
+        <p:nvSpPr>
+          <p:cNvPr id="50" name="CustomShape 10">
             <a:extLst>
               <a:ext uri="{FF2B5EF4-FFF2-40B4-BE49-F238E27FC236}">
-                <a16:creationId xmlns:a16="http://schemas.microsoft.com/office/drawing/2014/main" id="{0F48FD83-4D15-104A-83E5-CDB322A5CBD6}"/>
+                <a16:creationId xmlns:a16="http://schemas.microsoft.com/office/drawing/2014/main" id="{22A9CED7-D143-32CE-EE4E-DED51FFC87D2}"/>
               </a:ext>
             </a:extLst>
           </p:cNvPr>
@@ -44443,194 +43522,8 @@
         </p:nvSpPr>
         <p:spPr>
           <a:xfrm>
-            <a:off x="2118595" y="4729555"/>
-            <a:ext cx="1414800" cy="542520"/>
-          </a:xfrm>
-          <a:prstGeom prst="rect">
-            <a:avLst/>
-          </a:prstGeom>
-          <a:noFill/>
-          <a:ln>
-            <a:noFill/>
-          </a:ln>
-        </p:spPr>
-        <p:style>
-          <a:lnRef idx="0">
-            <a:scrgbClr r="0" g="0" b="0"/>
-          </a:lnRef>
-          <a:fillRef idx="0">
-            <a:scrgbClr r="0" g="0" b="0"/>
-          </a:fillRef>
-          <a:effectRef idx="0">
-            <a:scrgbClr r="0" g="0" b="0"/>
-          </a:effectRef>
-          <a:fontRef idx="minor"/>
-        </p:style>
-        <p:txBody>
-          <a:bodyPr lIns="90000" tIns="45000" rIns="90000" bIns="45000"/>
-          <a:lstStyle/>
-          <a:p>
-            <a:pPr>
-              <a:lnSpc>
-                <a:spcPct val="100000"/>
-              </a:lnSpc>
-            </a:pPr>
-            <a:r>
-              <a:rPr lang="en-US" sz="1800" b="0" strike="noStrike" spc="-1" dirty="0">
-                <a:solidFill>
-                  <a:srgbClr val="000000"/>
-                </a:solidFill>
-                <a:latin typeface="Arial"/>
-                <a:ea typeface="DejaVu Sans"/>
-              </a:rPr>
-              <a:t>Condition 2</a:t>
-            </a:r>
-            <a:endParaRPr lang="en-US" sz="1800" b="0" strike="noStrike" spc="-1" dirty="0">
-              <a:latin typeface="Arial"/>
-            </a:endParaRPr>
-          </a:p>
-        </p:txBody>
-      </p:sp>
-      <p:sp>
-        <p:nvSpPr>
-          <p:cNvPr id="25" name="CustomShape 14">
-            <a:extLst>
-              <a:ext uri="{FF2B5EF4-FFF2-40B4-BE49-F238E27FC236}">
-                <a16:creationId xmlns:a16="http://schemas.microsoft.com/office/drawing/2014/main" id="{5BFCDCF2-7EF0-1845-900F-56BB5A163BB2}"/>
-              </a:ext>
-            </a:extLst>
-          </p:cNvPr>
-          <p:cNvSpPr/>
-          <p:nvPr/>
-        </p:nvSpPr>
-        <p:spPr>
-          <a:xfrm>
-            <a:off x="2118595" y="2999826"/>
-            <a:ext cx="1414800" cy="542520"/>
-          </a:xfrm>
-          <a:prstGeom prst="rect">
-            <a:avLst/>
-          </a:prstGeom>
-          <a:noFill/>
-          <a:ln>
-            <a:noFill/>
-          </a:ln>
-        </p:spPr>
-        <p:style>
-          <a:lnRef idx="0">
-            <a:scrgbClr r="0" g="0" b="0"/>
-          </a:lnRef>
-          <a:fillRef idx="0">
-            <a:scrgbClr r="0" g="0" b="0"/>
-          </a:fillRef>
-          <a:effectRef idx="0">
-            <a:scrgbClr r="0" g="0" b="0"/>
-          </a:effectRef>
-          <a:fontRef idx="minor"/>
-        </p:style>
-        <p:txBody>
-          <a:bodyPr lIns="90000" tIns="45000" rIns="90000" bIns="45000"/>
-          <a:lstStyle/>
-          <a:p>
-            <a:pPr>
-              <a:lnSpc>
-                <a:spcPct val="100000"/>
-              </a:lnSpc>
-            </a:pPr>
-            <a:r>
-              <a:rPr lang="en-US" sz="1800" b="0" strike="noStrike" spc="-1" dirty="0">
-                <a:solidFill>
-                  <a:srgbClr val="000000"/>
-                </a:solidFill>
-                <a:latin typeface="Arial"/>
-                <a:ea typeface="DejaVu Sans"/>
-              </a:rPr>
-              <a:t>Condition 1</a:t>
-            </a:r>
-            <a:endParaRPr lang="en-US" sz="1800" b="0" strike="noStrike" spc="-1" dirty="0">
-              <a:latin typeface="Arial"/>
-            </a:endParaRPr>
-          </a:p>
-        </p:txBody>
-      </p:sp>
-      <p:sp>
-        <p:nvSpPr>
-          <p:cNvPr id="26" name="CustomShape 15">
-            <a:extLst>
-              <a:ext uri="{FF2B5EF4-FFF2-40B4-BE49-F238E27FC236}">
-                <a16:creationId xmlns:a16="http://schemas.microsoft.com/office/drawing/2014/main" id="{3FACA1EB-2D5B-6E42-BFE1-3F77B855242A}"/>
-              </a:ext>
-            </a:extLst>
-          </p:cNvPr>
-          <p:cNvSpPr/>
-          <p:nvPr/>
-        </p:nvSpPr>
-        <p:spPr>
-          <a:xfrm>
-            <a:off x="4192998" y="4649316"/>
-            <a:ext cx="1414800" cy="542520"/>
-          </a:xfrm>
-          <a:prstGeom prst="rect">
-            <a:avLst/>
-          </a:prstGeom>
-          <a:noFill/>
-          <a:ln>
-            <a:noFill/>
-          </a:ln>
-        </p:spPr>
-        <p:style>
-          <a:lnRef idx="0">
-            <a:scrgbClr r="0" g="0" b="0"/>
-          </a:lnRef>
-          <a:fillRef idx="0">
-            <a:scrgbClr r="0" g="0" b="0"/>
-          </a:fillRef>
-          <a:effectRef idx="0">
-            <a:scrgbClr r="0" g="0" b="0"/>
-          </a:effectRef>
-          <a:fontRef idx="minor"/>
-        </p:style>
-        <p:txBody>
-          <a:bodyPr lIns="90000" tIns="45000" rIns="90000" bIns="45000"/>
-          <a:lstStyle/>
-          <a:p>
-            <a:pPr>
-              <a:lnSpc>
-                <a:spcPct val="100000"/>
-              </a:lnSpc>
-            </a:pPr>
-            <a:r>
-              <a:rPr lang="en-US" sz="1800" b="0" strike="noStrike" spc="-1" dirty="0">
-                <a:solidFill>
-                  <a:srgbClr val="000000"/>
-                </a:solidFill>
-                <a:latin typeface="Arial"/>
-                <a:ea typeface="DejaVu Sans"/>
-              </a:rPr>
-              <a:t>Condition 3</a:t>
-            </a:r>
-            <a:endParaRPr lang="en-US" sz="1800" b="0" strike="noStrike" spc="-1" dirty="0">
-              <a:latin typeface="Arial"/>
-            </a:endParaRPr>
-          </a:p>
-        </p:txBody>
-      </p:sp>
-      <p:sp>
-        <p:nvSpPr>
-          <p:cNvPr id="27" name="CustomShape 10">
-            <a:extLst>
-              <a:ext uri="{FF2B5EF4-FFF2-40B4-BE49-F238E27FC236}">
-                <a16:creationId xmlns:a16="http://schemas.microsoft.com/office/drawing/2014/main" id="{C969C116-56F9-7D43-8D1D-652024DF8125}"/>
-              </a:ext>
-            </a:extLst>
-          </p:cNvPr>
-          <p:cNvSpPr/>
-          <p:nvPr/>
-        </p:nvSpPr>
-        <p:spPr>
-          <a:xfrm>
-            <a:off x="3668162" y="5461269"/>
-            <a:ext cx="528120" cy="182520"/>
+            <a:off x="2841789" y="5802431"/>
+            <a:ext cx="469363" cy="160924"/>
           </a:xfrm>
           <a:custGeom>
             <a:avLst/>
@@ -44698,72 +43591,146 @@
           <a:fontRef idx="minor"/>
         </p:style>
       </p:sp>
-      <p:pic>
-        <p:nvPicPr>
-          <p:cNvPr id="28" name="Picture 4">
+      <p:sp>
+        <p:nvSpPr>
+          <p:cNvPr id="52" name="CustomShape 14">
             <a:extLst>
               <a:ext uri="{FF2B5EF4-FFF2-40B4-BE49-F238E27FC236}">
-                <a16:creationId xmlns:a16="http://schemas.microsoft.com/office/drawing/2014/main" id="{356B1803-2820-0149-A6F6-E3583CF8F424}"/>
+                <a16:creationId xmlns:a16="http://schemas.microsoft.com/office/drawing/2014/main" id="{5F260634-1514-D3EA-3823-7486609C087A}"/>
               </a:ext>
             </a:extLst>
           </p:cNvPr>
-          <p:cNvPicPr/>
-          <p:nvPr/>
-        </p:nvPicPr>
-        <p:blipFill>
-          <a:blip r:embed="rId3"/>
-          <a:srcRect r="56028" b="77738"/>
-          <a:stretch/>
-        </p:blipFill>
-        <p:spPr>
-          <a:xfrm>
-            <a:off x="6603475" y="1534839"/>
-            <a:ext cx="1638720" cy="1462680"/>
-          </a:xfrm>
-          <a:prstGeom prst="rect">
-            <a:avLst/>
-          </a:prstGeom>
-          <a:ln w="9360">
+          <p:cNvSpPr/>
+          <p:nvPr/>
+        </p:nvSpPr>
+        <p:spPr>
+          <a:xfrm>
+            <a:off x="5809553" y="952233"/>
+            <a:ext cx="1638720" cy="542520"/>
+          </a:xfrm>
+          <a:prstGeom prst="rect">
+            <a:avLst/>
+          </a:prstGeom>
+          <a:noFill/>
+          <a:ln>
             <a:noFill/>
           </a:ln>
         </p:spPr>
-      </p:pic>
-      <p:pic>
-        <p:nvPicPr>
-          <p:cNvPr id="29" name="Picture 4">
+        <p:style>
+          <a:lnRef idx="0">
+            <a:scrgbClr r="0" g="0" b="0"/>
+          </a:lnRef>
+          <a:fillRef idx="0">
+            <a:scrgbClr r="0" g="0" b="0"/>
+          </a:fillRef>
+          <a:effectRef idx="0">
+            <a:scrgbClr r="0" g="0" b="0"/>
+          </a:effectRef>
+          <a:fontRef idx="minor"/>
+        </p:style>
+        <p:txBody>
+          <a:bodyPr lIns="90000" tIns="45000" rIns="90000" bIns="45000"/>
+          <a:lstStyle/>
+          <a:p>
+            <a:pPr algn="ctr">
+              <a:lnSpc>
+                <a:spcPct val="100000"/>
+              </a:lnSpc>
+            </a:pPr>
+            <a:r>
+              <a:rPr lang="en-US" sz="1800" b="0" strike="noStrike" spc="-1" dirty="0">
+                <a:solidFill>
+                  <a:srgbClr val="000000"/>
+                </a:solidFill>
+                <a:latin typeface="Arial"/>
+                <a:ea typeface="DejaVu Sans"/>
+              </a:rPr>
+              <a:t>Condition 2</a:t>
+            </a:r>
+            <a:endParaRPr lang="en-US" sz="1800" b="0" strike="noStrike" spc="-1" dirty="0">
+              <a:latin typeface="Arial"/>
+            </a:endParaRPr>
+          </a:p>
+        </p:txBody>
+      </p:sp>
+      <p:sp>
+        <p:nvSpPr>
+          <p:cNvPr id="53" name="CustomShape 14">
             <a:extLst>
               <a:ext uri="{FF2B5EF4-FFF2-40B4-BE49-F238E27FC236}">
-                <a16:creationId xmlns:a16="http://schemas.microsoft.com/office/drawing/2014/main" id="{89A2BA1A-F5AC-D44F-B766-D6A718F5ED52}"/>
+                <a16:creationId xmlns:a16="http://schemas.microsoft.com/office/drawing/2014/main" id="{A1AAFFE6-33F8-8BA2-72E7-A2D9E5A5BE5C}"/>
               </a:ext>
             </a:extLst>
           </p:cNvPr>
-          <p:cNvPicPr/>
-          <p:nvPr/>
-        </p:nvPicPr>
-        <p:blipFill>
-          <a:blip r:embed="rId3"/>
-          <a:srcRect r="56028" b="77738"/>
-          <a:stretch/>
-        </p:blipFill>
-        <p:spPr>
-          <a:xfrm>
-            <a:off x="8429610" y="1534839"/>
-            <a:ext cx="1638720" cy="1462680"/>
-          </a:xfrm>
-          <a:prstGeom prst="rect">
-            <a:avLst/>
-          </a:prstGeom>
-          <a:ln w="9360">
+          <p:cNvSpPr/>
+          <p:nvPr/>
+        </p:nvSpPr>
+        <p:spPr>
+          <a:xfrm>
+            <a:off x="8143664" y="952233"/>
+            <a:ext cx="1638720" cy="466090"/>
+          </a:xfrm>
+          <a:prstGeom prst="rect">
+            <a:avLst/>
+          </a:prstGeom>
+          <a:noFill/>
+          <a:ln>
             <a:noFill/>
           </a:ln>
         </p:spPr>
-      </p:pic>
-      <p:sp>
-        <p:nvSpPr>
-          <p:cNvPr id="30" name="CustomShape 10">
+        <p:style>
+          <a:lnRef idx="0">
+            <a:scrgbClr r="0" g="0" b="0"/>
+          </a:lnRef>
+          <a:fillRef idx="0">
+            <a:scrgbClr r="0" g="0" b="0"/>
+          </a:fillRef>
+          <a:effectRef idx="0">
+            <a:scrgbClr r="0" g="0" b="0"/>
+          </a:effectRef>
+          <a:fontRef idx="minor"/>
+        </p:style>
+        <p:txBody>
+          <a:bodyPr lIns="90000" tIns="45000" rIns="90000" bIns="45000"/>
+          <a:lstStyle/>
+          <a:p>
+            <a:pPr algn="ctr">
+              <a:lnSpc>
+                <a:spcPct val="100000"/>
+              </a:lnSpc>
+            </a:pPr>
+            <a:r>
+              <a:rPr lang="en-US" sz="1800" b="0" strike="noStrike" spc="-1" dirty="0">
+                <a:solidFill>
+                  <a:srgbClr val="000000"/>
+                </a:solidFill>
+                <a:latin typeface="Arial"/>
+                <a:ea typeface="DejaVu Sans"/>
+              </a:rPr>
+              <a:t>Condition </a:t>
+            </a:r>
+            <a:r>
+              <a:rPr lang="en-US" spc="-1" dirty="0">
+                <a:solidFill>
+                  <a:srgbClr val="000000"/>
+                </a:solidFill>
+                <a:latin typeface="Arial"/>
+                <a:ea typeface="DejaVu Sans"/>
+              </a:rPr>
+              <a:t>1</a:t>
+            </a:r>
+            <a:endParaRPr lang="en-US" sz="1800" b="0" strike="noStrike" spc="-1" dirty="0">
+              <a:latin typeface="Arial"/>
+            </a:endParaRPr>
+          </a:p>
+        </p:txBody>
+      </p:sp>
+      <p:sp>
+        <p:nvSpPr>
+          <p:cNvPr id="55" name="CustomShape 10">
             <a:extLst>
               <a:ext uri="{FF2B5EF4-FFF2-40B4-BE49-F238E27FC236}">
-                <a16:creationId xmlns:a16="http://schemas.microsoft.com/office/drawing/2014/main" id="{CBCF11FE-1D35-464A-9D97-DEB92886E1F6}"/>
+                <a16:creationId xmlns:a16="http://schemas.microsoft.com/office/drawing/2014/main" id="{FD40BAB0-1F55-2D5A-A12D-F4283ED2C59D}"/>
               </a:ext>
             </a:extLst>
           </p:cNvPr>
@@ -44772,8 +43739,8 @@
         </p:nvSpPr>
         <p:spPr>
           <a:xfrm>
-            <a:off x="8071843" y="2230394"/>
-            <a:ext cx="528120" cy="182520"/>
+            <a:off x="7543420" y="1957682"/>
+            <a:ext cx="469363" cy="160924"/>
           </a:xfrm>
           <a:custGeom>
             <a:avLst/>
@@ -44843,10 +43810,10 @@
       </p:sp>
       <p:sp>
         <p:nvSpPr>
-          <p:cNvPr id="31" name="CustomShape 14">
+          <p:cNvPr id="57" name="CustomShape 14">
             <a:extLst>
               <a:ext uri="{FF2B5EF4-FFF2-40B4-BE49-F238E27FC236}">
-                <a16:creationId xmlns:a16="http://schemas.microsoft.com/office/drawing/2014/main" id="{4B55076E-60D3-AF4C-A592-6800A03EC3AC}"/>
+                <a16:creationId xmlns:a16="http://schemas.microsoft.com/office/drawing/2014/main" id="{2EE29C06-7EC8-818A-4F24-1CB9A178EF29}"/>
               </a:ext>
             </a:extLst>
           </p:cNvPr>
@@ -44855,8 +43822,8 @@
         </p:nvSpPr>
         <p:spPr>
           <a:xfrm>
-            <a:off x="6694915" y="1163263"/>
-            <a:ext cx="1414800" cy="542520"/>
+            <a:off x="5809553" y="2888764"/>
+            <a:ext cx="1638720" cy="542520"/>
           </a:xfrm>
           <a:prstGeom prst="rect">
             <a:avLst/>
@@ -44882,7 +43849,7 @@
           <a:bodyPr lIns="90000" tIns="45000" rIns="90000" bIns="45000"/>
           <a:lstStyle/>
           <a:p>
-            <a:pPr>
+            <a:pPr algn="ctr">
               <a:lnSpc>
                 <a:spcPct val="100000"/>
               </a:lnSpc>
@@ -44895,7 +43862,7 @@
                 <a:latin typeface="Arial"/>
                 <a:ea typeface="DejaVu Sans"/>
               </a:rPr>
-              <a:t>Condition 1</a:t>
+              <a:t>Condition 2</a:t>
             </a:r>
             <a:endParaRPr lang="en-US" sz="1800" b="0" strike="noStrike" spc="-1" dirty="0">
               <a:latin typeface="Arial"/>
@@ -44905,10 +43872,10 @@
       </p:sp>
       <p:sp>
         <p:nvSpPr>
-          <p:cNvPr id="32" name="CustomShape 14">
+          <p:cNvPr id="58" name="CustomShape 10">
             <a:extLst>
               <a:ext uri="{FF2B5EF4-FFF2-40B4-BE49-F238E27FC236}">
-                <a16:creationId xmlns:a16="http://schemas.microsoft.com/office/drawing/2014/main" id="{BDA3220F-B98B-1945-84CA-88C59F59D8EF}"/>
+                <a16:creationId xmlns:a16="http://schemas.microsoft.com/office/drawing/2014/main" id="{D09090D9-AD4D-0295-C614-BF26E07D549E}"/>
               </a:ext>
             </a:extLst>
           </p:cNvPr>
@@ -44917,8 +43884,91 @@
         </p:nvSpPr>
         <p:spPr>
           <a:xfrm>
-            <a:off x="8599963" y="1168356"/>
-            <a:ext cx="1414800" cy="542520"/>
+            <a:off x="7543420" y="3894213"/>
+            <a:ext cx="469363" cy="160924"/>
+          </a:xfrm>
+          <a:custGeom>
+            <a:avLst/>
+            <a:gdLst/>
+            <a:ahLst/>
+            <a:cxnLst/>
+            <a:rect l="l" t="t" r="r" b="b"/>
+            <a:pathLst>
+              <a:path w="1470" h="510">
+                <a:moveTo>
+                  <a:pt x="0" y="254"/>
+                </a:moveTo>
+                <a:lnTo>
+                  <a:pt x="292" y="0"/>
+                </a:lnTo>
+                <a:lnTo>
+                  <a:pt x="292" y="127"/>
+                </a:lnTo>
+                <a:lnTo>
+                  <a:pt x="1176" y="127"/>
+                </a:lnTo>
+                <a:lnTo>
+                  <a:pt x="1176" y="0"/>
+                </a:lnTo>
+                <a:lnTo>
+                  <a:pt x="1469" y="254"/>
+                </a:lnTo>
+                <a:lnTo>
+                  <a:pt x="1176" y="509"/>
+                </a:lnTo>
+                <a:lnTo>
+                  <a:pt x="1176" y="381"/>
+                </a:lnTo>
+                <a:lnTo>
+                  <a:pt x="292" y="381"/>
+                </a:lnTo>
+                <a:lnTo>
+                  <a:pt x="292" y="509"/>
+                </a:lnTo>
+                <a:lnTo>
+                  <a:pt x="0" y="254"/>
+                </a:lnTo>
+              </a:path>
+            </a:pathLst>
+          </a:custGeom>
+          <a:solidFill>
+            <a:srgbClr val="4C4C4C"/>
+          </a:solidFill>
+          <a:ln>
+            <a:solidFill>
+              <a:srgbClr val="3465A4"/>
+            </a:solidFill>
+          </a:ln>
+        </p:spPr>
+        <p:style>
+          <a:lnRef idx="0">
+            <a:scrgbClr r="0" g="0" b="0"/>
+          </a:lnRef>
+          <a:fillRef idx="0">
+            <a:scrgbClr r="0" g="0" b="0"/>
+          </a:fillRef>
+          <a:effectRef idx="0">
+            <a:scrgbClr r="0" g="0" b="0"/>
+          </a:effectRef>
+          <a:fontRef idx="minor"/>
+        </p:style>
+      </p:sp>
+      <p:sp>
+        <p:nvSpPr>
+          <p:cNvPr id="60" name="CustomShape 14">
+            <a:extLst>
+              <a:ext uri="{FF2B5EF4-FFF2-40B4-BE49-F238E27FC236}">
+                <a16:creationId xmlns:a16="http://schemas.microsoft.com/office/drawing/2014/main" id="{3226D847-1117-98E8-AF1B-23C1EED7A22D}"/>
+              </a:ext>
+            </a:extLst>
+          </p:cNvPr>
+          <p:cNvSpPr/>
+          <p:nvPr/>
+        </p:nvSpPr>
+        <p:spPr>
+          <a:xfrm>
+            <a:off x="8098544" y="2888764"/>
+            <a:ext cx="1638720" cy="466090"/>
           </a:xfrm>
           <a:prstGeom prst="rect">
             <a:avLst/>
@@ -44944,7 +43994,7 @@
           <a:bodyPr lIns="90000" tIns="45000" rIns="90000" bIns="45000"/>
           <a:lstStyle/>
           <a:p>
-            <a:pPr>
+            <a:pPr algn="ctr">
               <a:lnSpc>
                 <a:spcPct val="100000"/>
               </a:lnSpc>
@@ -44957,7 +44007,7 @@
                 <a:latin typeface="Arial"/>
                 <a:ea typeface="DejaVu Sans"/>
               </a:rPr>
-              <a:t>Condition 1</a:t>
+              <a:t>Condition 2</a:t>
             </a:r>
             <a:endParaRPr lang="en-US" sz="1800" b="0" strike="noStrike" spc="-1" dirty="0">
               <a:latin typeface="Arial"/>
@@ -44965,6 +44015,97 @@
           </a:p>
         </p:txBody>
       </p:sp>
+      <p:sp>
+        <p:nvSpPr>
+          <p:cNvPr id="62" name="CustomShape 14">
+            <a:extLst>
+              <a:ext uri="{FF2B5EF4-FFF2-40B4-BE49-F238E27FC236}">
+                <a16:creationId xmlns:a16="http://schemas.microsoft.com/office/drawing/2014/main" id="{D091F7F6-C827-691C-F67F-C6A206CBAFF8}"/>
+              </a:ext>
+            </a:extLst>
+          </p:cNvPr>
+          <p:cNvSpPr/>
+          <p:nvPr/>
+        </p:nvSpPr>
+        <p:spPr>
+          <a:xfrm>
+            <a:off x="6958741" y="5297343"/>
+            <a:ext cx="1638720" cy="542520"/>
+          </a:xfrm>
+          <a:prstGeom prst="rect">
+            <a:avLst/>
+          </a:prstGeom>
+          <a:noFill/>
+          <a:ln>
+            <a:noFill/>
+          </a:ln>
+        </p:spPr>
+        <p:style>
+          <a:lnRef idx="0">
+            <a:scrgbClr r="0" g="0" b="0"/>
+          </a:lnRef>
+          <a:fillRef idx="0">
+            <a:scrgbClr r="0" g="0" b="0"/>
+          </a:fillRef>
+          <a:effectRef idx="0">
+            <a:scrgbClr r="0" g="0" b="0"/>
+          </a:effectRef>
+          <a:fontRef idx="minor"/>
+        </p:style>
+        <p:txBody>
+          <a:bodyPr lIns="90000" tIns="45000" rIns="90000" bIns="45000"/>
+          <a:lstStyle/>
+          <a:p>
+            <a:pPr algn="ctr">
+              <a:lnSpc>
+                <a:spcPct val="100000"/>
+              </a:lnSpc>
+            </a:pPr>
+            <a:r>
+              <a:rPr lang="en-US" sz="1800" b="0" strike="noStrike" spc="-1" dirty="0">
+                <a:solidFill>
+                  <a:srgbClr val="000000"/>
+                </a:solidFill>
+                <a:latin typeface="Arial"/>
+                <a:ea typeface="DejaVu Sans"/>
+              </a:rPr>
+              <a:t>(…)</a:t>
+            </a:r>
+            <a:endParaRPr lang="en-US" sz="1800" b="0" strike="noStrike" spc="-1" dirty="0">
+              <a:latin typeface="Arial"/>
+            </a:endParaRPr>
+          </a:p>
+        </p:txBody>
+      </p:sp>
+      <p:pic>
+        <p:nvPicPr>
+          <p:cNvPr id="72" name="Imagen 71">
+            <a:extLst>
+              <a:ext uri="{FF2B5EF4-FFF2-40B4-BE49-F238E27FC236}">
+                <a16:creationId xmlns:a16="http://schemas.microsoft.com/office/drawing/2014/main" id="{103175D9-8F1B-9C93-DF6B-3280D92CD5E7}"/>
+              </a:ext>
+            </a:extLst>
+          </p:cNvPr>
+          <p:cNvPicPr>
+            <a:picLocks noChangeAspect="1"/>
+          </p:cNvPicPr>
+          <p:nvPr/>
+        </p:nvPicPr>
+        <p:blipFill rotWithShape="1">
+          <a:blip r:embed="rId3"/>
+          <a:srcRect l="34880" t="-1138" r="34657" b="1138"/>
+          <a:stretch/>
+        </p:blipFill>
+        <p:spPr>
+          <a:xfrm>
+            <a:off x="5767535" y="3214190"/>
+            <a:ext cx="1561109" cy="1527940"/>
+          </a:xfrm>
+          <a:prstGeom prst="rect">
+            <a:avLst/>
+          </a:prstGeom>
+        </p:spPr>
+      </p:pic>
     </p:spTree>
     <p:extLst>
       <p:ext uri="{BB962C8B-B14F-4D97-AF65-F5344CB8AC3E}">
@@ -45022,6 +44163,36 @@
           <a:chExt cx="0" cy="0"/>
         </a:xfrm>
       </p:grpSpPr>
+      <p:pic>
+        <p:nvPicPr>
+          <p:cNvPr id="2" name="Imagen 1">
+            <a:extLst>
+              <a:ext uri="{FF2B5EF4-FFF2-40B4-BE49-F238E27FC236}">
+                <a16:creationId xmlns:a16="http://schemas.microsoft.com/office/drawing/2014/main" id="{E72E2904-0D90-0F3C-A9E1-A6954E657B49}"/>
+              </a:ext>
+            </a:extLst>
+          </p:cNvPr>
+          <p:cNvPicPr>
+            <a:picLocks noChangeAspect="1"/>
+          </p:cNvPicPr>
+          <p:nvPr/>
+        </p:nvPicPr>
+        <p:blipFill>
+          <a:blip r:embed="rId3"/>
+          <a:stretch>
+            <a:fillRect/>
+          </a:stretch>
+        </p:blipFill>
+        <p:spPr>
+          <a:xfrm>
+            <a:off x="1351096" y="2386204"/>
+            <a:ext cx="7028281" cy="2095557"/>
+          </a:xfrm>
+          <a:prstGeom prst="rect">
+            <a:avLst/>
+          </a:prstGeom>
+        </p:spPr>
+      </p:pic>
       <p:sp>
         <p:nvSpPr>
           <p:cNvPr id="465" name="CustomShape 1"/>
@@ -45078,456 +44249,312 @@
           </a:p>
         </p:txBody>
       </p:sp>
-      <p:pic>
-        <p:nvPicPr>
-          <p:cNvPr id="473" name="Picture 4"/>
-          <p:cNvPicPr/>
-          <p:nvPr/>
-        </p:nvPicPr>
-        <p:blipFill>
-          <a:blip r:embed="rId3"/>
-          <a:srcRect r="56028" b="77738"/>
-          <a:stretch/>
-        </p:blipFill>
-        <p:spPr>
-          <a:xfrm>
-            <a:off x="1786320" y="2377440"/>
-            <a:ext cx="1638720" cy="1462680"/>
-          </a:xfrm>
-          <a:prstGeom prst="rect">
-            <a:avLst/>
-          </a:prstGeom>
-          <a:ln w="9360">
+      <p:sp>
+        <p:nvSpPr>
+          <p:cNvPr id="485" name="CustomShape 18"/>
+          <p:cNvSpPr/>
+          <p:nvPr/>
+        </p:nvSpPr>
+        <p:spPr>
+          <a:xfrm>
+            <a:off x="2105025" y="5457144"/>
+            <a:ext cx="6641895" cy="542520"/>
+          </a:xfrm>
+          <a:prstGeom prst="rect">
+            <a:avLst/>
+          </a:prstGeom>
+          <a:noFill/>
+          <a:ln>
             <a:noFill/>
           </a:ln>
         </p:spPr>
-      </p:pic>
-      <p:pic>
-        <p:nvPicPr>
-          <p:cNvPr id="474" name="Picture 4"/>
-          <p:cNvPicPr/>
-          <p:nvPr/>
-        </p:nvPicPr>
-        <p:blipFill>
-          <a:blip r:embed="rId3"/>
-          <a:srcRect l="56901" r="-3454" b="77738"/>
-          <a:stretch/>
-        </p:blipFill>
-        <p:spPr>
-          <a:xfrm>
-            <a:off x="3911760" y="2377440"/>
-            <a:ext cx="1735560" cy="1462680"/>
-          </a:xfrm>
-          <a:prstGeom prst="rect">
-            <a:avLst/>
-          </a:prstGeom>
-          <a:ln w="9360">
+        <p:style>
+          <a:lnRef idx="0">
+            <a:scrgbClr r="0" g="0" b="0"/>
+          </a:lnRef>
+          <a:fillRef idx="0">
+            <a:scrgbClr r="0" g="0" b="0"/>
+          </a:fillRef>
+          <a:effectRef idx="0">
+            <a:scrgbClr r="0" g="0" b="0"/>
+          </a:effectRef>
+          <a:fontRef idx="minor"/>
+        </p:style>
+        <p:txBody>
+          <a:bodyPr lIns="90000" tIns="45000" rIns="90000" bIns="45000"/>
+          <a:lstStyle/>
+          <a:p>
+            <a:pPr>
+              <a:lnSpc>
+                <a:spcPct val="100000"/>
+              </a:lnSpc>
+            </a:pPr>
+            <a:r>
+              <a:rPr lang="en-US" sz="1800" b="0" strike="noStrike" spc="-1" dirty="0">
+                <a:solidFill>
+                  <a:srgbClr val="000000"/>
+                </a:solidFill>
+                <a:latin typeface="Arial"/>
+                <a:ea typeface="DejaVu Sans"/>
+              </a:rPr>
+              <a:t>During condition 1 y 2, our ROI is representing the same </a:t>
+            </a:r>
+            <a:r>
+              <a:rPr lang="en-US" sz="1800" b="0" i="1" strike="noStrike" spc="-1" dirty="0">
+                <a:solidFill>
+                  <a:srgbClr val="000000"/>
+                </a:solidFill>
+                <a:latin typeface="Arial"/>
+                <a:ea typeface="DejaVu Sans"/>
+              </a:rPr>
+              <a:t>thing</a:t>
+            </a:r>
+            <a:r>
+              <a:rPr lang="en-US" sz="1800" b="0" strike="noStrike" spc="-1" dirty="0">
+                <a:solidFill>
+                  <a:srgbClr val="000000"/>
+                </a:solidFill>
+                <a:latin typeface="Arial"/>
+                <a:ea typeface="DejaVu Sans"/>
+              </a:rPr>
+              <a:t>; during condition 3 is representing </a:t>
+            </a:r>
+            <a:r>
+              <a:rPr lang="en-US" sz="1800" b="0" i="1" strike="noStrike" spc="-1" dirty="0">
+                <a:solidFill>
+                  <a:srgbClr val="000000"/>
+                </a:solidFill>
+                <a:latin typeface="Arial"/>
+                <a:ea typeface="DejaVu Sans"/>
+              </a:rPr>
+              <a:t>something else</a:t>
+            </a:r>
+            <a:r>
+              <a:rPr lang="en-US" sz="1800" b="0" strike="noStrike" spc="-1" dirty="0">
+                <a:solidFill>
+                  <a:srgbClr val="000000"/>
+                </a:solidFill>
+                <a:latin typeface="Arial"/>
+                <a:ea typeface="DejaVu Sans"/>
+              </a:rPr>
+              <a:t>.</a:t>
+            </a:r>
+            <a:endParaRPr lang="en-US" sz="1800" b="0" strike="noStrike" spc="-1" dirty="0">
+              <a:latin typeface="Arial"/>
+            </a:endParaRPr>
+          </a:p>
+        </p:txBody>
+      </p:sp>
+      <p:sp>
+        <p:nvSpPr>
+          <p:cNvPr id="23" name="CustomShape 7">
+            <a:extLst>
+              <a:ext uri="{FF2B5EF4-FFF2-40B4-BE49-F238E27FC236}">
+                <a16:creationId xmlns:a16="http://schemas.microsoft.com/office/drawing/2014/main" id="{FDDF25AA-88C1-5744-BC6F-304FB856258A}"/>
+              </a:ext>
+            </a:extLst>
+          </p:cNvPr>
+          <p:cNvSpPr/>
+          <p:nvPr/>
+        </p:nvSpPr>
+        <p:spPr>
+          <a:xfrm>
+            <a:off x="706056" y="371479"/>
+            <a:ext cx="8709194" cy="542520"/>
+          </a:xfrm>
+          <a:prstGeom prst="rect">
+            <a:avLst/>
+          </a:prstGeom>
+          <a:noFill/>
+          <a:ln>
             <a:noFill/>
           </a:ln>
         </p:spPr>
-      </p:pic>
-      <p:pic>
-        <p:nvPicPr>
-          <p:cNvPr id="475" name="Picture 4"/>
-          <p:cNvPicPr/>
-          <p:nvPr/>
-        </p:nvPicPr>
-        <p:blipFill>
-          <a:blip r:embed="rId3"/>
-          <a:srcRect l="56901" r="-3454" b="77738"/>
-          <a:stretch/>
-        </p:blipFill>
-        <p:spPr>
-          <a:xfrm>
-            <a:off x="4003200" y="2377440"/>
-            <a:ext cx="1735560" cy="1462680"/>
-          </a:xfrm>
-          <a:prstGeom prst="rect">
-            <a:avLst/>
-          </a:prstGeom>
-          <a:ln w="9360">
+        <p:style>
+          <a:lnRef idx="0">
+            <a:scrgbClr r="0" g="0" b="0"/>
+          </a:lnRef>
+          <a:fillRef idx="0">
+            <a:scrgbClr r="0" g="0" b="0"/>
+          </a:fillRef>
+          <a:effectRef idx="0">
+            <a:scrgbClr r="0" g="0" b="0"/>
+          </a:effectRef>
+          <a:fontRef idx="minor"/>
+        </p:style>
+        <p:txBody>
+          <a:bodyPr lIns="90000" tIns="45000" rIns="90000" bIns="45000"/>
+          <a:lstStyle/>
+          <a:p>
+            <a:pPr>
+              <a:lnSpc>
+                <a:spcPct val="100000"/>
+              </a:lnSpc>
+            </a:pPr>
+            <a:r>
+              <a:rPr lang="en-US" sz="2400" u="sng" strike="noStrike" spc="-1" dirty="0">
+                <a:solidFill>
+                  <a:srgbClr val="000000"/>
+                </a:solidFill>
+                <a:latin typeface="Baskerville Old Face" panose="02020602080505020303" pitchFamily="18" charset="77"/>
+                <a:ea typeface="DejaVu Sans"/>
+              </a:rPr>
+              <a:t>Representational Similarity Analysis (RSA; </a:t>
+            </a:r>
+            <a:r>
+              <a:rPr lang="en-US" sz="1400" strike="noStrike" spc="-1" dirty="0" err="1">
+                <a:solidFill>
+                  <a:srgbClr val="000000"/>
+                </a:solidFill>
+                <a:latin typeface="Baskerville Old Face" panose="02020602080505020303" pitchFamily="18" charset="77"/>
+                <a:ea typeface="DejaVu Sans"/>
+              </a:rPr>
+              <a:t>Kriegeskorte</a:t>
+            </a:r>
+            <a:r>
+              <a:rPr lang="en-US" sz="1400" strike="noStrike" spc="-1" dirty="0">
+                <a:solidFill>
+                  <a:srgbClr val="000000"/>
+                </a:solidFill>
+                <a:latin typeface="Baskerville Old Face" panose="02020602080505020303" pitchFamily="18" charset="77"/>
+                <a:ea typeface="DejaVu Sans"/>
+              </a:rPr>
+              <a:t>, Mur and </a:t>
+            </a:r>
+            <a:r>
+              <a:rPr lang="en-US" sz="1400" strike="noStrike" spc="-1" dirty="0" err="1">
+                <a:solidFill>
+                  <a:srgbClr val="000000"/>
+                </a:solidFill>
+                <a:latin typeface="Baskerville Old Face" panose="02020602080505020303" pitchFamily="18" charset="77"/>
+                <a:ea typeface="DejaVu Sans"/>
+              </a:rPr>
+              <a:t>Bandettini</a:t>
+            </a:r>
+            <a:r>
+              <a:rPr lang="en-US" sz="1400" strike="noStrike" spc="-1" dirty="0">
+                <a:solidFill>
+                  <a:srgbClr val="000000"/>
+                </a:solidFill>
+                <a:latin typeface="Baskerville Old Face" panose="02020602080505020303" pitchFamily="18" charset="77"/>
+                <a:ea typeface="DejaVu Sans"/>
+              </a:rPr>
+              <a:t>, 2008</a:t>
+            </a:r>
+            <a:r>
+              <a:rPr lang="en-US" sz="2400" u="sng" spc="-1" dirty="0">
+                <a:solidFill>
+                  <a:srgbClr val="000000"/>
+                </a:solidFill>
+                <a:latin typeface="Baskerville Old Face" panose="02020602080505020303" pitchFamily="18" charset="77"/>
+                <a:ea typeface="DejaVu Sans"/>
+              </a:rPr>
+              <a:t>)</a:t>
+            </a:r>
+            <a:endParaRPr lang="en-US" sz="2400" u="sng" strike="noStrike" spc="-1" dirty="0">
+              <a:latin typeface="Baskerville Old Face" panose="02020602080505020303" pitchFamily="18" charset="77"/>
+            </a:endParaRPr>
+          </a:p>
+          <a:p>
+            <a:pPr>
+              <a:lnSpc>
+                <a:spcPct val="100000"/>
+              </a:lnSpc>
+            </a:pPr>
+            <a:endParaRPr lang="en-US" sz="2400" u="sng" strike="noStrike" spc="-1" dirty="0">
+              <a:latin typeface="Baskerville Old Face" panose="02020602080505020303" pitchFamily="18" charset="77"/>
+            </a:endParaRPr>
+          </a:p>
+          <a:p>
+            <a:pPr>
+              <a:lnSpc>
+                <a:spcPct val="100000"/>
+              </a:lnSpc>
+            </a:pPr>
+            <a:endParaRPr lang="en-US" sz="2400" u="sng" strike="noStrike" spc="-1" dirty="0">
+              <a:latin typeface="Baskerville Old Face" panose="02020602080505020303" pitchFamily="18" charset="77"/>
+            </a:endParaRPr>
+          </a:p>
+        </p:txBody>
+      </p:sp>
+      <p:sp>
+        <p:nvSpPr>
+          <p:cNvPr id="24" name="CustomShape 8">
+            <a:extLst>
+              <a:ext uri="{FF2B5EF4-FFF2-40B4-BE49-F238E27FC236}">
+                <a16:creationId xmlns:a16="http://schemas.microsoft.com/office/drawing/2014/main" id="{B49D739B-4CD9-904F-B172-8707681FAB20}"/>
+              </a:ext>
+            </a:extLst>
+          </p:cNvPr>
+          <p:cNvSpPr/>
+          <p:nvPr/>
+        </p:nvSpPr>
+        <p:spPr>
+          <a:xfrm>
+            <a:off x="607675" y="1285920"/>
+            <a:ext cx="7998480" cy="542520"/>
+          </a:xfrm>
+          <a:prstGeom prst="rect">
+            <a:avLst/>
+          </a:prstGeom>
+          <a:noFill/>
+          <a:ln>
             <a:noFill/>
           </a:ln>
         </p:spPr>
-      </p:pic>
-      <p:graphicFrame>
-        <p:nvGraphicFramePr>
-          <p:cNvPr id="476" name="Table 9"/>
-          <p:cNvGraphicFramePr/>
-          <p:nvPr/>
-        </p:nvGraphicFramePr>
-        <p:xfrm>
-          <a:off x="6278760" y="2515680"/>
-          <a:ext cx="1402560" cy="1258560"/>
-        </p:xfrm>
-        <a:graphic>
-          <a:graphicData uri="http://schemas.openxmlformats.org/drawingml/2006/table">
-            <a:tbl>
-              <a:tblPr/>
-              <a:tblGrid>
-                <a:gridCol w="467640">
-                  <a:extLst>
-                    <a:ext uri="{9D8B030D-6E8A-4147-A177-3AD203B41FA5}">
-                      <a16:colId xmlns:a16="http://schemas.microsoft.com/office/drawing/2014/main" val="20000"/>
-                    </a:ext>
-                  </a:extLst>
-                </a:gridCol>
-                <a:gridCol w="467640">
-                  <a:extLst>
-                    <a:ext uri="{9D8B030D-6E8A-4147-A177-3AD203B41FA5}">
-                      <a16:colId xmlns:a16="http://schemas.microsoft.com/office/drawing/2014/main" val="20001"/>
-                    </a:ext>
-                  </a:extLst>
-                </a:gridCol>
-                <a:gridCol w="467280">
-                  <a:extLst>
-                    <a:ext uri="{9D8B030D-6E8A-4147-A177-3AD203B41FA5}">
-                      <a16:colId xmlns:a16="http://schemas.microsoft.com/office/drawing/2014/main" val="20002"/>
-                    </a:ext>
-                  </a:extLst>
-                </a:gridCol>
-              </a:tblGrid>
-              <a:tr h="420120">
-                <a:tc>
-                  <a:txBody>
-                    <a:bodyPr/>
-                    <a:lstStyle/>
-                    <a:p>
-                      <a:endParaRPr lang="es-DE"/>
-                    </a:p>
-                  </a:txBody>
-                  <a:tcPr marL="90000" marR="90000">
-                    <a:lnL w="720">
-                      <a:solidFill>
-                        <a:srgbClr val="FFFFFF"/>
-                      </a:solidFill>
-                    </a:lnL>
-                    <a:lnR w="720">
-                      <a:solidFill>
-                        <a:srgbClr val="FFFFFF"/>
-                      </a:solidFill>
-                    </a:lnR>
-                    <a:lnT w="720">
-                      <a:solidFill>
-                        <a:srgbClr val="FFFFFF"/>
-                      </a:solidFill>
-                    </a:lnT>
-                    <a:lnB w="720">
-                      <a:solidFill>
-                        <a:srgbClr val="FFFFFF"/>
-                      </a:solidFill>
-                    </a:lnB>
-                    <a:solidFill>
-                      <a:srgbClr val="7F7F7F"/>
-                    </a:solidFill>
-                  </a:tcPr>
-                </a:tc>
-                <a:tc>
-                  <a:txBody>
-                    <a:bodyPr/>
-                    <a:lstStyle/>
-                    <a:p>
-                      <a:endParaRPr lang="es-DE"/>
-                    </a:p>
-                  </a:txBody>
-                  <a:tcPr marL="90000" marR="90000">
-                    <a:lnL w="720">
-                      <a:solidFill>
-                        <a:srgbClr val="FFFFFF"/>
-                      </a:solidFill>
-                    </a:lnL>
-                    <a:lnR w="720">
-                      <a:solidFill>
-                        <a:srgbClr val="FFFFFF"/>
-                      </a:solidFill>
-                    </a:lnR>
-                    <a:lnT w="720">
-                      <a:solidFill>
-                        <a:srgbClr val="FFFFFF"/>
-                      </a:solidFill>
-                    </a:lnT>
-                    <a:lnB w="720">
-                      <a:solidFill>
-                        <a:srgbClr val="FFFFFF"/>
-                      </a:solidFill>
-                    </a:lnB>
-                    <a:solidFill>
-                      <a:srgbClr val="BABABA"/>
-                    </a:solidFill>
-                  </a:tcPr>
-                </a:tc>
-                <a:tc>
-                  <a:txBody>
-                    <a:bodyPr/>
-                    <a:lstStyle/>
-                    <a:p>
-                      <a:endParaRPr lang="es-DE"/>
-                    </a:p>
-                  </a:txBody>
-                  <a:tcPr marL="90000" marR="90000">
-                    <a:lnL w="720">
-                      <a:solidFill>
-                        <a:srgbClr val="FFFFFF"/>
-                      </a:solidFill>
-                    </a:lnL>
-                    <a:lnR w="720">
-                      <a:solidFill>
-                        <a:srgbClr val="FFFFFF"/>
-                      </a:solidFill>
-                    </a:lnR>
-                    <a:lnT w="720">
-                      <a:solidFill>
-                        <a:srgbClr val="FFFFFF"/>
-                      </a:solidFill>
-                    </a:lnT>
-                    <a:lnB w="720">
-                      <a:solidFill>
-                        <a:srgbClr val="FFFFFF"/>
-                      </a:solidFill>
-                    </a:lnB>
-                    <a:solidFill>
-                      <a:srgbClr val="B3B3B3"/>
-                    </a:solidFill>
-                  </a:tcPr>
-                </a:tc>
-                <a:extLst>
-                  <a:ext uri="{0D108BD9-81ED-4DB2-BD59-A6C34878D82A}">
-                    <a16:rowId xmlns:a16="http://schemas.microsoft.com/office/drawing/2014/main" val="10000"/>
-                  </a:ext>
-                </a:extLst>
-              </a:tr>
-              <a:tr h="420120">
-                <a:tc>
-                  <a:txBody>
-                    <a:bodyPr/>
-                    <a:lstStyle/>
-                    <a:p>
-                      <a:endParaRPr lang="es-DE"/>
-                    </a:p>
-                  </a:txBody>
-                  <a:tcPr marL="90000" marR="90000">
-                    <a:lnL w="720">
-                      <a:solidFill>
-                        <a:srgbClr val="FFFFFF"/>
-                      </a:solidFill>
-                    </a:lnL>
-                    <a:lnR w="720">
-                      <a:solidFill>
-                        <a:srgbClr val="FFFFFF"/>
-                      </a:solidFill>
-                    </a:lnR>
-                    <a:lnT w="720">
-                      <a:solidFill>
-                        <a:srgbClr val="FFFFFF"/>
-                      </a:solidFill>
-                    </a:lnT>
-                    <a:lnB w="720">
-                      <a:solidFill>
-                        <a:srgbClr val="FFFFFF"/>
-                      </a:solidFill>
-                    </a:lnB>
-                    <a:solidFill>
-                      <a:srgbClr val="CCCCCC"/>
-                    </a:solidFill>
-                  </a:tcPr>
-                </a:tc>
-                <a:tc>
-                  <a:txBody>
-                    <a:bodyPr/>
-                    <a:lstStyle/>
-                    <a:p>
-                      <a:endParaRPr lang="es-DE"/>
-                    </a:p>
-                  </a:txBody>
-                  <a:tcPr marL="90000" marR="90000">
-                    <a:lnL w="720">
-                      <a:solidFill>
-                        <a:srgbClr val="FFFFFF"/>
-                      </a:solidFill>
-                    </a:lnL>
-                    <a:lnR w="720">
-                      <a:solidFill>
-                        <a:srgbClr val="FFFFFF"/>
-                      </a:solidFill>
-                    </a:lnR>
-                    <a:lnT w="720">
-                      <a:solidFill>
-                        <a:srgbClr val="FFFFFF"/>
-                      </a:solidFill>
-                    </a:lnT>
-                    <a:lnB w="720">
-                      <a:solidFill>
-                        <a:srgbClr val="FFFFFF"/>
-                      </a:solidFill>
-                    </a:lnB>
-                    <a:solidFill>
-                      <a:srgbClr val="4C4C4C"/>
-                    </a:solidFill>
-                  </a:tcPr>
-                </a:tc>
-                <a:tc>
-                  <a:txBody>
-                    <a:bodyPr/>
-                    <a:lstStyle/>
-                    <a:p>
-                      <a:endParaRPr lang="es-DE"/>
-                    </a:p>
-                  </a:txBody>
-                  <a:tcPr marL="90000" marR="90000">
-                    <a:lnL w="720">
-                      <a:solidFill>
-                        <a:srgbClr val="FFFFFF"/>
-                      </a:solidFill>
-                    </a:lnL>
-                    <a:lnR w="720">
-                      <a:solidFill>
-                        <a:srgbClr val="FFFFFF"/>
-                      </a:solidFill>
-                    </a:lnR>
-                    <a:lnT w="720">
-                      <a:solidFill>
-                        <a:srgbClr val="FFFFFF"/>
-                      </a:solidFill>
-                    </a:lnT>
-                    <a:lnB w="720">
-                      <a:solidFill>
-                        <a:srgbClr val="FFFFFF"/>
-                      </a:solidFill>
-                    </a:lnB>
-                    <a:solidFill>
-                      <a:srgbClr val="CCCCCC"/>
-                    </a:solidFill>
-                  </a:tcPr>
-                </a:tc>
-                <a:extLst>
-                  <a:ext uri="{0D108BD9-81ED-4DB2-BD59-A6C34878D82A}">
-                    <a16:rowId xmlns:a16="http://schemas.microsoft.com/office/drawing/2014/main" val="10001"/>
-                  </a:ext>
-                </a:extLst>
-              </a:tr>
-              <a:tr h="418320">
-                <a:tc>
-                  <a:txBody>
-                    <a:bodyPr/>
-                    <a:lstStyle/>
-                    <a:p>
-                      <a:endParaRPr lang="es-DE"/>
-                    </a:p>
-                  </a:txBody>
-                  <a:tcPr marL="90000" marR="90000">
-                    <a:lnL w="720">
-                      <a:solidFill>
-                        <a:srgbClr val="FFFFFF"/>
-                      </a:solidFill>
-                    </a:lnL>
-                    <a:lnR w="720">
-                      <a:solidFill>
-                        <a:srgbClr val="FFFFFF"/>
-                      </a:solidFill>
-                    </a:lnR>
-                    <a:lnT w="720">
-                      <a:solidFill>
-                        <a:srgbClr val="FFFFFF"/>
-                      </a:solidFill>
-                    </a:lnT>
-                    <a:lnB w="720">
-                      <a:solidFill>
-                        <a:srgbClr val="FFFFFF"/>
-                      </a:solidFill>
-                    </a:lnB>
-                    <a:solidFill>
-                      <a:srgbClr val="E6E6E6"/>
-                    </a:solidFill>
-                  </a:tcPr>
-                </a:tc>
-                <a:tc>
-                  <a:txBody>
-                    <a:bodyPr/>
-                    <a:lstStyle/>
-                    <a:p>
-                      <a:endParaRPr lang="es-DE"/>
-                    </a:p>
-                  </a:txBody>
-                  <a:tcPr marL="90000" marR="90000">
-                    <a:lnL w="720">
-                      <a:solidFill>
-                        <a:srgbClr val="FFFFFF"/>
-                      </a:solidFill>
-                    </a:lnL>
-                    <a:lnR w="720">
-                      <a:solidFill>
-                        <a:srgbClr val="FFFFFF"/>
-                      </a:solidFill>
-                    </a:lnR>
-                    <a:lnT w="720">
-                      <a:solidFill>
-                        <a:srgbClr val="FFFFFF"/>
-                      </a:solidFill>
-                    </a:lnT>
-                    <a:lnB w="720">
-                      <a:solidFill>
-                        <a:srgbClr val="FFFFFF"/>
-                      </a:solidFill>
-                    </a:lnB>
-                    <a:solidFill>
-                      <a:srgbClr val="4C4C4C"/>
-                    </a:solidFill>
-                  </a:tcPr>
-                </a:tc>
-                <a:tc>
-                  <a:txBody>
-                    <a:bodyPr/>
-                    <a:lstStyle/>
-                    <a:p>
-                      <a:endParaRPr lang="es-DE"/>
-                    </a:p>
-                  </a:txBody>
-                  <a:tcPr marL="90000" marR="90000">
-                    <a:lnL w="720">
-                      <a:solidFill>
-                        <a:srgbClr val="FFFFFF"/>
-                      </a:solidFill>
-                    </a:lnL>
-                    <a:lnR w="720">
-                      <a:solidFill>
-                        <a:srgbClr val="FFFFFF"/>
-                      </a:solidFill>
-                    </a:lnR>
-                    <a:lnT w="720">
-                      <a:solidFill>
-                        <a:srgbClr val="FFFFFF"/>
-                      </a:solidFill>
-                    </a:lnT>
-                    <a:lnB w="720">
-                      <a:solidFill>
-                        <a:srgbClr val="FFFFFF"/>
-                      </a:solidFill>
-                    </a:lnB>
-                    <a:solidFill>
-                      <a:srgbClr val="E6E6E6"/>
-                    </a:solidFill>
-                  </a:tcPr>
-                </a:tc>
-                <a:extLst>
-                  <a:ext uri="{0D108BD9-81ED-4DB2-BD59-A6C34878D82A}">
-                    <a16:rowId xmlns:a16="http://schemas.microsoft.com/office/drawing/2014/main" val="10002"/>
-                  </a:ext>
-                </a:extLst>
-              </a:tr>
-            </a:tbl>
-          </a:graphicData>
-        </a:graphic>
-      </p:graphicFrame>
-      <p:sp>
-        <p:nvSpPr>
-          <p:cNvPr id="477" name="CustomShape 10"/>
-          <p:cNvSpPr/>
-          <p:nvPr/>
-        </p:nvSpPr>
-        <p:spPr>
-          <a:xfrm>
-            <a:off x="3474720" y="3108960"/>
-            <a:ext cx="528120" cy="182520"/>
+        <p:style>
+          <a:lnRef idx="0">
+            <a:scrgbClr r="0" g="0" b="0"/>
+          </a:lnRef>
+          <a:fillRef idx="0">
+            <a:scrgbClr r="0" g="0" b="0"/>
+          </a:fillRef>
+          <a:effectRef idx="0">
+            <a:scrgbClr r="0" g="0" b="0"/>
+          </a:effectRef>
+          <a:fontRef idx="minor"/>
+        </p:style>
+        <p:txBody>
+          <a:bodyPr lIns="90000" tIns="45000" rIns="90000" bIns="45000"/>
+          <a:lstStyle/>
+          <a:p>
+            <a:pPr>
+              <a:lnSpc>
+                <a:spcPct val="100000"/>
+              </a:lnSpc>
+            </a:pPr>
+            <a:r>
+              <a:rPr lang="en-US" sz="1800" b="0" strike="noStrike" spc="-1" dirty="0">
+                <a:solidFill>
+                  <a:srgbClr val="000000"/>
+                </a:solidFill>
+                <a:latin typeface="Arial"/>
+                <a:ea typeface="DejaVu Sans"/>
+              </a:rPr>
+              <a:t>Using similarity between activity patterns to infer representational structure.</a:t>
+            </a:r>
+            <a:endParaRPr lang="en-US" sz="1800" b="0" strike="noStrike" spc="-1" dirty="0">
+              <a:latin typeface="Arial"/>
+            </a:endParaRPr>
+          </a:p>
+        </p:txBody>
+      </p:sp>
+      <p:sp>
+        <p:nvSpPr>
+          <p:cNvPr id="29" name="CustomShape 10">
+            <a:extLst>
+              <a:ext uri="{FF2B5EF4-FFF2-40B4-BE49-F238E27FC236}">
+                <a16:creationId xmlns:a16="http://schemas.microsoft.com/office/drawing/2014/main" id="{E886BC7E-110C-FACD-C2FA-676A8DACC8FA}"/>
+              </a:ext>
+            </a:extLst>
+          </p:cNvPr>
+          <p:cNvSpPr/>
+          <p:nvPr/>
+        </p:nvSpPr>
+        <p:spPr>
+          <a:xfrm>
+            <a:off x="3365231" y="3383460"/>
+            <a:ext cx="561813" cy="182520"/>
           </a:xfrm>
           <a:custGeom>
             <a:avLst/>
@@ -45597,14 +44624,362 @@
       </p:sp>
       <p:sp>
         <p:nvSpPr>
-          <p:cNvPr id="478" name="CustomShape 11"/>
-          <p:cNvSpPr/>
-          <p:nvPr/>
-        </p:nvSpPr>
-        <p:spPr>
-          <a:xfrm>
-            <a:off x="5577840" y="3108960"/>
-            <a:ext cx="528120" cy="182520"/>
+          <p:cNvPr id="30" name="CustomShape 13">
+            <a:extLst>
+              <a:ext uri="{FF2B5EF4-FFF2-40B4-BE49-F238E27FC236}">
+                <a16:creationId xmlns:a16="http://schemas.microsoft.com/office/drawing/2014/main" id="{70F4562A-04C9-13B2-9D6B-9A2BB7776175}"/>
+              </a:ext>
+            </a:extLst>
+          </p:cNvPr>
+          <p:cNvSpPr/>
+          <p:nvPr/>
+        </p:nvSpPr>
+        <p:spPr>
+          <a:xfrm>
+            <a:off x="3936569" y="1920240"/>
+            <a:ext cx="1853339" cy="542520"/>
+          </a:xfrm>
+          <a:prstGeom prst="rect">
+            <a:avLst/>
+          </a:prstGeom>
+          <a:noFill/>
+          <a:ln>
+            <a:noFill/>
+          </a:ln>
+        </p:spPr>
+        <p:style>
+          <a:lnRef idx="0">
+            <a:scrgbClr r="0" g="0" b="0"/>
+          </a:lnRef>
+          <a:fillRef idx="0">
+            <a:scrgbClr r="0" g="0" b="0"/>
+          </a:fillRef>
+          <a:effectRef idx="0">
+            <a:scrgbClr r="0" g="0" b="0"/>
+          </a:effectRef>
+          <a:fontRef idx="minor"/>
+        </p:style>
+        <p:txBody>
+          <a:bodyPr lIns="90000" tIns="45000" rIns="90000" bIns="45000"/>
+          <a:lstStyle/>
+          <a:p>
+            <a:pPr algn="ctr">
+              <a:lnSpc>
+                <a:spcPct val="100000"/>
+              </a:lnSpc>
+            </a:pPr>
+            <a:r>
+              <a:rPr lang="en-US" sz="1800" b="0" strike="noStrike" spc="-1" dirty="0">
+                <a:solidFill>
+                  <a:srgbClr val="000000"/>
+                </a:solidFill>
+                <a:latin typeface="Arial"/>
+                <a:ea typeface="DejaVu Sans"/>
+              </a:rPr>
+              <a:t>Condition 2</a:t>
+            </a:r>
+            <a:endParaRPr lang="en-US" sz="1800" b="0" strike="noStrike" spc="-1" dirty="0">
+              <a:latin typeface="Arial"/>
+            </a:endParaRPr>
+          </a:p>
+        </p:txBody>
+      </p:sp>
+      <p:sp>
+        <p:nvSpPr>
+          <p:cNvPr id="31" name="CustomShape 14">
+            <a:extLst>
+              <a:ext uri="{FF2B5EF4-FFF2-40B4-BE49-F238E27FC236}">
+                <a16:creationId xmlns:a16="http://schemas.microsoft.com/office/drawing/2014/main" id="{93BA6810-826A-1FB5-BBCE-66B598AEBDA0}"/>
+              </a:ext>
+            </a:extLst>
+          </p:cNvPr>
+          <p:cNvSpPr/>
+          <p:nvPr/>
+        </p:nvSpPr>
+        <p:spPr>
+          <a:xfrm>
+            <a:off x="1545673" y="1936559"/>
+            <a:ext cx="1829083" cy="542520"/>
+          </a:xfrm>
+          <a:prstGeom prst="rect">
+            <a:avLst/>
+          </a:prstGeom>
+          <a:noFill/>
+          <a:ln>
+            <a:noFill/>
+          </a:ln>
+        </p:spPr>
+        <p:style>
+          <a:lnRef idx="0">
+            <a:scrgbClr r="0" g="0" b="0"/>
+          </a:lnRef>
+          <a:fillRef idx="0">
+            <a:scrgbClr r="0" g="0" b="0"/>
+          </a:fillRef>
+          <a:effectRef idx="0">
+            <a:scrgbClr r="0" g="0" b="0"/>
+          </a:effectRef>
+          <a:fontRef idx="minor"/>
+        </p:style>
+        <p:txBody>
+          <a:bodyPr lIns="90000" tIns="45000" rIns="90000" bIns="45000"/>
+          <a:lstStyle/>
+          <a:p>
+            <a:pPr algn="ctr">
+              <a:lnSpc>
+                <a:spcPct val="100000"/>
+              </a:lnSpc>
+            </a:pPr>
+            <a:r>
+              <a:rPr lang="en-US" sz="1800" b="0" strike="noStrike" spc="-1" dirty="0">
+                <a:solidFill>
+                  <a:srgbClr val="000000"/>
+                </a:solidFill>
+                <a:latin typeface="Arial"/>
+                <a:ea typeface="DejaVu Sans"/>
+              </a:rPr>
+              <a:t>Condition 1</a:t>
+            </a:r>
+            <a:endParaRPr lang="en-US" sz="1800" b="0" strike="noStrike" spc="-1" dirty="0">
+              <a:latin typeface="Arial"/>
+            </a:endParaRPr>
+          </a:p>
+        </p:txBody>
+      </p:sp>
+      <p:sp>
+        <p:nvSpPr>
+          <p:cNvPr id="32" name="CustomShape 15">
+            <a:extLst>
+              <a:ext uri="{FF2B5EF4-FFF2-40B4-BE49-F238E27FC236}">
+                <a16:creationId xmlns:a16="http://schemas.microsoft.com/office/drawing/2014/main" id="{A01A21CC-A553-4EC1-615C-0AB2C77ECA7D}"/>
+              </a:ext>
+            </a:extLst>
+          </p:cNvPr>
+          <p:cNvSpPr/>
+          <p:nvPr/>
+        </p:nvSpPr>
+        <p:spPr>
+          <a:xfrm>
+            <a:off x="6351721" y="1920240"/>
+            <a:ext cx="1853338" cy="542520"/>
+          </a:xfrm>
+          <a:prstGeom prst="rect">
+            <a:avLst/>
+          </a:prstGeom>
+          <a:noFill/>
+          <a:ln>
+            <a:noFill/>
+          </a:ln>
+        </p:spPr>
+        <p:style>
+          <a:lnRef idx="0">
+            <a:scrgbClr r="0" g="0" b="0"/>
+          </a:lnRef>
+          <a:fillRef idx="0">
+            <a:scrgbClr r="0" g="0" b="0"/>
+          </a:fillRef>
+          <a:effectRef idx="0">
+            <a:scrgbClr r="0" g="0" b="0"/>
+          </a:effectRef>
+          <a:fontRef idx="minor"/>
+        </p:style>
+        <p:txBody>
+          <a:bodyPr lIns="90000" tIns="45000" rIns="90000" bIns="45000"/>
+          <a:lstStyle/>
+          <a:p>
+            <a:pPr algn="ctr">
+              <a:lnSpc>
+                <a:spcPct val="100000"/>
+              </a:lnSpc>
+            </a:pPr>
+            <a:r>
+              <a:rPr lang="en-US" sz="1800" b="0" strike="noStrike" spc="-1" dirty="0">
+                <a:solidFill>
+                  <a:srgbClr val="000000"/>
+                </a:solidFill>
+                <a:latin typeface="Arial"/>
+                <a:ea typeface="DejaVu Sans"/>
+              </a:rPr>
+              <a:t>Condition 3</a:t>
+            </a:r>
+            <a:endParaRPr lang="en-US" sz="1800" b="0" strike="noStrike" spc="-1" dirty="0">
+              <a:latin typeface="Arial"/>
+            </a:endParaRPr>
+          </a:p>
+        </p:txBody>
+      </p:sp>
+      <p:sp>
+        <p:nvSpPr>
+          <p:cNvPr id="33" name="CustomShape 16">
+            <a:extLst>
+              <a:ext uri="{FF2B5EF4-FFF2-40B4-BE49-F238E27FC236}">
+                <a16:creationId xmlns:a16="http://schemas.microsoft.com/office/drawing/2014/main" id="{032DBDD4-C305-046D-9BF3-1383B4B387EC}"/>
+              </a:ext>
+            </a:extLst>
+          </p:cNvPr>
+          <p:cNvSpPr/>
+          <p:nvPr/>
+        </p:nvSpPr>
+        <p:spPr>
+          <a:xfrm>
+            <a:off x="2869077" y="4470361"/>
+            <a:ext cx="1554120" cy="542520"/>
+          </a:xfrm>
+          <a:prstGeom prst="rect">
+            <a:avLst/>
+          </a:prstGeom>
+          <a:noFill/>
+          <a:ln>
+            <a:noFill/>
+          </a:ln>
+        </p:spPr>
+        <p:style>
+          <a:lnRef idx="0">
+            <a:scrgbClr r="0" g="0" b="0"/>
+          </a:lnRef>
+          <a:fillRef idx="0">
+            <a:scrgbClr r="0" g="0" b="0"/>
+          </a:fillRef>
+          <a:effectRef idx="0">
+            <a:scrgbClr r="0" g="0" b="0"/>
+          </a:effectRef>
+          <a:fontRef idx="minor"/>
+        </p:style>
+        <p:txBody>
+          <a:bodyPr lIns="90000" tIns="45000" rIns="90000" bIns="45000"/>
+          <a:lstStyle/>
+          <a:p>
+            <a:pPr algn="ctr">
+              <a:lnSpc>
+                <a:spcPct val="100000"/>
+              </a:lnSpc>
+            </a:pPr>
+            <a:r>
+              <a:rPr lang="en-US" sz="1800" b="0" i="1" strike="noStrike" spc="-1" dirty="0">
+                <a:solidFill>
+                  <a:srgbClr val="000000"/>
+                </a:solidFill>
+                <a:latin typeface="Arial"/>
+                <a:ea typeface="DejaVu Sans"/>
+              </a:rPr>
+              <a:t>More similar</a:t>
+            </a:r>
+          </a:p>
+          <a:p>
+            <a:pPr algn="ctr">
+              <a:lnSpc>
+                <a:spcPct val="100000"/>
+              </a:lnSpc>
+            </a:pPr>
+            <a:r>
+              <a:rPr lang="en-US" i="1" spc="-1" dirty="0">
+                <a:solidFill>
+                  <a:srgbClr val="000000"/>
+                </a:solidFill>
+                <a:latin typeface="Arial"/>
+              </a:rPr>
+              <a:t>R = 0.29</a:t>
+            </a:r>
+            <a:endParaRPr lang="en-US" sz="1800" b="0" strike="noStrike" spc="-1" dirty="0">
+              <a:latin typeface="Arial"/>
+            </a:endParaRPr>
+          </a:p>
+        </p:txBody>
+      </p:sp>
+      <p:sp>
+        <p:nvSpPr>
+          <p:cNvPr id="34" name="CustomShape 17">
+            <a:extLst>
+              <a:ext uri="{FF2B5EF4-FFF2-40B4-BE49-F238E27FC236}">
+                <a16:creationId xmlns:a16="http://schemas.microsoft.com/office/drawing/2014/main" id="{5D73E968-0CD2-B9C6-F056-54EFFED390BF}"/>
+              </a:ext>
+            </a:extLst>
+          </p:cNvPr>
+          <p:cNvSpPr/>
+          <p:nvPr/>
+        </p:nvSpPr>
+        <p:spPr>
+          <a:xfrm>
+            <a:off x="5293754" y="4470361"/>
+            <a:ext cx="1554120" cy="542520"/>
+          </a:xfrm>
+          <a:prstGeom prst="rect">
+            <a:avLst/>
+          </a:prstGeom>
+          <a:noFill/>
+          <a:ln>
+            <a:noFill/>
+          </a:ln>
+        </p:spPr>
+        <p:style>
+          <a:lnRef idx="0">
+            <a:scrgbClr r="0" g="0" b="0"/>
+          </a:lnRef>
+          <a:fillRef idx="0">
+            <a:scrgbClr r="0" g="0" b="0"/>
+          </a:fillRef>
+          <a:effectRef idx="0">
+            <a:scrgbClr r="0" g="0" b="0"/>
+          </a:effectRef>
+          <a:fontRef idx="minor"/>
+        </p:style>
+        <p:txBody>
+          <a:bodyPr lIns="90000" tIns="45000" rIns="90000" bIns="45000"/>
+          <a:lstStyle/>
+          <a:p>
+            <a:pPr algn="ctr">
+              <a:lnSpc>
+                <a:spcPct val="100000"/>
+              </a:lnSpc>
+            </a:pPr>
+            <a:r>
+              <a:rPr lang="en-US" sz="1800" b="0" i="1" strike="noStrike" spc="-1" dirty="0">
+                <a:solidFill>
+                  <a:srgbClr val="000000"/>
+                </a:solidFill>
+                <a:latin typeface="Arial"/>
+                <a:ea typeface="DejaVu Sans"/>
+              </a:rPr>
+              <a:t>Less similar</a:t>
+            </a:r>
+          </a:p>
+          <a:p>
+            <a:pPr algn="ctr">
+              <a:lnSpc>
+                <a:spcPct val="100000"/>
+              </a:lnSpc>
+            </a:pPr>
+            <a:r>
+              <a:rPr lang="en-US" sz="1800" b="0" i="1" strike="noStrike" spc="-1" dirty="0">
+                <a:solidFill>
+                  <a:srgbClr val="000000"/>
+                </a:solidFill>
+                <a:latin typeface="Arial"/>
+              </a:rPr>
+              <a:t>R = -.45</a:t>
+            </a:r>
+            <a:endParaRPr lang="en-US" sz="1800" b="0" strike="noStrike" spc="-1" dirty="0">
+              <a:latin typeface="Arial"/>
+            </a:endParaRPr>
+          </a:p>
+        </p:txBody>
+      </p:sp>
+      <p:sp>
+        <p:nvSpPr>
+          <p:cNvPr id="35" name="CustomShape 10">
+            <a:extLst>
+              <a:ext uri="{FF2B5EF4-FFF2-40B4-BE49-F238E27FC236}">
+                <a16:creationId xmlns:a16="http://schemas.microsoft.com/office/drawing/2014/main" id="{7DAFEDD1-451E-ADD3-2B0C-774CD383483D}"/>
+              </a:ext>
+            </a:extLst>
+          </p:cNvPr>
+          <p:cNvSpPr/>
+          <p:nvPr/>
+        </p:nvSpPr>
+        <p:spPr>
+          <a:xfrm>
+            <a:off x="5789908" y="3383460"/>
+            <a:ext cx="561813" cy="182520"/>
           </a:xfrm>
           <a:custGeom>
             <a:avLst/>
@@ -45671,632 +45046,6 @@
           </a:effectRef>
           <a:fontRef idx="minor"/>
         </p:style>
-      </p:sp>
-      <p:sp>
-        <p:nvSpPr>
-          <p:cNvPr id="479" name="CustomShape 12"/>
-          <p:cNvSpPr/>
-          <p:nvPr/>
-        </p:nvSpPr>
-        <p:spPr>
-          <a:xfrm>
-            <a:off x="3017520" y="4114800"/>
-            <a:ext cx="1554120" cy="542520"/>
-          </a:xfrm>
-          <a:prstGeom prst="rect">
-            <a:avLst/>
-          </a:prstGeom>
-          <a:noFill/>
-          <a:ln>
-            <a:noFill/>
-          </a:ln>
-        </p:spPr>
-        <p:style>
-          <a:lnRef idx="0">
-            <a:scrgbClr r="0" g="0" b="0"/>
-          </a:lnRef>
-          <a:fillRef idx="0">
-            <a:scrgbClr r="0" g="0" b="0"/>
-          </a:fillRef>
-          <a:effectRef idx="0">
-            <a:scrgbClr r="0" g="0" b="0"/>
-          </a:effectRef>
-          <a:fontRef idx="minor"/>
-        </p:style>
-        <p:txBody>
-          <a:bodyPr lIns="90000" tIns="45000" rIns="90000" bIns="45000"/>
-          <a:lstStyle/>
-          <a:p>
-            <a:pPr>
-              <a:lnSpc>
-                <a:spcPct val="100000"/>
-              </a:lnSpc>
-            </a:pPr>
-            <a:r>
-              <a:rPr lang="en-US" sz="1800" b="0" i="1" strike="noStrike" spc="-1">
-                <a:solidFill>
-                  <a:srgbClr val="000000"/>
-                </a:solidFill>
-                <a:latin typeface="Arial"/>
-                <a:ea typeface="DejaVu Sans"/>
-              </a:rPr>
-              <a:t>More similar</a:t>
-            </a:r>
-            <a:endParaRPr lang="en-US" sz="1800" b="0" strike="noStrike" spc="-1">
-              <a:latin typeface="Arial"/>
-            </a:endParaRPr>
-          </a:p>
-        </p:txBody>
-      </p:sp>
-      <p:sp>
-        <p:nvSpPr>
-          <p:cNvPr id="480" name="CustomShape 13"/>
-          <p:cNvSpPr/>
-          <p:nvPr/>
-        </p:nvSpPr>
-        <p:spPr>
-          <a:xfrm>
-            <a:off x="5212080" y="4120560"/>
-            <a:ext cx="1554120" cy="542520"/>
-          </a:xfrm>
-          <a:prstGeom prst="rect">
-            <a:avLst/>
-          </a:prstGeom>
-          <a:noFill/>
-          <a:ln>
-            <a:noFill/>
-          </a:ln>
-        </p:spPr>
-        <p:style>
-          <a:lnRef idx="0">
-            <a:scrgbClr r="0" g="0" b="0"/>
-          </a:lnRef>
-          <a:fillRef idx="0">
-            <a:scrgbClr r="0" g="0" b="0"/>
-          </a:fillRef>
-          <a:effectRef idx="0">
-            <a:scrgbClr r="0" g="0" b="0"/>
-          </a:effectRef>
-          <a:fontRef idx="minor"/>
-        </p:style>
-        <p:txBody>
-          <a:bodyPr lIns="90000" tIns="45000" rIns="90000" bIns="45000"/>
-          <a:lstStyle/>
-          <a:p>
-            <a:pPr>
-              <a:lnSpc>
-                <a:spcPct val="100000"/>
-              </a:lnSpc>
-            </a:pPr>
-            <a:r>
-              <a:rPr lang="en-US" sz="1800" b="0" i="1" strike="noStrike" spc="-1">
-                <a:solidFill>
-                  <a:srgbClr val="000000"/>
-                </a:solidFill>
-                <a:latin typeface="Arial"/>
-                <a:ea typeface="DejaVu Sans"/>
-              </a:rPr>
-              <a:t>Less similar</a:t>
-            </a:r>
-            <a:endParaRPr lang="en-US" sz="1800" b="0" strike="noStrike" spc="-1">
-              <a:latin typeface="Arial"/>
-            </a:endParaRPr>
-          </a:p>
-        </p:txBody>
-      </p:sp>
-      <p:sp>
-        <p:nvSpPr>
-          <p:cNvPr id="481" name="CustomShape 14"/>
-          <p:cNvSpPr/>
-          <p:nvPr/>
-        </p:nvSpPr>
-        <p:spPr>
-          <a:xfrm>
-            <a:off x="1968120" y="1926000"/>
-            <a:ext cx="1414800" cy="542520"/>
-          </a:xfrm>
-          <a:prstGeom prst="rect">
-            <a:avLst/>
-          </a:prstGeom>
-          <a:noFill/>
-          <a:ln>
-            <a:noFill/>
-          </a:ln>
-        </p:spPr>
-        <p:style>
-          <a:lnRef idx="0">
-            <a:scrgbClr r="0" g="0" b="0"/>
-          </a:lnRef>
-          <a:fillRef idx="0">
-            <a:scrgbClr r="0" g="0" b="0"/>
-          </a:fillRef>
-          <a:effectRef idx="0">
-            <a:scrgbClr r="0" g="0" b="0"/>
-          </a:effectRef>
-          <a:fontRef idx="minor"/>
-        </p:style>
-        <p:txBody>
-          <a:bodyPr lIns="90000" tIns="45000" rIns="90000" bIns="45000"/>
-          <a:lstStyle/>
-          <a:p>
-            <a:pPr>
-              <a:lnSpc>
-                <a:spcPct val="100000"/>
-              </a:lnSpc>
-            </a:pPr>
-            <a:r>
-              <a:rPr lang="en-US" sz="1800" b="0" strike="noStrike" spc="-1">
-                <a:solidFill>
-                  <a:srgbClr val="000000"/>
-                </a:solidFill>
-                <a:latin typeface="Arial"/>
-                <a:ea typeface="DejaVu Sans"/>
-              </a:rPr>
-              <a:t>Condition 1</a:t>
-            </a:r>
-            <a:endParaRPr lang="en-US" sz="1800" b="0" strike="noStrike" spc="-1">
-              <a:latin typeface="Arial"/>
-            </a:endParaRPr>
-          </a:p>
-        </p:txBody>
-      </p:sp>
-      <p:sp>
-        <p:nvSpPr>
-          <p:cNvPr id="482" name="CustomShape 15"/>
-          <p:cNvSpPr/>
-          <p:nvPr/>
-        </p:nvSpPr>
-        <p:spPr>
-          <a:xfrm>
-            <a:off x="4162680" y="1920240"/>
-            <a:ext cx="1414800" cy="542520"/>
-          </a:xfrm>
-          <a:prstGeom prst="rect">
-            <a:avLst/>
-          </a:prstGeom>
-          <a:noFill/>
-          <a:ln>
-            <a:noFill/>
-          </a:ln>
-        </p:spPr>
-        <p:style>
-          <a:lnRef idx="0">
-            <a:scrgbClr r="0" g="0" b="0"/>
-          </a:lnRef>
-          <a:fillRef idx="0">
-            <a:scrgbClr r="0" g="0" b="0"/>
-          </a:fillRef>
-          <a:effectRef idx="0">
-            <a:scrgbClr r="0" g="0" b="0"/>
-          </a:effectRef>
-          <a:fontRef idx="minor"/>
-        </p:style>
-        <p:txBody>
-          <a:bodyPr lIns="90000" tIns="45000" rIns="90000" bIns="45000"/>
-          <a:lstStyle/>
-          <a:p>
-            <a:pPr>
-              <a:lnSpc>
-                <a:spcPct val="100000"/>
-              </a:lnSpc>
-            </a:pPr>
-            <a:r>
-              <a:rPr lang="en-US" sz="1800" b="0" strike="noStrike" spc="-1">
-                <a:solidFill>
-                  <a:srgbClr val="000000"/>
-                </a:solidFill>
-                <a:latin typeface="Arial"/>
-                <a:ea typeface="DejaVu Sans"/>
-              </a:rPr>
-              <a:t>Condition 2</a:t>
-            </a:r>
-            <a:endParaRPr lang="en-US" sz="1800" b="0" strike="noStrike" spc="-1">
-              <a:latin typeface="Arial"/>
-            </a:endParaRPr>
-          </a:p>
-        </p:txBody>
-      </p:sp>
-      <p:sp>
-        <p:nvSpPr>
-          <p:cNvPr id="483" name="CustomShape 16"/>
-          <p:cNvSpPr/>
-          <p:nvPr/>
-        </p:nvSpPr>
-        <p:spPr>
-          <a:xfrm>
-            <a:off x="1968120" y="1926000"/>
-            <a:ext cx="1414800" cy="542520"/>
-          </a:xfrm>
-          <a:prstGeom prst="rect">
-            <a:avLst/>
-          </a:prstGeom>
-          <a:noFill/>
-          <a:ln>
-            <a:noFill/>
-          </a:ln>
-        </p:spPr>
-        <p:style>
-          <a:lnRef idx="0">
-            <a:scrgbClr r="0" g="0" b="0"/>
-          </a:lnRef>
-          <a:fillRef idx="0">
-            <a:scrgbClr r="0" g="0" b="0"/>
-          </a:fillRef>
-          <a:effectRef idx="0">
-            <a:scrgbClr r="0" g="0" b="0"/>
-          </a:effectRef>
-          <a:fontRef idx="minor"/>
-        </p:style>
-        <p:txBody>
-          <a:bodyPr lIns="90000" tIns="45000" rIns="90000" bIns="45000"/>
-          <a:lstStyle/>
-          <a:p>
-            <a:pPr>
-              <a:lnSpc>
-                <a:spcPct val="100000"/>
-              </a:lnSpc>
-            </a:pPr>
-            <a:r>
-              <a:rPr lang="en-US" sz="1800" b="0" strike="noStrike" spc="-1">
-                <a:solidFill>
-                  <a:srgbClr val="000000"/>
-                </a:solidFill>
-                <a:latin typeface="Arial"/>
-                <a:ea typeface="DejaVu Sans"/>
-              </a:rPr>
-              <a:t>Condition 1</a:t>
-            </a:r>
-            <a:endParaRPr lang="en-US" sz="1800" b="0" strike="noStrike" spc="-1">
-              <a:latin typeface="Arial"/>
-            </a:endParaRPr>
-          </a:p>
-        </p:txBody>
-      </p:sp>
-      <p:sp>
-        <p:nvSpPr>
-          <p:cNvPr id="484" name="CustomShape 17"/>
-          <p:cNvSpPr/>
-          <p:nvPr/>
-        </p:nvSpPr>
-        <p:spPr>
-          <a:xfrm>
-            <a:off x="6265800" y="1920240"/>
-            <a:ext cx="1414800" cy="542520"/>
-          </a:xfrm>
-          <a:prstGeom prst="rect">
-            <a:avLst/>
-          </a:prstGeom>
-          <a:noFill/>
-          <a:ln>
-            <a:noFill/>
-          </a:ln>
-        </p:spPr>
-        <p:style>
-          <a:lnRef idx="0">
-            <a:scrgbClr r="0" g="0" b="0"/>
-          </a:lnRef>
-          <a:fillRef idx="0">
-            <a:scrgbClr r="0" g="0" b="0"/>
-          </a:fillRef>
-          <a:effectRef idx="0">
-            <a:scrgbClr r="0" g="0" b="0"/>
-          </a:effectRef>
-          <a:fontRef idx="minor"/>
-        </p:style>
-        <p:txBody>
-          <a:bodyPr lIns="90000" tIns="45000" rIns="90000" bIns="45000"/>
-          <a:lstStyle/>
-          <a:p>
-            <a:pPr>
-              <a:lnSpc>
-                <a:spcPct val="100000"/>
-              </a:lnSpc>
-            </a:pPr>
-            <a:r>
-              <a:rPr lang="en-US" sz="1800" b="0" strike="noStrike" spc="-1">
-                <a:solidFill>
-                  <a:srgbClr val="000000"/>
-                </a:solidFill>
-                <a:latin typeface="Arial"/>
-                <a:ea typeface="DejaVu Sans"/>
-              </a:rPr>
-              <a:t>Condition 3</a:t>
-            </a:r>
-            <a:endParaRPr lang="en-US" sz="1800" b="0" strike="noStrike" spc="-1">
-              <a:latin typeface="Arial"/>
-            </a:endParaRPr>
-          </a:p>
-        </p:txBody>
-      </p:sp>
-      <p:sp>
-        <p:nvSpPr>
-          <p:cNvPr id="485" name="CustomShape 18"/>
-          <p:cNvSpPr/>
-          <p:nvPr/>
-        </p:nvSpPr>
-        <p:spPr>
-          <a:xfrm>
-            <a:off x="1920240" y="4943520"/>
-            <a:ext cx="6857640" cy="542520"/>
-          </a:xfrm>
-          <a:prstGeom prst="rect">
-            <a:avLst/>
-          </a:prstGeom>
-          <a:noFill/>
-          <a:ln>
-            <a:noFill/>
-          </a:ln>
-        </p:spPr>
-        <p:style>
-          <a:lnRef idx="0">
-            <a:scrgbClr r="0" g="0" b="0"/>
-          </a:lnRef>
-          <a:fillRef idx="0">
-            <a:scrgbClr r="0" g="0" b="0"/>
-          </a:fillRef>
-          <a:effectRef idx="0">
-            <a:scrgbClr r="0" g="0" b="0"/>
-          </a:effectRef>
-          <a:fontRef idx="minor"/>
-        </p:style>
-        <p:txBody>
-          <a:bodyPr lIns="90000" tIns="45000" rIns="90000" bIns="45000"/>
-          <a:lstStyle/>
-          <a:p>
-            <a:pPr>
-              <a:lnSpc>
-                <a:spcPct val="100000"/>
-              </a:lnSpc>
-            </a:pPr>
-            <a:r>
-              <a:rPr lang="en-US" sz="1800" b="0" strike="noStrike" spc="-1">
-                <a:solidFill>
-                  <a:srgbClr val="000000"/>
-                </a:solidFill>
-                <a:latin typeface="Arial"/>
-                <a:ea typeface="DejaVu Sans"/>
-              </a:rPr>
-              <a:t>During condition 1 y 2, our ROI is representing the same </a:t>
-            </a:r>
-            <a:r>
-              <a:rPr lang="en-US" sz="1800" b="0" i="1" strike="noStrike" spc="-1">
-                <a:solidFill>
-                  <a:srgbClr val="000000"/>
-                </a:solidFill>
-                <a:latin typeface="Arial"/>
-                <a:ea typeface="DejaVu Sans"/>
-              </a:rPr>
-              <a:t>thing</a:t>
-            </a:r>
-            <a:r>
-              <a:rPr lang="en-US" sz="1800" b="0" strike="noStrike" spc="-1">
-                <a:solidFill>
-                  <a:srgbClr val="000000"/>
-                </a:solidFill>
-                <a:latin typeface="Arial"/>
-                <a:ea typeface="DejaVu Sans"/>
-              </a:rPr>
-              <a:t>; during condition 3 is representing </a:t>
-            </a:r>
-            <a:r>
-              <a:rPr lang="en-US" sz="1800" b="0" i="1" strike="noStrike" spc="-1">
-                <a:solidFill>
-                  <a:srgbClr val="000000"/>
-                </a:solidFill>
-                <a:latin typeface="Arial"/>
-                <a:ea typeface="DejaVu Sans"/>
-              </a:rPr>
-              <a:t>something else</a:t>
-            </a:r>
-            <a:r>
-              <a:rPr lang="en-US" sz="1800" b="0" strike="noStrike" spc="-1">
-                <a:solidFill>
-                  <a:srgbClr val="000000"/>
-                </a:solidFill>
-                <a:latin typeface="Arial"/>
-                <a:ea typeface="DejaVu Sans"/>
-              </a:rPr>
-              <a:t>.</a:t>
-            </a:r>
-            <a:endParaRPr lang="en-US" sz="1800" b="0" strike="noStrike" spc="-1">
-              <a:latin typeface="Arial"/>
-            </a:endParaRPr>
-          </a:p>
-        </p:txBody>
-      </p:sp>
-      <p:sp>
-        <p:nvSpPr>
-          <p:cNvPr id="23" name="CustomShape 7">
-            <a:extLst>
-              <a:ext uri="{FF2B5EF4-FFF2-40B4-BE49-F238E27FC236}">
-                <a16:creationId xmlns:a16="http://schemas.microsoft.com/office/drawing/2014/main" id="{FDDF25AA-88C1-5744-BC6F-304FB856258A}"/>
-              </a:ext>
-            </a:extLst>
-          </p:cNvPr>
-          <p:cNvSpPr/>
-          <p:nvPr/>
-        </p:nvSpPr>
-        <p:spPr>
-          <a:xfrm>
-            <a:off x="706056" y="371479"/>
-            <a:ext cx="8709194" cy="542520"/>
-          </a:xfrm>
-          <a:prstGeom prst="rect">
-            <a:avLst/>
-          </a:prstGeom>
-          <a:noFill/>
-          <a:ln>
-            <a:noFill/>
-          </a:ln>
-        </p:spPr>
-        <p:style>
-          <a:lnRef idx="0">
-            <a:scrgbClr r="0" g="0" b="0"/>
-          </a:lnRef>
-          <a:fillRef idx="0">
-            <a:scrgbClr r="0" g="0" b="0"/>
-          </a:fillRef>
-          <a:effectRef idx="0">
-            <a:scrgbClr r="0" g="0" b="0"/>
-          </a:effectRef>
-          <a:fontRef idx="minor"/>
-        </p:style>
-        <p:txBody>
-          <a:bodyPr lIns="90000" tIns="45000" rIns="90000" bIns="45000"/>
-          <a:lstStyle/>
-          <a:p>
-            <a:pPr>
-              <a:lnSpc>
-                <a:spcPct val="100000"/>
-              </a:lnSpc>
-            </a:pPr>
-            <a:r>
-              <a:rPr lang="en-US" sz="2400" u="sng" strike="noStrike" spc="-1" dirty="0">
-                <a:solidFill>
-                  <a:srgbClr val="000000"/>
-                </a:solidFill>
-                <a:latin typeface="Baskerville Old Face" panose="02020602080505020303" pitchFamily="18" charset="77"/>
-                <a:ea typeface="DejaVu Sans"/>
-              </a:rPr>
-              <a:t>Representational Similarity Analysis (RSA; </a:t>
-            </a:r>
-            <a:r>
-              <a:rPr lang="en-US" sz="1400" strike="noStrike" spc="-1" dirty="0" err="1">
-                <a:solidFill>
-                  <a:srgbClr val="000000"/>
-                </a:solidFill>
-                <a:latin typeface="Baskerville Old Face" panose="02020602080505020303" pitchFamily="18" charset="77"/>
-                <a:ea typeface="DejaVu Sans"/>
-              </a:rPr>
-              <a:t>Kriegeskorte</a:t>
-            </a:r>
-            <a:r>
-              <a:rPr lang="en-US" sz="1400" strike="noStrike" spc="-1" dirty="0">
-                <a:solidFill>
-                  <a:srgbClr val="000000"/>
-                </a:solidFill>
-                <a:latin typeface="Baskerville Old Face" panose="02020602080505020303" pitchFamily="18" charset="77"/>
-                <a:ea typeface="DejaVu Sans"/>
-              </a:rPr>
-              <a:t>, Mur and </a:t>
-            </a:r>
-            <a:r>
-              <a:rPr lang="en-US" sz="1400" strike="noStrike" spc="-1" dirty="0" err="1">
-                <a:solidFill>
-                  <a:srgbClr val="000000"/>
-                </a:solidFill>
-                <a:latin typeface="Baskerville Old Face" panose="02020602080505020303" pitchFamily="18" charset="77"/>
-                <a:ea typeface="DejaVu Sans"/>
-              </a:rPr>
-              <a:t>Bandettini</a:t>
-            </a:r>
-            <a:r>
-              <a:rPr lang="en-US" sz="1400" strike="noStrike" spc="-1" dirty="0">
-                <a:solidFill>
-                  <a:srgbClr val="000000"/>
-                </a:solidFill>
-                <a:latin typeface="Baskerville Old Face" panose="02020602080505020303" pitchFamily="18" charset="77"/>
-                <a:ea typeface="DejaVu Sans"/>
-              </a:rPr>
-              <a:t>, 2008</a:t>
-            </a:r>
-            <a:r>
-              <a:rPr lang="en-US" sz="2400" u="sng" spc="-1" dirty="0">
-                <a:solidFill>
-                  <a:srgbClr val="000000"/>
-                </a:solidFill>
-                <a:latin typeface="Baskerville Old Face" panose="02020602080505020303" pitchFamily="18" charset="77"/>
-                <a:ea typeface="DejaVu Sans"/>
-              </a:rPr>
-              <a:t>)</a:t>
-            </a:r>
-            <a:endParaRPr lang="en-US" sz="2400" u="sng" strike="noStrike" spc="-1" dirty="0">
-              <a:latin typeface="Baskerville Old Face" panose="02020602080505020303" pitchFamily="18" charset="77"/>
-            </a:endParaRPr>
-          </a:p>
-          <a:p>
-            <a:pPr>
-              <a:lnSpc>
-                <a:spcPct val="100000"/>
-              </a:lnSpc>
-            </a:pPr>
-            <a:endParaRPr lang="en-US" sz="2400" u="sng" strike="noStrike" spc="-1" dirty="0">
-              <a:latin typeface="Baskerville Old Face" panose="02020602080505020303" pitchFamily="18" charset="77"/>
-            </a:endParaRPr>
-          </a:p>
-          <a:p>
-            <a:pPr>
-              <a:lnSpc>
-                <a:spcPct val="100000"/>
-              </a:lnSpc>
-            </a:pPr>
-            <a:endParaRPr lang="en-US" sz="2400" u="sng" strike="noStrike" spc="-1" dirty="0">
-              <a:latin typeface="Baskerville Old Face" panose="02020602080505020303" pitchFamily="18" charset="77"/>
-            </a:endParaRPr>
-          </a:p>
-        </p:txBody>
-      </p:sp>
-      <p:sp>
-        <p:nvSpPr>
-          <p:cNvPr id="24" name="CustomShape 8">
-            <a:extLst>
-              <a:ext uri="{FF2B5EF4-FFF2-40B4-BE49-F238E27FC236}">
-                <a16:creationId xmlns:a16="http://schemas.microsoft.com/office/drawing/2014/main" id="{B49D739B-4CD9-904F-B172-8707681FAB20}"/>
-              </a:ext>
-            </a:extLst>
-          </p:cNvPr>
-          <p:cNvSpPr/>
-          <p:nvPr/>
-        </p:nvSpPr>
-        <p:spPr>
-          <a:xfrm>
-            <a:off x="607675" y="1285920"/>
-            <a:ext cx="7998480" cy="542520"/>
-          </a:xfrm>
-          <a:prstGeom prst="rect">
-            <a:avLst/>
-          </a:prstGeom>
-          <a:noFill/>
-          <a:ln>
-            <a:noFill/>
-          </a:ln>
-        </p:spPr>
-        <p:style>
-          <a:lnRef idx="0">
-            <a:scrgbClr r="0" g="0" b="0"/>
-          </a:lnRef>
-          <a:fillRef idx="0">
-            <a:scrgbClr r="0" g="0" b="0"/>
-          </a:fillRef>
-          <a:effectRef idx="0">
-            <a:scrgbClr r="0" g="0" b="0"/>
-          </a:effectRef>
-          <a:fontRef idx="minor"/>
-        </p:style>
-        <p:txBody>
-          <a:bodyPr lIns="90000" tIns="45000" rIns="90000" bIns="45000"/>
-          <a:lstStyle/>
-          <a:p>
-            <a:pPr>
-              <a:lnSpc>
-                <a:spcPct val="100000"/>
-              </a:lnSpc>
-            </a:pPr>
-            <a:r>
-              <a:rPr lang="en-US" sz="1800" b="0" strike="noStrike" spc="-1" dirty="0">
-                <a:solidFill>
-                  <a:srgbClr val="000000"/>
-                </a:solidFill>
-                <a:latin typeface="Arial"/>
-                <a:ea typeface="DejaVu Sans"/>
-              </a:rPr>
-              <a:t>Using similarity between activity patterns to infer representational structure.</a:t>
-            </a:r>
-            <a:endParaRPr lang="en-US" sz="1800" b="0" strike="noStrike" spc="-1" dirty="0">
-              <a:latin typeface="Arial"/>
-            </a:endParaRPr>
-          </a:p>
-        </p:txBody>
       </p:sp>
     </p:spTree>
   </p:cSld>
@@ -46740,936 +45489,6 @@
           </a:p>
         </p:txBody>
       </p:sp>
-      <p:pic>
-        <p:nvPicPr>
-          <p:cNvPr id="494" name="Picture 4"/>
-          <p:cNvPicPr/>
-          <p:nvPr/>
-        </p:nvPicPr>
-        <p:blipFill>
-          <a:blip r:embed="rId3"/>
-          <a:srcRect r="56028" b="77738"/>
-          <a:stretch/>
-        </p:blipFill>
-        <p:spPr>
-          <a:xfrm>
-            <a:off x="3889440" y="4297680"/>
-            <a:ext cx="1638720" cy="1462680"/>
-          </a:xfrm>
-          <a:prstGeom prst="rect">
-            <a:avLst/>
-          </a:prstGeom>
-          <a:ln w="9360">
-            <a:noFill/>
-          </a:ln>
-        </p:spPr>
-      </p:pic>
-      <p:pic>
-        <p:nvPicPr>
-          <p:cNvPr id="495" name="Picture 4"/>
-          <p:cNvPicPr/>
-          <p:nvPr/>
-        </p:nvPicPr>
-        <p:blipFill>
-          <a:blip r:embed="rId3"/>
-          <a:srcRect l="56901" r="-3454" b="77738"/>
-          <a:stretch/>
-        </p:blipFill>
-        <p:spPr>
-          <a:xfrm>
-            <a:off x="6014880" y="4297680"/>
-            <a:ext cx="1735560" cy="1462680"/>
-          </a:xfrm>
-          <a:prstGeom prst="rect">
-            <a:avLst/>
-          </a:prstGeom>
-          <a:ln w="9360">
-            <a:noFill/>
-          </a:ln>
-        </p:spPr>
-      </p:pic>
-      <p:pic>
-        <p:nvPicPr>
-          <p:cNvPr id="496" name="Picture 4"/>
-          <p:cNvPicPr/>
-          <p:nvPr/>
-        </p:nvPicPr>
-        <p:blipFill>
-          <a:blip r:embed="rId3"/>
-          <a:srcRect l="56901" r="-3454" b="77738"/>
-          <a:stretch/>
-        </p:blipFill>
-        <p:spPr>
-          <a:xfrm>
-            <a:off x="6106320" y="4297680"/>
-            <a:ext cx="1735560" cy="1462680"/>
-          </a:xfrm>
-          <a:prstGeom prst="rect">
-            <a:avLst/>
-          </a:prstGeom>
-          <a:ln w="9360">
-            <a:noFill/>
-          </a:ln>
-        </p:spPr>
-      </p:pic>
-      <p:graphicFrame>
-        <p:nvGraphicFramePr>
-          <p:cNvPr id="497" name="Table 9"/>
-          <p:cNvGraphicFramePr/>
-          <p:nvPr/>
-        </p:nvGraphicFramePr>
-        <p:xfrm>
-          <a:off x="8381880" y="4435920"/>
-          <a:ext cx="1402560" cy="1258560"/>
-        </p:xfrm>
-        <a:graphic>
-          <a:graphicData uri="http://schemas.openxmlformats.org/drawingml/2006/table">
-            <a:tbl>
-              <a:tblPr/>
-              <a:tblGrid>
-                <a:gridCol w="467640">
-                  <a:extLst>
-                    <a:ext uri="{9D8B030D-6E8A-4147-A177-3AD203B41FA5}">
-                      <a16:colId xmlns:a16="http://schemas.microsoft.com/office/drawing/2014/main" val="20000"/>
-                    </a:ext>
-                  </a:extLst>
-                </a:gridCol>
-                <a:gridCol w="467640">
-                  <a:extLst>
-                    <a:ext uri="{9D8B030D-6E8A-4147-A177-3AD203B41FA5}">
-                      <a16:colId xmlns:a16="http://schemas.microsoft.com/office/drawing/2014/main" val="20001"/>
-                    </a:ext>
-                  </a:extLst>
-                </a:gridCol>
-                <a:gridCol w="467280">
-                  <a:extLst>
-                    <a:ext uri="{9D8B030D-6E8A-4147-A177-3AD203B41FA5}">
-                      <a16:colId xmlns:a16="http://schemas.microsoft.com/office/drawing/2014/main" val="20002"/>
-                    </a:ext>
-                  </a:extLst>
-                </a:gridCol>
-              </a:tblGrid>
-              <a:tr h="420120">
-                <a:tc>
-                  <a:txBody>
-                    <a:bodyPr/>
-                    <a:lstStyle/>
-                    <a:p>
-                      <a:endParaRPr lang="es-DE"/>
-                    </a:p>
-                  </a:txBody>
-                  <a:tcPr marL="90000" marR="90000">
-                    <a:lnL w="720">
-                      <a:solidFill>
-                        <a:srgbClr val="FFFFFF"/>
-                      </a:solidFill>
-                    </a:lnL>
-                    <a:lnR w="720">
-                      <a:solidFill>
-                        <a:srgbClr val="FFFFFF"/>
-                      </a:solidFill>
-                    </a:lnR>
-                    <a:lnT w="720">
-                      <a:solidFill>
-                        <a:srgbClr val="FFFFFF"/>
-                      </a:solidFill>
-                    </a:lnT>
-                    <a:lnB w="720">
-                      <a:solidFill>
-                        <a:srgbClr val="FFFFFF"/>
-                      </a:solidFill>
-                    </a:lnB>
-                    <a:solidFill>
-                      <a:srgbClr val="7F7F7F"/>
-                    </a:solidFill>
-                  </a:tcPr>
-                </a:tc>
-                <a:tc>
-                  <a:txBody>
-                    <a:bodyPr/>
-                    <a:lstStyle/>
-                    <a:p>
-                      <a:endParaRPr lang="es-DE"/>
-                    </a:p>
-                  </a:txBody>
-                  <a:tcPr marL="90000" marR="90000">
-                    <a:lnL w="720">
-                      <a:solidFill>
-                        <a:srgbClr val="FFFFFF"/>
-                      </a:solidFill>
-                    </a:lnL>
-                    <a:lnR w="720">
-                      <a:solidFill>
-                        <a:srgbClr val="FFFFFF"/>
-                      </a:solidFill>
-                    </a:lnR>
-                    <a:lnT w="720">
-                      <a:solidFill>
-                        <a:srgbClr val="FFFFFF"/>
-                      </a:solidFill>
-                    </a:lnT>
-                    <a:lnB w="720">
-                      <a:solidFill>
-                        <a:srgbClr val="FFFFFF"/>
-                      </a:solidFill>
-                    </a:lnB>
-                    <a:solidFill>
-                      <a:srgbClr val="BABABA"/>
-                    </a:solidFill>
-                  </a:tcPr>
-                </a:tc>
-                <a:tc>
-                  <a:txBody>
-                    <a:bodyPr/>
-                    <a:lstStyle/>
-                    <a:p>
-                      <a:endParaRPr lang="es-DE"/>
-                    </a:p>
-                  </a:txBody>
-                  <a:tcPr marL="90000" marR="90000">
-                    <a:lnL w="720">
-                      <a:solidFill>
-                        <a:srgbClr val="FFFFFF"/>
-                      </a:solidFill>
-                    </a:lnL>
-                    <a:lnR w="720">
-                      <a:solidFill>
-                        <a:srgbClr val="FFFFFF"/>
-                      </a:solidFill>
-                    </a:lnR>
-                    <a:lnT w="720">
-                      <a:solidFill>
-                        <a:srgbClr val="FFFFFF"/>
-                      </a:solidFill>
-                    </a:lnT>
-                    <a:lnB w="720">
-                      <a:solidFill>
-                        <a:srgbClr val="FFFFFF"/>
-                      </a:solidFill>
-                    </a:lnB>
-                    <a:solidFill>
-                      <a:srgbClr val="B3B3B3"/>
-                    </a:solidFill>
-                  </a:tcPr>
-                </a:tc>
-                <a:extLst>
-                  <a:ext uri="{0D108BD9-81ED-4DB2-BD59-A6C34878D82A}">
-                    <a16:rowId xmlns:a16="http://schemas.microsoft.com/office/drawing/2014/main" val="10000"/>
-                  </a:ext>
-                </a:extLst>
-              </a:tr>
-              <a:tr h="420120">
-                <a:tc>
-                  <a:txBody>
-                    <a:bodyPr/>
-                    <a:lstStyle/>
-                    <a:p>
-                      <a:endParaRPr lang="es-DE"/>
-                    </a:p>
-                  </a:txBody>
-                  <a:tcPr marL="90000" marR="90000">
-                    <a:lnL w="720">
-                      <a:solidFill>
-                        <a:srgbClr val="FFFFFF"/>
-                      </a:solidFill>
-                    </a:lnL>
-                    <a:lnR w="720">
-                      <a:solidFill>
-                        <a:srgbClr val="FFFFFF"/>
-                      </a:solidFill>
-                    </a:lnR>
-                    <a:lnT w="720">
-                      <a:solidFill>
-                        <a:srgbClr val="FFFFFF"/>
-                      </a:solidFill>
-                    </a:lnT>
-                    <a:lnB w="720">
-                      <a:solidFill>
-                        <a:srgbClr val="FFFFFF"/>
-                      </a:solidFill>
-                    </a:lnB>
-                    <a:solidFill>
-                      <a:srgbClr val="CCCCCC"/>
-                    </a:solidFill>
-                  </a:tcPr>
-                </a:tc>
-                <a:tc>
-                  <a:txBody>
-                    <a:bodyPr/>
-                    <a:lstStyle/>
-                    <a:p>
-                      <a:endParaRPr lang="es-DE"/>
-                    </a:p>
-                  </a:txBody>
-                  <a:tcPr marL="90000" marR="90000">
-                    <a:lnL w="720">
-                      <a:solidFill>
-                        <a:srgbClr val="FFFFFF"/>
-                      </a:solidFill>
-                    </a:lnL>
-                    <a:lnR w="720">
-                      <a:solidFill>
-                        <a:srgbClr val="FFFFFF"/>
-                      </a:solidFill>
-                    </a:lnR>
-                    <a:lnT w="720">
-                      <a:solidFill>
-                        <a:srgbClr val="FFFFFF"/>
-                      </a:solidFill>
-                    </a:lnT>
-                    <a:lnB w="720">
-                      <a:solidFill>
-                        <a:srgbClr val="FFFFFF"/>
-                      </a:solidFill>
-                    </a:lnB>
-                    <a:solidFill>
-                      <a:srgbClr val="4C4C4C"/>
-                    </a:solidFill>
-                  </a:tcPr>
-                </a:tc>
-                <a:tc>
-                  <a:txBody>
-                    <a:bodyPr/>
-                    <a:lstStyle/>
-                    <a:p>
-                      <a:endParaRPr lang="es-DE"/>
-                    </a:p>
-                  </a:txBody>
-                  <a:tcPr marL="90000" marR="90000">
-                    <a:lnL w="720">
-                      <a:solidFill>
-                        <a:srgbClr val="FFFFFF"/>
-                      </a:solidFill>
-                    </a:lnL>
-                    <a:lnR w="720">
-                      <a:solidFill>
-                        <a:srgbClr val="FFFFFF"/>
-                      </a:solidFill>
-                    </a:lnR>
-                    <a:lnT w="720">
-                      <a:solidFill>
-                        <a:srgbClr val="FFFFFF"/>
-                      </a:solidFill>
-                    </a:lnT>
-                    <a:lnB w="720">
-                      <a:solidFill>
-                        <a:srgbClr val="FFFFFF"/>
-                      </a:solidFill>
-                    </a:lnB>
-                    <a:solidFill>
-                      <a:srgbClr val="CCCCCC"/>
-                    </a:solidFill>
-                  </a:tcPr>
-                </a:tc>
-                <a:extLst>
-                  <a:ext uri="{0D108BD9-81ED-4DB2-BD59-A6C34878D82A}">
-                    <a16:rowId xmlns:a16="http://schemas.microsoft.com/office/drawing/2014/main" val="10001"/>
-                  </a:ext>
-                </a:extLst>
-              </a:tr>
-              <a:tr h="418320">
-                <a:tc>
-                  <a:txBody>
-                    <a:bodyPr/>
-                    <a:lstStyle/>
-                    <a:p>
-                      <a:endParaRPr lang="es-DE"/>
-                    </a:p>
-                  </a:txBody>
-                  <a:tcPr marL="90000" marR="90000">
-                    <a:lnL w="720">
-                      <a:solidFill>
-                        <a:srgbClr val="FFFFFF"/>
-                      </a:solidFill>
-                    </a:lnL>
-                    <a:lnR w="720">
-                      <a:solidFill>
-                        <a:srgbClr val="FFFFFF"/>
-                      </a:solidFill>
-                    </a:lnR>
-                    <a:lnT w="720">
-                      <a:solidFill>
-                        <a:srgbClr val="FFFFFF"/>
-                      </a:solidFill>
-                    </a:lnT>
-                    <a:lnB w="720">
-                      <a:solidFill>
-                        <a:srgbClr val="FFFFFF"/>
-                      </a:solidFill>
-                    </a:lnB>
-                    <a:solidFill>
-                      <a:srgbClr val="E6E6E6"/>
-                    </a:solidFill>
-                  </a:tcPr>
-                </a:tc>
-                <a:tc>
-                  <a:txBody>
-                    <a:bodyPr/>
-                    <a:lstStyle/>
-                    <a:p>
-                      <a:endParaRPr lang="es-DE"/>
-                    </a:p>
-                  </a:txBody>
-                  <a:tcPr marL="90000" marR="90000">
-                    <a:lnL w="720">
-                      <a:solidFill>
-                        <a:srgbClr val="FFFFFF"/>
-                      </a:solidFill>
-                    </a:lnL>
-                    <a:lnR w="720">
-                      <a:solidFill>
-                        <a:srgbClr val="FFFFFF"/>
-                      </a:solidFill>
-                    </a:lnR>
-                    <a:lnT w="720">
-                      <a:solidFill>
-                        <a:srgbClr val="FFFFFF"/>
-                      </a:solidFill>
-                    </a:lnT>
-                    <a:lnB w="720">
-                      <a:solidFill>
-                        <a:srgbClr val="FFFFFF"/>
-                      </a:solidFill>
-                    </a:lnB>
-                    <a:solidFill>
-                      <a:srgbClr val="4C4C4C"/>
-                    </a:solidFill>
-                  </a:tcPr>
-                </a:tc>
-                <a:tc>
-                  <a:txBody>
-                    <a:bodyPr/>
-                    <a:lstStyle/>
-                    <a:p>
-                      <a:endParaRPr lang="es-DE"/>
-                    </a:p>
-                  </a:txBody>
-                  <a:tcPr marL="90000" marR="90000">
-                    <a:lnL w="720">
-                      <a:solidFill>
-                        <a:srgbClr val="FFFFFF"/>
-                      </a:solidFill>
-                    </a:lnL>
-                    <a:lnR w="720">
-                      <a:solidFill>
-                        <a:srgbClr val="FFFFFF"/>
-                      </a:solidFill>
-                    </a:lnR>
-                    <a:lnT w="720">
-                      <a:solidFill>
-                        <a:srgbClr val="FFFFFF"/>
-                      </a:solidFill>
-                    </a:lnT>
-                    <a:lnB w="720">
-                      <a:solidFill>
-                        <a:srgbClr val="FFFFFF"/>
-                      </a:solidFill>
-                    </a:lnB>
-                    <a:solidFill>
-                      <a:srgbClr val="E6E6E6"/>
-                    </a:solidFill>
-                  </a:tcPr>
-                </a:tc>
-                <a:extLst>
-                  <a:ext uri="{0D108BD9-81ED-4DB2-BD59-A6C34878D82A}">
-                    <a16:rowId xmlns:a16="http://schemas.microsoft.com/office/drawing/2014/main" val="10002"/>
-                  </a:ext>
-                </a:extLst>
-              </a:tr>
-            </a:tbl>
-          </a:graphicData>
-        </a:graphic>
-      </p:graphicFrame>
-      <p:sp>
-        <p:nvSpPr>
-          <p:cNvPr id="498" name="CustomShape 10"/>
-          <p:cNvSpPr/>
-          <p:nvPr/>
-        </p:nvSpPr>
-        <p:spPr>
-          <a:xfrm>
-            <a:off x="5577840" y="5029200"/>
-            <a:ext cx="528120" cy="182520"/>
-          </a:xfrm>
-          <a:custGeom>
-            <a:avLst/>
-            <a:gdLst/>
-            <a:ahLst/>
-            <a:cxnLst/>
-            <a:rect l="l" t="t" r="r" b="b"/>
-            <a:pathLst>
-              <a:path w="1470" h="510">
-                <a:moveTo>
-                  <a:pt x="0" y="254"/>
-                </a:moveTo>
-                <a:lnTo>
-                  <a:pt x="292" y="0"/>
-                </a:lnTo>
-                <a:lnTo>
-                  <a:pt x="292" y="127"/>
-                </a:lnTo>
-                <a:lnTo>
-                  <a:pt x="1176" y="127"/>
-                </a:lnTo>
-                <a:lnTo>
-                  <a:pt x="1176" y="0"/>
-                </a:lnTo>
-                <a:lnTo>
-                  <a:pt x="1469" y="254"/>
-                </a:lnTo>
-                <a:lnTo>
-                  <a:pt x="1176" y="509"/>
-                </a:lnTo>
-                <a:lnTo>
-                  <a:pt x="1176" y="381"/>
-                </a:lnTo>
-                <a:lnTo>
-                  <a:pt x="292" y="381"/>
-                </a:lnTo>
-                <a:lnTo>
-                  <a:pt x="292" y="509"/>
-                </a:lnTo>
-                <a:lnTo>
-                  <a:pt x="0" y="254"/>
-                </a:lnTo>
-              </a:path>
-            </a:pathLst>
-          </a:custGeom>
-          <a:solidFill>
-            <a:srgbClr val="4C4C4C"/>
-          </a:solidFill>
-          <a:ln>
-            <a:solidFill>
-              <a:srgbClr val="3465A4"/>
-            </a:solidFill>
-          </a:ln>
-        </p:spPr>
-        <p:style>
-          <a:lnRef idx="0">
-            <a:scrgbClr r="0" g="0" b="0"/>
-          </a:lnRef>
-          <a:fillRef idx="0">
-            <a:scrgbClr r="0" g="0" b="0"/>
-          </a:fillRef>
-          <a:effectRef idx="0">
-            <a:scrgbClr r="0" g="0" b="0"/>
-          </a:effectRef>
-          <a:fontRef idx="minor"/>
-        </p:style>
-      </p:sp>
-      <p:sp>
-        <p:nvSpPr>
-          <p:cNvPr id="499" name="CustomShape 11"/>
-          <p:cNvSpPr/>
-          <p:nvPr/>
-        </p:nvSpPr>
-        <p:spPr>
-          <a:xfrm>
-            <a:off x="7680960" y="5029200"/>
-            <a:ext cx="528120" cy="182520"/>
-          </a:xfrm>
-          <a:custGeom>
-            <a:avLst/>
-            <a:gdLst/>
-            <a:ahLst/>
-            <a:cxnLst/>
-            <a:rect l="l" t="t" r="r" b="b"/>
-            <a:pathLst>
-              <a:path w="1470" h="510">
-                <a:moveTo>
-                  <a:pt x="0" y="254"/>
-                </a:moveTo>
-                <a:lnTo>
-                  <a:pt x="292" y="0"/>
-                </a:lnTo>
-                <a:lnTo>
-                  <a:pt x="292" y="127"/>
-                </a:lnTo>
-                <a:lnTo>
-                  <a:pt x="1176" y="127"/>
-                </a:lnTo>
-                <a:lnTo>
-                  <a:pt x="1176" y="0"/>
-                </a:lnTo>
-                <a:lnTo>
-                  <a:pt x="1469" y="254"/>
-                </a:lnTo>
-                <a:lnTo>
-                  <a:pt x="1176" y="509"/>
-                </a:lnTo>
-                <a:lnTo>
-                  <a:pt x="1176" y="381"/>
-                </a:lnTo>
-                <a:lnTo>
-                  <a:pt x="292" y="381"/>
-                </a:lnTo>
-                <a:lnTo>
-                  <a:pt x="292" y="509"/>
-                </a:lnTo>
-                <a:lnTo>
-                  <a:pt x="0" y="254"/>
-                </a:lnTo>
-              </a:path>
-            </a:pathLst>
-          </a:custGeom>
-          <a:solidFill>
-            <a:srgbClr val="4C4C4C"/>
-          </a:solidFill>
-          <a:ln>
-            <a:solidFill>
-              <a:srgbClr val="3465A4"/>
-            </a:solidFill>
-          </a:ln>
-        </p:spPr>
-        <p:style>
-          <a:lnRef idx="0">
-            <a:scrgbClr r="0" g="0" b="0"/>
-          </a:lnRef>
-          <a:fillRef idx="0">
-            <a:scrgbClr r="0" g="0" b="0"/>
-          </a:fillRef>
-          <a:effectRef idx="0">
-            <a:scrgbClr r="0" g="0" b="0"/>
-          </a:effectRef>
-          <a:fontRef idx="minor"/>
-        </p:style>
-      </p:sp>
-      <p:sp>
-        <p:nvSpPr>
-          <p:cNvPr id="500" name="CustomShape 12"/>
-          <p:cNvSpPr/>
-          <p:nvPr/>
-        </p:nvSpPr>
-        <p:spPr>
-          <a:xfrm>
-            <a:off x="5120640" y="6035040"/>
-            <a:ext cx="1554120" cy="542520"/>
-          </a:xfrm>
-          <a:prstGeom prst="rect">
-            <a:avLst/>
-          </a:prstGeom>
-          <a:noFill/>
-          <a:ln>
-            <a:noFill/>
-          </a:ln>
-        </p:spPr>
-        <p:style>
-          <a:lnRef idx="0">
-            <a:scrgbClr r="0" g="0" b="0"/>
-          </a:lnRef>
-          <a:fillRef idx="0">
-            <a:scrgbClr r="0" g="0" b="0"/>
-          </a:fillRef>
-          <a:effectRef idx="0">
-            <a:scrgbClr r="0" g="0" b="0"/>
-          </a:effectRef>
-          <a:fontRef idx="minor"/>
-        </p:style>
-        <p:txBody>
-          <a:bodyPr lIns="90000" tIns="45000" rIns="90000" bIns="45000"/>
-          <a:lstStyle/>
-          <a:p>
-            <a:pPr>
-              <a:lnSpc>
-                <a:spcPct val="100000"/>
-              </a:lnSpc>
-            </a:pPr>
-            <a:r>
-              <a:rPr lang="en-US" sz="1800" b="0" i="1" strike="noStrike" spc="-1">
-                <a:solidFill>
-                  <a:srgbClr val="000000"/>
-                </a:solidFill>
-                <a:latin typeface="Arial"/>
-                <a:ea typeface="DejaVu Sans"/>
-              </a:rPr>
-              <a:t>More similar</a:t>
-            </a:r>
-            <a:endParaRPr lang="en-US" sz="1800" b="0" strike="noStrike" spc="-1">
-              <a:latin typeface="Arial"/>
-            </a:endParaRPr>
-          </a:p>
-        </p:txBody>
-      </p:sp>
-      <p:sp>
-        <p:nvSpPr>
-          <p:cNvPr id="501" name="CustomShape 13"/>
-          <p:cNvSpPr/>
-          <p:nvPr/>
-        </p:nvSpPr>
-        <p:spPr>
-          <a:xfrm>
-            <a:off x="7315200" y="6040800"/>
-            <a:ext cx="1554120" cy="542520"/>
-          </a:xfrm>
-          <a:prstGeom prst="rect">
-            <a:avLst/>
-          </a:prstGeom>
-          <a:noFill/>
-          <a:ln>
-            <a:noFill/>
-          </a:ln>
-        </p:spPr>
-        <p:style>
-          <a:lnRef idx="0">
-            <a:scrgbClr r="0" g="0" b="0"/>
-          </a:lnRef>
-          <a:fillRef idx="0">
-            <a:scrgbClr r="0" g="0" b="0"/>
-          </a:fillRef>
-          <a:effectRef idx="0">
-            <a:scrgbClr r="0" g="0" b="0"/>
-          </a:effectRef>
-          <a:fontRef idx="minor"/>
-        </p:style>
-        <p:txBody>
-          <a:bodyPr lIns="90000" tIns="45000" rIns="90000" bIns="45000"/>
-          <a:lstStyle/>
-          <a:p>
-            <a:pPr>
-              <a:lnSpc>
-                <a:spcPct val="100000"/>
-              </a:lnSpc>
-            </a:pPr>
-            <a:r>
-              <a:rPr lang="en-US" sz="1800" b="0" i="1" strike="noStrike" spc="-1">
-                <a:solidFill>
-                  <a:srgbClr val="000000"/>
-                </a:solidFill>
-                <a:latin typeface="Arial"/>
-                <a:ea typeface="DejaVu Sans"/>
-              </a:rPr>
-              <a:t>Less similar</a:t>
-            </a:r>
-            <a:endParaRPr lang="en-US" sz="1800" b="0" strike="noStrike" spc="-1">
-              <a:latin typeface="Arial"/>
-            </a:endParaRPr>
-          </a:p>
-        </p:txBody>
-      </p:sp>
-      <p:sp>
-        <p:nvSpPr>
-          <p:cNvPr id="502" name="CustomShape 14"/>
-          <p:cNvSpPr/>
-          <p:nvPr/>
-        </p:nvSpPr>
-        <p:spPr>
-          <a:xfrm>
-            <a:off x="4071240" y="3846240"/>
-            <a:ext cx="1414800" cy="542520"/>
-          </a:xfrm>
-          <a:prstGeom prst="rect">
-            <a:avLst/>
-          </a:prstGeom>
-          <a:noFill/>
-          <a:ln>
-            <a:noFill/>
-          </a:ln>
-        </p:spPr>
-        <p:style>
-          <a:lnRef idx="0">
-            <a:scrgbClr r="0" g="0" b="0"/>
-          </a:lnRef>
-          <a:fillRef idx="0">
-            <a:scrgbClr r="0" g="0" b="0"/>
-          </a:fillRef>
-          <a:effectRef idx="0">
-            <a:scrgbClr r="0" g="0" b="0"/>
-          </a:effectRef>
-          <a:fontRef idx="minor"/>
-        </p:style>
-        <p:txBody>
-          <a:bodyPr lIns="90000" tIns="45000" rIns="90000" bIns="45000"/>
-          <a:lstStyle/>
-          <a:p>
-            <a:pPr>
-              <a:lnSpc>
-                <a:spcPct val="100000"/>
-              </a:lnSpc>
-            </a:pPr>
-            <a:r>
-              <a:rPr lang="en-US" sz="1800" b="0" strike="noStrike" spc="-1">
-                <a:solidFill>
-                  <a:srgbClr val="000000"/>
-                </a:solidFill>
-                <a:latin typeface="Arial"/>
-                <a:ea typeface="DejaVu Sans"/>
-              </a:rPr>
-              <a:t>Condition 1</a:t>
-            </a:r>
-            <a:endParaRPr lang="en-US" sz="1800" b="0" strike="noStrike" spc="-1">
-              <a:latin typeface="Arial"/>
-            </a:endParaRPr>
-          </a:p>
-        </p:txBody>
-      </p:sp>
-      <p:sp>
-        <p:nvSpPr>
-          <p:cNvPr id="503" name="CustomShape 15"/>
-          <p:cNvSpPr/>
-          <p:nvPr/>
-        </p:nvSpPr>
-        <p:spPr>
-          <a:xfrm>
-            <a:off x="6265800" y="3840480"/>
-            <a:ext cx="1414800" cy="542520"/>
-          </a:xfrm>
-          <a:prstGeom prst="rect">
-            <a:avLst/>
-          </a:prstGeom>
-          <a:noFill/>
-          <a:ln>
-            <a:noFill/>
-          </a:ln>
-        </p:spPr>
-        <p:style>
-          <a:lnRef idx="0">
-            <a:scrgbClr r="0" g="0" b="0"/>
-          </a:lnRef>
-          <a:fillRef idx="0">
-            <a:scrgbClr r="0" g="0" b="0"/>
-          </a:fillRef>
-          <a:effectRef idx="0">
-            <a:scrgbClr r="0" g="0" b="0"/>
-          </a:effectRef>
-          <a:fontRef idx="minor"/>
-        </p:style>
-        <p:txBody>
-          <a:bodyPr lIns="90000" tIns="45000" rIns="90000" bIns="45000"/>
-          <a:lstStyle/>
-          <a:p>
-            <a:pPr>
-              <a:lnSpc>
-                <a:spcPct val="100000"/>
-              </a:lnSpc>
-            </a:pPr>
-            <a:r>
-              <a:rPr lang="en-US" sz="1800" b="0" strike="noStrike" spc="-1">
-                <a:solidFill>
-                  <a:srgbClr val="000000"/>
-                </a:solidFill>
-                <a:latin typeface="Arial"/>
-                <a:ea typeface="DejaVu Sans"/>
-              </a:rPr>
-              <a:t>Condition 2</a:t>
-            </a:r>
-            <a:endParaRPr lang="en-US" sz="1800" b="0" strike="noStrike" spc="-1">
-              <a:latin typeface="Arial"/>
-            </a:endParaRPr>
-          </a:p>
-        </p:txBody>
-      </p:sp>
-      <p:sp>
-        <p:nvSpPr>
-          <p:cNvPr id="504" name="CustomShape 16"/>
-          <p:cNvSpPr/>
-          <p:nvPr/>
-        </p:nvSpPr>
-        <p:spPr>
-          <a:xfrm>
-            <a:off x="4071240" y="3846240"/>
-            <a:ext cx="1414800" cy="542520"/>
-          </a:xfrm>
-          <a:prstGeom prst="rect">
-            <a:avLst/>
-          </a:prstGeom>
-          <a:noFill/>
-          <a:ln>
-            <a:noFill/>
-          </a:ln>
-        </p:spPr>
-        <p:style>
-          <a:lnRef idx="0">
-            <a:scrgbClr r="0" g="0" b="0"/>
-          </a:lnRef>
-          <a:fillRef idx="0">
-            <a:scrgbClr r="0" g="0" b="0"/>
-          </a:fillRef>
-          <a:effectRef idx="0">
-            <a:scrgbClr r="0" g="0" b="0"/>
-          </a:effectRef>
-          <a:fontRef idx="minor"/>
-        </p:style>
-        <p:txBody>
-          <a:bodyPr lIns="90000" tIns="45000" rIns="90000" bIns="45000"/>
-          <a:lstStyle/>
-          <a:p>
-            <a:pPr>
-              <a:lnSpc>
-                <a:spcPct val="100000"/>
-              </a:lnSpc>
-            </a:pPr>
-            <a:r>
-              <a:rPr lang="en-US" sz="1800" b="0" strike="noStrike" spc="-1">
-                <a:solidFill>
-                  <a:srgbClr val="000000"/>
-                </a:solidFill>
-                <a:latin typeface="Arial"/>
-                <a:ea typeface="DejaVu Sans"/>
-              </a:rPr>
-              <a:t>Condition 1</a:t>
-            </a:r>
-            <a:endParaRPr lang="en-US" sz="1800" b="0" strike="noStrike" spc="-1">
-              <a:latin typeface="Arial"/>
-            </a:endParaRPr>
-          </a:p>
-        </p:txBody>
-      </p:sp>
-      <p:sp>
-        <p:nvSpPr>
-          <p:cNvPr id="505" name="CustomShape 17"/>
-          <p:cNvSpPr/>
-          <p:nvPr/>
-        </p:nvSpPr>
-        <p:spPr>
-          <a:xfrm>
-            <a:off x="8368920" y="3840480"/>
-            <a:ext cx="1414800" cy="542520"/>
-          </a:xfrm>
-          <a:prstGeom prst="rect">
-            <a:avLst/>
-          </a:prstGeom>
-          <a:noFill/>
-          <a:ln>
-            <a:noFill/>
-          </a:ln>
-        </p:spPr>
-        <p:style>
-          <a:lnRef idx="0">
-            <a:scrgbClr r="0" g="0" b="0"/>
-          </a:lnRef>
-          <a:fillRef idx="0">
-            <a:scrgbClr r="0" g="0" b="0"/>
-          </a:fillRef>
-          <a:effectRef idx="0">
-            <a:scrgbClr r="0" g="0" b="0"/>
-          </a:effectRef>
-          <a:fontRef idx="minor"/>
-        </p:style>
-        <p:txBody>
-          <a:bodyPr lIns="90000" tIns="45000" rIns="90000" bIns="45000"/>
-          <a:lstStyle/>
-          <a:p>
-            <a:pPr>
-              <a:lnSpc>
-                <a:spcPct val="100000"/>
-              </a:lnSpc>
-            </a:pPr>
-            <a:r>
-              <a:rPr lang="en-US" sz="1800" b="0" strike="noStrike" spc="-1">
-                <a:solidFill>
-                  <a:srgbClr val="000000"/>
-                </a:solidFill>
-                <a:latin typeface="Arial"/>
-                <a:ea typeface="DejaVu Sans"/>
-              </a:rPr>
-              <a:t>Condition 3</a:t>
-            </a:r>
-            <a:endParaRPr lang="en-US" sz="1800" b="0" strike="noStrike" spc="-1">
-              <a:latin typeface="Arial"/>
-            </a:endParaRPr>
-          </a:p>
-        </p:txBody>
-      </p:sp>
       <p:sp>
         <p:nvSpPr>
           <p:cNvPr id="22" name="CustomShape 7">
@@ -47802,6 +45621,36 @@
           </a:p>
         </p:txBody>
       </p:sp>
+      <p:pic>
+        <p:nvPicPr>
+          <p:cNvPr id="2" name="Imagen 1">
+            <a:extLst>
+              <a:ext uri="{FF2B5EF4-FFF2-40B4-BE49-F238E27FC236}">
+                <a16:creationId xmlns:a16="http://schemas.microsoft.com/office/drawing/2014/main" id="{EAE3A067-BE9A-21B0-D332-1B1C98CBBA07}"/>
+              </a:ext>
+            </a:extLst>
+          </p:cNvPr>
+          <p:cNvPicPr>
+            <a:picLocks noChangeAspect="1"/>
+          </p:cNvPicPr>
+          <p:nvPr/>
+        </p:nvPicPr>
+        <p:blipFill>
+          <a:blip r:embed="rId3"/>
+          <a:stretch>
+            <a:fillRect/>
+          </a:stretch>
+        </p:blipFill>
+        <p:spPr>
+          <a:xfrm>
+            <a:off x="5192210" y="4151404"/>
+            <a:ext cx="4495800" cy="1845766"/>
+          </a:xfrm>
+          <a:prstGeom prst="rect">
+            <a:avLst/>
+          </a:prstGeom>
+        </p:spPr>
+      </p:pic>
     </p:spTree>
   </p:cSld>
   <p:clrMapOvr>
@@ -48936,8 +46785,8 @@
         </p:nvSpPr>
         <p:spPr>
           <a:xfrm>
-            <a:off x="816864" y="1164000"/>
-            <a:ext cx="7570080" cy="4751640"/>
+            <a:off x="816863" y="1164000"/>
+            <a:ext cx="8237489" cy="4751640"/>
           </a:xfrm>
           <a:prstGeom prst="rect">
             <a:avLst/>
@@ -49329,7 +47178,7 @@
                 <a:latin typeface="Baskerville Old Face"/>
                 <a:ea typeface="DejaVu Sans"/>
               </a:rPr>
-              <a:t>Classification in fMRI. Key concepts.</a:t>
+              <a:t>Classification in fMRI. Key concepts (jargon).</a:t>
             </a:r>
             <a:endParaRPr lang="en-US" sz="2400" b="0" strike="noStrike" spc="-1" dirty="0">
               <a:latin typeface="Arial"/>
@@ -50753,7 +48602,7 @@
                 </a:solidFill>
                 <a:latin typeface="Baskerville Old Face"/>
               </a:rPr>
-              <a:t>Validation is the process of using fine tuned tests to discover the pattern that the algorithm as learned.</a:t>
+              <a:t>Validation is the process of using fine-tuned tests to discover the pattern that the algorithm has learned.</a:t>
             </a:r>
           </a:p>
           <a:p>
